--- a/Lectures/Lecture5.pptx
+++ b/Lectures/Lecture5.pptx
@@ -283,7 +283,7 @@
           <a:p>
             <a:fld id="{CBA08D16-15DC-4E25-BDC3-F25146157B16}" type="datetimeFigureOut">
               <a:rPr lang="ru-RU" smtClean="0"/>
-              <a:t>11.10.2018</a:t>
+              <a:t>15.10.2018</a:t>
             </a:fld>
             <a:endParaRPr lang="ru-RU"/>
           </a:p>
@@ -682,7 +682,7 @@
           <a:p>
             <a:fld id="{FCEC8293-DB51-454A-BE81-EC8FCB31EBA2}" type="datetime1">
               <a:rPr lang="ru-RU" smtClean="0"/>
-              <a:t>11.10.2018</a:t>
+              <a:t>15.10.2018</a:t>
             </a:fld>
             <a:endParaRPr lang="ru-RU"/>
           </a:p>
@@ -856,7 +856,7 @@
           <a:p>
             <a:fld id="{241C87B1-1C35-4DBD-BC18-2BC72E776603}" type="datetime1">
               <a:rPr lang="ru-RU" smtClean="0"/>
-              <a:t>11.10.2018</a:t>
+              <a:t>15.10.2018</a:t>
             </a:fld>
             <a:endParaRPr lang="ru-RU"/>
           </a:p>
@@ -1040,7 +1040,7 @@
           <a:p>
             <a:fld id="{3134C275-26C0-42CD-9111-9ADE65922AF9}" type="datetime1">
               <a:rPr lang="ru-RU" smtClean="0"/>
-              <a:t>11.10.2018</a:t>
+              <a:t>15.10.2018</a:t>
             </a:fld>
             <a:endParaRPr lang="ru-RU"/>
           </a:p>
@@ -1214,7 +1214,7 @@
           <a:p>
             <a:fld id="{C1A9A50B-C350-45F5-8AAB-ADB9E670AF2E}" type="datetime1">
               <a:rPr lang="ru-RU" smtClean="0"/>
-              <a:t>11.10.2018</a:t>
+              <a:t>15.10.2018</a:t>
             </a:fld>
             <a:endParaRPr lang="ru-RU"/>
           </a:p>
@@ -1464,7 +1464,7 @@
           <a:p>
             <a:fld id="{089688C9-348F-42F9-B6C0-5990DDE0C5B2}" type="datetime1">
               <a:rPr lang="ru-RU" smtClean="0"/>
-              <a:t>11.10.2018</a:t>
+              <a:t>15.10.2018</a:t>
             </a:fld>
             <a:endParaRPr lang="ru-RU"/>
           </a:p>
@@ -1700,7 +1700,7 @@
           <a:p>
             <a:fld id="{684AFD8F-6DD9-4AD3-A505-FDC3F5C5F3F6}" type="datetime1">
               <a:rPr lang="ru-RU" smtClean="0"/>
-              <a:t>11.10.2018</a:t>
+              <a:t>15.10.2018</a:t>
             </a:fld>
             <a:endParaRPr lang="ru-RU"/>
           </a:p>
@@ -2071,7 +2071,7 @@
           <a:p>
             <a:fld id="{63551EFE-4D02-45EB-A747-8B6F047B5AA0}" type="datetime1">
               <a:rPr lang="ru-RU" smtClean="0"/>
-              <a:t>11.10.2018</a:t>
+              <a:t>15.10.2018</a:t>
             </a:fld>
             <a:endParaRPr lang="ru-RU"/>
           </a:p>
@@ -2193,7 +2193,7 @@
           <a:p>
             <a:fld id="{813A9F34-E5CD-4B8F-AA9E-889C84372B20}" type="datetime1">
               <a:rPr lang="ru-RU" smtClean="0"/>
-              <a:t>11.10.2018</a:t>
+              <a:t>15.10.2018</a:t>
             </a:fld>
             <a:endParaRPr lang="ru-RU"/>
           </a:p>
@@ -2292,7 +2292,7 @@
           <a:p>
             <a:fld id="{51224D22-9B29-44A6-8E82-95FC492DEDC1}" type="datetime1">
               <a:rPr lang="ru-RU" smtClean="0"/>
-              <a:t>11.10.2018</a:t>
+              <a:t>15.10.2018</a:t>
             </a:fld>
             <a:endParaRPr lang="ru-RU"/>
           </a:p>
@@ -2573,7 +2573,7 @@
           <a:p>
             <a:fld id="{91D1034F-4441-48A1-BDC0-25EA1022324A}" type="datetime1">
               <a:rPr lang="ru-RU" smtClean="0"/>
-              <a:t>11.10.2018</a:t>
+              <a:t>15.10.2018</a:t>
             </a:fld>
             <a:endParaRPr lang="ru-RU"/>
           </a:p>
@@ -2830,7 +2830,7 @@
           <a:p>
             <a:fld id="{B0FFDE79-B627-473B-AE17-4C65BD2495F7}" type="datetime1">
               <a:rPr lang="ru-RU" smtClean="0"/>
-              <a:t>11.10.2018</a:t>
+              <a:t>15.10.2018</a:t>
             </a:fld>
             <a:endParaRPr lang="ru-RU"/>
           </a:p>
@@ -3047,7 +3047,7 @@
           <a:p>
             <a:fld id="{11CA537A-1B8C-47BA-9BA6-7CE3FAFDA8BE}" type="datetime1">
               <a:rPr lang="ru-RU" smtClean="0"/>
-              <a:t>11.10.2018</a:t>
+              <a:t>15.10.2018</a:t>
             </a:fld>
             <a:endParaRPr lang="ru-RU"/>
           </a:p>
@@ -3611,8 +3611,8 @@
           </a:p>
         </p:txBody>
       </p:sp>
-      <mc:AlternateContent xmlns:mc="http://schemas.openxmlformats.org/markup-compatibility/2006">
-        <mc:Choice xmlns:a14="http://schemas.microsoft.com/office/drawing/2010/main" Requires="a14">
+      <mc:AlternateContent xmlns:mc="http://schemas.openxmlformats.org/markup-compatibility/2006" xmlns:a14="http://schemas.microsoft.com/office/drawing/2010/main">
+        <mc:Choice Requires="a14">
           <p:sp>
             <p:nvSpPr>
               <p:cNvPr id="3" name="Объект 2"/>
@@ -4296,7 +4296,7 @@
             </p:txBody>
           </p:sp>
         </mc:Choice>
-        <mc:Fallback>
+        <mc:Fallback xmlns="">
           <p:sp>
             <p:nvSpPr>
               <p:cNvPr id="3" name="Объект 2"/>
@@ -4999,8 +4999,8 @@
           </a:p>
         </p:txBody>
       </p:sp>
-      <mc:AlternateContent xmlns:mc="http://schemas.openxmlformats.org/markup-compatibility/2006">
-        <mc:Choice xmlns:a14="http://schemas.microsoft.com/office/drawing/2010/main" Requires="a14">
+      <mc:AlternateContent xmlns:mc="http://schemas.openxmlformats.org/markup-compatibility/2006" xmlns:a14="http://schemas.microsoft.com/office/drawing/2010/main">
+        <mc:Choice Requires="a14">
           <p:sp>
             <p:nvSpPr>
               <p:cNvPr id="3" name="Объект 2"/>
@@ -5499,7 +5499,7 @@
             </p:txBody>
           </p:sp>
         </mc:Choice>
-        <mc:Fallback>
+        <mc:Fallback xmlns="">
           <p:sp>
             <p:nvSpPr>
               <p:cNvPr id="3" name="Объект 2"/>
@@ -5608,8 +5608,8 @@
           </a:p>
         </p:txBody>
       </p:sp>
-      <mc:AlternateContent xmlns:mc="http://schemas.openxmlformats.org/markup-compatibility/2006">
-        <mc:Choice xmlns:a14="http://schemas.microsoft.com/office/drawing/2010/main" Requires="a14">
+      <mc:AlternateContent xmlns:mc="http://schemas.openxmlformats.org/markup-compatibility/2006" xmlns:a14="http://schemas.microsoft.com/office/drawing/2010/main">
+        <mc:Choice Requires="a14">
           <p:sp>
             <p:nvSpPr>
               <p:cNvPr id="3" name="Объект 2"/>
@@ -6113,7 +6113,7 @@
             </p:txBody>
           </p:sp>
         </mc:Choice>
-        <mc:Fallback>
+        <mc:Fallback xmlns="">
           <p:sp>
             <p:nvSpPr>
               <p:cNvPr id="3" name="Объект 2"/>
@@ -6257,8 +6257,8 @@
           </a:p>
         </p:txBody>
       </p:sp>
-      <mc:AlternateContent xmlns:mc="http://schemas.openxmlformats.org/markup-compatibility/2006" xmlns:a14="http://schemas.microsoft.com/office/drawing/2010/main">
-        <mc:Choice Requires="a14">
+      <mc:AlternateContent xmlns:mc="http://schemas.openxmlformats.org/markup-compatibility/2006">
+        <mc:Choice xmlns:a14="http://schemas.microsoft.com/office/drawing/2010/main" Requires="a14">
           <p:sp>
             <p:nvSpPr>
               <p:cNvPr id="3" name="Объект 2"/>
@@ -6411,134 +6411,41 @@
                 </a14:m>
                 <a:r>
                   <a:rPr lang="ru-RU" dirty="0" smtClean="0"/>
-                  <a:t>- функция расширения ключей (ключевого расписания), получает 8 раундовых (итеративных) 32 битных ключей, путём разбиения исходного ключа на блоки.</a:t>
-                </a:r>
+                  <a:t>- функция расширения ключей (ключевого расписания), получает 8 раундовых (итеративных) 32 битных ключей, путём разбиения исходного ключа на блоки</a:t>
+                </a:r>
+                <a:r>
+                  <a:rPr lang="ru-RU" dirty="0" smtClean="0"/>
+                  <a:t>.</a:t>
+                </a:r>
+                <a:endParaRPr lang="en-US" dirty="0" smtClean="0"/>
               </a:p>
               <a:p>
-                <a14:m>
-                  <m:oMath xmlns:m="http://schemas.openxmlformats.org/officeDocument/2006/math">
-                    <m:r>
-                      <a:rPr lang="en-US" b="0" i="1" smtClean="0">
-                        <a:latin typeface="Cambria Math" panose="02040503050406030204" pitchFamily="18" charset="0"/>
-                      </a:rPr>
-                      <m:t>𝐼𝑃</m:t>
-                    </m:r>
-                    <m:r>
-                      <a:rPr lang="en-US" b="0" i="1" smtClean="0">
-                        <a:latin typeface="Cambria Math" panose="02040503050406030204" pitchFamily="18" charset="0"/>
-                      </a:rPr>
-                      <m:t>,</m:t>
-                    </m:r>
-                    <m:r>
-                      <a:rPr lang="en-US" b="0" i="1" smtClean="0">
-                        <a:latin typeface="Cambria Math" panose="02040503050406030204" pitchFamily="18" charset="0"/>
-                      </a:rPr>
-                      <m:t>𝐹𝑃</m:t>
-                    </m:r>
-                    <m:r>
-                      <a:rPr lang="en-US" b="0" i="1" smtClean="0">
-                        <a:latin typeface="Cambria Math" panose="02040503050406030204" pitchFamily="18" charset="0"/>
-                      </a:rPr>
-                      <m:t>:</m:t>
-                    </m:r>
-                    <m:sSup>
-                      <m:sSupPr>
-                        <m:ctrlPr>
-                          <a:rPr lang="en-US" b="0" i="1" smtClean="0">
-                            <a:latin typeface="Cambria Math" panose="02040503050406030204" pitchFamily="18" charset="0"/>
-                          </a:rPr>
-                        </m:ctrlPr>
-                      </m:sSupPr>
-                      <m:e>
-                        <m:d>
-                          <m:dPr>
-                            <m:begChr m:val="{"/>
-                            <m:endChr m:val="}"/>
-                            <m:ctrlPr>
-                              <a:rPr lang="en-US" b="0" i="1" smtClean="0">
-                                <a:latin typeface="Cambria Math" panose="02040503050406030204" pitchFamily="18" charset="0"/>
-                              </a:rPr>
-                            </m:ctrlPr>
-                          </m:dPr>
-                          <m:e>
-                            <m:r>
-                              <a:rPr lang="en-US" b="0" i="1" smtClean="0">
-                                <a:latin typeface="Cambria Math" panose="02040503050406030204" pitchFamily="18" charset="0"/>
-                              </a:rPr>
-                              <m:t>0,1</m:t>
-                            </m:r>
-                          </m:e>
-                        </m:d>
-                      </m:e>
-                      <m:sup>
-                        <m:r>
-                          <a:rPr lang="en-US" b="0" i="1" smtClean="0">
-                            <a:latin typeface="Cambria Math" panose="02040503050406030204" pitchFamily="18" charset="0"/>
-                          </a:rPr>
-                          <m:t>64</m:t>
-                        </m:r>
-                      </m:sup>
-                    </m:sSup>
-                    <m:r>
-                      <a:rPr lang="en-US" b="0" i="1" smtClean="0">
-                        <a:latin typeface="Cambria Math" panose="02040503050406030204" pitchFamily="18" charset="0"/>
-                      </a:rPr>
-                      <m:t>→</m:t>
-                    </m:r>
-                    <m:sSup>
-                      <m:sSupPr>
-                        <m:ctrlPr>
-                          <a:rPr lang="en-US" b="0" i="1" smtClean="0">
-                            <a:latin typeface="Cambria Math" panose="02040503050406030204" pitchFamily="18" charset="0"/>
-                          </a:rPr>
-                        </m:ctrlPr>
-                      </m:sSupPr>
-                      <m:e>
-                        <m:d>
-                          <m:dPr>
-                            <m:begChr m:val="{"/>
-                            <m:endChr m:val="}"/>
-                            <m:ctrlPr>
-                              <a:rPr lang="en-US" b="0" i="1" smtClean="0">
-                                <a:latin typeface="Cambria Math" panose="02040503050406030204" pitchFamily="18" charset="0"/>
-                              </a:rPr>
-                            </m:ctrlPr>
-                          </m:dPr>
-                          <m:e>
-                            <m:r>
-                              <a:rPr lang="en-US" b="0" i="1" smtClean="0">
-                                <a:latin typeface="Cambria Math" panose="02040503050406030204" pitchFamily="18" charset="0"/>
-                              </a:rPr>
-                              <m:t>0,1</m:t>
-                            </m:r>
-                          </m:e>
-                        </m:d>
-                      </m:e>
-                      <m:sup>
-                        <m:r>
-                          <a:rPr lang="en-US" b="0" i="1" smtClean="0">
-                            <a:latin typeface="Cambria Math" panose="02040503050406030204" pitchFamily="18" charset="0"/>
-                          </a:rPr>
-                          <m:t>64</m:t>
-                        </m:r>
-                      </m:sup>
-                    </m:sSup>
-                  </m:oMath>
-                </a14:m>
+                <a:r>
+                  <a:rPr lang="ru-RU" dirty="0" smtClean="0"/>
+                  <a:t>При шифровании ключи используются в порядке 0..7, 0</a:t>
+                </a:r>
                 <a:r>
                   <a:rPr lang="en-US" dirty="0" smtClean="0"/>
-                  <a:t> - </a:t>
-                </a:r>
-                <a:r>
-                  <a:rPr lang="ru-RU" dirty="0" smtClean="0"/>
-                  <a:t>входные и выходные преобразования, неизвестного назначения (возможно для замедления программной реализации, не влияют на стойкость)</a:t>
-                </a:r>
-                <a:endParaRPr lang="ru-RU" dirty="0"/>
+                  <a:t>..7, </a:t>
+                </a:r>
+                <a:r>
+                  <a:rPr lang="ru-RU"/>
+                  <a:t>0..7</a:t>
+                </a:r>
+                <a:r>
+                  <a:rPr lang="ru-RU"/>
+                  <a:t>, </a:t>
+                </a:r>
+                <a:r>
+                  <a:rPr lang="ru-RU" smtClean="0"/>
+                  <a:t>7..0</a:t>
+                </a:r>
+                <a:endParaRPr lang="ru-RU" dirty="0" smtClean="0"/>
               </a:p>
             </p:txBody>
           </p:sp>
         </mc:Choice>
-        <mc:Fallback xmlns="">
+        <mc:Fallback>
           <p:sp>
             <p:nvSpPr>
               <p:cNvPr id="3" name="Объект 2"/>
@@ -6553,7 +6460,7 @@
               <a:blipFill rotWithShape="0">
                 <a:blip r:embed="rId2"/>
                 <a:stretch>
-                  <a:fillRect t="-1961"/>
+                  <a:fillRect l="-928" t="-1961"/>
                 </a:stretch>
               </a:blipFill>
             </p:spPr>
@@ -13898,8 +13805,8 @@
           </a:p>
         </p:txBody>
       </p:sp>
-      <mc:AlternateContent xmlns:mc="http://schemas.openxmlformats.org/markup-compatibility/2006">
-        <mc:Choice xmlns:a14="http://schemas.microsoft.com/office/drawing/2010/main" Requires="a14">
+      <mc:AlternateContent xmlns:mc="http://schemas.openxmlformats.org/markup-compatibility/2006" xmlns:a14="http://schemas.microsoft.com/office/drawing/2010/main">
+        <mc:Choice Requires="a14">
           <p:sp>
             <p:nvSpPr>
               <p:cNvPr id="3" name="Объект 2"/>
@@ -14561,7 +14468,7 @@
             </p:txBody>
           </p:sp>
         </mc:Choice>
-        <mc:Fallback>
+        <mc:Fallback xmlns="">
           <p:sp>
             <p:nvSpPr>
               <p:cNvPr id="3" name="Объект 2"/>

--- a/Lectures/Lecture5.pptx
+++ b/Lectures/Lecture5.pptx
@@ -283,7 +283,7 @@
           <a:p>
             <a:fld id="{CBA08D16-15DC-4E25-BDC3-F25146157B16}" type="datetimeFigureOut">
               <a:rPr lang="ru-RU" smtClean="0"/>
-              <a:t>15.10.2018</a:t>
+              <a:t>17.10.2018</a:t>
             </a:fld>
             <a:endParaRPr lang="ru-RU"/>
           </a:p>
@@ -682,7 +682,7 @@
           <a:p>
             <a:fld id="{FCEC8293-DB51-454A-BE81-EC8FCB31EBA2}" type="datetime1">
               <a:rPr lang="ru-RU" smtClean="0"/>
-              <a:t>15.10.2018</a:t>
+              <a:t>17.10.2018</a:t>
             </a:fld>
             <a:endParaRPr lang="ru-RU"/>
           </a:p>
@@ -856,7 +856,7 @@
           <a:p>
             <a:fld id="{241C87B1-1C35-4DBD-BC18-2BC72E776603}" type="datetime1">
               <a:rPr lang="ru-RU" smtClean="0"/>
-              <a:t>15.10.2018</a:t>
+              <a:t>17.10.2018</a:t>
             </a:fld>
             <a:endParaRPr lang="ru-RU"/>
           </a:p>
@@ -1040,7 +1040,7 @@
           <a:p>
             <a:fld id="{3134C275-26C0-42CD-9111-9ADE65922AF9}" type="datetime1">
               <a:rPr lang="ru-RU" smtClean="0"/>
-              <a:t>15.10.2018</a:t>
+              <a:t>17.10.2018</a:t>
             </a:fld>
             <a:endParaRPr lang="ru-RU"/>
           </a:p>
@@ -1214,7 +1214,7 @@
           <a:p>
             <a:fld id="{C1A9A50B-C350-45F5-8AAB-ADB9E670AF2E}" type="datetime1">
               <a:rPr lang="ru-RU" smtClean="0"/>
-              <a:t>15.10.2018</a:t>
+              <a:t>17.10.2018</a:t>
             </a:fld>
             <a:endParaRPr lang="ru-RU"/>
           </a:p>
@@ -1464,7 +1464,7 @@
           <a:p>
             <a:fld id="{089688C9-348F-42F9-B6C0-5990DDE0C5B2}" type="datetime1">
               <a:rPr lang="ru-RU" smtClean="0"/>
-              <a:t>15.10.2018</a:t>
+              <a:t>17.10.2018</a:t>
             </a:fld>
             <a:endParaRPr lang="ru-RU"/>
           </a:p>
@@ -1700,7 +1700,7 @@
           <a:p>
             <a:fld id="{684AFD8F-6DD9-4AD3-A505-FDC3F5C5F3F6}" type="datetime1">
               <a:rPr lang="ru-RU" smtClean="0"/>
-              <a:t>15.10.2018</a:t>
+              <a:t>17.10.2018</a:t>
             </a:fld>
             <a:endParaRPr lang="ru-RU"/>
           </a:p>
@@ -2071,7 +2071,7 @@
           <a:p>
             <a:fld id="{63551EFE-4D02-45EB-A747-8B6F047B5AA0}" type="datetime1">
               <a:rPr lang="ru-RU" smtClean="0"/>
-              <a:t>15.10.2018</a:t>
+              <a:t>17.10.2018</a:t>
             </a:fld>
             <a:endParaRPr lang="ru-RU"/>
           </a:p>
@@ -2193,7 +2193,7 @@
           <a:p>
             <a:fld id="{813A9F34-E5CD-4B8F-AA9E-889C84372B20}" type="datetime1">
               <a:rPr lang="ru-RU" smtClean="0"/>
-              <a:t>15.10.2018</a:t>
+              <a:t>17.10.2018</a:t>
             </a:fld>
             <a:endParaRPr lang="ru-RU"/>
           </a:p>
@@ -2292,7 +2292,7 @@
           <a:p>
             <a:fld id="{51224D22-9B29-44A6-8E82-95FC492DEDC1}" type="datetime1">
               <a:rPr lang="ru-RU" smtClean="0"/>
-              <a:t>15.10.2018</a:t>
+              <a:t>17.10.2018</a:t>
             </a:fld>
             <a:endParaRPr lang="ru-RU"/>
           </a:p>
@@ -2573,7 +2573,7 @@
           <a:p>
             <a:fld id="{91D1034F-4441-48A1-BDC0-25EA1022324A}" type="datetime1">
               <a:rPr lang="ru-RU" smtClean="0"/>
-              <a:t>15.10.2018</a:t>
+              <a:t>17.10.2018</a:t>
             </a:fld>
             <a:endParaRPr lang="ru-RU"/>
           </a:p>
@@ -2830,7 +2830,7 @@
           <a:p>
             <a:fld id="{B0FFDE79-B627-473B-AE17-4C65BD2495F7}" type="datetime1">
               <a:rPr lang="ru-RU" smtClean="0"/>
-              <a:t>15.10.2018</a:t>
+              <a:t>17.10.2018</a:t>
             </a:fld>
             <a:endParaRPr lang="ru-RU"/>
           </a:p>
@@ -3047,7 +3047,7 @@
           <a:p>
             <a:fld id="{11CA537A-1B8C-47BA-9BA6-7CE3FAFDA8BE}" type="datetime1">
               <a:rPr lang="ru-RU" smtClean="0"/>
-              <a:t>15.10.2018</a:t>
+              <a:t>17.10.2018</a:t>
             </a:fld>
             <a:endParaRPr lang="ru-RU"/>
           </a:p>
@@ -6257,8 +6257,8 @@
           </a:p>
         </p:txBody>
       </p:sp>
-      <mc:AlternateContent xmlns:mc="http://schemas.openxmlformats.org/markup-compatibility/2006">
-        <mc:Choice xmlns:a14="http://schemas.microsoft.com/office/drawing/2010/main" Requires="a14">
+      <mc:AlternateContent xmlns:mc="http://schemas.openxmlformats.org/markup-compatibility/2006" xmlns:a14="http://schemas.microsoft.com/office/drawing/2010/main">
+        <mc:Choice Requires="a14">
           <p:sp>
             <p:nvSpPr>
               <p:cNvPr id="3" name="Объект 2"/>
@@ -6411,11 +6411,7 @@
                 </a14:m>
                 <a:r>
                   <a:rPr lang="ru-RU" dirty="0" smtClean="0"/>
-                  <a:t>- функция расширения ключей (ключевого расписания), получает 8 раундовых (итеративных) 32 битных ключей, путём разбиения исходного ключа на блоки</a:t>
-                </a:r>
-                <a:r>
-                  <a:rPr lang="ru-RU" dirty="0" smtClean="0"/>
-                  <a:t>.</a:t>
+                  <a:t>- функция расширения ключей (ключевого расписания), получает 8 раундовых (итеративных) 32 битных ключей, путём разбиения исходного ключа на блоки.</a:t>
                 </a:r>
                 <a:endParaRPr lang="en-US" dirty="0" smtClean="0"/>
               </a:p>
@@ -6430,11 +6426,7 @@
                 </a:r>
                 <a:r>
                   <a:rPr lang="ru-RU"/>
-                  <a:t>0..7</a:t>
-                </a:r>
-                <a:r>
-                  <a:rPr lang="ru-RU"/>
-                  <a:t>, </a:t>
+                  <a:t>0..7, </a:t>
                 </a:r>
                 <a:r>
                   <a:rPr lang="ru-RU" smtClean="0"/>
@@ -6445,7 +6437,7 @@
             </p:txBody>
           </p:sp>
         </mc:Choice>
-        <mc:Fallback>
+        <mc:Fallback xmlns="">
           <p:sp>
             <p:nvSpPr>
               <p:cNvPr id="3" name="Объект 2"/>
@@ -13015,8 +13007,8 @@
           </a:p>
         </p:txBody>
       </p:sp>
-      <mc:AlternateContent xmlns:mc="http://schemas.openxmlformats.org/markup-compatibility/2006" xmlns:a14="http://schemas.microsoft.com/office/drawing/2010/main">
-        <mc:Choice Requires="a14">
+      <mc:AlternateContent xmlns:mc="http://schemas.openxmlformats.org/markup-compatibility/2006">
+        <mc:Choice xmlns:a14="http://schemas.microsoft.com/office/drawing/2010/main" Requires="a14">
           <p:sp>
             <p:nvSpPr>
               <p:cNvPr id="3" name="Объект 2"/>
@@ -13036,8 +13028,12 @@
                   <a:buNone/>
                 </a:pPr>
                 <a:r>
-                  <a:rPr lang="ru-RU" b="1" dirty="0" smtClean="0"/>
-                  <a:t>Теорема 5.1. </a:t>
+                  <a:rPr lang="ru-RU" b="1" smtClean="0"/>
+                  <a:t>Теорема </a:t>
+                </a:r>
+                <a:r>
+                  <a:rPr lang="ru-RU" b="1" smtClean="0"/>
+                  <a:t>5.2. </a:t>
                 </a:r>
                 <a:r>
                   <a:rPr lang="ru-RU" dirty="0" smtClean="0"/>
@@ -13391,7 +13387,7 @@
             </p:txBody>
           </p:sp>
         </mc:Choice>
-        <mc:Fallback xmlns="">
+        <mc:Fallback>
           <p:sp>
             <p:nvSpPr>
               <p:cNvPr id="3" name="Объект 2"/>
@@ -13403,7 +13399,7 @@
               </p:nvPr>
             </p:nvSpPr>
             <p:spPr>
-              <a:blipFill rotWithShape="0">
+              <a:blipFill>
                 <a:blip r:embed="rId2"/>
                 <a:stretch>
                   <a:fillRect l="-1043" t="-2101" r="-116"/>

--- a/Lectures/Lecture5.pptx
+++ b/Lectures/Lecture5.pptx
@@ -283,7 +283,7 @@
           <a:p>
             <a:fld id="{CBA08D16-15DC-4E25-BDC3-F25146157B16}" type="datetimeFigureOut">
               <a:rPr lang="ru-RU" smtClean="0"/>
-              <a:t>17.10.2018</a:t>
+              <a:t>08.10.2019</a:t>
             </a:fld>
             <a:endParaRPr lang="ru-RU"/>
           </a:p>
@@ -682,7 +682,7 @@
           <a:p>
             <a:fld id="{FCEC8293-DB51-454A-BE81-EC8FCB31EBA2}" type="datetime1">
               <a:rPr lang="ru-RU" smtClean="0"/>
-              <a:t>17.10.2018</a:t>
+              <a:t>08.10.2019</a:t>
             </a:fld>
             <a:endParaRPr lang="ru-RU"/>
           </a:p>
@@ -856,7 +856,7 @@
           <a:p>
             <a:fld id="{241C87B1-1C35-4DBD-BC18-2BC72E776603}" type="datetime1">
               <a:rPr lang="ru-RU" smtClean="0"/>
-              <a:t>17.10.2018</a:t>
+              <a:t>08.10.2019</a:t>
             </a:fld>
             <a:endParaRPr lang="ru-RU"/>
           </a:p>
@@ -1040,7 +1040,7 @@
           <a:p>
             <a:fld id="{3134C275-26C0-42CD-9111-9ADE65922AF9}" type="datetime1">
               <a:rPr lang="ru-RU" smtClean="0"/>
-              <a:t>17.10.2018</a:t>
+              <a:t>08.10.2019</a:t>
             </a:fld>
             <a:endParaRPr lang="ru-RU"/>
           </a:p>
@@ -1214,7 +1214,7 @@
           <a:p>
             <a:fld id="{C1A9A50B-C350-45F5-8AAB-ADB9E670AF2E}" type="datetime1">
               <a:rPr lang="ru-RU" smtClean="0"/>
-              <a:t>17.10.2018</a:t>
+              <a:t>08.10.2019</a:t>
             </a:fld>
             <a:endParaRPr lang="ru-RU"/>
           </a:p>
@@ -1464,7 +1464,7 @@
           <a:p>
             <a:fld id="{089688C9-348F-42F9-B6C0-5990DDE0C5B2}" type="datetime1">
               <a:rPr lang="ru-RU" smtClean="0"/>
-              <a:t>17.10.2018</a:t>
+              <a:t>08.10.2019</a:t>
             </a:fld>
             <a:endParaRPr lang="ru-RU"/>
           </a:p>
@@ -1700,7 +1700,7 @@
           <a:p>
             <a:fld id="{684AFD8F-6DD9-4AD3-A505-FDC3F5C5F3F6}" type="datetime1">
               <a:rPr lang="ru-RU" smtClean="0"/>
-              <a:t>17.10.2018</a:t>
+              <a:t>08.10.2019</a:t>
             </a:fld>
             <a:endParaRPr lang="ru-RU"/>
           </a:p>
@@ -2071,7 +2071,7 @@
           <a:p>
             <a:fld id="{63551EFE-4D02-45EB-A747-8B6F047B5AA0}" type="datetime1">
               <a:rPr lang="ru-RU" smtClean="0"/>
-              <a:t>17.10.2018</a:t>
+              <a:t>08.10.2019</a:t>
             </a:fld>
             <a:endParaRPr lang="ru-RU"/>
           </a:p>
@@ -2193,7 +2193,7 @@
           <a:p>
             <a:fld id="{813A9F34-E5CD-4B8F-AA9E-889C84372B20}" type="datetime1">
               <a:rPr lang="ru-RU" smtClean="0"/>
-              <a:t>17.10.2018</a:t>
+              <a:t>08.10.2019</a:t>
             </a:fld>
             <a:endParaRPr lang="ru-RU"/>
           </a:p>
@@ -2292,7 +2292,7 @@
           <a:p>
             <a:fld id="{51224D22-9B29-44A6-8E82-95FC492DEDC1}" type="datetime1">
               <a:rPr lang="ru-RU" smtClean="0"/>
-              <a:t>17.10.2018</a:t>
+              <a:t>08.10.2019</a:t>
             </a:fld>
             <a:endParaRPr lang="ru-RU"/>
           </a:p>
@@ -2573,7 +2573,7 @@
           <a:p>
             <a:fld id="{91D1034F-4441-48A1-BDC0-25EA1022324A}" type="datetime1">
               <a:rPr lang="ru-RU" smtClean="0"/>
-              <a:t>17.10.2018</a:t>
+              <a:t>08.10.2019</a:t>
             </a:fld>
             <a:endParaRPr lang="ru-RU"/>
           </a:p>
@@ -2830,7 +2830,7 @@
           <a:p>
             <a:fld id="{B0FFDE79-B627-473B-AE17-4C65BD2495F7}" type="datetime1">
               <a:rPr lang="ru-RU" smtClean="0"/>
-              <a:t>17.10.2018</a:t>
+              <a:t>08.10.2019</a:t>
             </a:fld>
             <a:endParaRPr lang="ru-RU"/>
           </a:p>
@@ -3047,7 +3047,7 @@
           <a:p>
             <a:fld id="{11CA537A-1B8C-47BA-9BA6-7CE3FAFDA8BE}" type="datetime1">
               <a:rPr lang="ru-RU" smtClean="0"/>
-              <a:t>17.10.2018</a:t>
+              <a:t>08.10.2019</a:t>
             </a:fld>
             <a:endParaRPr lang="ru-RU"/>
           </a:p>
@@ -3545,7 +3545,15 @@
           <a:p>
             <a:r>
               <a:rPr lang="ru-RU" dirty="0" smtClean="0"/>
-              <a:t>МИФИ 2018</a:t>
+              <a:t>МИФИ </a:t>
+            </a:r>
+            <a:r>
+              <a:rPr lang="ru-RU" dirty="0" smtClean="0"/>
+              <a:t>201</a:t>
+            </a:r>
+            <a:r>
+              <a:rPr lang="en-US" dirty="0" smtClean="0"/>
+              <a:t>9</a:t>
             </a:r>
             <a:endParaRPr lang="ru-RU" dirty="0"/>
           </a:p>
@@ -6586,7 +6594,11 @@
             </a:r>
             <a:r>
               <a:rPr lang="en-US" dirty="0" smtClean="0"/>
-              <a:t>Substitution –Permutation</a:t>
+              <a:t>Substitution </a:t>
+            </a:r>
+            <a:r>
+              <a:rPr lang="en-US" dirty="0" smtClean="0"/>
+              <a:t>– Permutation</a:t>
             </a:r>
             <a:r>
               <a:rPr lang="ru-RU" dirty="0" smtClean="0"/>
@@ -9765,12 +9777,12 @@
               <a:t> байтов на </a:t>
             </a:r>
             <a:r>
-              <a:rPr lang="ru-RU" dirty="0" err="1" smtClean="0"/>
-              <a:t>коэфициенты</a:t>
+              <a:rPr lang="ru-RU" dirty="0" smtClean="0"/>
+              <a:t>коэффициенты </a:t>
             </a:r>
             <a:r>
               <a:rPr lang="ru-RU" dirty="0"/>
-              <a:t> (148, 32, 133, 16, 194, 192, 1, 251, 1, 192, 194, 16, 133, 32, 148, 1</a:t>
+              <a:t>(148, 32, 133, 16, 194, 192, 1, 251, 1, 192, 194, 16, 133, 32, 148, 1</a:t>
             </a:r>
             <a:r>
               <a:rPr lang="ru-RU" dirty="0" smtClean="0"/>
@@ -9878,8 +9890,8 @@
           </a:p>
         </p:txBody>
       </p:sp>
-      <mc:AlternateContent xmlns:mc="http://schemas.openxmlformats.org/markup-compatibility/2006" xmlns:a14="http://schemas.microsoft.com/office/drawing/2010/main">
-        <mc:Choice Requires="a14">
+      <mc:AlternateContent xmlns:mc="http://schemas.openxmlformats.org/markup-compatibility/2006">
+        <mc:Choice xmlns:a14="http://schemas.microsoft.com/office/drawing/2010/main" Requires="a14">
           <p:sp>
             <p:nvSpPr>
               <p:cNvPr id="3" name="Объект 2"/>
@@ -10077,12 +10089,12 @@
                   <a:t> с </a:t>
                 </a:r>
                 <a:r>
-                  <a:rPr lang="ru-RU" dirty="0" err="1" smtClean="0"/>
-                  <a:t>ипользованием</a:t>
-                </a:r>
-                <a:r>
                   <a:rPr lang="ru-RU" dirty="0" smtClean="0"/>
-                  <a:t> функции </a:t>
+                  <a:t>использованием </a:t>
+                </a:r>
+                <a:r>
+                  <a:rPr lang="ru-RU" dirty="0" smtClean="0"/>
+                  <a:t>функции </a:t>
                 </a:r>
                 <a:r>
                   <a:rPr lang="en-US" dirty="0" smtClean="0"/>
@@ -10239,7 +10251,7 @@
             </p:txBody>
           </p:sp>
         </mc:Choice>
-        <mc:Fallback xmlns="">
+        <mc:Fallback>
           <p:sp>
             <p:nvSpPr>
               <p:cNvPr id="3" name="Объект 2"/>
@@ -13007,8 +13019,8 @@
           </a:p>
         </p:txBody>
       </p:sp>
-      <mc:AlternateContent xmlns:mc="http://schemas.openxmlformats.org/markup-compatibility/2006">
-        <mc:Choice xmlns:a14="http://schemas.microsoft.com/office/drawing/2010/main" Requires="a14">
+      <mc:AlternateContent xmlns:mc="http://schemas.openxmlformats.org/markup-compatibility/2006" xmlns:a14="http://schemas.microsoft.com/office/drawing/2010/main">
+        <mc:Choice Requires="a14">
           <p:sp>
             <p:nvSpPr>
               <p:cNvPr id="3" name="Объект 2"/>
@@ -13029,11 +13041,7 @@
                 </a:pPr>
                 <a:r>
                   <a:rPr lang="ru-RU" b="1" smtClean="0"/>
-                  <a:t>Теорема </a:t>
-                </a:r>
-                <a:r>
-                  <a:rPr lang="ru-RU" b="1" smtClean="0"/>
-                  <a:t>5.2. </a:t>
+                  <a:t>Теорема 5.2. </a:t>
                 </a:r>
                 <a:r>
                   <a:rPr lang="ru-RU" dirty="0" smtClean="0"/>
@@ -13387,7 +13395,7 @@
             </p:txBody>
           </p:sp>
         </mc:Choice>
-        <mc:Fallback>
+        <mc:Fallback xmlns="">
           <p:sp>
             <p:nvSpPr>
               <p:cNvPr id="3" name="Объект 2"/>
@@ -13521,8 +13529,8 @@
           </a:p>
         </p:txBody>
       </p:sp>
-      <mc:AlternateContent xmlns:mc="http://schemas.openxmlformats.org/markup-compatibility/2006" xmlns:a14="http://schemas.microsoft.com/office/drawing/2010/main">
-        <mc:Choice Requires="a14">
+      <mc:AlternateContent xmlns:mc="http://schemas.openxmlformats.org/markup-compatibility/2006">
+        <mc:Choice xmlns:a14="http://schemas.microsoft.com/office/drawing/2010/main" Requires="a14">
           <p:sp>
             <p:nvSpPr>
               <p:cNvPr id="3" name="Объект 2"/>
@@ -13595,7 +13603,27 @@
               <a:p>
                 <a:r>
                   <a:rPr lang="ru-RU" dirty="0" smtClean="0"/>
-                  <a:t>Сломан, не использовать на практике, включая вариации (например </a:t>
+                  <a:t>Сломан</a:t>
+                </a:r>
+                <a:r>
+                  <a:rPr lang="en-US" dirty="0"/>
+                  <a:t>.</a:t>
+                </a:r>
+                <a:r>
+                  <a:rPr lang="ru-RU" dirty="0" smtClean="0"/>
+                  <a:t> </a:t>
+                </a:r>
+                <a:r>
+                  <a:rPr lang="ru-RU" dirty="0"/>
+                  <a:t>Н</a:t>
+                </a:r>
+                <a:r>
+                  <a:rPr lang="ru-RU" dirty="0" smtClean="0"/>
+                  <a:t>е </a:t>
+                </a:r>
+                <a:r>
+                  <a:rPr lang="ru-RU" dirty="0" smtClean="0"/>
+                  <a:t>использовать на практике, включая вариации (например </a:t>
                 </a:r>
                 <a:r>
                   <a:rPr lang="en-US" dirty="0" smtClean="0"/>
@@ -13691,7 +13719,7 @@
             </p:txBody>
           </p:sp>
         </mc:Choice>
-        <mc:Fallback xmlns="">
+        <mc:Fallback>
           <p:sp>
             <p:nvSpPr>
               <p:cNvPr id="3" name="Объект 2"/>

--- a/Lectures/Lecture5.pptx
+++ b/Lectures/Lecture5.pptx
@@ -283,7 +283,7 @@
           <a:p>
             <a:fld id="{CBA08D16-15DC-4E25-BDC3-F25146157B16}" type="datetimeFigureOut">
               <a:rPr lang="ru-RU" smtClean="0"/>
-              <a:t>08.10.2019</a:t>
+              <a:t>22.12.2021</a:t>
             </a:fld>
             <a:endParaRPr lang="ru-RU"/>
           </a:p>
@@ -682,7 +682,7 @@
           <a:p>
             <a:fld id="{FCEC8293-DB51-454A-BE81-EC8FCB31EBA2}" type="datetime1">
               <a:rPr lang="ru-RU" smtClean="0"/>
-              <a:t>08.10.2019</a:t>
+              <a:t>22.12.2021</a:t>
             </a:fld>
             <a:endParaRPr lang="ru-RU"/>
           </a:p>
@@ -856,7 +856,7 @@
           <a:p>
             <a:fld id="{241C87B1-1C35-4DBD-BC18-2BC72E776603}" type="datetime1">
               <a:rPr lang="ru-RU" smtClean="0"/>
-              <a:t>08.10.2019</a:t>
+              <a:t>22.12.2021</a:t>
             </a:fld>
             <a:endParaRPr lang="ru-RU"/>
           </a:p>
@@ -1040,7 +1040,7 @@
           <a:p>
             <a:fld id="{3134C275-26C0-42CD-9111-9ADE65922AF9}" type="datetime1">
               <a:rPr lang="ru-RU" smtClean="0"/>
-              <a:t>08.10.2019</a:t>
+              <a:t>22.12.2021</a:t>
             </a:fld>
             <a:endParaRPr lang="ru-RU"/>
           </a:p>
@@ -1214,7 +1214,7 @@
           <a:p>
             <a:fld id="{C1A9A50B-C350-45F5-8AAB-ADB9E670AF2E}" type="datetime1">
               <a:rPr lang="ru-RU" smtClean="0"/>
-              <a:t>08.10.2019</a:t>
+              <a:t>22.12.2021</a:t>
             </a:fld>
             <a:endParaRPr lang="ru-RU"/>
           </a:p>
@@ -1464,7 +1464,7 @@
           <a:p>
             <a:fld id="{089688C9-348F-42F9-B6C0-5990DDE0C5B2}" type="datetime1">
               <a:rPr lang="ru-RU" smtClean="0"/>
-              <a:t>08.10.2019</a:t>
+              <a:t>22.12.2021</a:t>
             </a:fld>
             <a:endParaRPr lang="ru-RU"/>
           </a:p>
@@ -1700,7 +1700,7 @@
           <a:p>
             <a:fld id="{684AFD8F-6DD9-4AD3-A505-FDC3F5C5F3F6}" type="datetime1">
               <a:rPr lang="ru-RU" smtClean="0"/>
-              <a:t>08.10.2019</a:t>
+              <a:t>22.12.2021</a:t>
             </a:fld>
             <a:endParaRPr lang="ru-RU"/>
           </a:p>
@@ -2071,7 +2071,7 @@
           <a:p>
             <a:fld id="{63551EFE-4D02-45EB-A747-8B6F047B5AA0}" type="datetime1">
               <a:rPr lang="ru-RU" smtClean="0"/>
-              <a:t>08.10.2019</a:t>
+              <a:t>22.12.2021</a:t>
             </a:fld>
             <a:endParaRPr lang="ru-RU"/>
           </a:p>
@@ -2193,7 +2193,7 @@
           <a:p>
             <a:fld id="{813A9F34-E5CD-4B8F-AA9E-889C84372B20}" type="datetime1">
               <a:rPr lang="ru-RU" smtClean="0"/>
-              <a:t>08.10.2019</a:t>
+              <a:t>22.12.2021</a:t>
             </a:fld>
             <a:endParaRPr lang="ru-RU"/>
           </a:p>
@@ -2292,7 +2292,7 @@
           <a:p>
             <a:fld id="{51224D22-9B29-44A6-8E82-95FC492DEDC1}" type="datetime1">
               <a:rPr lang="ru-RU" smtClean="0"/>
-              <a:t>08.10.2019</a:t>
+              <a:t>22.12.2021</a:t>
             </a:fld>
             <a:endParaRPr lang="ru-RU"/>
           </a:p>
@@ -2573,7 +2573,7 @@
           <a:p>
             <a:fld id="{91D1034F-4441-48A1-BDC0-25EA1022324A}" type="datetime1">
               <a:rPr lang="ru-RU" smtClean="0"/>
-              <a:t>08.10.2019</a:t>
+              <a:t>22.12.2021</a:t>
             </a:fld>
             <a:endParaRPr lang="ru-RU"/>
           </a:p>
@@ -2830,7 +2830,7 @@
           <a:p>
             <a:fld id="{B0FFDE79-B627-473B-AE17-4C65BD2495F7}" type="datetime1">
               <a:rPr lang="ru-RU" smtClean="0"/>
-              <a:t>08.10.2019</a:t>
+              <a:t>22.12.2021</a:t>
             </a:fld>
             <a:endParaRPr lang="ru-RU"/>
           </a:p>
@@ -3047,7 +3047,7 @@
           <a:p>
             <a:fld id="{11CA537A-1B8C-47BA-9BA6-7CE3FAFDA8BE}" type="datetime1">
               <a:rPr lang="ru-RU" smtClean="0"/>
-              <a:t>08.10.2019</a:t>
+              <a:t>22.12.2021</a:t>
             </a:fld>
             <a:endParaRPr lang="ru-RU"/>
           </a:p>
@@ -3545,11 +3545,7 @@
           <a:p>
             <a:r>
               <a:rPr lang="ru-RU" dirty="0" smtClean="0"/>
-              <a:t>МИФИ </a:t>
-            </a:r>
-            <a:r>
-              <a:rPr lang="ru-RU" dirty="0" smtClean="0"/>
-              <a:t>201</a:t>
+              <a:t>МИФИ 201</a:t>
             </a:r>
             <a:r>
               <a:rPr lang="en-US" dirty="0" smtClean="0"/>
@@ -6594,11 +6590,7 @@
             </a:r>
             <a:r>
               <a:rPr lang="en-US" dirty="0" smtClean="0"/>
-              <a:t>Substitution </a:t>
-            </a:r>
-            <a:r>
-              <a:rPr lang="en-US" dirty="0" smtClean="0"/>
-              <a:t>– Permutation</a:t>
+              <a:t>Substitution – Permutation</a:t>
             </a:r>
             <a:r>
               <a:rPr lang="ru-RU" dirty="0" smtClean="0"/>
@@ -9774,11 +9766,7 @@
             </a:r>
             <a:r>
               <a:rPr lang="ru-RU" dirty="0" smtClean="0"/>
-              <a:t> байтов на </a:t>
-            </a:r>
-            <a:r>
-              <a:rPr lang="ru-RU" dirty="0" smtClean="0"/>
-              <a:t>коэффициенты </a:t>
+              <a:t> байтов на коэффициенты </a:t>
             </a:r>
             <a:r>
               <a:rPr lang="ru-RU" dirty="0"/>
@@ -10086,15 +10074,7 @@
                 </a:r>
                 <a:r>
                   <a:rPr lang="ru-RU" dirty="0" smtClean="0"/>
-                  <a:t> с </a:t>
-                </a:r>
-                <a:r>
-                  <a:rPr lang="ru-RU" dirty="0" smtClean="0"/>
-                  <a:t>использованием </a:t>
-                </a:r>
-                <a:r>
-                  <a:rPr lang="ru-RU" dirty="0" smtClean="0"/>
-                  <a:t>функции </a:t>
+                  <a:t> с использованием функции </a:t>
                 </a:r>
                 <a:r>
                   <a:rPr lang="en-US" dirty="0" smtClean="0"/>
@@ -10237,11 +10217,15 @@
                 </a14:m>
                 <a:r>
                   <a:rPr lang="ru-RU" dirty="0" smtClean="0"/>
-                  <a:t> - </a:t>
-                </a:r>
-                <a:r>
-                  <a:rPr lang="ru-RU" dirty="0" err="1" smtClean="0"/>
-                  <a:t>констранты</a:t>
+                  <a:t> </a:t>
+                </a:r>
+                <a:r>
+                  <a:rPr lang="ru-RU" smtClean="0"/>
+                  <a:t>- </a:t>
+                </a:r>
+                <a:r>
+                  <a:rPr lang="ru-RU" smtClean="0"/>
+                  <a:t>константы</a:t>
                 </a:r>
                 <a:endParaRPr lang="ru-RU" dirty="0"/>
               </a:p>
@@ -10267,7 +10251,7 @@
                 <a:off x="838200" y="1825625"/>
                 <a:ext cx="4921332" cy="4351338"/>
               </a:xfrm>
-              <a:blipFill rotWithShape="0">
+              <a:blipFill>
                 <a:blip r:embed="rId2"/>
                 <a:stretch>
                   <a:fillRect l="-1983" t="-2801" r="-2478"/>
@@ -13529,8 +13513,8 @@
           </a:p>
         </p:txBody>
       </p:sp>
-      <mc:AlternateContent xmlns:mc="http://schemas.openxmlformats.org/markup-compatibility/2006">
-        <mc:Choice xmlns:a14="http://schemas.microsoft.com/office/drawing/2010/main" Requires="a14">
+      <mc:AlternateContent xmlns:mc="http://schemas.openxmlformats.org/markup-compatibility/2006" xmlns:a14="http://schemas.microsoft.com/office/drawing/2010/main">
+        <mc:Choice Requires="a14">
           <p:sp>
             <p:nvSpPr>
               <p:cNvPr id="3" name="Объект 2"/>
@@ -13619,11 +13603,7 @@
                 </a:r>
                 <a:r>
                   <a:rPr lang="ru-RU" dirty="0" smtClean="0"/>
-                  <a:t>е </a:t>
-                </a:r>
-                <a:r>
-                  <a:rPr lang="ru-RU" dirty="0" smtClean="0"/>
-                  <a:t>использовать на практике, включая вариации (например </a:t>
+                  <a:t>е использовать на практике, включая вариации (например </a:t>
                 </a:r>
                 <a:r>
                   <a:rPr lang="en-US" dirty="0" smtClean="0"/>
@@ -13719,7 +13699,7 @@
             </p:txBody>
           </p:sp>
         </mc:Choice>
-        <mc:Fallback>
+        <mc:Fallback xmlns="">
           <p:sp>
             <p:nvSpPr>
               <p:cNvPr id="3" name="Объект 2"/>

--- a/Lectures/Lecture5.pptx
+++ b/Lectures/Lecture5.pptx
@@ -283,7 +283,7 @@
           <a:p>
             <a:fld id="{CBA08D16-15DC-4E25-BDC3-F25146157B16}" type="datetimeFigureOut">
               <a:rPr lang="ru-RU" smtClean="0"/>
-              <a:t>22.12.2021</a:t>
+              <a:t>20.10.2022</a:t>
             </a:fld>
             <a:endParaRPr lang="ru-RU"/>
           </a:p>
@@ -682,7 +682,7 @@
           <a:p>
             <a:fld id="{FCEC8293-DB51-454A-BE81-EC8FCB31EBA2}" type="datetime1">
               <a:rPr lang="ru-RU" smtClean="0"/>
-              <a:t>22.12.2021</a:t>
+              <a:t>20.10.2022</a:t>
             </a:fld>
             <a:endParaRPr lang="ru-RU"/>
           </a:p>
@@ -856,7 +856,7 @@
           <a:p>
             <a:fld id="{241C87B1-1C35-4DBD-BC18-2BC72E776603}" type="datetime1">
               <a:rPr lang="ru-RU" smtClean="0"/>
-              <a:t>22.12.2021</a:t>
+              <a:t>20.10.2022</a:t>
             </a:fld>
             <a:endParaRPr lang="ru-RU"/>
           </a:p>
@@ -1040,7 +1040,7 @@
           <a:p>
             <a:fld id="{3134C275-26C0-42CD-9111-9ADE65922AF9}" type="datetime1">
               <a:rPr lang="ru-RU" smtClean="0"/>
-              <a:t>22.12.2021</a:t>
+              <a:t>20.10.2022</a:t>
             </a:fld>
             <a:endParaRPr lang="ru-RU"/>
           </a:p>
@@ -1214,7 +1214,7 @@
           <a:p>
             <a:fld id="{C1A9A50B-C350-45F5-8AAB-ADB9E670AF2E}" type="datetime1">
               <a:rPr lang="ru-RU" smtClean="0"/>
-              <a:t>22.12.2021</a:t>
+              <a:t>20.10.2022</a:t>
             </a:fld>
             <a:endParaRPr lang="ru-RU"/>
           </a:p>
@@ -1464,7 +1464,7 @@
           <a:p>
             <a:fld id="{089688C9-348F-42F9-B6C0-5990DDE0C5B2}" type="datetime1">
               <a:rPr lang="ru-RU" smtClean="0"/>
-              <a:t>22.12.2021</a:t>
+              <a:t>20.10.2022</a:t>
             </a:fld>
             <a:endParaRPr lang="ru-RU"/>
           </a:p>
@@ -1700,7 +1700,7 @@
           <a:p>
             <a:fld id="{684AFD8F-6DD9-4AD3-A505-FDC3F5C5F3F6}" type="datetime1">
               <a:rPr lang="ru-RU" smtClean="0"/>
-              <a:t>22.12.2021</a:t>
+              <a:t>20.10.2022</a:t>
             </a:fld>
             <a:endParaRPr lang="ru-RU"/>
           </a:p>
@@ -2071,7 +2071,7 @@
           <a:p>
             <a:fld id="{63551EFE-4D02-45EB-A747-8B6F047B5AA0}" type="datetime1">
               <a:rPr lang="ru-RU" smtClean="0"/>
-              <a:t>22.12.2021</a:t>
+              <a:t>20.10.2022</a:t>
             </a:fld>
             <a:endParaRPr lang="ru-RU"/>
           </a:p>
@@ -2193,7 +2193,7 @@
           <a:p>
             <a:fld id="{813A9F34-E5CD-4B8F-AA9E-889C84372B20}" type="datetime1">
               <a:rPr lang="ru-RU" smtClean="0"/>
-              <a:t>22.12.2021</a:t>
+              <a:t>20.10.2022</a:t>
             </a:fld>
             <a:endParaRPr lang="ru-RU"/>
           </a:p>
@@ -2292,7 +2292,7 @@
           <a:p>
             <a:fld id="{51224D22-9B29-44A6-8E82-95FC492DEDC1}" type="datetime1">
               <a:rPr lang="ru-RU" smtClean="0"/>
-              <a:t>22.12.2021</a:t>
+              <a:t>20.10.2022</a:t>
             </a:fld>
             <a:endParaRPr lang="ru-RU"/>
           </a:p>
@@ -2573,7 +2573,7 @@
           <a:p>
             <a:fld id="{91D1034F-4441-48A1-BDC0-25EA1022324A}" type="datetime1">
               <a:rPr lang="ru-RU" smtClean="0"/>
-              <a:t>22.12.2021</a:t>
+              <a:t>20.10.2022</a:t>
             </a:fld>
             <a:endParaRPr lang="ru-RU"/>
           </a:p>
@@ -2830,7 +2830,7 @@
           <a:p>
             <a:fld id="{B0FFDE79-B627-473B-AE17-4C65BD2495F7}" type="datetime1">
               <a:rPr lang="ru-RU" smtClean="0"/>
-              <a:t>22.12.2021</a:t>
+              <a:t>20.10.2022</a:t>
             </a:fld>
             <a:endParaRPr lang="ru-RU"/>
           </a:p>
@@ -3047,7 +3047,7 @@
           <a:p>
             <a:fld id="{11CA537A-1B8C-47BA-9BA6-7CE3FAFDA8BE}" type="datetime1">
               <a:rPr lang="ru-RU" smtClean="0"/>
-              <a:t>22.12.2021</a:t>
+              <a:t>20.10.2022</a:t>
             </a:fld>
             <a:endParaRPr lang="ru-RU"/>
           </a:p>
@@ -3545,11 +3545,11 @@
           <a:p>
             <a:r>
               <a:rPr lang="ru-RU" dirty="0" smtClean="0"/>
-              <a:t>МИФИ 201</a:t>
-            </a:r>
-            <a:r>
-              <a:rPr lang="en-US" dirty="0" smtClean="0"/>
-              <a:t>9</a:t>
+              <a:t>МИФИ </a:t>
+            </a:r>
+            <a:r>
+              <a:rPr lang="ru-RU" dirty="0" smtClean="0"/>
+              <a:t>2022</a:t>
             </a:r>
             <a:endParaRPr lang="ru-RU" dirty="0"/>
           </a:p>
@@ -4395,6 +4395,13 @@
   <p:clrMapOvr>
     <a:masterClrMapping/>
   </p:clrMapOvr>
+  <p:timing>
+    <p:tnLst>
+      <p:par>
+        <p:cTn id="1" dur="indefinite" restart="never" nodeType="tmRoot"/>
+      </p:par>
+    </p:tnLst>
+  </p:timing>
 </p:sld>
 </file>
 
@@ -4818,6 +4825,13 @@
   <p:clrMapOvr>
     <a:masterClrMapping/>
   </p:clrMapOvr>
+  <p:timing>
+    <p:tnLst>
+      <p:par>
+        <p:cTn id="1" dur="indefinite" restart="never" nodeType="tmRoot"/>
+      </p:par>
+    </p:tnLst>
+  </p:timing>
 </p:sld>
 </file>
 
@@ -4961,6 +4975,13 @@
   <p:clrMapOvr>
     <a:masterClrMapping/>
   </p:clrMapOvr>
+  <p:timing>
+    <p:tnLst>
+      <p:par>
+        <p:cTn id="1" dur="indefinite" restart="never" nodeType="tmRoot"/>
+      </p:par>
+    </p:tnLst>
+  </p:timing>
 </p:sld>
 </file>
 
@@ -5570,6 +5591,13 @@
   <p:clrMapOvr>
     <a:masterClrMapping/>
   </p:clrMapOvr>
+  <p:timing>
+    <p:tnLst>
+      <p:par>
+        <p:cTn id="1" dur="indefinite" restart="never" nodeType="tmRoot"/>
+      </p:par>
+    </p:tnLst>
+  </p:timing>
 </p:sld>
 </file>
 
@@ -6218,6 +6246,13 @@
   <p:clrMapOvr>
     <a:masterClrMapping/>
   </p:clrMapOvr>
+  <p:timing>
+    <p:tnLst>
+      <p:par>
+        <p:cTn id="1" dur="indefinite" restart="never" nodeType="tmRoot"/>
+      </p:par>
+    </p:tnLst>
+  </p:timing>
 </p:sld>
 </file>
 
@@ -6508,6 +6543,13 @@
   <p:clrMapOvr>
     <a:masterClrMapping/>
   </p:clrMapOvr>
+  <p:timing>
+    <p:tnLst>
+      <p:par>
+        <p:cTn id="1" dur="indefinite" restart="never" nodeType="tmRoot"/>
+      </p:par>
+    </p:tnLst>
+  </p:timing>
 </p:sld>
 </file>
 
@@ -6637,6 +6679,13 @@
   <p:clrMapOvr>
     <a:masterClrMapping/>
   </p:clrMapOvr>
+  <p:timing>
+    <p:tnLst>
+      <p:par>
+        <p:cTn id="1" dur="indefinite" restart="never" nodeType="tmRoot"/>
+      </p:par>
+    </p:tnLst>
+  </p:timing>
 </p:sld>
 </file>
 
@@ -6898,6 +6947,13 @@
   <p:clrMapOvr>
     <a:masterClrMapping/>
   </p:clrMapOvr>
+  <p:timing>
+    <p:tnLst>
+      <p:par>
+        <p:cTn id="1" dur="indefinite" restart="never" nodeType="tmRoot"/>
+      </p:par>
+    </p:tnLst>
+  </p:timing>
 </p:sld>
 </file>
 
@@ -6941,8 +6997,8 @@
           </a:p>
         </p:txBody>
       </p:sp>
-      <mc:AlternateContent xmlns:mc="http://schemas.openxmlformats.org/markup-compatibility/2006" xmlns:a14="http://schemas.microsoft.com/office/drawing/2010/main">
-        <mc:Choice Requires="a14">
+      <mc:AlternateContent xmlns:mc="http://schemas.openxmlformats.org/markup-compatibility/2006">
+        <mc:Choice xmlns:a14="http://schemas.microsoft.com/office/drawing/2010/main" Requires="a14">
           <p:sp>
             <p:nvSpPr>
               <p:cNvPr id="3" name="Объект 2"/>
@@ -7116,7 +7172,11 @@
                 </a:r>
                 <a:r>
                   <a:rPr lang="ru-RU" dirty="0" smtClean="0"/>
-                  <a:t>циклический сдвиг столбцов </a:t>
+                  <a:t>циклический сдвиг </a:t>
+                </a:r>
+                <a:r>
+                  <a:rPr lang="ru-RU" dirty="0" smtClean="0"/>
+                  <a:t>строк </a:t>
                 </a:r>
                 <a14:m>
                   <m:oMath xmlns:m="http://schemas.openxmlformats.org/officeDocument/2006/math">
@@ -7156,7 +7216,15 @@
                 </a:r>
                 <a:r>
                   <a:rPr lang="ru-RU" dirty="0" smtClean="0"/>
-                  <a:t>й столбец сдвигается на </a:t>
+                  <a:t>я строка </a:t>
+                </a:r>
+                <a:r>
+                  <a:rPr lang="ru-RU" dirty="0" smtClean="0"/>
+                  <a:t>сдвигается </a:t>
+                </a:r>
+                <a:r>
+                  <a:rPr lang="ru-RU" dirty="0" smtClean="0"/>
+                  <a:t>на </a:t>
                 </a:r>
                 <a14:m>
                   <m:oMath xmlns:m="http://schemas.openxmlformats.org/officeDocument/2006/math">
@@ -7206,7 +7274,7 @@
             </p:txBody>
           </p:sp>
         </mc:Choice>
-        <mc:Fallback xmlns="">
+        <mc:Fallback>
           <p:sp>
             <p:nvSpPr>
               <p:cNvPr id="3" name="Объект 2"/>
@@ -7218,7 +7286,7 @@
               </p:nvPr>
             </p:nvSpPr>
             <p:spPr>
-              <a:blipFill rotWithShape="0">
+              <a:blipFill>
                 <a:blip r:embed="rId2"/>
                 <a:stretch>
                   <a:fillRect l="-928" t="-2101"/>
@@ -7297,6 +7365,13 @@
   <p:clrMapOvr>
     <a:masterClrMapping/>
   </p:clrMapOvr>
+  <p:timing>
+    <p:tnLst>
+      <p:par>
+        <p:cTn id="1" dur="indefinite" restart="never" nodeType="tmRoot"/>
+      </p:par>
+    </p:tnLst>
+  </p:timing>
 </p:sld>
 </file>
 
@@ -7723,6 +7798,13 @@
   <p:clrMapOvr>
     <a:masterClrMapping/>
   </p:clrMapOvr>
+  <p:timing>
+    <p:tnLst>
+      <p:par>
+        <p:cTn id="1" dur="indefinite" restart="never" nodeType="tmRoot"/>
+      </p:par>
+    </p:tnLst>
+  </p:timing>
 </p:sld>
 </file>
 
@@ -9045,6 +9127,13 @@
   <p:clrMapOvr>
     <a:masterClrMapping/>
   </p:clrMapOvr>
+  <p:timing>
+    <p:tnLst>
+      <p:par>
+        <p:cTn id="1" dur="indefinite" restart="never" nodeType="tmRoot"/>
+      </p:par>
+    </p:tnLst>
+  </p:timing>
 </p:sld>
 </file>
 
@@ -9150,6 +9239,13 @@
   <p:clrMapOvr>
     <a:masterClrMapping/>
   </p:clrMapOvr>
+  <p:timing>
+    <p:tnLst>
+      <p:par>
+        <p:cTn id="1" dur="indefinite" restart="never" nodeType="tmRoot"/>
+      </p:par>
+    </p:tnLst>
+  </p:timing>
 </p:sld>
 </file>
 
@@ -9255,6 +9351,13 @@
   <p:clrMapOvr>
     <a:masterClrMapping/>
   </p:clrMapOvr>
+  <p:timing>
+    <p:tnLst>
+      <p:par>
+        <p:cTn id="1" dur="indefinite" restart="never" nodeType="tmRoot"/>
+      </p:par>
+    </p:tnLst>
+  </p:timing>
 </p:sld>
 </file>
 
@@ -9360,6 +9463,13 @@
   <p:clrMapOvr>
     <a:masterClrMapping/>
   </p:clrMapOvr>
+  <p:timing>
+    <p:tnLst>
+      <p:par>
+        <p:cTn id="1" dur="indefinite" restart="never" nodeType="tmRoot"/>
+      </p:par>
+    </p:tnLst>
+  </p:timing>
 </p:sld>
 </file>
 
@@ -9503,6 +9613,13 @@
   <p:clrMapOvr>
     <a:masterClrMapping/>
   </p:clrMapOvr>
+  <p:timing>
+    <p:tnLst>
+      <p:par>
+        <p:cTn id="1" dur="indefinite" restart="never" nodeType="tmRoot"/>
+      </p:par>
+    </p:tnLst>
+  </p:timing>
 </p:sld>
 </file>
 
@@ -9685,6 +9802,13 @@
   <p:clrMapOvr>
     <a:masterClrMapping/>
   </p:clrMapOvr>
+  <p:timing>
+    <p:tnLst>
+      <p:par>
+        <p:cTn id="1" dur="indefinite" restart="never" nodeType="tmRoot"/>
+      </p:par>
+    </p:tnLst>
+  </p:timing>
 </p:sld>
 </file>
 
@@ -9836,6 +9960,13 @@
   <p:clrMapOvr>
     <a:masterClrMapping/>
   </p:clrMapOvr>
+  <p:timing>
+    <p:tnLst>
+      <p:par>
+        <p:cTn id="1" dur="indefinite" restart="never" nodeType="tmRoot"/>
+      </p:par>
+    </p:tnLst>
+  </p:timing>
 </p:sld>
 </file>
 
@@ -9878,8 +10009,8 @@
           </a:p>
         </p:txBody>
       </p:sp>
-      <mc:AlternateContent xmlns:mc="http://schemas.openxmlformats.org/markup-compatibility/2006">
-        <mc:Choice xmlns:a14="http://schemas.microsoft.com/office/drawing/2010/main" Requires="a14">
+      <mc:AlternateContent xmlns:mc="http://schemas.openxmlformats.org/markup-compatibility/2006" xmlns:a14="http://schemas.microsoft.com/office/drawing/2010/main">
+        <mc:Choice Requires="a14">
           <p:sp>
             <p:nvSpPr>
               <p:cNvPr id="3" name="Объект 2"/>
@@ -10221,11 +10352,7 @@
                 </a:r>
                 <a:r>
                   <a:rPr lang="ru-RU" smtClean="0"/>
-                  <a:t>- </a:t>
-                </a:r>
-                <a:r>
-                  <a:rPr lang="ru-RU" smtClean="0"/>
-                  <a:t>константы</a:t>
+                  <a:t>- константы</a:t>
                 </a:r>
                 <a:endParaRPr lang="ru-RU" dirty="0"/>
               </a:p>
@@ -10235,7 +10362,7 @@
             </p:txBody>
           </p:sp>
         </mc:Choice>
-        <mc:Fallback>
+        <mc:Fallback xmlns="">
           <p:sp>
             <p:nvSpPr>
               <p:cNvPr id="3" name="Объект 2"/>
@@ -10354,6 +10481,13 @@
   <p:clrMapOvr>
     <a:masterClrMapping/>
   </p:clrMapOvr>
+  <p:timing>
+    <p:tnLst>
+      <p:par>
+        <p:cTn id="1" dur="indefinite" restart="never" nodeType="tmRoot"/>
+      </p:par>
+    </p:tnLst>
+  </p:timing>
 </p:sld>
 </file>
 
@@ -10511,6 +10645,13 @@
   <p:clrMapOvr>
     <a:masterClrMapping/>
   </p:clrMapOvr>
+  <p:timing>
+    <p:tnLst>
+      <p:par>
+        <p:cTn id="1" dur="indefinite" restart="never" nodeType="tmRoot"/>
+      </p:par>
+    </p:tnLst>
+  </p:timing>
 </p:sld>
 </file>
 
@@ -11276,6 +11417,13 @@
   <p:clrMapOvr>
     <a:masterClrMapping/>
   </p:clrMapOvr>
+  <p:timing>
+    <p:tnLst>
+      <p:par>
+        <p:cTn id="1" dur="indefinite" restart="never" nodeType="tmRoot"/>
+      </p:par>
+    </p:tnLst>
+  </p:timing>
 </p:sld>
 </file>
 
@@ -12049,6 +12197,13 @@
   <p:clrMapOvr>
     <a:masterClrMapping/>
   </p:clrMapOvr>
+  <p:timing>
+    <p:tnLst>
+      <p:par>
+        <p:cTn id="1" dur="indefinite" restart="never" nodeType="tmRoot"/>
+      </p:par>
+    </p:tnLst>
+  </p:timing>
 </p:sld>
 </file>
 
@@ -12670,6 +12825,13 @@
   <p:clrMapOvr>
     <a:masterClrMapping/>
   </p:clrMapOvr>
+  <p:timing>
+    <p:tnLst>
+      <p:par>
+        <p:cTn id="1" dur="indefinite" restart="never" nodeType="tmRoot"/>
+      </p:par>
+    </p:tnLst>
+  </p:timing>
 </p:sld>
 </file>
 
@@ -12914,6 +13076,13 @@
   <p:clrMapOvr>
     <a:masterClrMapping/>
   </p:clrMapOvr>
+  <p:timing>
+    <p:tnLst>
+      <p:par>
+        <p:cTn id="1" dur="indefinite" restart="never" nodeType="tmRoot"/>
+      </p:par>
+    </p:tnLst>
+  </p:timing>
 </p:sld>
 </file>
 
@@ -13470,6 +13639,13 @@
   <p:clrMapOvr>
     <a:masterClrMapping/>
   </p:clrMapOvr>
+  <p:timing>
+    <p:tnLst>
+      <p:par>
+        <p:cTn id="1" dur="indefinite" restart="never" nodeType="tmRoot"/>
+      </p:par>
+    </p:tnLst>
+  </p:timing>
 </p:sld>
 </file>
 
@@ -13766,6 +13942,13 @@
   <p:clrMapOvr>
     <a:masterClrMapping/>
   </p:clrMapOvr>
+  <p:timing>
+    <p:tnLst>
+      <p:par>
+        <p:cTn id="1" dur="indefinite" restart="never" nodeType="tmRoot"/>
+      </p:par>
+    </p:tnLst>
+  </p:timing>
 </p:sld>
 </file>
 
@@ -14539,6 +14722,13 @@
   <p:clrMapOvr>
     <a:masterClrMapping/>
   </p:clrMapOvr>
+  <p:timing>
+    <p:tnLst>
+      <p:par>
+        <p:cTn id="1" dur="indefinite" restart="never" nodeType="tmRoot"/>
+      </p:par>
+    </p:tnLst>
+  </p:timing>
 </p:sld>
 </file>
 

--- a/Lectures/Lecture5.pptx
+++ b/Lectures/Lecture5.pptx
@@ -5,37 +5,41 @@
     <p:sldMasterId id="2147483648" r:id="rId1"/>
   </p:sldMasterIdLst>
   <p:notesMasterIdLst>
-    <p:notesMasterId r:id="rId30"/>
+    <p:notesMasterId r:id="rId34"/>
   </p:notesMasterIdLst>
   <p:sldIdLst>
     <p:sldId id="296" r:id="rId2"/>
-    <p:sldId id="362" r:id="rId3"/>
-    <p:sldId id="366" r:id="rId4"/>
-    <p:sldId id="371" r:id="rId5"/>
-    <p:sldId id="367" r:id="rId6"/>
-    <p:sldId id="368" r:id="rId7"/>
-    <p:sldId id="369" r:id="rId8"/>
-    <p:sldId id="370" r:id="rId9"/>
-    <p:sldId id="372" r:id="rId10"/>
-    <p:sldId id="373" r:id="rId11"/>
-    <p:sldId id="374" r:id="rId12"/>
-    <p:sldId id="375" r:id="rId13"/>
-    <p:sldId id="376" r:id="rId14"/>
-    <p:sldId id="377" r:id="rId15"/>
-    <p:sldId id="378" r:id="rId16"/>
-    <p:sldId id="379" r:id="rId17"/>
-    <p:sldId id="380" r:id="rId18"/>
-    <p:sldId id="381" r:id="rId19"/>
-    <p:sldId id="382" r:id="rId20"/>
-    <p:sldId id="383" r:id="rId21"/>
-    <p:sldId id="384" r:id="rId22"/>
-    <p:sldId id="385" r:id="rId23"/>
-    <p:sldId id="386" r:id="rId24"/>
-    <p:sldId id="388" r:id="rId25"/>
-    <p:sldId id="389" r:id="rId26"/>
-    <p:sldId id="390" r:id="rId27"/>
-    <p:sldId id="391" r:id="rId28"/>
-    <p:sldId id="387" r:id="rId29"/>
+    <p:sldId id="392" r:id="rId3"/>
+    <p:sldId id="393" r:id="rId4"/>
+    <p:sldId id="394" r:id="rId5"/>
+    <p:sldId id="362" r:id="rId6"/>
+    <p:sldId id="366" r:id="rId7"/>
+    <p:sldId id="371" r:id="rId8"/>
+    <p:sldId id="367" r:id="rId9"/>
+    <p:sldId id="368" r:id="rId10"/>
+    <p:sldId id="369" r:id="rId11"/>
+    <p:sldId id="370" r:id="rId12"/>
+    <p:sldId id="372" r:id="rId13"/>
+    <p:sldId id="373" r:id="rId14"/>
+    <p:sldId id="374" r:id="rId15"/>
+    <p:sldId id="375" r:id="rId16"/>
+    <p:sldId id="376" r:id="rId17"/>
+    <p:sldId id="377" r:id="rId18"/>
+    <p:sldId id="378" r:id="rId19"/>
+    <p:sldId id="379" r:id="rId20"/>
+    <p:sldId id="380" r:id="rId21"/>
+    <p:sldId id="381" r:id="rId22"/>
+    <p:sldId id="382" r:id="rId23"/>
+    <p:sldId id="383" r:id="rId24"/>
+    <p:sldId id="384" r:id="rId25"/>
+    <p:sldId id="385" r:id="rId26"/>
+    <p:sldId id="386" r:id="rId27"/>
+    <p:sldId id="395" r:id="rId28"/>
+    <p:sldId id="388" r:id="rId29"/>
+    <p:sldId id="389" r:id="rId30"/>
+    <p:sldId id="390" r:id="rId31"/>
+    <p:sldId id="391" r:id="rId32"/>
+    <p:sldId id="387" r:id="rId33"/>
   </p:sldIdLst>
   <p:sldSz cx="12192000" cy="6858000"/>
   <p:notesSz cx="6858000" cy="9144000"/>
@@ -140,6 +144,9 @@
         <p14:section name="Раздел по умолчанию" id="{B9489B66-A166-4A24-B55F-EDCB98E57948}">
           <p14:sldIdLst>
             <p14:sldId id="296"/>
+            <p14:sldId id="392"/>
+            <p14:sldId id="393"/>
+            <p14:sldId id="394"/>
           </p14:sldIdLst>
         </p14:section>
         <p14:section name="Фейстель" id="{166FB796-C804-494D-81E1-46F5EBC53402}">
@@ -178,6 +185,7 @@
             <p14:sldId id="384"/>
             <p14:sldId id="385"/>
             <p14:sldId id="386"/>
+            <p14:sldId id="395"/>
           </p14:sldIdLst>
         </p14:section>
         <p14:section name="Кузнечик" id="{9DD9D143-42B2-4815-84E1-FD1736711AAD}">
@@ -283,7 +291,7 @@
           <a:p>
             <a:fld id="{CBA08D16-15DC-4E25-BDC3-F25146157B16}" type="datetimeFigureOut">
               <a:rPr lang="ru-RU" smtClean="0"/>
-              <a:t>20.10.2022</a:t>
+              <a:t>19.10.2023</a:t>
             </a:fld>
             <a:endParaRPr lang="ru-RU"/>
           </a:p>
@@ -682,7 +690,7 @@
           <a:p>
             <a:fld id="{FCEC8293-DB51-454A-BE81-EC8FCB31EBA2}" type="datetime1">
               <a:rPr lang="ru-RU" smtClean="0"/>
-              <a:t>20.10.2022</a:t>
+              <a:t>19.10.2023</a:t>
             </a:fld>
             <a:endParaRPr lang="ru-RU"/>
           </a:p>
@@ -856,7 +864,7 @@
           <a:p>
             <a:fld id="{241C87B1-1C35-4DBD-BC18-2BC72E776603}" type="datetime1">
               <a:rPr lang="ru-RU" smtClean="0"/>
-              <a:t>20.10.2022</a:t>
+              <a:t>19.10.2023</a:t>
             </a:fld>
             <a:endParaRPr lang="ru-RU"/>
           </a:p>
@@ -1040,7 +1048,7 @@
           <a:p>
             <a:fld id="{3134C275-26C0-42CD-9111-9ADE65922AF9}" type="datetime1">
               <a:rPr lang="ru-RU" smtClean="0"/>
-              <a:t>20.10.2022</a:t>
+              <a:t>19.10.2023</a:t>
             </a:fld>
             <a:endParaRPr lang="ru-RU"/>
           </a:p>
@@ -1214,7 +1222,7 @@
           <a:p>
             <a:fld id="{C1A9A50B-C350-45F5-8AAB-ADB9E670AF2E}" type="datetime1">
               <a:rPr lang="ru-RU" smtClean="0"/>
-              <a:t>20.10.2022</a:t>
+              <a:t>19.10.2023</a:t>
             </a:fld>
             <a:endParaRPr lang="ru-RU"/>
           </a:p>
@@ -1464,7 +1472,7 @@
           <a:p>
             <a:fld id="{089688C9-348F-42F9-B6C0-5990DDE0C5B2}" type="datetime1">
               <a:rPr lang="ru-RU" smtClean="0"/>
-              <a:t>20.10.2022</a:t>
+              <a:t>19.10.2023</a:t>
             </a:fld>
             <a:endParaRPr lang="ru-RU"/>
           </a:p>
@@ -1700,7 +1708,7 @@
           <a:p>
             <a:fld id="{684AFD8F-6DD9-4AD3-A505-FDC3F5C5F3F6}" type="datetime1">
               <a:rPr lang="ru-RU" smtClean="0"/>
-              <a:t>20.10.2022</a:t>
+              <a:t>19.10.2023</a:t>
             </a:fld>
             <a:endParaRPr lang="ru-RU"/>
           </a:p>
@@ -2071,7 +2079,7 @@
           <a:p>
             <a:fld id="{63551EFE-4D02-45EB-A747-8B6F047B5AA0}" type="datetime1">
               <a:rPr lang="ru-RU" smtClean="0"/>
-              <a:t>20.10.2022</a:t>
+              <a:t>19.10.2023</a:t>
             </a:fld>
             <a:endParaRPr lang="ru-RU"/>
           </a:p>
@@ -2193,7 +2201,7 @@
           <a:p>
             <a:fld id="{813A9F34-E5CD-4B8F-AA9E-889C84372B20}" type="datetime1">
               <a:rPr lang="ru-RU" smtClean="0"/>
-              <a:t>20.10.2022</a:t>
+              <a:t>19.10.2023</a:t>
             </a:fld>
             <a:endParaRPr lang="ru-RU"/>
           </a:p>
@@ -2292,7 +2300,7 @@
           <a:p>
             <a:fld id="{51224D22-9B29-44A6-8E82-95FC492DEDC1}" type="datetime1">
               <a:rPr lang="ru-RU" smtClean="0"/>
-              <a:t>20.10.2022</a:t>
+              <a:t>19.10.2023</a:t>
             </a:fld>
             <a:endParaRPr lang="ru-RU"/>
           </a:p>
@@ -2573,7 +2581,7 @@
           <a:p>
             <a:fld id="{91D1034F-4441-48A1-BDC0-25EA1022324A}" type="datetime1">
               <a:rPr lang="ru-RU" smtClean="0"/>
-              <a:t>20.10.2022</a:t>
+              <a:t>19.10.2023</a:t>
             </a:fld>
             <a:endParaRPr lang="ru-RU"/>
           </a:p>
@@ -2830,7 +2838,7 @@
           <a:p>
             <a:fld id="{B0FFDE79-B627-473B-AE17-4C65BD2495F7}" type="datetime1">
               <a:rPr lang="ru-RU" smtClean="0"/>
-              <a:t>20.10.2022</a:t>
+              <a:t>19.10.2023</a:t>
             </a:fld>
             <a:endParaRPr lang="ru-RU"/>
           </a:p>
@@ -3047,7 +3055,7 @@
           <a:p>
             <a:fld id="{11CA537A-1B8C-47BA-9BA6-7CE3FAFDA8BE}" type="datetime1">
               <a:rPr lang="ru-RU" smtClean="0"/>
-              <a:t>20.10.2022</a:t>
+              <a:t>19.10.2023</a:t>
             </a:fld>
             <a:endParaRPr lang="ru-RU"/>
           </a:p>
@@ -3549,7 +3557,11 @@
             </a:r>
             <a:r>
               <a:rPr lang="ru-RU" dirty="0" smtClean="0"/>
-              <a:t>2022</a:t>
+              <a:t>202</a:t>
+            </a:r>
+            <a:r>
+              <a:rPr lang="en-US" dirty="0" smtClean="0"/>
+              <a:t>3</a:t>
             </a:r>
             <a:endParaRPr lang="ru-RU" dirty="0"/>
           </a:p>
@@ -3594,6 +3606,1652 @@
       </p:grpSpPr>
       <p:sp>
         <p:nvSpPr>
+          <p:cNvPr id="6" name="Скругленный прямоугольник 5"/>
+          <p:cNvSpPr/>
+          <p:nvPr/>
+        </p:nvSpPr>
+        <p:spPr>
+          <a:xfrm>
+            <a:off x="838200" y="1770289"/>
+            <a:ext cx="10542006" cy="1839810"/>
+          </a:xfrm>
+          <a:prstGeom prst="roundRect">
+            <a:avLst/>
+          </a:prstGeom>
+        </p:spPr>
+        <p:style>
+          <a:lnRef idx="1">
+            <a:schemeClr val="accent3"/>
+          </a:lnRef>
+          <a:fillRef idx="2">
+            <a:schemeClr val="accent3"/>
+          </a:fillRef>
+          <a:effectRef idx="1">
+            <a:schemeClr val="accent3"/>
+          </a:effectRef>
+          <a:fontRef idx="minor">
+            <a:schemeClr val="dk1"/>
+          </a:fontRef>
+        </p:style>
+        <p:txBody>
+          <a:bodyPr rtlCol="0" anchor="ctr"/>
+          <a:lstStyle/>
+          <a:p>
+            <a:pPr algn="ctr"/>
+            <a:endParaRPr lang="ru-RU"/>
+          </a:p>
+        </p:txBody>
+      </p:sp>
+      <p:sp>
+        <p:nvSpPr>
+          <p:cNvPr id="2" name="Заголовок 1"/>
+          <p:cNvSpPr>
+            <a:spLocks noGrp="1"/>
+          </p:cNvSpPr>
+          <p:nvPr>
+            <p:ph type="title"/>
+          </p:nvPr>
+        </p:nvSpPr>
+        <p:spPr/>
+        <p:txBody>
+          <a:bodyPr/>
+          <a:lstStyle/>
+          <a:p>
+            <a:r>
+              <a:rPr lang="ru-RU" dirty="0" smtClean="0"/>
+              <a:t>Сеть </a:t>
+            </a:r>
+            <a:r>
+              <a:rPr lang="ru-RU" dirty="0" err="1"/>
+              <a:t>Ф</a:t>
+            </a:r>
+            <a:r>
+              <a:rPr lang="ru-RU" dirty="0" err="1" smtClean="0"/>
+              <a:t>ейстеля</a:t>
+            </a:r>
+            <a:endParaRPr lang="ru-RU" dirty="0"/>
+          </a:p>
+        </p:txBody>
+      </p:sp>
+      <mc:AlternateContent xmlns:mc="http://schemas.openxmlformats.org/markup-compatibility/2006" xmlns:a14="http://schemas.microsoft.com/office/drawing/2010/main">
+        <mc:Choice Requires="a14">
+          <p:sp>
+            <p:nvSpPr>
+              <p:cNvPr id="3" name="Объект 2"/>
+              <p:cNvSpPr>
+                <a:spLocks noGrp="1"/>
+              </p:cNvSpPr>
+              <p:nvPr>
+                <p:ph idx="1"/>
+              </p:nvPr>
+            </p:nvSpPr>
+            <p:spPr/>
+            <p:txBody>
+              <a:bodyPr/>
+              <a:lstStyle/>
+              <a:p>
+                <a:pPr marL="0" indent="0">
+                  <a:buNone/>
+                </a:pPr>
+                <a:r>
+                  <a:rPr lang="ru-RU" b="1" smtClean="0"/>
+                  <a:t>Теорема 5.2. </a:t>
+                </a:r>
+                <a:r>
+                  <a:rPr lang="ru-RU" dirty="0" smtClean="0"/>
+                  <a:t>(</a:t>
+                </a:r>
+                <a:r>
+                  <a:rPr lang="en-US" dirty="0" err="1" smtClean="0"/>
+                  <a:t>Luby-Rackoff</a:t>
+                </a:r>
+                <a:r>
+                  <a:rPr lang="en-US" dirty="0" smtClean="0"/>
+                  <a:t>)</a:t>
+                </a:r>
+                <a:endParaRPr lang="ru-RU" dirty="0" smtClean="0"/>
+              </a:p>
+              <a:p>
+                <a:pPr marL="0" indent="0">
+                  <a:buNone/>
+                </a:pPr>
+                <a:r>
+                  <a:rPr lang="ru-RU" dirty="0" smtClean="0"/>
+                  <a:t>Пусть </a:t>
+                </a:r>
+                <a14:m>
+                  <m:oMath xmlns:m="http://schemas.openxmlformats.org/officeDocument/2006/math">
+                    <m:r>
+                      <a:rPr lang="en-US" b="0" i="1" smtClean="0">
+                        <a:latin typeface="Cambria Math" panose="02040503050406030204" pitchFamily="18" charset="0"/>
+                      </a:rPr>
+                      <m:t>𝑓</m:t>
+                    </m:r>
+                    <m:r>
+                      <a:rPr lang="en-US" b="0" i="1" smtClean="0">
+                        <a:latin typeface="Cambria Math" panose="02040503050406030204" pitchFamily="18" charset="0"/>
+                      </a:rPr>
+                      <m:t>:</m:t>
+                    </m:r>
+                    <m:sSup>
+                      <m:sSupPr>
+                        <m:ctrlPr>
+                          <a:rPr lang="en-US" b="0" i="1" smtClean="0">
+                            <a:latin typeface="Cambria Math" panose="02040503050406030204" pitchFamily="18" charset="0"/>
+                          </a:rPr>
+                        </m:ctrlPr>
+                      </m:sSupPr>
+                      <m:e>
+                        <m:d>
+                          <m:dPr>
+                            <m:begChr m:val="{"/>
+                            <m:endChr m:val="}"/>
+                            <m:ctrlPr>
+                              <a:rPr lang="en-US" b="0" i="1" smtClean="0">
+                                <a:latin typeface="Cambria Math" panose="02040503050406030204" pitchFamily="18" charset="0"/>
+                              </a:rPr>
+                            </m:ctrlPr>
+                          </m:dPr>
+                          <m:e>
+                            <m:r>
+                              <a:rPr lang="en-US" b="0" i="1" smtClean="0">
+                                <a:latin typeface="Cambria Math" panose="02040503050406030204" pitchFamily="18" charset="0"/>
+                              </a:rPr>
+                              <m:t>0,1</m:t>
+                            </m:r>
+                          </m:e>
+                        </m:d>
+                      </m:e>
+                      <m:sup>
+                        <m:r>
+                          <a:rPr lang="en-US" b="0" i="1" smtClean="0">
+                            <a:latin typeface="Cambria Math" panose="02040503050406030204" pitchFamily="18" charset="0"/>
+                          </a:rPr>
+                          <m:t>𝑛</m:t>
+                        </m:r>
+                      </m:sup>
+                    </m:sSup>
+                    <m:r>
+                      <a:rPr lang="en-US" b="0" i="1" smtClean="0">
+                        <a:latin typeface="Cambria Math" panose="02040503050406030204" pitchFamily="18" charset="0"/>
+                      </a:rPr>
+                      <m:t>→</m:t>
+                    </m:r>
+                    <m:sSup>
+                      <m:sSupPr>
+                        <m:ctrlPr>
+                          <a:rPr lang="en-US" b="0" i="1" smtClean="0">
+                            <a:latin typeface="Cambria Math" panose="02040503050406030204" pitchFamily="18" charset="0"/>
+                          </a:rPr>
+                        </m:ctrlPr>
+                      </m:sSupPr>
+                      <m:e>
+                        <m:d>
+                          <m:dPr>
+                            <m:begChr m:val="{"/>
+                            <m:endChr m:val="}"/>
+                            <m:ctrlPr>
+                              <a:rPr lang="en-US" b="0" i="1" smtClean="0">
+                                <a:latin typeface="Cambria Math" panose="02040503050406030204" pitchFamily="18" charset="0"/>
+                              </a:rPr>
+                            </m:ctrlPr>
+                          </m:dPr>
+                          <m:e>
+                            <m:r>
+                              <a:rPr lang="en-US" b="0" i="1" smtClean="0">
+                                <a:latin typeface="Cambria Math" panose="02040503050406030204" pitchFamily="18" charset="0"/>
+                              </a:rPr>
+                              <m:t>0,1</m:t>
+                            </m:r>
+                          </m:e>
+                        </m:d>
+                      </m:e>
+                      <m:sup>
+                        <m:r>
+                          <a:rPr lang="en-US" b="0" i="1" smtClean="0">
+                            <a:latin typeface="Cambria Math" panose="02040503050406030204" pitchFamily="18" charset="0"/>
+                          </a:rPr>
+                          <m:t>𝑛</m:t>
+                        </m:r>
+                      </m:sup>
+                    </m:sSup>
+                  </m:oMath>
+                </a14:m>
+                <a:r>
+                  <a:rPr lang="en-US" dirty="0" smtClean="0"/>
+                  <a:t> </a:t>
+                </a:r>
+                <a:r>
+                  <a:rPr lang="ru-RU" dirty="0" smtClean="0"/>
+                  <a:t>стойкая </a:t>
+                </a:r>
+                <a:r>
+                  <a:rPr lang="en-US" dirty="0" smtClean="0"/>
+                  <a:t>PRF</a:t>
+                </a:r>
+                <a:r>
+                  <a:rPr lang="ru-RU" dirty="0" smtClean="0"/>
+                  <a:t>.</a:t>
+                </a:r>
+              </a:p>
+              <a:p>
+                <a:pPr marL="0" indent="0">
+                  <a:buNone/>
+                </a:pPr>
+                <a:r>
+                  <a:rPr lang="ru-RU" dirty="0" smtClean="0"/>
+                  <a:t>Тогда </a:t>
+                </a:r>
+                <a:r>
+                  <a:rPr lang="ru-RU" dirty="0" err="1" smtClean="0"/>
+                  <a:t>трехраундовая</a:t>
+                </a:r>
+                <a:r>
+                  <a:rPr lang="ru-RU" dirty="0" smtClean="0"/>
+                  <a:t> сеть </a:t>
+                </a:r>
+                <a:r>
+                  <a:rPr lang="ru-RU" dirty="0" err="1" smtClean="0"/>
+                  <a:t>Фейстеля</a:t>
+                </a:r>
+                <a:r>
+                  <a:rPr lang="ru-RU" dirty="0" smtClean="0"/>
+                  <a:t> (</a:t>
+                </a:r>
+                <a14:m>
+                  <m:oMath xmlns:m="http://schemas.openxmlformats.org/officeDocument/2006/math">
+                    <m:r>
+                      <a:rPr lang="en-US" b="0" i="1" smtClean="0">
+                        <a:latin typeface="Cambria Math" panose="02040503050406030204" pitchFamily="18" charset="0"/>
+                      </a:rPr>
+                      <m:t>𝑑</m:t>
+                    </m:r>
+                    <m:r>
+                      <a:rPr lang="en-US" b="0" i="1" smtClean="0">
+                        <a:latin typeface="Cambria Math" panose="02040503050406030204" pitchFamily="18" charset="0"/>
+                      </a:rPr>
+                      <m:t>=3)</m:t>
+                    </m:r>
+                  </m:oMath>
+                </a14:m>
+                <a:r>
+                  <a:rPr lang="ru-RU" dirty="0" smtClean="0"/>
+                  <a:t> </a:t>
+                </a:r>
+                <a14:m>
+                  <m:oMath xmlns:m="http://schemas.openxmlformats.org/officeDocument/2006/math">
+                    <m:r>
+                      <a:rPr lang="en-US" b="0" i="1" dirty="0" smtClean="0">
+                        <a:latin typeface="Cambria Math" panose="02040503050406030204" pitchFamily="18" charset="0"/>
+                      </a:rPr>
+                      <m:t>𝐹</m:t>
+                    </m:r>
+                    <m:r>
+                      <a:rPr lang="en-US" b="0" i="1" dirty="0" smtClean="0">
+                        <a:latin typeface="Cambria Math" panose="02040503050406030204" pitchFamily="18" charset="0"/>
+                      </a:rPr>
+                      <m:t>=</m:t>
+                    </m:r>
+                    <m:sSup>
+                      <m:sSupPr>
+                        <m:ctrlPr>
+                          <a:rPr lang="en-US" b="0" i="1" dirty="0" smtClean="0">
+                            <a:latin typeface="Cambria Math" panose="02040503050406030204" pitchFamily="18" charset="0"/>
+                          </a:rPr>
+                        </m:ctrlPr>
+                      </m:sSupPr>
+                      <m:e>
+                        <m:r>
+                          <a:rPr lang="en-US" b="0" i="1" dirty="0" smtClean="0">
+                            <a:latin typeface="Cambria Math" panose="02040503050406030204" pitchFamily="18" charset="0"/>
+                          </a:rPr>
+                          <m:t>𝐾</m:t>
+                        </m:r>
+                      </m:e>
+                      <m:sup>
+                        <m:r>
+                          <a:rPr lang="en-US" b="0" i="1" dirty="0" smtClean="0">
+                            <a:latin typeface="Cambria Math" panose="02040503050406030204" pitchFamily="18" charset="0"/>
+                          </a:rPr>
+                          <m:t>3</m:t>
+                        </m:r>
+                      </m:sup>
+                    </m:sSup>
+                    <m:r>
+                      <a:rPr lang="en-US" b="0" i="1" dirty="0" smtClean="0">
+                        <a:latin typeface="Cambria Math" panose="02040503050406030204" pitchFamily="18" charset="0"/>
+                      </a:rPr>
+                      <m:t>×</m:t>
+                    </m:r>
+                    <m:sSup>
+                      <m:sSupPr>
+                        <m:ctrlPr>
+                          <a:rPr lang="en-US" b="0" i="1" dirty="0" smtClean="0">
+                            <a:latin typeface="Cambria Math" panose="02040503050406030204" pitchFamily="18" charset="0"/>
+                          </a:rPr>
+                        </m:ctrlPr>
+                      </m:sSupPr>
+                      <m:e>
+                        <m:d>
+                          <m:dPr>
+                            <m:begChr m:val="{"/>
+                            <m:endChr m:val="}"/>
+                            <m:ctrlPr>
+                              <a:rPr lang="en-US" b="0" i="1" dirty="0" smtClean="0">
+                                <a:latin typeface="Cambria Math" panose="02040503050406030204" pitchFamily="18" charset="0"/>
+                              </a:rPr>
+                            </m:ctrlPr>
+                          </m:dPr>
+                          <m:e>
+                            <m:r>
+                              <a:rPr lang="en-US" b="0" i="1" dirty="0" smtClean="0">
+                                <a:latin typeface="Cambria Math" panose="02040503050406030204" pitchFamily="18" charset="0"/>
+                              </a:rPr>
+                              <m:t>0,1</m:t>
+                            </m:r>
+                          </m:e>
+                        </m:d>
+                      </m:e>
+                      <m:sup>
+                        <m:r>
+                          <a:rPr lang="en-US" b="0" i="1" dirty="0" smtClean="0">
+                            <a:latin typeface="Cambria Math" panose="02040503050406030204" pitchFamily="18" charset="0"/>
+                          </a:rPr>
+                          <m:t>2</m:t>
+                        </m:r>
+                        <m:r>
+                          <a:rPr lang="en-US" b="0" i="1" dirty="0" smtClean="0">
+                            <a:latin typeface="Cambria Math" panose="02040503050406030204" pitchFamily="18" charset="0"/>
+                          </a:rPr>
+                          <m:t>𝑛</m:t>
+                        </m:r>
+                      </m:sup>
+                    </m:sSup>
+                    <m:r>
+                      <a:rPr lang="en-US" b="0" i="1" dirty="0" smtClean="0">
+                        <a:latin typeface="Cambria Math" panose="02040503050406030204" pitchFamily="18" charset="0"/>
+                      </a:rPr>
+                      <m:t>→</m:t>
+                    </m:r>
+                    <m:sSup>
+                      <m:sSupPr>
+                        <m:ctrlPr>
+                          <a:rPr lang="en-US" b="0" i="1" dirty="0" smtClean="0">
+                            <a:latin typeface="Cambria Math" panose="02040503050406030204" pitchFamily="18" charset="0"/>
+                          </a:rPr>
+                        </m:ctrlPr>
+                      </m:sSupPr>
+                      <m:e>
+                        <m:d>
+                          <m:dPr>
+                            <m:begChr m:val="{"/>
+                            <m:endChr m:val="}"/>
+                            <m:ctrlPr>
+                              <a:rPr lang="en-US" b="0" i="1" dirty="0" smtClean="0">
+                                <a:latin typeface="Cambria Math" panose="02040503050406030204" pitchFamily="18" charset="0"/>
+                              </a:rPr>
+                            </m:ctrlPr>
+                          </m:dPr>
+                          <m:e>
+                            <m:r>
+                              <a:rPr lang="en-US" b="0" i="1" dirty="0" smtClean="0">
+                                <a:latin typeface="Cambria Math" panose="02040503050406030204" pitchFamily="18" charset="0"/>
+                              </a:rPr>
+                              <m:t>0,1</m:t>
+                            </m:r>
+                          </m:e>
+                        </m:d>
+                      </m:e>
+                      <m:sup>
+                        <m:r>
+                          <a:rPr lang="en-US" b="0" i="1" dirty="0" smtClean="0">
+                            <a:latin typeface="Cambria Math" panose="02040503050406030204" pitchFamily="18" charset="0"/>
+                          </a:rPr>
+                          <m:t>2</m:t>
+                        </m:r>
+                        <m:r>
+                          <a:rPr lang="en-US" b="0" i="1" dirty="0" smtClean="0">
+                            <a:latin typeface="Cambria Math" panose="02040503050406030204" pitchFamily="18" charset="0"/>
+                          </a:rPr>
+                          <m:t>𝑛</m:t>
+                        </m:r>
+                      </m:sup>
+                    </m:sSup>
+                  </m:oMath>
+                </a14:m>
+                <a:r>
+                  <a:rPr lang="en-US" dirty="0" smtClean="0"/>
+                  <a:t> - </a:t>
+                </a:r>
+                <a:r>
+                  <a:rPr lang="ru-RU" dirty="0" smtClean="0"/>
+                  <a:t>стойкая </a:t>
+                </a:r>
+                <a:r>
+                  <a:rPr lang="en-US" dirty="0" smtClean="0"/>
+                  <a:t>PRP</a:t>
+                </a:r>
+                <a:r>
+                  <a:rPr lang="ru-RU" dirty="0" smtClean="0"/>
+                  <a:t>.</a:t>
+                </a:r>
+              </a:p>
+              <a:p>
+                <a:pPr marL="0" indent="0">
+                  <a:buNone/>
+                </a:pPr>
+                <a:r>
+                  <a:rPr lang="ru-RU" b="1" dirty="0" smtClean="0"/>
+                  <a:t>! Используются 3 независимых, случайный ключа!</a:t>
+                </a:r>
+                <a:endParaRPr lang="ru-RU" b="1" dirty="0"/>
+              </a:p>
+            </p:txBody>
+          </p:sp>
+        </mc:Choice>
+        <mc:Fallback xmlns="">
+          <p:sp>
+            <p:nvSpPr>
+              <p:cNvPr id="3" name="Объект 2"/>
+              <p:cNvSpPr>
+                <a:spLocks noGrp="1" noRot="1" noChangeAspect="1" noMove="1" noResize="1" noEditPoints="1" noAdjustHandles="1" noChangeArrowheads="1" noChangeShapeType="1" noTextEdit="1"/>
+              </p:cNvSpPr>
+              <p:nvPr>
+                <p:ph idx="1"/>
+              </p:nvPr>
+            </p:nvSpPr>
+            <p:spPr>
+              <a:blipFill>
+                <a:blip r:embed="rId2"/>
+                <a:stretch>
+                  <a:fillRect l="-1043" t="-2101" r="-116"/>
+                </a:stretch>
+              </a:blipFill>
+            </p:spPr>
+            <p:txBody>
+              <a:bodyPr/>
+              <a:lstStyle/>
+              <a:p>
+                <a:r>
+                  <a:rPr lang="ru-RU">
+                    <a:noFill/>
+                  </a:rPr>
+                  <a:t> </a:t>
+                </a:r>
+              </a:p>
+            </p:txBody>
+          </p:sp>
+        </mc:Fallback>
+      </mc:AlternateContent>
+      <p:sp>
+        <p:nvSpPr>
+          <p:cNvPr id="4" name="Номер слайда 3"/>
+          <p:cNvSpPr>
+            <a:spLocks noGrp="1"/>
+          </p:cNvSpPr>
+          <p:nvPr>
+            <p:ph type="sldNum" sz="quarter" idx="12"/>
+          </p:nvPr>
+        </p:nvSpPr>
+        <p:spPr/>
+        <p:txBody>
+          <a:bodyPr/>
+          <a:lstStyle/>
+          <a:p>
+            <a:fld id="{8253DDDB-F8F7-4D64-A7FD-3F3D61C1949F}" type="slidenum">
+              <a:rPr lang="ru-RU" smtClean="0"/>
+              <a:t>10</a:t>
+            </a:fld>
+            <a:endParaRPr lang="ru-RU"/>
+          </a:p>
+        </p:txBody>
+      </p:sp>
+      <p:pic>
+        <p:nvPicPr>
+          <p:cNvPr id="5" name="Рисунок 4"/>
+          <p:cNvPicPr>
+            <a:picLocks noChangeAspect="1"/>
+          </p:cNvPicPr>
+          <p:nvPr/>
+        </p:nvPicPr>
+        <p:blipFill>
+          <a:blip r:embed="rId3"/>
+          <a:stretch>
+            <a:fillRect/>
+          </a:stretch>
+        </p:blipFill>
+        <p:spPr>
+          <a:xfrm>
+            <a:off x="1152525" y="4129087"/>
+            <a:ext cx="9886950" cy="2409825"/>
+          </a:xfrm>
+          <a:prstGeom prst="rect">
+            <a:avLst/>
+          </a:prstGeom>
+        </p:spPr>
+      </p:pic>
+    </p:spTree>
+    <p:extLst>
+      <p:ext uri="{BB962C8B-B14F-4D97-AF65-F5344CB8AC3E}">
+        <p14:creationId xmlns:p14="http://schemas.microsoft.com/office/powerpoint/2010/main" val="1830545734"/>
+      </p:ext>
+    </p:extLst>
+  </p:cSld>
+  <p:clrMapOvr>
+    <a:masterClrMapping/>
+  </p:clrMapOvr>
+  <p:timing>
+    <p:tnLst>
+      <p:par>
+        <p:cTn id="1" dur="indefinite" restart="never" nodeType="tmRoot"/>
+      </p:par>
+    </p:tnLst>
+  </p:timing>
+</p:sld>
+</file>
+
+<file path=ppt/slides/slide11.xml><?xml version="1.0" encoding="utf-8"?>
+<p:sld xmlns:a="http://schemas.openxmlformats.org/drawingml/2006/main" xmlns:r="http://schemas.openxmlformats.org/officeDocument/2006/relationships" xmlns:p="http://schemas.openxmlformats.org/presentationml/2006/main">
+  <p:cSld>
+    <p:spTree>
+      <p:nvGrpSpPr>
+        <p:cNvPr id="1" name=""/>
+        <p:cNvGrpSpPr/>
+        <p:nvPr/>
+      </p:nvGrpSpPr>
+      <p:grpSpPr>
+        <a:xfrm>
+          <a:off x="0" y="0"/>
+          <a:ext cx="0" cy="0"/>
+          <a:chOff x="0" y="0"/>
+          <a:chExt cx="0" cy="0"/>
+        </a:xfrm>
+      </p:grpSpPr>
+      <p:sp>
+        <p:nvSpPr>
+          <p:cNvPr id="2" name="Заголовок 1"/>
+          <p:cNvSpPr>
+            <a:spLocks noGrp="1"/>
+          </p:cNvSpPr>
+          <p:nvPr>
+            <p:ph type="title"/>
+          </p:nvPr>
+        </p:nvSpPr>
+        <p:spPr/>
+        <p:txBody>
+          <a:bodyPr/>
+          <a:lstStyle/>
+          <a:p>
+            <a:r>
+              <a:rPr lang="en-US" dirty="0" smtClean="0"/>
+              <a:t>DES</a:t>
+            </a:r>
+            <a:endParaRPr lang="ru-RU" dirty="0"/>
+          </a:p>
+        </p:txBody>
+      </p:sp>
+      <mc:AlternateContent xmlns:mc="http://schemas.openxmlformats.org/markup-compatibility/2006" xmlns:a14="http://schemas.microsoft.com/office/drawing/2010/main">
+        <mc:Choice Requires="a14">
+          <p:sp>
+            <p:nvSpPr>
+              <p:cNvPr id="3" name="Объект 2"/>
+              <p:cNvSpPr>
+                <a:spLocks noGrp="1"/>
+              </p:cNvSpPr>
+              <p:nvPr>
+                <p:ph idx="1"/>
+              </p:nvPr>
+            </p:nvSpPr>
+            <p:spPr/>
+            <p:txBody>
+              <a:bodyPr/>
+              <a:lstStyle/>
+              <a:p>
+                <a:r>
+                  <a:rPr lang="en-US" dirty="0" smtClean="0"/>
+                  <a:t>16 </a:t>
+                </a:r>
+                <a:r>
+                  <a:rPr lang="ru-RU" dirty="0" smtClean="0"/>
+                  <a:t>раундовая сеть </a:t>
+                </a:r>
+                <a:r>
+                  <a:rPr lang="ru-RU" dirty="0" err="1" smtClean="0"/>
+                  <a:t>Фейстеля</a:t>
+                </a:r>
+                <a:endParaRPr lang="ru-RU" dirty="0" smtClean="0"/>
+              </a:p>
+              <a:p>
+                <a:r>
+                  <a:rPr lang="ru-RU" dirty="0" smtClean="0"/>
+                  <a:t>Размер ключей</a:t>
+                </a:r>
+                <a:r>
+                  <a:rPr lang="en-US" dirty="0" smtClean="0"/>
+                  <a:t> – 56 </a:t>
+                </a:r>
+                <a:r>
+                  <a:rPr lang="ru-RU" dirty="0" smtClean="0"/>
+                  <a:t>бит</a:t>
+                </a:r>
+              </a:p>
+              <a:p>
+                <a:r>
+                  <a:rPr lang="ru-RU" dirty="0" smtClean="0"/>
+                  <a:t>Размер блока – 64 бита</a:t>
+                </a:r>
+                <a:endParaRPr lang="en-US" dirty="0" smtClean="0"/>
+              </a:p>
+              <a:p>
+                <a:r>
+                  <a:rPr lang="ru-RU" dirty="0" smtClean="0"/>
+                  <a:t>Производительность 80 </a:t>
+                </a:r>
+                <a:r>
+                  <a:rPr lang="en-US" dirty="0" smtClean="0"/>
+                  <a:t>MB/sec (</a:t>
+                </a:r>
+                <a:r>
+                  <a:rPr lang="pt-BR" dirty="0"/>
+                  <a:t>OpenSSL 1.0.1e on Intel(R) Xeon(R) CPU E5-2698 v3 @ 2.30GHz (Haswell</a:t>
+                </a:r>
+                <a:r>
+                  <a:rPr lang="pt-BR" dirty="0" smtClean="0"/>
+                  <a:t>))</a:t>
+                </a:r>
+                <a:endParaRPr lang="ru-RU" dirty="0" smtClean="0"/>
+              </a:p>
+              <a:p>
+                <a:r>
+                  <a:rPr lang="ru-RU" dirty="0" smtClean="0"/>
+                  <a:t>Сломан</a:t>
+                </a:r>
+                <a:r>
+                  <a:rPr lang="en-US" dirty="0"/>
+                  <a:t>.</a:t>
+                </a:r>
+                <a:r>
+                  <a:rPr lang="ru-RU" dirty="0" smtClean="0"/>
+                  <a:t> </a:t>
+                </a:r>
+                <a:r>
+                  <a:rPr lang="ru-RU" dirty="0"/>
+                  <a:t>Н</a:t>
+                </a:r>
+                <a:r>
+                  <a:rPr lang="ru-RU" dirty="0" smtClean="0"/>
+                  <a:t>е использовать на практике, включая вариации (например </a:t>
+                </a:r>
+                <a:r>
+                  <a:rPr lang="en-US" dirty="0" smtClean="0"/>
+                  <a:t>3DES)</a:t>
+                </a:r>
+                <a:endParaRPr lang="ru-RU" dirty="0" smtClean="0"/>
+              </a:p>
+              <a:p>
+                <a:r>
+                  <a:rPr lang="ru-RU" dirty="0" smtClean="0"/>
+                  <a:t>Практическая атака - </a:t>
+                </a:r>
+                <a14:m>
+                  <m:oMath xmlns:m="http://schemas.openxmlformats.org/officeDocument/2006/math">
+                    <m:sSup>
+                      <m:sSupPr>
+                        <m:ctrlPr>
+                          <a:rPr lang="en-US" b="0" i="1" smtClean="0">
+                            <a:latin typeface="Cambria Math" panose="02040503050406030204" pitchFamily="18" charset="0"/>
+                          </a:rPr>
+                        </m:ctrlPr>
+                      </m:sSupPr>
+                      <m:e>
+                        <m:r>
+                          <a:rPr lang="en-US" b="0" i="1" smtClean="0">
+                            <a:latin typeface="Cambria Math" panose="02040503050406030204" pitchFamily="18" charset="0"/>
+                          </a:rPr>
+                          <m:t>2</m:t>
+                        </m:r>
+                      </m:e>
+                      <m:sup>
+                        <m:r>
+                          <a:rPr lang="en-US" b="0" i="1" smtClean="0">
+                            <a:latin typeface="Cambria Math" panose="02040503050406030204" pitchFamily="18" charset="0"/>
+                          </a:rPr>
+                          <m:t>43</m:t>
+                        </m:r>
+                      </m:sup>
+                    </m:sSup>
+                    <m:r>
+                      <a:rPr lang="ru-RU" b="0" i="0" smtClean="0">
+                        <a:latin typeface="Cambria Math" panose="02040503050406030204" pitchFamily="18" charset="0"/>
+                      </a:rPr>
+                      <m:t>,</m:t>
+                    </m:r>
+                  </m:oMath>
+                </a14:m>
+                <a:r>
+                  <a:rPr lang="ru-RU" dirty="0" smtClean="0"/>
+                  <a:t> </a:t>
+                </a:r>
+                <a:r>
+                  <a:rPr lang="en-US" dirty="0" smtClean="0"/>
+                  <a:t>3DES - </a:t>
+                </a:r>
+                <a14:m>
+                  <m:oMath xmlns:m="http://schemas.openxmlformats.org/officeDocument/2006/math">
+                    <m:sSup>
+                      <m:sSupPr>
+                        <m:ctrlPr>
+                          <a:rPr lang="en-US" b="0" i="1" smtClean="0">
+                            <a:latin typeface="Cambria Math" panose="02040503050406030204" pitchFamily="18" charset="0"/>
+                          </a:rPr>
+                        </m:ctrlPr>
+                      </m:sSupPr>
+                      <m:e>
+                        <m:r>
+                          <a:rPr lang="en-US" b="0" i="1" smtClean="0">
+                            <a:latin typeface="Cambria Math" panose="02040503050406030204" pitchFamily="18" charset="0"/>
+                          </a:rPr>
+                          <m:t>2</m:t>
+                        </m:r>
+                      </m:e>
+                      <m:sup>
+                        <m:r>
+                          <a:rPr lang="en-US" b="0" i="1" smtClean="0">
+                            <a:latin typeface="Cambria Math" panose="02040503050406030204" pitchFamily="18" charset="0"/>
+                          </a:rPr>
+                          <m:t>113</m:t>
+                        </m:r>
+                      </m:sup>
+                    </m:sSup>
+                    <m:r>
+                      <a:rPr lang="en-US" b="0" i="0" smtClean="0">
+                        <a:latin typeface="Cambria Math" panose="02040503050406030204" pitchFamily="18" charset="0"/>
+                      </a:rPr>
+                      <m:t>.</m:t>
+                    </m:r>
+                  </m:oMath>
+                </a14:m>
+                <a:endParaRPr lang="ru-RU" dirty="0"/>
+              </a:p>
+            </p:txBody>
+          </p:sp>
+        </mc:Choice>
+        <mc:Fallback xmlns="">
+          <p:sp>
+            <p:nvSpPr>
+              <p:cNvPr id="3" name="Объект 2"/>
+              <p:cNvSpPr>
+                <a:spLocks noGrp="1" noRot="1" noChangeAspect="1" noMove="1" noResize="1" noEditPoints="1" noAdjustHandles="1" noChangeArrowheads="1" noChangeShapeType="1" noTextEdit="1"/>
+              </p:cNvSpPr>
+              <p:nvPr>
+                <p:ph idx="1"/>
+              </p:nvPr>
+            </p:nvSpPr>
+            <p:spPr>
+              <a:blipFill rotWithShape="0">
+                <a:blip r:embed="rId2"/>
+                <a:stretch>
+                  <a:fillRect l="-928" t="-2101" r="-58"/>
+                </a:stretch>
+              </a:blipFill>
+            </p:spPr>
+            <p:txBody>
+              <a:bodyPr/>
+              <a:lstStyle/>
+              <a:p>
+                <a:r>
+                  <a:rPr lang="ru-RU">
+                    <a:noFill/>
+                  </a:rPr>
+                  <a:t> </a:t>
+                </a:r>
+              </a:p>
+            </p:txBody>
+          </p:sp>
+        </mc:Fallback>
+      </mc:AlternateContent>
+      <p:sp>
+        <p:nvSpPr>
+          <p:cNvPr id="4" name="Номер слайда 3"/>
+          <p:cNvSpPr>
+            <a:spLocks noGrp="1"/>
+          </p:cNvSpPr>
+          <p:nvPr>
+            <p:ph type="sldNum" sz="quarter" idx="12"/>
+          </p:nvPr>
+        </p:nvSpPr>
+        <p:spPr/>
+        <p:txBody>
+          <a:bodyPr/>
+          <a:lstStyle/>
+          <a:p>
+            <a:fld id="{8253DDDB-F8F7-4D64-A7FD-3F3D61C1949F}" type="slidenum">
+              <a:rPr lang="ru-RU" smtClean="0"/>
+              <a:t>11</a:t>
+            </a:fld>
+            <a:endParaRPr lang="ru-RU"/>
+          </a:p>
+        </p:txBody>
+      </p:sp>
+    </p:spTree>
+    <p:extLst>
+      <p:ext uri="{BB962C8B-B14F-4D97-AF65-F5344CB8AC3E}">
+        <p14:creationId xmlns:p14="http://schemas.microsoft.com/office/powerpoint/2010/main" val="3288896553"/>
+      </p:ext>
+    </p:extLst>
+  </p:cSld>
+  <p:clrMapOvr>
+    <a:masterClrMapping/>
+  </p:clrMapOvr>
+  <p:timing>
+    <p:tnLst>
+      <p:par>
+        <p:cTn id="1" dur="indefinite" restart="never" nodeType="tmRoot"/>
+      </p:par>
+    </p:tnLst>
+  </p:timing>
+</p:sld>
+</file>
+
+<file path=ppt/slides/slide12.xml><?xml version="1.0" encoding="utf-8"?>
+<p:sld xmlns:a="http://schemas.openxmlformats.org/drawingml/2006/main" xmlns:r="http://schemas.openxmlformats.org/officeDocument/2006/relationships" xmlns:p="http://schemas.openxmlformats.org/presentationml/2006/main">
+  <p:cSld>
+    <p:spTree>
+      <p:nvGrpSpPr>
+        <p:cNvPr id="1" name=""/>
+        <p:cNvGrpSpPr/>
+        <p:nvPr/>
+      </p:nvGrpSpPr>
+      <p:grpSpPr>
+        <a:xfrm>
+          <a:off x="0" y="0"/>
+          <a:ext cx="0" cy="0"/>
+          <a:chOff x="0" y="0"/>
+          <a:chExt cx="0" cy="0"/>
+        </a:xfrm>
+      </p:grpSpPr>
+      <p:sp>
+        <p:nvSpPr>
+          <p:cNvPr id="2" name="Заголовок 1"/>
+          <p:cNvSpPr>
+            <a:spLocks noGrp="1"/>
+          </p:cNvSpPr>
+          <p:nvPr>
+            <p:ph type="title"/>
+          </p:nvPr>
+        </p:nvSpPr>
+        <p:spPr/>
+        <p:txBody>
+          <a:bodyPr/>
+          <a:lstStyle/>
+          <a:p>
+            <a:r>
+              <a:rPr lang="en-US" dirty="0" smtClean="0"/>
+              <a:t>DES</a:t>
+            </a:r>
+            <a:endParaRPr lang="ru-RU" dirty="0"/>
+          </a:p>
+        </p:txBody>
+      </p:sp>
+      <mc:AlternateContent xmlns:mc="http://schemas.openxmlformats.org/markup-compatibility/2006" xmlns:a14="http://schemas.microsoft.com/office/drawing/2010/main">
+        <mc:Choice Requires="a14">
+          <p:sp>
+            <p:nvSpPr>
+              <p:cNvPr id="3" name="Объект 2"/>
+              <p:cNvSpPr>
+                <a:spLocks noGrp="1"/>
+              </p:cNvSpPr>
+              <p:nvPr>
+                <p:ph idx="1"/>
+              </p:nvPr>
+            </p:nvSpPr>
+            <p:spPr/>
+            <p:txBody>
+              <a:bodyPr/>
+              <a:lstStyle/>
+              <a:p>
+                <a14:m>
+                  <m:oMath xmlns:m="http://schemas.openxmlformats.org/officeDocument/2006/math">
+                    <m:sSub>
+                      <m:sSubPr>
+                        <m:ctrlPr>
+                          <a:rPr lang="en-US" b="0" i="1" smtClean="0">
+                            <a:latin typeface="Cambria Math" panose="02040503050406030204" pitchFamily="18" charset="0"/>
+                          </a:rPr>
+                        </m:ctrlPr>
+                      </m:sSubPr>
+                      <m:e>
+                        <m:r>
+                          <a:rPr lang="en-US" b="0" i="1" smtClean="0">
+                            <a:latin typeface="Cambria Math" panose="02040503050406030204" pitchFamily="18" charset="0"/>
+                          </a:rPr>
+                          <m:t>𝑓</m:t>
+                        </m:r>
+                      </m:e>
+                      <m:sub>
+                        <m:r>
+                          <a:rPr lang="en-US" b="0" i="1" smtClean="0">
+                            <a:latin typeface="Cambria Math" panose="02040503050406030204" pitchFamily="18" charset="0"/>
+                          </a:rPr>
+                          <m:t>𝑖</m:t>
+                        </m:r>
+                      </m:sub>
+                    </m:sSub>
+                    <m:d>
+                      <m:dPr>
+                        <m:ctrlPr>
+                          <a:rPr lang="en-US" b="0" i="1" smtClean="0">
+                            <a:latin typeface="Cambria Math" panose="02040503050406030204" pitchFamily="18" charset="0"/>
+                          </a:rPr>
+                        </m:ctrlPr>
+                      </m:dPr>
+                      <m:e>
+                        <m:r>
+                          <a:rPr lang="en-US" b="0" i="1" smtClean="0">
+                            <a:latin typeface="Cambria Math" panose="02040503050406030204" pitchFamily="18" charset="0"/>
+                          </a:rPr>
+                          <m:t>𝑥</m:t>
+                        </m:r>
+                      </m:e>
+                    </m:d>
+                    <m:r>
+                      <a:rPr lang="en-US" b="0" i="1" smtClean="0">
+                        <a:latin typeface="Cambria Math" panose="02040503050406030204" pitchFamily="18" charset="0"/>
+                      </a:rPr>
+                      <m:t>=</m:t>
+                    </m:r>
+                    <m:r>
+                      <a:rPr lang="en-US" b="0" i="1" smtClean="0">
+                        <a:latin typeface="Cambria Math" panose="02040503050406030204" pitchFamily="18" charset="0"/>
+                      </a:rPr>
+                      <m:t>𝐹</m:t>
+                    </m:r>
+                    <m:d>
+                      <m:dPr>
+                        <m:ctrlPr>
+                          <a:rPr lang="en-US" b="0" i="1" smtClean="0">
+                            <a:latin typeface="Cambria Math" panose="02040503050406030204" pitchFamily="18" charset="0"/>
+                          </a:rPr>
+                        </m:ctrlPr>
+                      </m:dPr>
+                      <m:e>
+                        <m:sSub>
+                          <m:sSubPr>
+                            <m:ctrlPr>
+                              <a:rPr lang="en-US" b="0" i="1" smtClean="0">
+                                <a:latin typeface="Cambria Math" panose="02040503050406030204" pitchFamily="18" charset="0"/>
+                              </a:rPr>
+                            </m:ctrlPr>
+                          </m:sSubPr>
+                          <m:e>
+                            <m:r>
+                              <a:rPr lang="en-US" b="0" i="1" smtClean="0">
+                                <a:latin typeface="Cambria Math" panose="02040503050406030204" pitchFamily="18" charset="0"/>
+                              </a:rPr>
+                              <m:t>𝑘</m:t>
+                            </m:r>
+                          </m:e>
+                          <m:sub>
+                            <m:r>
+                              <a:rPr lang="en-US" b="0" i="1" smtClean="0">
+                                <a:latin typeface="Cambria Math" panose="02040503050406030204" pitchFamily="18" charset="0"/>
+                              </a:rPr>
+                              <m:t>𝑖</m:t>
+                            </m:r>
+                          </m:sub>
+                        </m:sSub>
+                        <m:r>
+                          <a:rPr lang="en-US" b="0" i="1" smtClean="0">
+                            <a:latin typeface="Cambria Math" panose="02040503050406030204" pitchFamily="18" charset="0"/>
+                          </a:rPr>
+                          <m:t>,</m:t>
+                        </m:r>
+                        <m:r>
+                          <a:rPr lang="en-US" b="0" i="1" smtClean="0">
+                            <a:latin typeface="Cambria Math" panose="02040503050406030204" pitchFamily="18" charset="0"/>
+                          </a:rPr>
+                          <m:t>𝑥</m:t>
+                        </m:r>
+                      </m:e>
+                    </m:d>
+                    <m:r>
+                      <a:rPr lang="en-US" b="0" i="1" smtClean="0">
+                        <a:latin typeface="Cambria Math" panose="02040503050406030204" pitchFamily="18" charset="0"/>
+                      </a:rPr>
+                      <m:t>, </m:t>
+                    </m:r>
+                    <m:sSub>
+                      <m:sSubPr>
+                        <m:ctrlPr>
+                          <a:rPr lang="en-US" b="0" i="1" smtClean="0">
+                            <a:latin typeface="Cambria Math" panose="02040503050406030204" pitchFamily="18" charset="0"/>
+                          </a:rPr>
+                        </m:ctrlPr>
+                      </m:sSubPr>
+                      <m:e>
+                        <m:r>
+                          <a:rPr lang="en-US" b="0" i="1" smtClean="0">
+                            <a:latin typeface="Cambria Math" panose="02040503050406030204" pitchFamily="18" charset="0"/>
+                          </a:rPr>
+                          <m:t>𝑘</m:t>
+                        </m:r>
+                      </m:e>
+                      <m:sub>
+                        <m:r>
+                          <a:rPr lang="en-US" b="0" i="1" smtClean="0">
+                            <a:latin typeface="Cambria Math" panose="02040503050406030204" pitchFamily="18" charset="0"/>
+                          </a:rPr>
+                          <m:t>𝑖</m:t>
+                        </m:r>
+                      </m:sub>
+                    </m:sSub>
+                    <m:r>
+                      <a:rPr lang="en-US" b="0" i="1" smtClean="0">
+                        <a:latin typeface="Cambria Math" panose="02040503050406030204" pitchFamily="18" charset="0"/>
+                      </a:rPr>
+                      <m:t>∈</m:t>
+                    </m:r>
+                    <m:sSup>
+                      <m:sSupPr>
+                        <m:ctrlPr>
+                          <a:rPr lang="en-US" b="0" i="1" smtClean="0">
+                            <a:latin typeface="Cambria Math" panose="02040503050406030204" pitchFamily="18" charset="0"/>
+                          </a:rPr>
+                        </m:ctrlPr>
+                      </m:sSupPr>
+                      <m:e>
+                        <m:d>
+                          <m:dPr>
+                            <m:begChr m:val="{"/>
+                            <m:endChr m:val="}"/>
+                            <m:ctrlPr>
+                              <a:rPr lang="en-US" b="0" i="1" smtClean="0">
+                                <a:latin typeface="Cambria Math" panose="02040503050406030204" pitchFamily="18" charset="0"/>
+                              </a:rPr>
+                            </m:ctrlPr>
+                          </m:dPr>
+                          <m:e>
+                            <m:r>
+                              <a:rPr lang="en-US" b="0" i="1" smtClean="0">
+                                <a:latin typeface="Cambria Math" panose="02040503050406030204" pitchFamily="18" charset="0"/>
+                              </a:rPr>
+                              <m:t>0,1</m:t>
+                            </m:r>
+                          </m:e>
+                        </m:d>
+                      </m:e>
+                      <m:sup>
+                        <m:r>
+                          <a:rPr lang="en-US" b="0" i="1" smtClean="0">
+                            <a:latin typeface="Cambria Math" panose="02040503050406030204" pitchFamily="18" charset="0"/>
+                          </a:rPr>
+                          <m:t>48</m:t>
+                        </m:r>
+                      </m:sup>
+                    </m:sSup>
+                    <m:r>
+                      <a:rPr lang="en-US" b="0" i="1" smtClean="0">
+                        <a:latin typeface="Cambria Math" panose="02040503050406030204" pitchFamily="18" charset="0"/>
+                      </a:rPr>
+                      <m:t>,</m:t>
+                    </m:r>
+                    <m:r>
+                      <a:rPr lang="en-US" b="0" i="1" smtClean="0">
+                        <a:latin typeface="Cambria Math" panose="02040503050406030204" pitchFamily="18" charset="0"/>
+                      </a:rPr>
+                      <m:t>𝑥</m:t>
+                    </m:r>
+                    <m:r>
+                      <a:rPr lang="en-US" b="0" i="1" smtClean="0">
+                        <a:latin typeface="Cambria Math" panose="02040503050406030204" pitchFamily="18" charset="0"/>
+                      </a:rPr>
+                      <m:t>∈</m:t>
+                    </m:r>
+                    <m:sSup>
+                      <m:sSupPr>
+                        <m:ctrlPr>
+                          <a:rPr lang="en-US" b="0" i="1" smtClean="0">
+                            <a:latin typeface="Cambria Math" panose="02040503050406030204" pitchFamily="18" charset="0"/>
+                          </a:rPr>
+                        </m:ctrlPr>
+                      </m:sSupPr>
+                      <m:e>
+                        <m:d>
+                          <m:dPr>
+                            <m:begChr m:val="{"/>
+                            <m:endChr m:val="}"/>
+                            <m:ctrlPr>
+                              <a:rPr lang="en-US" b="0" i="1" smtClean="0">
+                                <a:latin typeface="Cambria Math" panose="02040503050406030204" pitchFamily="18" charset="0"/>
+                              </a:rPr>
+                            </m:ctrlPr>
+                          </m:dPr>
+                          <m:e>
+                            <m:r>
+                              <a:rPr lang="en-US" b="0" i="1" smtClean="0">
+                                <a:latin typeface="Cambria Math" panose="02040503050406030204" pitchFamily="18" charset="0"/>
+                              </a:rPr>
+                              <m:t>0,1</m:t>
+                            </m:r>
+                          </m:e>
+                        </m:d>
+                      </m:e>
+                      <m:sup>
+                        <m:r>
+                          <a:rPr lang="en-US" b="0" i="1" smtClean="0">
+                            <a:latin typeface="Cambria Math" panose="02040503050406030204" pitchFamily="18" charset="0"/>
+                          </a:rPr>
+                          <m:t>32</m:t>
+                        </m:r>
+                      </m:sup>
+                    </m:sSup>
+                  </m:oMath>
+                </a14:m>
+                <a:r>
+                  <a:rPr lang="en-US" dirty="0" smtClean="0"/>
+                  <a:t> - </a:t>
+                </a:r>
+                <a:r>
+                  <a:rPr lang="ru-RU" dirty="0" smtClean="0"/>
+                  <a:t>раундовая функция в сети </a:t>
+                </a:r>
+                <a:r>
+                  <a:rPr lang="ru-RU" dirty="0" err="1"/>
+                  <a:t>Ф</a:t>
+                </a:r>
+                <a:r>
+                  <a:rPr lang="ru-RU" dirty="0" err="1" smtClean="0"/>
+                  <a:t>ейстеля</a:t>
+                </a:r>
+                <a:r>
+                  <a:rPr lang="ru-RU" dirty="0" smtClean="0"/>
+                  <a:t>.</a:t>
+                </a:r>
+              </a:p>
+              <a:p>
+                <a14:m>
+                  <m:oMath xmlns:m="http://schemas.openxmlformats.org/officeDocument/2006/math">
+                    <m:r>
+                      <a:rPr lang="en-US" b="0" i="1" smtClean="0">
+                        <a:latin typeface="Cambria Math" panose="02040503050406030204" pitchFamily="18" charset="0"/>
+                      </a:rPr>
+                      <m:t>𝐸</m:t>
+                    </m:r>
+                    <m:r>
+                      <a:rPr lang="en-US" b="0" i="1" smtClean="0">
+                        <a:latin typeface="Cambria Math" panose="02040503050406030204" pitchFamily="18" charset="0"/>
+                      </a:rPr>
+                      <m:t>:</m:t>
+                    </m:r>
+                    <m:sSup>
+                      <m:sSupPr>
+                        <m:ctrlPr>
+                          <a:rPr lang="en-US" b="0" i="1" smtClean="0">
+                            <a:latin typeface="Cambria Math" panose="02040503050406030204" pitchFamily="18" charset="0"/>
+                          </a:rPr>
+                        </m:ctrlPr>
+                      </m:sSupPr>
+                      <m:e>
+                        <m:d>
+                          <m:dPr>
+                            <m:begChr m:val="{"/>
+                            <m:endChr m:val="}"/>
+                            <m:ctrlPr>
+                              <a:rPr lang="en-US" b="0" i="1" smtClean="0">
+                                <a:latin typeface="Cambria Math" panose="02040503050406030204" pitchFamily="18" charset="0"/>
+                              </a:rPr>
+                            </m:ctrlPr>
+                          </m:dPr>
+                          <m:e>
+                            <m:r>
+                              <a:rPr lang="en-US" b="0" i="1" smtClean="0">
+                                <a:latin typeface="Cambria Math" panose="02040503050406030204" pitchFamily="18" charset="0"/>
+                              </a:rPr>
+                              <m:t>0,1</m:t>
+                            </m:r>
+                          </m:e>
+                        </m:d>
+                      </m:e>
+                      <m:sup>
+                        <m:r>
+                          <a:rPr lang="en-US" b="0" i="1" smtClean="0">
+                            <a:latin typeface="Cambria Math" panose="02040503050406030204" pitchFamily="18" charset="0"/>
+                          </a:rPr>
+                          <m:t>32</m:t>
+                        </m:r>
+                      </m:sup>
+                    </m:sSup>
+                    <m:r>
+                      <a:rPr lang="en-US" b="0" i="1" smtClean="0">
+                        <a:latin typeface="Cambria Math" panose="02040503050406030204" pitchFamily="18" charset="0"/>
+                      </a:rPr>
+                      <m:t>→</m:t>
+                    </m:r>
+                    <m:sSup>
+                      <m:sSupPr>
+                        <m:ctrlPr>
+                          <a:rPr lang="en-US" b="0" i="1" smtClean="0">
+                            <a:latin typeface="Cambria Math" panose="02040503050406030204" pitchFamily="18" charset="0"/>
+                          </a:rPr>
+                        </m:ctrlPr>
+                      </m:sSupPr>
+                      <m:e>
+                        <m:d>
+                          <m:dPr>
+                            <m:begChr m:val="{"/>
+                            <m:endChr m:val="}"/>
+                            <m:ctrlPr>
+                              <a:rPr lang="en-US" b="0" i="1" smtClean="0">
+                                <a:latin typeface="Cambria Math" panose="02040503050406030204" pitchFamily="18" charset="0"/>
+                              </a:rPr>
+                            </m:ctrlPr>
+                          </m:dPr>
+                          <m:e>
+                            <m:r>
+                              <a:rPr lang="en-US" b="0" i="1" smtClean="0">
+                                <a:latin typeface="Cambria Math" panose="02040503050406030204" pitchFamily="18" charset="0"/>
+                              </a:rPr>
+                              <m:t>0,1</m:t>
+                            </m:r>
+                          </m:e>
+                        </m:d>
+                      </m:e>
+                      <m:sup>
+                        <m:r>
+                          <a:rPr lang="en-US" b="0" i="1" smtClean="0">
+                            <a:latin typeface="Cambria Math" panose="02040503050406030204" pitchFamily="18" charset="0"/>
+                          </a:rPr>
+                          <m:t>48</m:t>
+                        </m:r>
+                      </m:sup>
+                    </m:sSup>
+                  </m:oMath>
+                </a14:m>
+                <a:r>
+                  <a:rPr lang="en-US" dirty="0" smtClean="0"/>
+                  <a:t> -</a:t>
+                </a:r>
+                <a:r>
+                  <a:rPr lang="ru-RU" dirty="0" smtClean="0"/>
+                  <a:t> функция расширения</a:t>
+                </a:r>
+              </a:p>
+              <a:p>
+                <a14:m>
+                  <m:oMath xmlns:m="http://schemas.openxmlformats.org/officeDocument/2006/math">
+                    <m:r>
+                      <a:rPr lang="en-US" b="0" i="1" smtClean="0">
+                        <a:latin typeface="Cambria Math" panose="02040503050406030204" pitchFamily="18" charset="0"/>
+                      </a:rPr>
+                      <m:t>𝑃</m:t>
+                    </m:r>
+                    <m:r>
+                      <a:rPr lang="en-US" b="0" i="1" smtClean="0">
+                        <a:latin typeface="Cambria Math" panose="02040503050406030204" pitchFamily="18" charset="0"/>
+                      </a:rPr>
+                      <m:t>:</m:t>
+                    </m:r>
+                    <m:sSup>
+                      <m:sSupPr>
+                        <m:ctrlPr>
+                          <a:rPr lang="en-US" b="0" i="1" smtClean="0">
+                            <a:latin typeface="Cambria Math" panose="02040503050406030204" pitchFamily="18" charset="0"/>
+                          </a:rPr>
+                        </m:ctrlPr>
+                      </m:sSupPr>
+                      <m:e>
+                        <m:d>
+                          <m:dPr>
+                            <m:begChr m:val="{"/>
+                            <m:endChr m:val="}"/>
+                            <m:ctrlPr>
+                              <a:rPr lang="en-US" b="0" i="1" smtClean="0">
+                                <a:latin typeface="Cambria Math" panose="02040503050406030204" pitchFamily="18" charset="0"/>
+                              </a:rPr>
+                            </m:ctrlPr>
+                          </m:dPr>
+                          <m:e>
+                            <m:r>
+                              <a:rPr lang="en-US" b="0" i="1" smtClean="0">
+                                <a:latin typeface="Cambria Math" panose="02040503050406030204" pitchFamily="18" charset="0"/>
+                              </a:rPr>
+                              <m:t>0,1</m:t>
+                            </m:r>
+                          </m:e>
+                        </m:d>
+                      </m:e>
+                      <m:sup>
+                        <m:r>
+                          <a:rPr lang="en-US" b="0" i="1" smtClean="0">
+                            <a:latin typeface="Cambria Math" panose="02040503050406030204" pitchFamily="18" charset="0"/>
+                          </a:rPr>
+                          <m:t>32</m:t>
+                        </m:r>
+                      </m:sup>
+                    </m:sSup>
+                    <m:r>
+                      <a:rPr lang="en-US" b="0" i="1" smtClean="0">
+                        <a:latin typeface="Cambria Math" panose="02040503050406030204" pitchFamily="18" charset="0"/>
+                      </a:rPr>
+                      <m:t>→</m:t>
+                    </m:r>
+                    <m:sSup>
+                      <m:sSupPr>
+                        <m:ctrlPr>
+                          <a:rPr lang="en-US" b="0" i="1" smtClean="0">
+                            <a:latin typeface="Cambria Math" panose="02040503050406030204" pitchFamily="18" charset="0"/>
+                          </a:rPr>
+                        </m:ctrlPr>
+                      </m:sSupPr>
+                      <m:e>
+                        <m:d>
+                          <m:dPr>
+                            <m:begChr m:val="{"/>
+                            <m:endChr m:val="}"/>
+                            <m:ctrlPr>
+                              <a:rPr lang="en-US" b="0" i="1" smtClean="0">
+                                <a:latin typeface="Cambria Math" panose="02040503050406030204" pitchFamily="18" charset="0"/>
+                              </a:rPr>
+                            </m:ctrlPr>
+                          </m:dPr>
+                          <m:e>
+                            <m:r>
+                              <a:rPr lang="en-US" b="0" i="1" smtClean="0">
+                                <a:latin typeface="Cambria Math" panose="02040503050406030204" pitchFamily="18" charset="0"/>
+                              </a:rPr>
+                              <m:t>0,1</m:t>
+                            </m:r>
+                          </m:e>
+                        </m:d>
+                      </m:e>
+                      <m:sup>
+                        <m:r>
+                          <a:rPr lang="en-US" b="0" i="1" smtClean="0">
+                            <a:latin typeface="Cambria Math" panose="02040503050406030204" pitchFamily="18" charset="0"/>
+                          </a:rPr>
+                          <m:t>32</m:t>
+                        </m:r>
+                      </m:sup>
+                    </m:sSup>
+                  </m:oMath>
+                </a14:m>
+                <a:r>
+                  <a:rPr lang="en-US" dirty="0" smtClean="0"/>
+                  <a:t> - </a:t>
+                </a:r>
+                <a:r>
+                  <a:rPr lang="ru-RU" dirty="0" smtClean="0"/>
+                  <a:t>перемешивающая перестановка</a:t>
+                </a:r>
+              </a:p>
+              <a:p>
+                <a:r>
+                  <a:rPr lang="ru-RU" dirty="0" smtClean="0"/>
+                  <a:t>Функции </a:t>
+                </a:r>
+                <a14:m>
+                  <m:oMath xmlns:m="http://schemas.openxmlformats.org/officeDocument/2006/math">
+                    <m:sSub>
+                      <m:sSubPr>
+                        <m:ctrlPr>
+                          <a:rPr lang="en-US" b="0" i="1" smtClean="0">
+                            <a:latin typeface="Cambria Math" panose="02040503050406030204" pitchFamily="18" charset="0"/>
+                          </a:rPr>
+                        </m:ctrlPr>
+                      </m:sSubPr>
+                      <m:e>
+                        <m:r>
+                          <a:rPr lang="en-US" b="0" i="1" smtClean="0">
+                            <a:latin typeface="Cambria Math" panose="02040503050406030204" pitchFamily="18" charset="0"/>
+                          </a:rPr>
+                          <m:t>𝑆</m:t>
+                        </m:r>
+                      </m:e>
+                      <m:sub>
+                        <m:r>
+                          <a:rPr lang="en-US" b="0" i="1" smtClean="0">
+                            <a:latin typeface="Cambria Math" panose="02040503050406030204" pitchFamily="18" charset="0"/>
+                          </a:rPr>
+                          <m:t>1</m:t>
+                        </m:r>
+                      </m:sub>
+                    </m:sSub>
+                    <m:r>
+                      <a:rPr lang="en-US" b="0" i="1" smtClean="0">
+                        <a:latin typeface="Cambria Math" panose="02040503050406030204" pitchFamily="18" charset="0"/>
+                      </a:rPr>
+                      <m:t>,…,</m:t>
+                    </m:r>
+                    <m:sSub>
+                      <m:sSubPr>
+                        <m:ctrlPr>
+                          <a:rPr lang="en-US" b="0" i="1" smtClean="0">
+                            <a:latin typeface="Cambria Math" panose="02040503050406030204" pitchFamily="18" charset="0"/>
+                          </a:rPr>
+                        </m:ctrlPr>
+                      </m:sSubPr>
+                      <m:e>
+                        <m:r>
+                          <a:rPr lang="en-US" b="0" i="1" smtClean="0">
+                            <a:latin typeface="Cambria Math" panose="02040503050406030204" pitchFamily="18" charset="0"/>
+                          </a:rPr>
+                          <m:t>𝑆</m:t>
+                        </m:r>
+                      </m:e>
+                      <m:sub>
+                        <m:r>
+                          <a:rPr lang="en-US" b="0" i="1" smtClean="0">
+                            <a:latin typeface="Cambria Math" panose="02040503050406030204" pitchFamily="18" charset="0"/>
+                          </a:rPr>
+                          <m:t>8</m:t>
+                        </m:r>
+                      </m:sub>
+                    </m:sSub>
+                    <m:r>
+                      <a:rPr lang="en-US" b="0" i="1" smtClean="0">
+                        <a:latin typeface="Cambria Math" panose="02040503050406030204" pitchFamily="18" charset="0"/>
+                      </a:rPr>
+                      <m:t>:</m:t>
+                    </m:r>
+                    <m:sSup>
+                      <m:sSupPr>
+                        <m:ctrlPr>
+                          <a:rPr lang="en-US" b="0" i="1" smtClean="0">
+                            <a:latin typeface="Cambria Math" panose="02040503050406030204" pitchFamily="18" charset="0"/>
+                          </a:rPr>
+                        </m:ctrlPr>
+                      </m:sSupPr>
+                      <m:e>
+                        <m:d>
+                          <m:dPr>
+                            <m:begChr m:val="{"/>
+                            <m:endChr m:val="}"/>
+                            <m:ctrlPr>
+                              <a:rPr lang="en-US" b="0" i="1" smtClean="0">
+                                <a:latin typeface="Cambria Math" panose="02040503050406030204" pitchFamily="18" charset="0"/>
+                              </a:rPr>
+                            </m:ctrlPr>
+                          </m:dPr>
+                          <m:e>
+                            <m:r>
+                              <a:rPr lang="ru-RU" b="0" i="1" smtClean="0">
+                                <a:latin typeface="Cambria Math" panose="02040503050406030204" pitchFamily="18" charset="0"/>
+                              </a:rPr>
+                              <m:t>0</m:t>
+                            </m:r>
+                            <m:r>
+                              <a:rPr lang="en-US" b="0" i="1" smtClean="0">
+                                <a:latin typeface="Cambria Math" panose="02040503050406030204" pitchFamily="18" charset="0"/>
+                              </a:rPr>
+                              <m:t>,1</m:t>
+                            </m:r>
+                          </m:e>
+                        </m:d>
+                      </m:e>
+                      <m:sup>
+                        <m:r>
+                          <a:rPr lang="en-US" b="0" i="1" smtClean="0">
+                            <a:latin typeface="Cambria Math" panose="02040503050406030204" pitchFamily="18" charset="0"/>
+                          </a:rPr>
+                          <m:t>6</m:t>
+                        </m:r>
+                      </m:sup>
+                    </m:sSup>
+                    <m:r>
+                      <a:rPr lang="en-US" b="0" i="1" smtClean="0">
+                        <a:latin typeface="Cambria Math" panose="02040503050406030204" pitchFamily="18" charset="0"/>
+                      </a:rPr>
+                      <m:t>→</m:t>
+                    </m:r>
+                    <m:sSup>
+                      <m:sSupPr>
+                        <m:ctrlPr>
+                          <a:rPr lang="en-US" b="0" i="1" smtClean="0">
+                            <a:latin typeface="Cambria Math" panose="02040503050406030204" pitchFamily="18" charset="0"/>
+                          </a:rPr>
+                        </m:ctrlPr>
+                      </m:sSupPr>
+                      <m:e>
+                        <m:d>
+                          <m:dPr>
+                            <m:begChr m:val="{"/>
+                            <m:endChr m:val="}"/>
+                            <m:ctrlPr>
+                              <a:rPr lang="en-US" b="0" i="1" smtClean="0">
+                                <a:latin typeface="Cambria Math" panose="02040503050406030204" pitchFamily="18" charset="0"/>
+                              </a:rPr>
+                            </m:ctrlPr>
+                          </m:dPr>
+                          <m:e>
+                            <m:r>
+                              <a:rPr lang="en-US" b="0" i="1" smtClean="0">
+                                <a:latin typeface="Cambria Math" panose="02040503050406030204" pitchFamily="18" charset="0"/>
+                              </a:rPr>
+                              <m:t>0,1</m:t>
+                            </m:r>
+                          </m:e>
+                        </m:d>
+                      </m:e>
+                      <m:sup>
+                        <m:r>
+                          <a:rPr lang="en-US" b="0" i="1" smtClean="0">
+                            <a:latin typeface="Cambria Math" panose="02040503050406030204" pitchFamily="18" charset="0"/>
+                          </a:rPr>
+                          <m:t>4</m:t>
+                        </m:r>
+                      </m:sup>
+                    </m:sSup>
+                  </m:oMath>
+                </a14:m>
+                <a:r>
+                  <a:rPr lang="en-US" dirty="0" smtClean="0"/>
+                  <a:t> - S </a:t>
+                </a:r>
+                <a:r>
+                  <a:rPr lang="ru-RU" dirty="0" smtClean="0"/>
+                  <a:t>боксы, фиксировано заданные таблично.</a:t>
+                </a:r>
+                <a:endParaRPr lang="ru-RU" dirty="0"/>
+              </a:p>
+            </p:txBody>
+          </p:sp>
+        </mc:Choice>
+        <mc:Fallback xmlns="">
+          <p:sp>
+            <p:nvSpPr>
+              <p:cNvPr id="3" name="Объект 2"/>
+              <p:cNvSpPr>
+                <a:spLocks noGrp="1" noRot="1" noChangeAspect="1" noMove="1" noResize="1" noEditPoints="1" noAdjustHandles="1" noChangeArrowheads="1" noChangeShapeType="1" noTextEdit="1"/>
+              </p:cNvSpPr>
+              <p:nvPr>
+                <p:ph idx="1"/>
+              </p:nvPr>
+            </p:nvSpPr>
+            <p:spPr>
+              <a:blipFill rotWithShape="0">
+                <a:blip r:embed="rId2"/>
+                <a:stretch>
+                  <a:fillRect l="-928" t="-1961"/>
+                </a:stretch>
+              </a:blipFill>
+            </p:spPr>
+            <p:txBody>
+              <a:bodyPr/>
+              <a:lstStyle/>
+              <a:p>
+                <a:r>
+                  <a:rPr lang="ru-RU">
+                    <a:noFill/>
+                  </a:rPr>
+                  <a:t> </a:t>
+                </a:r>
+              </a:p>
+            </p:txBody>
+          </p:sp>
+        </mc:Fallback>
+      </mc:AlternateContent>
+      <p:sp>
+        <p:nvSpPr>
+          <p:cNvPr id="4" name="Номер слайда 3"/>
+          <p:cNvSpPr>
+            <a:spLocks noGrp="1"/>
+          </p:cNvSpPr>
+          <p:nvPr>
+            <p:ph type="sldNum" sz="quarter" idx="12"/>
+          </p:nvPr>
+        </p:nvSpPr>
+        <p:spPr/>
+        <p:txBody>
+          <a:bodyPr/>
+          <a:lstStyle/>
+          <a:p>
+            <a:fld id="{8253DDDB-F8F7-4D64-A7FD-3F3D61C1949F}" type="slidenum">
+              <a:rPr lang="ru-RU" smtClean="0"/>
+              <a:t>12</a:t>
+            </a:fld>
+            <a:endParaRPr lang="ru-RU"/>
+          </a:p>
+        </p:txBody>
+      </p:sp>
+    </p:spTree>
+    <p:extLst>
+      <p:ext uri="{BB962C8B-B14F-4D97-AF65-F5344CB8AC3E}">
+        <p14:creationId xmlns:p14="http://schemas.microsoft.com/office/powerpoint/2010/main" val="3596834204"/>
+      </p:ext>
+    </p:extLst>
+  </p:cSld>
+  <p:clrMapOvr>
+    <a:masterClrMapping/>
+  </p:clrMapOvr>
+  <p:timing>
+    <p:tnLst>
+      <p:par>
+        <p:cTn id="1" dur="indefinite" restart="never" nodeType="tmRoot"/>
+      </p:par>
+    </p:tnLst>
+  </p:timing>
+</p:sld>
+</file>
+
+<file path=ppt/slides/slide13.xml><?xml version="1.0" encoding="utf-8"?>
+<p:sld xmlns:a="http://schemas.openxmlformats.org/drawingml/2006/main" xmlns:r="http://schemas.openxmlformats.org/officeDocument/2006/relationships" xmlns:p="http://schemas.openxmlformats.org/presentationml/2006/main">
+  <p:cSld>
+    <p:spTree>
+      <p:nvGrpSpPr>
+        <p:cNvPr id="1" name=""/>
+        <p:cNvGrpSpPr/>
+        <p:nvPr/>
+      </p:nvGrpSpPr>
+      <p:grpSpPr>
+        <a:xfrm>
+          <a:off x="0" y="0"/>
+          <a:ext cx="0" cy="0"/>
+          <a:chOff x="0" y="0"/>
+          <a:chExt cx="0" cy="0"/>
+        </a:xfrm>
+      </p:grpSpPr>
+      <p:sp>
+        <p:nvSpPr>
           <p:cNvPr id="2" name="Заголовок 1"/>
           <p:cNvSpPr>
             <a:spLocks noGrp="1"/>
@@ -4355,7 +6013,7 @@
           <a:p>
             <a:fld id="{8253DDDB-F8F7-4D64-A7FD-3F3D61C1949F}" type="slidenum">
               <a:rPr lang="ru-RU" smtClean="0"/>
-              <a:t>10</a:t>
+              <a:t>13</a:t>
             </a:fld>
             <a:endParaRPr lang="ru-RU"/>
           </a:p>
@@ -4405,7 +6063,7 @@
 </p:sld>
 </file>
 
-<file path=ppt/slides/slide11.xml><?xml version="1.0" encoding="utf-8"?>
+<file path=ppt/slides/slide14.xml><?xml version="1.0" encoding="utf-8"?>
 <p:sld xmlns:a="http://schemas.openxmlformats.org/drawingml/2006/main" xmlns:r="http://schemas.openxmlformats.org/officeDocument/2006/relationships" xmlns:p="http://schemas.openxmlformats.org/presentationml/2006/main">
   <p:cSld>
     <p:spTree>
@@ -4785,7 +6443,7 @@
           <a:p>
             <a:fld id="{8253DDDB-F8F7-4D64-A7FD-3F3D61C1949F}" type="slidenum">
               <a:rPr lang="ru-RU" smtClean="0"/>
-              <a:t>11</a:t>
+              <a:t>14</a:t>
             </a:fld>
             <a:endParaRPr lang="ru-RU"/>
           </a:p>
@@ -4835,7 +6493,7 @@
 </p:sld>
 </file>
 
-<file path=ppt/slides/slide12.xml><?xml version="1.0" encoding="utf-8"?>
+<file path=ppt/slides/slide15.xml><?xml version="1.0" encoding="utf-8"?>
 <p:sld xmlns:a="http://schemas.openxmlformats.org/drawingml/2006/main" xmlns:r="http://schemas.openxmlformats.org/officeDocument/2006/relationships" xmlns:p="http://schemas.openxmlformats.org/presentationml/2006/main">
   <p:cSld>
     <p:spTree>
@@ -4959,7 +6617,7 @@
           <a:p>
             <a:fld id="{8253DDDB-F8F7-4D64-A7FD-3F3D61C1949F}" type="slidenum">
               <a:rPr lang="ru-RU" smtClean="0"/>
-              <a:t>12</a:t>
+              <a:t>15</a:t>
             </a:fld>
             <a:endParaRPr lang="ru-RU"/>
           </a:p>
@@ -4985,7 +6643,7 @@
 </p:sld>
 </file>
 
-<file path=ppt/slides/slide13.xml><?xml version="1.0" encoding="utf-8"?>
+<file path=ppt/slides/slide16.xml><?xml version="1.0" encoding="utf-8"?>
 <p:sld xmlns:a="http://schemas.openxmlformats.org/drawingml/2006/main" xmlns:r="http://schemas.openxmlformats.org/officeDocument/2006/relationships" xmlns:p="http://schemas.openxmlformats.org/presentationml/2006/main">
   <p:cSld>
     <p:spTree>
@@ -5575,7 +7233,7 @@
           <a:p>
             <a:fld id="{8253DDDB-F8F7-4D64-A7FD-3F3D61C1949F}" type="slidenum">
               <a:rPr lang="ru-RU" smtClean="0"/>
-              <a:t>13</a:t>
+              <a:t>16</a:t>
             </a:fld>
             <a:endParaRPr lang="ru-RU"/>
           </a:p>
@@ -5601,7 +7259,7 @@
 </p:sld>
 </file>
 
-<file path=ppt/slides/slide14.xml><?xml version="1.0" encoding="utf-8"?>
+<file path=ppt/slides/slide17.xml><?xml version="1.0" encoding="utf-8"?>
 <p:sld xmlns:a="http://schemas.openxmlformats.org/drawingml/2006/main" xmlns:r="http://schemas.openxmlformats.org/officeDocument/2006/relationships" xmlns:p="http://schemas.openxmlformats.org/presentationml/2006/main">
   <p:cSld>
     <p:spTree>
@@ -6200,7 +7858,7 @@
           <a:p>
             <a:fld id="{8253DDDB-F8F7-4D64-A7FD-3F3D61C1949F}" type="slidenum">
               <a:rPr lang="ru-RU" smtClean="0"/>
-              <a:t>14</a:t>
+              <a:t>17</a:t>
             </a:fld>
             <a:endParaRPr lang="ru-RU"/>
           </a:p>
@@ -6256,7 +7914,7 @@
 </p:sld>
 </file>
 
-<file path=ppt/slides/slide15.xml><?xml version="1.0" encoding="utf-8"?>
+<file path=ppt/slides/slide18.xml><?xml version="1.0" encoding="utf-8"?>
 <p:sld xmlns:a="http://schemas.openxmlformats.org/drawingml/2006/main" xmlns:r="http://schemas.openxmlformats.org/officeDocument/2006/relationships" xmlns:p="http://schemas.openxmlformats.org/presentationml/2006/main">
   <p:cSld>
     <p:spTree>
@@ -6527,7 +8185,7 @@
           <a:p>
             <a:fld id="{8253DDDB-F8F7-4D64-A7FD-3F3D61C1949F}" type="slidenum">
               <a:rPr lang="ru-RU" smtClean="0"/>
-              <a:t>15</a:t>
+              <a:t>18</a:t>
             </a:fld>
             <a:endParaRPr lang="ru-RU"/>
           </a:p>
@@ -6553,7 +8211,7 @@
 </p:sld>
 </file>
 
-<file path=ppt/slides/slide16.xml><?xml version="1.0" encoding="utf-8"?>
+<file path=ppt/slides/slide19.xml><?xml version="1.0" encoding="utf-8"?>
 <p:sld xmlns:a="http://schemas.openxmlformats.org/drawingml/2006/main" xmlns:r="http://schemas.openxmlformats.org/officeDocument/2006/relationships" xmlns:p="http://schemas.openxmlformats.org/presentationml/2006/main">
   <p:cSld>
     <p:spTree>
@@ -6663,7 +8321,7 @@
           <a:p>
             <a:fld id="{8253DDDB-F8F7-4D64-A7FD-3F3D61C1949F}" type="slidenum">
               <a:rPr lang="ru-RU" smtClean="0"/>
-              <a:t>16</a:t>
+              <a:t>19</a:t>
             </a:fld>
             <a:endParaRPr lang="ru-RU"/>
           </a:p>
@@ -6689,7 +8347,444 @@
 </p:sld>
 </file>
 
-<file path=ppt/slides/slide17.xml><?xml version="1.0" encoding="utf-8"?>
+<file path=ppt/slides/slide2.xml><?xml version="1.0" encoding="utf-8"?>
+<p:sld xmlns:a="http://schemas.openxmlformats.org/drawingml/2006/main" xmlns:r="http://schemas.openxmlformats.org/officeDocument/2006/relationships" xmlns:p="http://schemas.openxmlformats.org/presentationml/2006/main">
+  <p:cSld>
+    <p:spTree>
+      <p:nvGrpSpPr>
+        <p:cNvPr id="1" name=""/>
+        <p:cNvGrpSpPr/>
+        <p:nvPr/>
+      </p:nvGrpSpPr>
+      <p:grpSpPr>
+        <a:xfrm>
+          <a:off x="0" y="0"/>
+          <a:ext cx="0" cy="0"/>
+          <a:chOff x="0" y="0"/>
+          <a:chExt cx="0" cy="0"/>
+        </a:xfrm>
+      </p:grpSpPr>
+      <p:sp>
+        <p:nvSpPr>
+          <p:cNvPr id="2" name="Заголовок 1"/>
+          <p:cNvSpPr>
+            <a:spLocks noGrp="1"/>
+          </p:cNvSpPr>
+          <p:nvPr>
+            <p:ph type="title"/>
+          </p:nvPr>
+        </p:nvSpPr>
+        <p:spPr/>
+        <p:txBody>
+          <a:bodyPr/>
+          <a:lstStyle/>
+          <a:p>
+            <a:r>
+              <a:rPr lang="ru-RU" dirty="0" smtClean="0"/>
+              <a:t>Тест.</a:t>
+            </a:r>
+            <a:endParaRPr lang="ru-RU" dirty="0"/>
+          </a:p>
+        </p:txBody>
+      </p:sp>
+      <p:sp>
+        <p:nvSpPr>
+          <p:cNvPr id="3" name="Объект 2"/>
+          <p:cNvSpPr>
+            <a:spLocks noGrp="1"/>
+          </p:cNvSpPr>
+          <p:nvPr>
+            <p:ph idx="1"/>
+          </p:nvPr>
+        </p:nvSpPr>
+        <p:spPr>
+          <a:xfrm>
+            <a:off x="5628541" y="1408579"/>
+            <a:ext cx="6148754" cy="4351338"/>
+          </a:xfrm>
+        </p:spPr>
+        <p:txBody>
+          <a:bodyPr/>
+          <a:lstStyle/>
+          <a:p>
+            <a:r>
+              <a:rPr lang="ru-RU" dirty="0" smtClean="0"/>
+              <a:t>Положить телефон экраном вниз справа от себя</a:t>
+            </a:r>
+          </a:p>
+          <a:p>
+            <a:r>
+              <a:rPr lang="ru-RU" dirty="0" smtClean="0"/>
+              <a:t>Не разговаривать с соседями</a:t>
+            </a:r>
+          </a:p>
+          <a:p>
+            <a:r>
+              <a:rPr lang="ru-RU" dirty="0" smtClean="0"/>
+              <a:t>Не пользоваться конспектами и электронными устройствами</a:t>
+            </a:r>
+          </a:p>
+          <a:p>
+            <a:r>
+              <a:rPr lang="ru-RU" dirty="0" smtClean="0"/>
+              <a:t>Написать номер (по таблице) и ФИО на листочке</a:t>
+            </a:r>
+          </a:p>
+          <a:p>
+            <a:r>
+              <a:rPr lang="ru-RU" dirty="0" smtClean="0"/>
+              <a:t>Написать краткий ответ на вопрос</a:t>
+            </a:r>
+            <a:endParaRPr lang="en-US" dirty="0" smtClean="0"/>
+          </a:p>
+          <a:p>
+            <a:r>
+              <a:rPr lang="ru-RU" dirty="0" smtClean="0"/>
+              <a:t>Дождаться окончания теста</a:t>
+            </a:r>
+            <a:endParaRPr lang="ru-RU" dirty="0"/>
+          </a:p>
+        </p:txBody>
+      </p:sp>
+      <p:sp>
+        <p:nvSpPr>
+          <p:cNvPr id="4" name="Номер слайда 3"/>
+          <p:cNvSpPr>
+            <a:spLocks noGrp="1"/>
+          </p:cNvSpPr>
+          <p:nvPr>
+            <p:ph type="sldNum" sz="quarter" idx="12"/>
+          </p:nvPr>
+        </p:nvSpPr>
+        <p:spPr/>
+        <p:txBody>
+          <a:bodyPr/>
+          <a:lstStyle/>
+          <a:p>
+            <a:fld id="{8253DDDB-F8F7-4D64-A7FD-3F3D61C1949F}" type="slidenum">
+              <a:rPr lang="ru-RU" smtClean="0"/>
+              <a:t>2</a:t>
+            </a:fld>
+            <a:endParaRPr lang="ru-RU"/>
+          </a:p>
+        </p:txBody>
+      </p:sp>
+      <p:sp>
+        <p:nvSpPr>
+          <p:cNvPr id="5" name="Прямоугольник 4"/>
+          <p:cNvSpPr/>
+          <p:nvPr/>
+        </p:nvSpPr>
+        <p:spPr>
+          <a:xfrm>
+            <a:off x="284285" y="5433158"/>
+            <a:ext cx="10688515" cy="317012"/>
+          </a:xfrm>
+          <a:prstGeom prst="rect">
+            <a:avLst/>
+          </a:prstGeom>
+          <a:solidFill>
+            <a:schemeClr val="accent6">
+              <a:alpha val="50000"/>
+            </a:schemeClr>
+          </a:solidFill>
+          <a:ln>
+            <a:noFill/>
+          </a:ln>
+        </p:spPr>
+        <p:style>
+          <a:lnRef idx="0">
+            <a:scrgbClr r="0" g="0" b="0"/>
+          </a:lnRef>
+          <a:fillRef idx="0">
+            <a:scrgbClr r="0" g="0" b="0"/>
+          </a:fillRef>
+          <a:effectRef idx="0">
+            <a:scrgbClr r="0" g="0" b="0"/>
+          </a:effectRef>
+          <a:fontRef idx="minor">
+            <a:schemeClr val="lt1"/>
+          </a:fontRef>
+        </p:style>
+        <p:txBody>
+          <a:bodyPr rtlCol="0" anchor="ctr"/>
+          <a:lstStyle/>
+          <a:p>
+            <a:pPr algn="ctr"/>
+            <a:endParaRPr lang="ru-RU"/>
+          </a:p>
+        </p:txBody>
+      </p:sp>
+      <p:sp>
+        <p:nvSpPr>
+          <p:cNvPr id="6" name="Прямоугольник 5"/>
+          <p:cNvSpPr/>
+          <p:nvPr/>
+        </p:nvSpPr>
+        <p:spPr>
+          <a:xfrm>
+            <a:off x="284285" y="5819530"/>
+            <a:ext cx="10688515" cy="317012"/>
+          </a:xfrm>
+          <a:prstGeom prst="rect">
+            <a:avLst/>
+          </a:prstGeom>
+          <a:solidFill>
+            <a:schemeClr val="accent6">
+              <a:alpha val="50000"/>
+            </a:schemeClr>
+          </a:solidFill>
+          <a:ln>
+            <a:noFill/>
+          </a:ln>
+        </p:spPr>
+        <p:style>
+          <a:lnRef idx="0">
+            <a:scrgbClr r="0" g="0" b="0"/>
+          </a:lnRef>
+          <a:fillRef idx="0">
+            <a:scrgbClr r="0" g="0" b="0"/>
+          </a:fillRef>
+          <a:effectRef idx="0">
+            <a:scrgbClr r="0" g="0" b="0"/>
+          </a:effectRef>
+          <a:fontRef idx="minor">
+            <a:schemeClr val="lt1"/>
+          </a:fontRef>
+        </p:style>
+        <p:txBody>
+          <a:bodyPr rtlCol="0" anchor="ctr"/>
+          <a:lstStyle/>
+          <a:p>
+            <a:pPr algn="ctr"/>
+            <a:endParaRPr lang="ru-RU"/>
+          </a:p>
+        </p:txBody>
+      </p:sp>
+      <p:sp>
+        <p:nvSpPr>
+          <p:cNvPr id="7" name="Прямоугольник 6"/>
+          <p:cNvSpPr/>
+          <p:nvPr/>
+        </p:nvSpPr>
+        <p:spPr>
+          <a:xfrm>
+            <a:off x="284284" y="6205902"/>
+            <a:ext cx="10688515" cy="317012"/>
+          </a:xfrm>
+          <a:prstGeom prst="rect">
+            <a:avLst/>
+          </a:prstGeom>
+          <a:solidFill>
+            <a:schemeClr val="accent6">
+              <a:alpha val="50000"/>
+            </a:schemeClr>
+          </a:solidFill>
+          <a:ln>
+            <a:noFill/>
+          </a:ln>
+        </p:spPr>
+        <p:style>
+          <a:lnRef idx="0">
+            <a:scrgbClr r="0" g="0" b="0"/>
+          </a:lnRef>
+          <a:fillRef idx="0">
+            <a:scrgbClr r="0" g="0" b="0"/>
+          </a:fillRef>
+          <a:effectRef idx="0">
+            <a:scrgbClr r="0" g="0" b="0"/>
+          </a:effectRef>
+          <a:fontRef idx="minor">
+            <a:schemeClr val="lt1"/>
+          </a:fontRef>
+        </p:style>
+        <p:txBody>
+          <a:bodyPr rtlCol="0" anchor="ctr"/>
+          <a:lstStyle/>
+          <a:p>
+            <a:pPr algn="ctr"/>
+            <a:endParaRPr lang="ru-RU"/>
+          </a:p>
+        </p:txBody>
+      </p:sp>
+      <mc:AlternateContent xmlns:mc="http://schemas.openxmlformats.org/markup-compatibility/2006">
+        <mc:Choice xmlns:a14="http://schemas.microsoft.com/office/drawing/2010/main" Requires="a14">
+          <p:sp>
+            <p:nvSpPr>
+              <p:cNvPr id="8" name="Прямоугольник 7"/>
+              <p:cNvSpPr/>
+              <p:nvPr/>
+            </p:nvSpPr>
+            <p:spPr>
+              <a:xfrm>
+                <a:off x="185371" y="1408578"/>
+                <a:ext cx="5318614" cy="1692771"/>
+              </a:xfrm>
+              <a:prstGeom prst="rect">
+                <a:avLst/>
+              </a:prstGeom>
+            </p:spPr>
+            <p:txBody>
+              <a:bodyPr wrap="square">
+                <a:spAutoFit/>
+              </a:bodyPr>
+              <a:lstStyle/>
+              <a:p>
+                <a:r>
+                  <a:rPr lang="ru-RU" sz="2600" dirty="0" smtClean="0"/>
+                  <a:t>Пусть задана игра на </a:t>
+                </a:r>
+                <a:r>
+                  <a:rPr lang="ru-RU" sz="2600" dirty="0" smtClean="0"/>
+                  <a:t>стойкость </a:t>
+                </a:r>
+                <a:r>
+                  <a:rPr lang="en-US" sz="2600" dirty="0" smtClean="0"/>
+                  <a:t>PRP </a:t>
+                </a:r>
+                <a14:m>
+                  <m:oMath xmlns:m="http://schemas.openxmlformats.org/officeDocument/2006/math">
+                    <m:r>
+                      <m:rPr>
+                        <m:sty m:val="p"/>
+                      </m:rPr>
+                      <a:rPr lang="en-US" sz="2600" b="0" i="0" smtClean="0">
+                        <a:latin typeface="Cambria Math" panose="02040503050406030204" pitchFamily="18" charset="0"/>
+                      </a:rPr>
+                      <m:t>E</m:t>
+                    </m:r>
+                    <m:r>
+                      <a:rPr lang="en-US" sz="2600" b="0" i="0" smtClean="0">
+                        <a:latin typeface="Cambria Math" panose="02040503050406030204" pitchFamily="18" charset="0"/>
+                      </a:rPr>
+                      <m:t>=(</m:t>
+                    </m:r>
+                    <m:r>
+                      <a:rPr lang="en-US" sz="2600" b="0" i="1" smtClean="0">
+                        <a:latin typeface="Cambria Math" panose="02040503050406030204" pitchFamily="18" charset="0"/>
+                      </a:rPr>
+                      <m:t>𝐸</m:t>
+                    </m:r>
+                    <m:r>
+                      <a:rPr lang="en-US" sz="2600" b="0" i="1" smtClean="0">
+                        <a:latin typeface="Cambria Math" panose="02040503050406030204" pitchFamily="18" charset="0"/>
+                      </a:rPr>
+                      <m:t>,</m:t>
+                    </m:r>
+                    <m:r>
+                      <a:rPr lang="en-US" sz="2600" b="0" i="1" smtClean="0">
+                        <a:latin typeface="Cambria Math" panose="02040503050406030204" pitchFamily="18" charset="0"/>
+                      </a:rPr>
+                      <m:t>𝐷</m:t>
+                    </m:r>
+                    <m:r>
+                      <a:rPr lang="en-US" sz="2600" b="0" i="0" smtClean="0">
+                        <a:latin typeface="Cambria Math" panose="02040503050406030204" pitchFamily="18" charset="0"/>
+                      </a:rPr>
+                      <m:t>)</m:t>
+                    </m:r>
+                  </m:oMath>
+                </a14:m>
+                <a:r>
+                  <a:rPr lang="ru-RU" sz="2600" dirty="0" smtClean="0"/>
+                  <a:t> для противника</a:t>
+                </a:r>
+                <a:r>
+                  <a:rPr lang="en-US" sz="2600" dirty="0" smtClean="0"/>
+                  <a:t> </a:t>
+                </a:r>
+                <a14:m>
+                  <m:oMath xmlns:m="http://schemas.openxmlformats.org/officeDocument/2006/math">
+                    <m:r>
+                      <a:rPr lang="en-US" sz="2600" i="1" dirty="0" smtClean="0">
+                        <a:latin typeface="Cambria Math" panose="02040503050406030204" pitchFamily="18" charset="0"/>
+                      </a:rPr>
+                      <m:t>𝐴</m:t>
+                    </m:r>
+                  </m:oMath>
+                </a14:m>
+                <a:r>
+                  <a:rPr lang="en-US" sz="2600" dirty="0" smtClean="0"/>
+                  <a:t>.</a:t>
+                </a:r>
+              </a:p>
+              <a:p>
+                <a:endParaRPr lang="en-US" sz="2600" dirty="0"/>
+              </a:p>
+              <a:p>
+                <a:r>
+                  <a:rPr lang="en-US" sz="2600" dirty="0" smtClean="0"/>
+                  <a:t>4 </a:t>
+                </a:r>
+                <a:r>
+                  <a:rPr lang="ru-RU" sz="2600" dirty="0" smtClean="0"/>
+                  <a:t>вопроса. </a:t>
+                </a:r>
+                <a:endParaRPr lang="ru-RU" sz="2600" dirty="0"/>
+              </a:p>
+            </p:txBody>
+          </p:sp>
+        </mc:Choice>
+        <mc:Fallback>
+          <p:sp>
+            <p:nvSpPr>
+              <p:cNvPr id="8" name="Прямоугольник 7"/>
+              <p:cNvSpPr>
+                <a:spLocks noRot="1" noChangeAspect="1" noMove="1" noResize="1" noEditPoints="1" noAdjustHandles="1" noChangeArrowheads="1" noChangeShapeType="1" noTextEdit="1"/>
+              </p:cNvSpPr>
+              <p:nvPr/>
+            </p:nvSpPr>
+            <p:spPr>
+              <a:xfrm>
+                <a:off x="185371" y="1408578"/>
+                <a:ext cx="5318614" cy="1692771"/>
+              </a:xfrm>
+              <a:prstGeom prst="rect">
+                <a:avLst/>
+              </a:prstGeom>
+              <a:blipFill rotWithShape="0">
+                <a:blip r:embed="rId2"/>
+                <a:stretch>
+                  <a:fillRect l="-2062" t="-2878" r="-229" b="-8633"/>
+                </a:stretch>
+              </a:blipFill>
+            </p:spPr>
+            <p:txBody>
+              <a:bodyPr/>
+              <a:lstStyle/>
+              <a:p>
+                <a:r>
+                  <a:rPr lang="ru-RU">
+                    <a:noFill/>
+                  </a:rPr>
+                  <a:t> </a:t>
+                </a:r>
+              </a:p>
+            </p:txBody>
+          </p:sp>
+        </mc:Fallback>
+      </mc:AlternateContent>
+    </p:spTree>
+    <p:extLst>
+      <p:ext uri="{BB962C8B-B14F-4D97-AF65-F5344CB8AC3E}">
+        <p14:creationId xmlns:p14="http://schemas.microsoft.com/office/powerpoint/2010/main" val="980114052"/>
+      </p:ext>
+    </p:extLst>
+  </p:cSld>
+  <p:clrMapOvr>
+    <a:masterClrMapping/>
+  </p:clrMapOvr>
+  <p:timing>
+    <p:tnLst>
+      <p:par>
+        <p:cTn id="1" dur="indefinite" restart="never" nodeType="tmRoot"/>
+      </p:par>
+    </p:tnLst>
+  </p:timing>
+</p:sld>
+</file>
+
+<file path=ppt/slides/slide20.xml><?xml version="1.0" encoding="utf-8"?>
 <p:sld xmlns:a="http://schemas.openxmlformats.org/drawingml/2006/main" xmlns:r="http://schemas.openxmlformats.org/officeDocument/2006/relationships" xmlns:p="http://schemas.openxmlformats.org/presentationml/2006/main">
   <p:cSld>
     <p:spTree>
@@ -6890,7 +8985,7 @@
           <a:p>
             <a:fld id="{8253DDDB-F8F7-4D64-A7FD-3F3D61C1949F}" type="slidenum">
               <a:rPr lang="ru-RU" smtClean="0"/>
-              <a:t>17</a:t>
+              <a:t>20</a:t>
             </a:fld>
             <a:endParaRPr lang="ru-RU"/>
           </a:p>
@@ -6957,7 +9052,7 @@
 </p:sld>
 </file>
 
-<file path=ppt/slides/slide18.xml><?xml version="1.0" encoding="utf-8"?>
+<file path=ppt/slides/slide21.xml><?xml version="1.0" encoding="utf-8"?>
 <p:sld xmlns:a="http://schemas.openxmlformats.org/drawingml/2006/main" xmlns:r="http://schemas.openxmlformats.org/officeDocument/2006/relationships" xmlns:p="http://schemas.openxmlformats.org/presentationml/2006/main">
   <p:cSld>
     <p:spTree>
@@ -6997,8 +9092,8 @@
           </a:p>
         </p:txBody>
       </p:sp>
-      <mc:AlternateContent xmlns:mc="http://schemas.openxmlformats.org/markup-compatibility/2006">
-        <mc:Choice xmlns:a14="http://schemas.microsoft.com/office/drawing/2010/main" Requires="a14">
+      <mc:AlternateContent xmlns:mc="http://schemas.openxmlformats.org/markup-compatibility/2006" xmlns:a14="http://schemas.microsoft.com/office/drawing/2010/main">
+        <mc:Choice Requires="a14">
           <p:sp>
             <p:nvSpPr>
               <p:cNvPr id="3" name="Объект 2"/>
@@ -7172,11 +9267,7 @@
                 </a:r>
                 <a:r>
                   <a:rPr lang="ru-RU" dirty="0" smtClean="0"/>
-                  <a:t>циклический сдвиг </a:t>
-                </a:r>
-                <a:r>
-                  <a:rPr lang="ru-RU" dirty="0" smtClean="0"/>
-                  <a:t>строк </a:t>
+                  <a:t>циклический сдвиг строк </a:t>
                 </a:r>
                 <a14:m>
                   <m:oMath xmlns:m="http://schemas.openxmlformats.org/officeDocument/2006/math">
@@ -7216,15 +9307,7 @@
                 </a:r>
                 <a:r>
                   <a:rPr lang="ru-RU" dirty="0" smtClean="0"/>
-                  <a:t>я строка </a:t>
-                </a:r>
-                <a:r>
-                  <a:rPr lang="ru-RU" dirty="0" smtClean="0"/>
-                  <a:t>сдвигается </a:t>
-                </a:r>
-                <a:r>
-                  <a:rPr lang="ru-RU" dirty="0" smtClean="0"/>
-                  <a:t>на </a:t>
+                  <a:t>я строка сдвигается на </a:t>
                 </a:r>
                 <a14:m>
                   <m:oMath xmlns:m="http://schemas.openxmlformats.org/officeDocument/2006/math">
@@ -7274,7 +9357,7 @@
             </p:txBody>
           </p:sp>
         </mc:Choice>
-        <mc:Fallback>
+        <mc:Fallback xmlns="">
           <p:sp>
             <p:nvSpPr>
               <p:cNvPr id="3" name="Объект 2"/>
@@ -7325,7 +9408,7 @@
           <a:p>
             <a:fld id="{8253DDDB-F8F7-4D64-A7FD-3F3D61C1949F}" type="slidenum">
               <a:rPr lang="ru-RU" smtClean="0"/>
-              <a:t>18</a:t>
+              <a:t>21</a:t>
             </a:fld>
             <a:endParaRPr lang="ru-RU"/>
           </a:p>
@@ -7375,7 +9458,7 @@
 </p:sld>
 </file>
 
-<file path=ppt/slides/slide19.xml><?xml version="1.0" encoding="utf-8"?>
+<file path=ppt/slides/slide22.xml><?xml version="1.0" encoding="utf-8"?>
 <p:sld xmlns:a="http://schemas.openxmlformats.org/drawingml/2006/main" xmlns:r="http://schemas.openxmlformats.org/officeDocument/2006/relationships" xmlns:p="http://schemas.openxmlformats.org/presentationml/2006/main">
   <p:cSld>
     <p:spTree>
@@ -7758,7 +9841,7 @@
           <a:p>
             <a:fld id="{8253DDDB-F8F7-4D64-A7FD-3F3D61C1949F}" type="slidenum">
               <a:rPr lang="ru-RU" smtClean="0"/>
-              <a:t>19</a:t>
+              <a:t>22</a:t>
             </a:fld>
             <a:endParaRPr lang="ru-RU"/>
           </a:p>
@@ -7808,7 +9891,7 @@
 </p:sld>
 </file>
 
-<file path=ppt/slides/slide2.xml><?xml version="1.0" encoding="utf-8"?>
+<file path=ppt/slides/slide23.xml><?xml version="1.0" encoding="utf-8"?>
 <p:sld xmlns:a="http://schemas.openxmlformats.org/drawingml/2006/main" xmlns:r="http://schemas.openxmlformats.org/officeDocument/2006/relationships" xmlns:p="http://schemas.openxmlformats.org/presentationml/2006/main">
   <p:cSld>
     <p:spTree>
@@ -7841,9 +9924,560 @@
           <a:lstStyle/>
           <a:p>
             <a:r>
-              <a:rPr lang="ru-RU" dirty="0"/>
-              <a:t>Построение блочных шифров</a:t>
-            </a:r>
+              <a:rPr lang="en-US" dirty="0" err="1" smtClean="0"/>
+              <a:t>SubBytes</a:t>
+            </a:r>
+            <a:endParaRPr lang="ru-RU" dirty="0"/>
+          </a:p>
+        </p:txBody>
+      </p:sp>
+      <p:pic>
+        <p:nvPicPr>
+          <p:cNvPr id="5" name="Объект 4"/>
+          <p:cNvPicPr>
+            <a:picLocks noGrp="1" noChangeAspect="1"/>
+          </p:cNvPicPr>
+          <p:nvPr>
+            <p:ph idx="1"/>
+          </p:nvPr>
+        </p:nvPicPr>
+        <p:blipFill>
+          <a:blip r:embed="rId2">
+            <a:extLst>
+              <a:ext uri="{28A0092B-C50C-407E-A947-70E740481C1C}">
+                <a14:useLocalDpi xmlns:a14="http://schemas.microsoft.com/office/drawing/2010/main" val="0"/>
+              </a:ext>
+            </a:extLst>
+          </a:blip>
+          <a:stretch>
+            <a:fillRect/>
+          </a:stretch>
+        </p:blipFill>
+        <p:spPr>
+          <a:xfrm>
+            <a:off x="2238375" y="2001044"/>
+            <a:ext cx="7715250" cy="4000500"/>
+          </a:xfrm>
+        </p:spPr>
+      </p:pic>
+      <p:sp>
+        <p:nvSpPr>
+          <p:cNvPr id="4" name="Номер слайда 3"/>
+          <p:cNvSpPr>
+            <a:spLocks noGrp="1"/>
+          </p:cNvSpPr>
+          <p:nvPr>
+            <p:ph type="sldNum" sz="quarter" idx="12"/>
+          </p:nvPr>
+        </p:nvSpPr>
+        <p:spPr/>
+        <p:txBody>
+          <a:bodyPr/>
+          <a:lstStyle/>
+          <a:p>
+            <a:fld id="{8253DDDB-F8F7-4D64-A7FD-3F3D61C1949F}" type="slidenum">
+              <a:rPr lang="ru-RU" smtClean="0"/>
+              <a:t>23</a:t>
+            </a:fld>
+            <a:endParaRPr lang="ru-RU"/>
+          </a:p>
+        </p:txBody>
+      </p:sp>
+    </p:spTree>
+    <p:extLst>
+      <p:ext uri="{BB962C8B-B14F-4D97-AF65-F5344CB8AC3E}">
+        <p14:creationId xmlns:p14="http://schemas.microsoft.com/office/powerpoint/2010/main" val="3048411930"/>
+      </p:ext>
+    </p:extLst>
+  </p:cSld>
+  <p:clrMapOvr>
+    <a:masterClrMapping/>
+  </p:clrMapOvr>
+  <p:timing>
+    <p:tnLst>
+      <p:par>
+        <p:cTn id="1" dur="indefinite" restart="never" nodeType="tmRoot"/>
+      </p:par>
+    </p:tnLst>
+  </p:timing>
+</p:sld>
+</file>
+
+<file path=ppt/slides/slide24.xml><?xml version="1.0" encoding="utf-8"?>
+<p:sld xmlns:a="http://schemas.openxmlformats.org/drawingml/2006/main" xmlns:r="http://schemas.openxmlformats.org/officeDocument/2006/relationships" xmlns:p="http://schemas.openxmlformats.org/presentationml/2006/main">
+  <p:cSld>
+    <p:spTree>
+      <p:nvGrpSpPr>
+        <p:cNvPr id="1" name=""/>
+        <p:cNvGrpSpPr/>
+        <p:nvPr/>
+      </p:nvGrpSpPr>
+      <p:grpSpPr>
+        <a:xfrm>
+          <a:off x="0" y="0"/>
+          <a:ext cx="0" cy="0"/>
+          <a:chOff x="0" y="0"/>
+          <a:chExt cx="0" cy="0"/>
+        </a:xfrm>
+      </p:grpSpPr>
+      <p:sp>
+        <p:nvSpPr>
+          <p:cNvPr id="2" name="Заголовок 1"/>
+          <p:cNvSpPr>
+            <a:spLocks noGrp="1"/>
+          </p:cNvSpPr>
+          <p:nvPr>
+            <p:ph type="title"/>
+          </p:nvPr>
+        </p:nvSpPr>
+        <p:spPr/>
+        <p:txBody>
+          <a:bodyPr/>
+          <a:lstStyle/>
+          <a:p>
+            <a:r>
+              <a:rPr lang="en-US" dirty="0" err="1" smtClean="0"/>
+              <a:t>ShiftRows</a:t>
+            </a:r>
+            <a:endParaRPr lang="ru-RU" dirty="0"/>
+          </a:p>
+        </p:txBody>
+      </p:sp>
+      <p:pic>
+        <p:nvPicPr>
+          <p:cNvPr id="5" name="Объект 4"/>
+          <p:cNvPicPr>
+            <a:picLocks noGrp="1" noChangeAspect="1"/>
+          </p:cNvPicPr>
+          <p:nvPr>
+            <p:ph idx="1"/>
+          </p:nvPr>
+        </p:nvPicPr>
+        <p:blipFill>
+          <a:blip r:embed="rId2">
+            <a:extLst>
+              <a:ext uri="{28A0092B-C50C-407E-A947-70E740481C1C}">
+                <a14:useLocalDpi xmlns:a14="http://schemas.microsoft.com/office/drawing/2010/main" val="0"/>
+              </a:ext>
+            </a:extLst>
+          </a:blip>
+          <a:stretch>
+            <a:fillRect/>
+          </a:stretch>
+        </p:blipFill>
+        <p:spPr>
+          <a:xfrm>
+            <a:off x="2238375" y="2594769"/>
+            <a:ext cx="7715250" cy="2857500"/>
+          </a:xfrm>
+        </p:spPr>
+      </p:pic>
+      <p:sp>
+        <p:nvSpPr>
+          <p:cNvPr id="4" name="Номер слайда 3"/>
+          <p:cNvSpPr>
+            <a:spLocks noGrp="1"/>
+          </p:cNvSpPr>
+          <p:nvPr>
+            <p:ph type="sldNum" sz="quarter" idx="12"/>
+          </p:nvPr>
+        </p:nvSpPr>
+        <p:spPr/>
+        <p:txBody>
+          <a:bodyPr/>
+          <a:lstStyle/>
+          <a:p>
+            <a:fld id="{8253DDDB-F8F7-4D64-A7FD-3F3D61C1949F}" type="slidenum">
+              <a:rPr lang="ru-RU" smtClean="0"/>
+              <a:t>24</a:t>
+            </a:fld>
+            <a:endParaRPr lang="ru-RU"/>
+          </a:p>
+        </p:txBody>
+      </p:sp>
+    </p:spTree>
+    <p:extLst>
+      <p:ext uri="{BB962C8B-B14F-4D97-AF65-F5344CB8AC3E}">
+        <p14:creationId xmlns:p14="http://schemas.microsoft.com/office/powerpoint/2010/main" val="518200792"/>
+      </p:ext>
+    </p:extLst>
+  </p:cSld>
+  <p:clrMapOvr>
+    <a:masterClrMapping/>
+  </p:clrMapOvr>
+  <p:timing>
+    <p:tnLst>
+      <p:par>
+        <p:cTn id="1" dur="indefinite" restart="never" nodeType="tmRoot"/>
+      </p:par>
+    </p:tnLst>
+  </p:timing>
+</p:sld>
+</file>
+
+<file path=ppt/slides/slide25.xml><?xml version="1.0" encoding="utf-8"?>
+<p:sld xmlns:a="http://schemas.openxmlformats.org/drawingml/2006/main" xmlns:r="http://schemas.openxmlformats.org/officeDocument/2006/relationships" xmlns:p="http://schemas.openxmlformats.org/presentationml/2006/main">
+  <p:cSld>
+    <p:spTree>
+      <p:nvGrpSpPr>
+        <p:cNvPr id="1" name=""/>
+        <p:cNvGrpSpPr/>
+        <p:nvPr/>
+      </p:nvGrpSpPr>
+      <p:grpSpPr>
+        <a:xfrm>
+          <a:off x="0" y="0"/>
+          <a:ext cx="0" cy="0"/>
+          <a:chOff x="0" y="0"/>
+          <a:chExt cx="0" cy="0"/>
+        </a:xfrm>
+      </p:grpSpPr>
+      <p:sp>
+        <p:nvSpPr>
+          <p:cNvPr id="2" name="Заголовок 1"/>
+          <p:cNvSpPr>
+            <a:spLocks noGrp="1"/>
+          </p:cNvSpPr>
+          <p:nvPr>
+            <p:ph type="title"/>
+          </p:nvPr>
+        </p:nvSpPr>
+        <p:spPr/>
+        <p:txBody>
+          <a:bodyPr/>
+          <a:lstStyle/>
+          <a:p>
+            <a:r>
+              <a:rPr lang="en-US" dirty="0" err="1" smtClean="0"/>
+              <a:t>AddRoundKey</a:t>
+            </a:r>
+            <a:endParaRPr lang="ru-RU" dirty="0"/>
+          </a:p>
+        </p:txBody>
+      </p:sp>
+      <p:pic>
+        <p:nvPicPr>
+          <p:cNvPr id="5" name="Объект 4"/>
+          <p:cNvPicPr>
+            <a:picLocks noGrp="1" noChangeAspect="1"/>
+          </p:cNvPicPr>
+          <p:nvPr>
+            <p:ph idx="1"/>
+          </p:nvPr>
+        </p:nvPicPr>
+        <p:blipFill>
+          <a:blip r:embed="rId2">
+            <a:extLst>
+              <a:ext uri="{28A0092B-C50C-407E-A947-70E740481C1C}">
+                <a14:useLocalDpi xmlns:a14="http://schemas.microsoft.com/office/drawing/2010/main" val="0"/>
+              </a:ext>
+            </a:extLst>
+          </a:blip>
+          <a:stretch>
+            <a:fillRect/>
+          </a:stretch>
+        </p:blipFill>
+        <p:spPr>
+          <a:xfrm>
+            <a:off x="3298711" y="1825625"/>
+            <a:ext cx="5594577" cy="4351338"/>
+          </a:xfrm>
+        </p:spPr>
+      </p:pic>
+      <p:sp>
+        <p:nvSpPr>
+          <p:cNvPr id="4" name="Номер слайда 3"/>
+          <p:cNvSpPr>
+            <a:spLocks noGrp="1"/>
+          </p:cNvSpPr>
+          <p:nvPr>
+            <p:ph type="sldNum" sz="quarter" idx="12"/>
+          </p:nvPr>
+        </p:nvSpPr>
+        <p:spPr/>
+        <p:txBody>
+          <a:bodyPr/>
+          <a:lstStyle/>
+          <a:p>
+            <a:fld id="{8253DDDB-F8F7-4D64-A7FD-3F3D61C1949F}" type="slidenum">
+              <a:rPr lang="ru-RU" smtClean="0"/>
+              <a:t>25</a:t>
+            </a:fld>
+            <a:endParaRPr lang="ru-RU"/>
+          </a:p>
+        </p:txBody>
+      </p:sp>
+    </p:spTree>
+    <p:extLst>
+      <p:ext uri="{BB962C8B-B14F-4D97-AF65-F5344CB8AC3E}">
+        <p14:creationId xmlns:p14="http://schemas.microsoft.com/office/powerpoint/2010/main" val="970473008"/>
+      </p:ext>
+    </p:extLst>
+  </p:cSld>
+  <p:clrMapOvr>
+    <a:masterClrMapping/>
+  </p:clrMapOvr>
+  <p:timing>
+    <p:tnLst>
+      <p:par>
+        <p:cTn id="1" dur="indefinite" restart="never" nodeType="tmRoot"/>
+      </p:par>
+    </p:tnLst>
+  </p:timing>
+</p:sld>
+</file>
+
+<file path=ppt/slides/slide26.xml><?xml version="1.0" encoding="utf-8"?>
+<p:sld xmlns:a="http://schemas.openxmlformats.org/drawingml/2006/main" xmlns:r="http://schemas.openxmlformats.org/officeDocument/2006/relationships" xmlns:p="http://schemas.openxmlformats.org/presentationml/2006/main">
+  <p:cSld>
+    <p:spTree>
+      <p:nvGrpSpPr>
+        <p:cNvPr id="1" name=""/>
+        <p:cNvGrpSpPr/>
+        <p:nvPr/>
+      </p:nvGrpSpPr>
+      <p:grpSpPr>
+        <a:xfrm>
+          <a:off x="0" y="0"/>
+          <a:ext cx="0" cy="0"/>
+          <a:chOff x="0" y="0"/>
+          <a:chExt cx="0" cy="0"/>
+        </a:xfrm>
+      </p:grpSpPr>
+      <p:sp>
+        <p:nvSpPr>
+          <p:cNvPr id="2" name="Заголовок 1"/>
+          <p:cNvSpPr>
+            <a:spLocks noGrp="1"/>
+          </p:cNvSpPr>
+          <p:nvPr>
+            <p:ph type="title"/>
+          </p:nvPr>
+        </p:nvSpPr>
+        <p:spPr/>
+        <p:txBody>
+          <a:bodyPr/>
+          <a:lstStyle/>
+          <a:p>
+            <a:r>
+              <a:rPr lang="en-US" dirty="0" err="1" smtClean="0"/>
+              <a:t>MixColumns</a:t>
+            </a:r>
+            <a:endParaRPr lang="ru-RU" dirty="0"/>
+          </a:p>
+        </p:txBody>
+      </p:sp>
+      <p:pic>
+        <p:nvPicPr>
+          <p:cNvPr id="5" name="Объект 4"/>
+          <p:cNvPicPr>
+            <a:picLocks noGrp="1" noChangeAspect="1"/>
+          </p:cNvPicPr>
+          <p:nvPr>
+            <p:ph idx="1"/>
+          </p:nvPr>
+        </p:nvPicPr>
+        <p:blipFill>
+          <a:blip r:embed="rId2">
+            <a:extLst>
+              <a:ext uri="{28A0092B-C50C-407E-A947-70E740481C1C}">
+                <a14:useLocalDpi xmlns:a14="http://schemas.microsoft.com/office/drawing/2010/main" val="0"/>
+              </a:ext>
+            </a:extLst>
+          </a:blip>
+          <a:stretch>
+            <a:fillRect/>
+          </a:stretch>
+        </p:blipFill>
+        <p:spPr>
+          <a:xfrm>
+            <a:off x="2238375" y="1953419"/>
+            <a:ext cx="7715250" cy="4095750"/>
+          </a:xfrm>
+        </p:spPr>
+      </p:pic>
+      <p:sp>
+        <p:nvSpPr>
+          <p:cNvPr id="4" name="Номер слайда 3"/>
+          <p:cNvSpPr>
+            <a:spLocks noGrp="1"/>
+          </p:cNvSpPr>
+          <p:nvPr>
+            <p:ph type="sldNum" sz="quarter" idx="12"/>
+          </p:nvPr>
+        </p:nvSpPr>
+        <p:spPr/>
+        <p:txBody>
+          <a:bodyPr/>
+          <a:lstStyle/>
+          <a:p>
+            <a:fld id="{8253DDDB-F8F7-4D64-A7FD-3F3D61C1949F}" type="slidenum">
+              <a:rPr lang="ru-RU" smtClean="0"/>
+              <a:t>26</a:t>
+            </a:fld>
+            <a:endParaRPr lang="ru-RU"/>
+          </a:p>
+        </p:txBody>
+      </p:sp>
+    </p:spTree>
+    <p:extLst>
+      <p:ext uri="{BB962C8B-B14F-4D97-AF65-F5344CB8AC3E}">
+        <p14:creationId xmlns:p14="http://schemas.microsoft.com/office/powerpoint/2010/main" val="3365081511"/>
+      </p:ext>
+    </p:extLst>
+  </p:cSld>
+  <p:clrMapOvr>
+    <a:masterClrMapping/>
+  </p:clrMapOvr>
+  <p:timing>
+    <p:tnLst>
+      <p:par>
+        <p:cTn id="1" dur="indefinite" restart="never" nodeType="tmRoot"/>
+      </p:par>
+    </p:tnLst>
+  </p:timing>
+</p:sld>
+</file>
+
+<file path=ppt/slides/slide27.xml><?xml version="1.0" encoding="utf-8"?>
+<p:sld xmlns:a="http://schemas.openxmlformats.org/drawingml/2006/main" xmlns:r="http://schemas.openxmlformats.org/officeDocument/2006/relationships" xmlns:p="http://schemas.openxmlformats.org/presentationml/2006/main">
+  <p:cSld>
+    <p:spTree>
+      <p:nvGrpSpPr>
+        <p:cNvPr id="1" name=""/>
+        <p:cNvGrpSpPr/>
+        <p:nvPr/>
+      </p:nvGrpSpPr>
+      <p:grpSpPr>
+        <a:xfrm>
+          <a:off x="0" y="0"/>
+          <a:ext cx="0" cy="0"/>
+          <a:chOff x="0" y="0"/>
+          <a:chExt cx="0" cy="0"/>
+        </a:xfrm>
+      </p:grpSpPr>
+      <p:sp>
+        <p:nvSpPr>
+          <p:cNvPr id="2" name="Заголовок 1"/>
+          <p:cNvSpPr>
+            <a:spLocks noGrp="1"/>
+          </p:cNvSpPr>
+          <p:nvPr>
+            <p:ph type="title"/>
+          </p:nvPr>
+        </p:nvSpPr>
+        <p:spPr/>
+        <p:txBody>
+          <a:bodyPr/>
+          <a:lstStyle/>
+          <a:p>
+            <a:r>
+              <a:rPr lang="en-US" dirty="0" smtClean="0"/>
+              <a:t>AES</a:t>
+            </a:r>
+            <a:endParaRPr lang="ru-RU" dirty="0"/>
+          </a:p>
+        </p:txBody>
+      </p:sp>
+      <p:pic>
+        <p:nvPicPr>
+          <p:cNvPr id="5" name="Объект 4"/>
+          <p:cNvPicPr>
+            <a:picLocks noGrp="1" noChangeAspect="1"/>
+          </p:cNvPicPr>
+          <p:nvPr>
+            <p:ph idx="1"/>
+          </p:nvPr>
+        </p:nvPicPr>
+        <p:blipFill>
+          <a:blip r:embed="rId2"/>
+          <a:stretch>
+            <a:fillRect/>
+          </a:stretch>
+        </p:blipFill>
+        <p:spPr>
+          <a:xfrm>
+            <a:off x="990600" y="1924843"/>
+            <a:ext cx="9996061" cy="3604419"/>
+          </a:xfrm>
+          <a:prstGeom prst="rect">
+            <a:avLst/>
+          </a:prstGeom>
+        </p:spPr>
+      </p:pic>
+      <p:sp>
+        <p:nvSpPr>
+          <p:cNvPr id="4" name="Номер слайда 3"/>
+          <p:cNvSpPr>
+            <a:spLocks noGrp="1"/>
+          </p:cNvSpPr>
+          <p:nvPr>
+            <p:ph type="sldNum" sz="quarter" idx="12"/>
+          </p:nvPr>
+        </p:nvSpPr>
+        <p:spPr/>
+        <p:txBody>
+          <a:bodyPr/>
+          <a:lstStyle/>
+          <a:p>
+            <a:fld id="{8253DDDB-F8F7-4D64-A7FD-3F3D61C1949F}" type="slidenum">
+              <a:rPr lang="ru-RU" smtClean="0"/>
+              <a:t>27</a:t>
+            </a:fld>
+            <a:endParaRPr lang="ru-RU"/>
+          </a:p>
+        </p:txBody>
+      </p:sp>
+    </p:spTree>
+    <p:extLst>
+      <p:ext uri="{BB962C8B-B14F-4D97-AF65-F5344CB8AC3E}">
+        <p14:creationId xmlns:p14="http://schemas.microsoft.com/office/powerpoint/2010/main" val="1382983959"/>
+      </p:ext>
+    </p:extLst>
+  </p:cSld>
+  <p:clrMapOvr>
+    <a:masterClrMapping/>
+  </p:clrMapOvr>
+</p:sld>
+</file>
+
+<file path=ppt/slides/slide28.xml><?xml version="1.0" encoding="utf-8"?>
+<p:sld xmlns:a="http://schemas.openxmlformats.org/drawingml/2006/main" xmlns:r="http://schemas.openxmlformats.org/officeDocument/2006/relationships" xmlns:p="http://schemas.openxmlformats.org/presentationml/2006/main">
+  <p:cSld>
+    <p:spTree>
+      <p:nvGrpSpPr>
+        <p:cNvPr id="1" name=""/>
+        <p:cNvGrpSpPr/>
+        <p:nvPr/>
+      </p:nvGrpSpPr>
+      <p:grpSpPr>
+        <a:xfrm>
+          <a:off x="0" y="0"/>
+          <a:ext cx="0" cy="0"/>
+          <a:chOff x="0" y="0"/>
+          <a:chExt cx="0" cy="0"/>
+        </a:xfrm>
+      </p:grpSpPr>
+      <p:sp>
+        <p:nvSpPr>
+          <p:cNvPr id="2" name="Заголовок 1"/>
+          <p:cNvSpPr>
+            <a:spLocks noGrp="1"/>
+          </p:cNvSpPr>
+          <p:nvPr>
+            <p:ph type="title"/>
+          </p:nvPr>
+        </p:nvSpPr>
+        <p:spPr/>
+        <p:txBody>
+          <a:bodyPr/>
+          <a:lstStyle/>
+          <a:p>
+            <a:r>
+              <a:rPr lang="ru-RU" dirty="0" smtClean="0"/>
+              <a:t>ГОСТ 34.12-2015 «Кузнечик»</a:t>
+            </a:r>
+            <a:endParaRPr lang="ru-RU" dirty="0"/>
           </a:p>
         </p:txBody>
       </p:sp>
@@ -7857,26 +10491,60 @@
             <p:ph idx="1"/>
           </p:nvPr>
         </p:nvSpPr>
-        <p:spPr>
-          <a:xfrm>
-            <a:off x="838200" y="1362074"/>
-            <a:ext cx="10515600" cy="4351338"/>
-          </a:xfrm>
-        </p:spPr>
+        <p:spPr/>
         <p:txBody>
           <a:bodyPr/>
           <a:lstStyle/>
           <a:p>
             <a:r>
               <a:rPr lang="ru-RU" dirty="0" smtClean="0"/>
-              <a:t>Блочные шифры часто строятся с использованием итеративных (раундовых) функций и функции расширения ключей (см. прошлую лекцию)</a:t>
-            </a:r>
-          </a:p>
-          <a:p>
+              <a:t>Новый алгоритм в замену 28147-89</a:t>
+            </a:r>
+          </a:p>
+          <a:p>
+            <a:r>
+              <a:rPr lang="en-US" dirty="0" smtClean="0"/>
+              <a:t>SP </a:t>
+            </a:r>
             <a:r>
               <a:rPr lang="ru-RU" dirty="0" smtClean="0"/>
-              <a:t>Сами по себе итеративные функции и функции расширения ключей могут быть не стойкими</a:t>
-            </a:r>
+              <a:t>сеть</a:t>
+            </a:r>
+            <a:r>
+              <a:rPr lang="en-US" dirty="0" smtClean="0"/>
+              <a:t> (</a:t>
+            </a:r>
+            <a:r>
+              <a:rPr lang="ru-RU" dirty="0" smtClean="0"/>
+              <a:t>с регистром сдвига), сеть </a:t>
+            </a:r>
+            <a:r>
+              <a:rPr lang="ru-RU" dirty="0" err="1" smtClean="0"/>
+              <a:t>Фейстеля</a:t>
+            </a:r>
+            <a:r>
+              <a:rPr lang="ru-RU" dirty="0" smtClean="0"/>
+              <a:t> для генерации раундовых ключей</a:t>
+            </a:r>
+          </a:p>
+          <a:p>
+            <a:r>
+              <a:rPr lang="ru-RU" dirty="0" smtClean="0"/>
+              <a:t>Размер блока 128 бит</a:t>
+            </a:r>
+          </a:p>
+          <a:p>
+            <a:r>
+              <a:rPr lang="ru-RU" dirty="0" smtClean="0"/>
+              <a:t>Длина ключа 256 бит</a:t>
+            </a:r>
+          </a:p>
+          <a:p>
+            <a:r>
+              <a:rPr lang="ru-RU" dirty="0" smtClean="0"/>
+              <a:t>10 раундов</a:t>
+            </a:r>
+            <a:endParaRPr lang="ru-RU" dirty="0"/>
           </a:p>
         </p:txBody>
       </p:sp>
@@ -7897,7 +10565,2696 @@
           <a:p>
             <a:fld id="{8253DDDB-F8F7-4D64-A7FD-3F3D61C1949F}" type="slidenum">
               <a:rPr lang="ru-RU" smtClean="0"/>
-              <a:t>2</a:t>
+              <a:t>28</a:t>
+            </a:fld>
+            <a:endParaRPr lang="ru-RU"/>
+          </a:p>
+        </p:txBody>
+      </p:sp>
+    </p:spTree>
+    <p:extLst>
+      <p:ext uri="{BB962C8B-B14F-4D97-AF65-F5344CB8AC3E}">
+        <p14:creationId xmlns:p14="http://schemas.microsoft.com/office/powerpoint/2010/main" val="590581634"/>
+      </p:ext>
+    </p:extLst>
+  </p:cSld>
+  <p:clrMapOvr>
+    <a:masterClrMapping/>
+  </p:clrMapOvr>
+  <p:timing>
+    <p:tnLst>
+      <p:par>
+        <p:cTn id="1" dur="indefinite" restart="never" nodeType="tmRoot"/>
+      </p:par>
+    </p:tnLst>
+  </p:timing>
+</p:sld>
+</file>
+
+<file path=ppt/slides/slide29.xml><?xml version="1.0" encoding="utf-8"?>
+<p:sld xmlns:a="http://schemas.openxmlformats.org/drawingml/2006/main" xmlns:r="http://schemas.openxmlformats.org/officeDocument/2006/relationships" xmlns:p="http://schemas.openxmlformats.org/presentationml/2006/main">
+  <p:cSld>
+    <p:spTree>
+      <p:nvGrpSpPr>
+        <p:cNvPr id="1" name=""/>
+        <p:cNvGrpSpPr/>
+        <p:nvPr/>
+      </p:nvGrpSpPr>
+      <p:grpSpPr>
+        <a:xfrm>
+          <a:off x="0" y="0"/>
+          <a:ext cx="0" cy="0"/>
+          <a:chOff x="0" y="0"/>
+          <a:chExt cx="0" cy="0"/>
+        </a:xfrm>
+      </p:grpSpPr>
+      <p:sp>
+        <p:nvSpPr>
+          <p:cNvPr id="2" name="Заголовок 1"/>
+          <p:cNvSpPr>
+            <a:spLocks noGrp="1"/>
+          </p:cNvSpPr>
+          <p:nvPr>
+            <p:ph type="title"/>
+          </p:nvPr>
+        </p:nvSpPr>
+        <p:spPr/>
+        <p:txBody>
+          <a:bodyPr/>
+          <a:lstStyle/>
+          <a:p>
+            <a:r>
+              <a:rPr lang="ru-RU" dirty="0"/>
+              <a:t>ГОСТ 34.12-2015 «Кузнечик»</a:t>
+            </a:r>
+          </a:p>
+        </p:txBody>
+      </p:sp>
+      <p:sp>
+        <p:nvSpPr>
+          <p:cNvPr id="3" name="Объект 2"/>
+          <p:cNvSpPr>
+            <a:spLocks noGrp="1"/>
+          </p:cNvSpPr>
+          <p:nvPr>
+            <p:ph idx="1"/>
+          </p:nvPr>
+        </p:nvSpPr>
+        <p:spPr>
+          <a:xfrm>
+            <a:off x="838200" y="1825625"/>
+            <a:ext cx="6952013" cy="4351338"/>
+          </a:xfrm>
+        </p:spPr>
+        <p:txBody>
+          <a:bodyPr/>
+          <a:lstStyle/>
+          <a:p>
+            <a:r>
+              <a:rPr lang="ru-RU" dirty="0" smtClean="0"/>
+              <a:t>Раундовая функция – итерация </a:t>
+            </a:r>
+            <a:r>
+              <a:rPr lang="en-US" dirty="0" smtClean="0"/>
+              <a:t>SP </a:t>
+            </a:r>
+            <a:r>
+              <a:rPr lang="ru-RU" dirty="0" smtClean="0"/>
+              <a:t>сети</a:t>
+            </a:r>
+          </a:p>
+          <a:p>
+            <a:r>
+              <a:rPr lang="ru-RU" dirty="0" smtClean="0"/>
+              <a:t>Раундовая функция – последовательное применение 2х функций и сложение с ключом</a:t>
+            </a:r>
+            <a:r>
+              <a:rPr lang="en-US" dirty="0" smtClean="0"/>
+              <a:t> (</a:t>
+            </a:r>
+            <a:r>
+              <a:rPr lang="ru-RU" dirty="0" err="1" smtClean="0"/>
+              <a:t>побитово</a:t>
+            </a:r>
+            <a:r>
+              <a:rPr lang="ru-RU" dirty="0" smtClean="0"/>
+              <a:t>)</a:t>
+            </a:r>
+          </a:p>
+          <a:p>
+            <a:r>
+              <a:rPr lang="en-US" dirty="0"/>
+              <a:t>S</a:t>
+            </a:r>
+            <a:r>
+              <a:rPr lang="en-US" dirty="0" smtClean="0"/>
+              <a:t>: </a:t>
+            </a:r>
+            <a:r>
+              <a:rPr lang="ru-RU" dirty="0" smtClean="0"/>
+              <a:t>нелинейное </a:t>
+            </a:r>
+            <a:r>
+              <a:rPr lang="ru-RU" dirty="0" err="1" smtClean="0"/>
+              <a:t>биективное</a:t>
+            </a:r>
+            <a:r>
+              <a:rPr lang="ru-RU" dirty="0" smtClean="0"/>
+              <a:t> преобразование, реализуется с помощью </a:t>
+            </a:r>
+            <a:r>
+              <a:rPr lang="en-US" dirty="0" smtClean="0"/>
+              <a:t>S-box</a:t>
+            </a:r>
+            <a:endParaRPr lang="ru-RU" dirty="0" smtClean="0"/>
+          </a:p>
+          <a:p>
+            <a:endParaRPr lang="ru-RU" dirty="0" smtClean="0"/>
+          </a:p>
+        </p:txBody>
+      </p:sp>
+      <p:sp>
+        <p:nvSpPr>
+          <p:cNvPr id="4" name="Номер слайда 3"/>
+          <p:cNvSpPr>
+            <a:spLocks noGrp="1"/>
+          </p:cNvSpPr>
+          <p:nvPr>
+            <p:ph type="sldNum" sz="quarter" idx="12"/>
+          </p:nvPr>
+        </p:nvSpPr>
+        <p:spPr/>
+        <p:txBody>
+          <a:bodyPr/>
+          <a:lstStyle/>
+          <a:p>
+            <a:fld id="{8253DDDB-F8F7-4D64-A7FD-3F3D61C1949F}" type="slidenum">
+              <a:rPr lang="ru-RU" smtClean="0"/>
+              <a:t>29</a:t>
+            </a:fld>
+            <a:endParaRPr lang="ru-RU"/>
+          </a:p>
+        </p:txBody>
+      </p:sp>
+      <p:pic>
+        <p:nvPicPr>
+          <p:cNvPr id="6" name="Рисунок 5"/>
+          <p:cNvPicPr>
+            <a:picLocks noChangeAspect="1"/>
+          </p:cNvPicPr>
+          <p:nvPr/>
+        </p:nvPicPr>
+        <p:blipFill>
+          <a:blip r:embed="rId2"/>
+          <a:stretch>
+            <a:fillRect/>
+          </a:stretch>
+        </p:blipFill>
+        <p:spPr>
+          <a:xfrm>
+            <a:off x="1493692" y="4286992"/>
+            <a:ext cx="9282715" cy="1889971"/>
+          </a:xfrm>
+          <a:prstGeom prst="rect">
+            <a:avLst/>
+          </a:prstGeom>
+        </p:spPr>
+      </p:pic>
+    </p:spTree>
+    <p:extLst>
+      <p:ext uri="{BB962C8B-B14F-4D97-AF65-F5344CB8AC3E}">
+        <p14:creationId xmlns:p14="http://schemas.microsoft.com/office/powerpoint/2010/main" val="505347575"/>
+      </p:ext>
+    </p:extLst>
+  </p:cSld>
+  <p:clrMapOvr>
+    <a:masterClrMapping/>
+  </p:clrMapOvr>
+  <p:timing>
+    <p:tnLst>
+      <p:par>
+        <p:cTn id="1" dur="indefinite" restart="never" nodeType="tmRoot"/>
+      </p:par>
+    </p:tnLst>
+  </p:timing>
+</p:sld>
+</file>
+
+<file path=ppt/slides/slide3.xml><?xml version="1.0" encoding="utf-8"?>
+<p:sld xmlns:a="http://schemas.openxmlformats.org/drawingml/2006/main" xmlns:r="http://schemas.openxmlformats.org/officeDocument/2006/relationships" xmlns:p="http://schemas.openxmlformats.org/presentationml/2006/main">
+  <p:cSld>
+    <p:spTree>
+      <p:nvGrpSpPr>
+        <p:cNvPr id="1" name=""/>
+        <p:cNvGrpSpPr/>
+        <p:nvPr/>
+      </p:nvGrpSpPr>
+      <p:grpSpPr>
+        <a:xfrm>
+          <a:off x="0" y="0"/>
+          <a:ext cx="0" cy="0"/>
+          <a:chOff x="0" y="0"/>
+          <a:chExt cx="0" cy="0"/>
+        </a:xfrm>
+      </p:grpSpPr>
+      <p:sp>
+        <p:nvSpPr>
+          <p:cNvPr id="2" name="Заголовок 1"/>
+          <p:cNvSpPr>
+            <a:spLocks noGrp="1"/>
+          </p:cNvSpPr>
+          <p:nvPr>
+            <p:ph type="title"/>
+          </p:nvPr>
+        </p:nvSpPr>
+        <p:spPr/>
+        <p:txBody>
+          <a:bodyPr/>
+          <a:lstStyle/>
+          <a:p>
+            <a:r>
+              <a:rPr lang="ru-RU" dirty="0" smtClean="0"/>
+              <a:t>Тест.</a:t>
+            </a:r>
+            <a:endParaRPr lang="ru-RU" dirty="0"/>
+          </a:p>
+        </p:txBody>
+      </p:sp>
+      <p:sp>
+        <p:nvSpPr>
+          <p:cNvPr id="4" name="Номер слайда 3"/>
+          <p:cNvSpPr>
+            <a:spLocks noGrp="1"/>
+          </p:cNvSpPr>
+          <p:nvPr>
+            <p:ph type="sldNum" sz="quarter" idx="12"/>
+          </p:nvPr>
+        </p:nvSpPr>
+        <p:spPr/>
+        <p:txBody>
+          <a:bodyPr/>
+          <a:lstStyle/>
+          <a:p>
+            <a:fld id="{8253DDDB-F8F7-4D64-A7FD-3F3D61C1949F}" type="slidenum">
+              <a:rPr lang="ru-RU" smtClean="0"/>
+              <a:t>3</a:t>
+            </a:fld>
+            <a:endParaRPr lang="ru-RU"/>
+          </a:p>
+        </p:txBody>
+      </p:sp>
+      <p:sp>
+        <p:nvSpPr>
+          <p:cNvPr id="5" name="Прямоугольник 4"/>
+          <p:cNvSpPr/>
+          <p:nvPr/>
+        </p:nvSpPr>
+        <p:spPr>
+          <a:xfrm>
+            <a:off x="284285" y="5433158"/>
+            <a:ext cx="10688515" cy="317012"/>
+          </a:xfrm>
+          <a:prstGeom prst="rect">
+            <a:avLst/>
+          </a:prstGeom>
+          <a:solidFill>
+            <a:schemeClr val="accent6">
+              <a:alpha val="50000"/>
+            </a:schemeClr>
+          </a:solidFill>
+          <a:ln>
+            <a:noFill/>
+          </a:ln>
+        </p:spPr>
+        <p:style>
+          <a:lnRef idx="0">
+            <a:scrgbClr r="0" g="0" b="0"/>
+          </a:lnRef>
+          <a:fillRef idx="0">
+            <a:scrgbClr r="0" g="0" b="0"/>
+          </a:fillRef>
+          <a:effectRef idx="0">
+            <a:scrgbClr r="0" g="0" b="0"/>
+          </a:effectRef>
+          <a:fontRef idx="minor">
+            <a:schemeClr val="lt1"/>
+          </a:fontRef>
+        </p:style>
+        <p:txBody>
+          <a:bodyPr rtlCol="0" anchor="ctr"/>
+          <a:lstStyle/>
+          <a:p>
+            <a:pPr algn="ctr"/>
+            <a:endParaRPr lang="ru-RU"/>
+          </a:p>
+        </p:txBody>
+      </p:sp>
+      <p:sp>
+        <p:nvSpPr>
+          <p:cNvPr id="6" name="Прямоугольник 5"/>
+          <p:cNvSpPr/>
+          <p:nvPr/>
+        </p:nvSpPr>
+        <p:spPr>
+          <a:xfrm>
+            <a:off x="284285" y="5819530"/>
+            <a:ext cx="10688515" cy="317012"/>
+          </a:xfrm>
+          <a:prstGeom prst="rect">
+            <a:avLst/>
+          </a:prstGeom>
+          <a:solidFill>
+            <a:schemeClr val="accent6">
+              <a:alpha val="50000"/>
+            </a:schemeClr>
+          </a:solidFill>
+          <a:ln>
+            <a:noFill/>
+          </a:ln>
+        </p:spPr>
+        <p:style>
+          <a:lnRef idx="0">
+            <a:scrgbClr r="0" g="0" b="0"/>
+          </a:lnRef>
+          <a:fillRef idx="0">
+            <a:scrgbClr r="0" g="0" b="0"/>
+          </a:fillRef>
+          <a:effectRef idx="0">
+            <a:scrgbClr r="0" g="0" b="0"/>
+          </a:effectRef>
+          <a:fontRef idx="minor">
+            <a:schemeClr val="lt1"/>
+          </a:fontRef>
+        </p:style>
+        <p:txBody>
+          <a:bodyPr rtlCol="0" anchor="ctr"/>
+          <a:lstStyle/>
+          <a:p>
+            <a:pPr algn="ctr"/>
+            <a:endParaRPr lang="ru-RU"/>
+          </a:p>
+        </p:txBody>
+      </p:sp>
+      <p:sp>
+        <p:nvSpPr>
+          <p:cNvPr id="7" name="Прямоугольник 6"/>
+          <p:cNvSpPr/>
+          <p:nvPr/>
+        </p:nvSpPr>
+        <p:spPr>
+          <a:xfrm>
+            <a:off x="284284" y="6205902"/>
+            <a:ext cx="10688515" cy="317012"/>
+          </a:xfrm>
+          <a:prstGeom prst="rect">
+            <a:avLst/>
+          </a:prstGeom>
+          <a:solidFill>
+            <a:schemeClr val="accent6">
+              <a:alpha val="50000"/>
+            </a:schemeClr>
+          </a:solidFill>
+          <a:ln>
+            <a:noFill/>
+          </a:ln>
+        </p:spPr>
+        <p:style>
+          <a:lnRef idx="0">
+            <a:scrgbClr r="0" g="0" b="0"/>
+          </a:lnRef>
+          <a:fillRef idx="0">
+            <a:scrgbClr r="0" g="0" b="0"/>
+          </a:fillRef>
+          <a:effectRef idx="0">
+            <a:scrgbClr r="0" g="0" b="0"/>
+          </a:effectRef>
+          <a:fontRef idx="minor">
+            <a:schemeClr val="lt1"/>
+          </a:fontRef>
+        </p:style>
+        <p:txBody>
+          <a:bodyPr rtlCol="0" anchor="ctr"/>
+          <a:lstStyle/>
+          <a:p>
+            <a:pPr algn="ctr"/>
+            <a:endParaRPr lang="ru-RU"/>
+          </a:p>
+        </p:txBody>
+      </p:sp>
+      <p:sp>
+        <p:nvSpPr>
+          <p:cNvPr id="9" name="Rectangle 4"/>
+          <p:cNvSpPr>
+            <a:spLocks noChangeArrowheads="1"/>
+          </p:cNvSpPr>
+          <p:nvPr/>
+        </p:nvSpPr>
+        <p:spPr bwMode="auto">
+          <a:xfrm>
+            <a:off x="1309180" y="2051254"/>
+            <a:ext cx="2879002" cy="1696301"/>
+          </a:xfrm>
+          <a:prstGeom prst="rect">
+            <a:avLst/>
+          </a:prstGeom>
+          <a:solidFill>
+            <a:schemeClr val="accent1"/>
+          </a:solidFill>
+          <a:ln w="9525">
+            <a:solidFill>
+              <a:schemeClr val="tx1"/>
+            </a:solidFill>
+            <a:miter lim="800000"/>
+            <a:headEnd/>
+            <a:tailEnd/>
+          </a:ln>
+          <a:effectLst/>
+        </p:spPr>
+        <p:txBody>
+          <a:bodyPr wrap="none"/>
+          <a:lstStyle/>
+          <a:p>
+            <a:pPr algn="ctr"/>
+            <a:r>
+              <a:rPr lang="en-US"/>
+              <a:t>Chal.</a:t>
+            </a:r>
+          </a:p>
+        </p:txBody>
+      </p:sp>
+      <p:sp>
+        <p:nvSpPr>
+          <p:cNvPr id="11" name="Line 5"/>
+          <p:cNvSpPr>
+            <a:spLocks noChangeShapeType="1"/>
+          </p:cNvSpPr>
+          <p:nvPr/>
+        </p:nvSpPr>
+        <p:spPr bwMode="auto">
+          <a:xfrm>
+            <a:off x="2458801" y="1687070"/>
+            <a:ext cx="0" cy="403838"/>
+          </a:xfrm>
+          <a:prstGeom prst="line">
+            <a:avLst/>
+          </a:prstGeom>
+          <a:noFill/>
+          <a:ln w="9525">
+            <a:solidFill>
+              <a:schemeClr val="tx1"/>
+            </a:solidFill>
+            <a:round/>
+            <a:headEnd/>
+            <a:tailEnd type="triangle" w="med" len="med"/>
+          </a:ln>
+          <a:effectLst/>
+        </p:spPr>
+        <p:txBody>
+          <a:bodyPr/>
+          <a:lstStyle/>
+          <a:p>
+            <a:endParaRPr lang="en-US"/>
+          </a:p>
+        </p:txBody>
+      </p:sp>
+      <mc:AlternateContent xmlns:mc="http://schemas.openxmlformats.org/markup-compatibility/2006">
+        <mc:Choice xmlns:a14="http://schemas.microsoft.com/office/drawing/2010/main" Requires="a14">
+          <p:sp>
+            <p:nvSpPr>
+              <p:cNvPr id="12" name="Rectangle 7"/>
+              <p:cNvSpPr>
+                <a:spLocks noChangeArrowheads="1"/>
+              </p:cNvSpPr>
+              <p:nvPr/>
+            </p:nvSpPr>
+            <p:spPr bwMode="auto">
+              <a:xfrm>
+                <a:off x="7720318" y="2090908"/>
+                <a:ext cx="1295400" cy="1628071"/>
+              </a:xfrm>
+              <a:prstGeom prst="rect">
+                <a:avLst/>
+              </a:prstGeom>
+              <a:solidFill>
+                <a:schemeClr val="accent1"/>
+              </a:solidFill>
+              <a:ln w="9525">
+                <a:solidFill>
+                  <a:schemeClr val="tx1"/>
+                </a:solidFill>
+                <a:miter lim="800000"/>
+                <a:headEnd/>
+                <a:tailEnd/>
+              </a:ln>
+              <a:effectLst/>
+            </p:spPr>
+            <p:txBody>
+              <a:bodyPr wrap="none"/>
+              <a:lstStyle/>
+              <a:p>
+                <a:pPr algn="ctr"/>
+                <a:r>
+                  <a:rPr lang="en-US" dirty="0"/>
+                  <a:t>Adv. </a:t>
+                </a:r>
+                <a14:m>
+                  <m:oMath xmlns:m="http://schemas.openxmlformats.org/officeDocument/2006/math">
+                    <m:r>
+                      <a:rPr lang="en-US" i="1" dirty="0" smtClean="0">
+                        <a:latin typeface="Cambria Math" panose="02040503050406030204" pitchFamily="18" charset="0"/>
+                      </a:rPr>
+                      <m:t>𝐴</m:t>
+                    </m:r>
+                  </m:oMath>
+                </a14:m>
+                <a:endParaRPr lang="en-US" dirty="0"/>
+              </a:p>
+            </p:txBody>
+          </p:sp>
+        </mc:Choice>
+        <mc:Fallback>
+          <p:sp>
+            <p:nvSpPr>
+              <p:cNvPr id="12" name="Rectangle 7"/>
+              <p:cNvSpPr>
+                <a:spLocks noRot="1" noChangeAspect="1" noMove="1" noResize="1" noEditPoints="1" noAdjustHandles="1" noChangeArrowheads="1" noChangeShapeType="1" noTextEdit="1"/>
+              </p:cNvSpPr>
+              <p:nvPr/>
+            </p:nvSpPr>
+            <p:spPr bwMode="auto">
+              <a:xfrm>
+                <a:off x="7720318" y="2090908"/>
+                <a:ext cx="1295400" cy="1628071"/>
+              </a:xfrm>
+              <a:prstGeom prst="rect">
+                <a:avLst/>
+              </a:prstGeom>
+              <a:blipFill rotWithShape="0">
+                <a:blip r:embed="rId2"/>
+                <a:stretch>
+                  <a:fillRect t="-1859"/>
+                </a:stretch>
+              </a:blipFill>
+              <a:ln w="9525">
+                <a:solidFill>
+                  <a:schemeClr val="tx1"/>
+                </a:solidFill>
+                <a:miter lim="800000"/>
+                <a:headEnd/>
+                <a:tailEnd/>
+              </a:ln>
+              <a:effectLst/>
+            </p:spPr>
+            <p:txBody>
+              <a:bodyPr/>
+              <a:lstStyle/>
+              <a:p>
+                <a:r>
+                  <a:rPr lang="ru-RU">
+                    <a:noFill/>
+                  </a:rPr>
+                  <a:t> </a:t>
+                </a:r>
+              </a:p>
+            </p:txBody>
+          </p:sp>
+        </mc:Fallback>
+      </mc:AlternateContent>
+      <p:grpSp>
+        <p:nvGrpSpPr>
+          <p:cNvPr id="13" name="Group 22"/>
+          <p:cNvGrpSpPr>
+            <a:grpSpLocks/>
+          </p:cNvGrpSpPr>
+          <p:nvPr/>
+        </p:nvGrpSpPr>
+        <p:grpSpPr bwMode="auto">
+          <a:xfrm>
+            <a:off x="8368018" y="3758975"/>
+            <a:ext cx="1570040" cy="678656"/>
+            <a:chOff x="4560" y="2842"/>
+            <a:chExt cx="989" cy="570"/>
+          </a:xfrm>
+        </p:grpSpPr>
+        <p:sp>
+          <p:nvSpPr>
+            <p:cNvPr id="14" name="Line 16"/>
+            <p:cNvSpPr>
+              <a:spLocks noChangeShapeType="1"/>
+            </p:cNvSpPr>
+            <p:nvPr/>
+          </p:nvSpPr>
+          <p:spPr bwMode="auto">
+            <a:xfrm>
+              <a:off x="4560" y="2842"/>
+              <a:ext cx="0" cy="480"/>
+            </a:xfrm>
+            <a:prstGeom prst="line">
+              <a:avLst/>
+            </a:prstGeom>
+            <a:noFill/>
+            <a:ln w="9525">
+              <a:solidFill>
+                <a:schemeClr val="tx1"/>
+              </a:solidFill>
+              <a:round/>
+              <a:headEnd/>
+              <a:tailEnd type="triangle" w="med" len="med"/>
+            </a:ln>
+            <a:effectLst/>
+          </p:spPr>
+          <p:txBody>
+            <a:bodyPr/>
+            <a:lstStyle/>
+            <a:p>
+              <a:endParaRPr lang="en-US"/>
+            </a:p>
+          </p:txBody>
+        </p:sp>
+        <mc:AlternateContent xmlns:mc="http://schemas.openxmlformats.org/markup-compatibility/2006" xmlns:a14="http://schemas.microsoft.com/office/drawing/2010/main">
+          <mc:Choice Requires="a14">
+            <p:sp>
+              <p:nvSpPr>
+                <p:cNvPr id="15" name="Text Box 17"/>
+                <p:cNvSpPr txBox="1">
+                  <a:spLocks noChangeArrowheads="1"/>
+                </p:cNvSpPr>
+                <p:nvPr/>
+              </p:nvSpPr>
+              <p:spPr bwMode="auto">
+                <a:xfrm>
+                  <a:off x="4568" y="3024"/>
+                  <a:ext cx="981" cy="388"/>
+                </a:xfrm>
+                <a:prstGeom prst="rect">
+                  <a:avLst/>
+                </a:prstGeom>
+                <a:noFill/>
+                <a:ln w="9525">
+                  <a:noFill/>
+                  <a:miter lim="800000"/>
+                  <a:headEnd/>
+                  <a:tailEnd/>
+                </a:ln>
+                <a:effectLst/>
+              </p:spPr>
+              <p:txBody>
+                <a:bodyPr wrap="none">
+                  <a:spAutoFit/>
+                </a:bodyPr>
+                <a:lstStyle/>
+                <a:p>
+                  <a:pPr/>
+                  <a14:m>
+                    <m:oMathPara xmlns:m="http://schemas.openxmlformats.org/officeDocument/2006/math">
+                      <m:oMathParaPr>
+                        <m:jc m:val="centerGroup"/>
+                      </m:oMathParaPr>
+                      <m:oMath xmlns:m="http://schemas.openxmlformats.org/officeDocument/2006/math">
+                        <m:r>
+                          <a:rPr lang="en-US" sz="2400" i="1" dirty="0" smtClean="0">
+                            <a:latin typeface="Cambria Math" panose="02040503050406030204" pitchFamily="18" charset="0"/>
+                          </a:rPr>
+                          <m:t>𝑏</m:t>
+                        </m:r>
+                        <m:r>
+                          <a:rPr lang="en-US" sz="2400" i="1" dirty="0" smtClean="0">
+                            <a:latin typeface="Cambria Math" panose="02040503050406030204" pitchFamily="18" charset="0"/>
+                          </a:rPr>
+                          <m:t>’∈ {0,1}</m:t>
+                        </m:r>
+                      </m:oMath>
+                    </m:oMathPara>
+                  </a14:m>
+                  <a:endParaRPr lang="en-US" sz="2400" dirty="0"/>
+                </a:p>
+              </p:txBody>
+            </p:sp>
+          </mc:Choice>
+          <mc:Fallback xmlns="">
+            <p:sp>
+              <p:nvSpPr>
+                <p:cNvPr id="53" name="Text Box 17"/>
+                <p:cNvSpPr txBox="1">
+                  <a:spLocks noRot="1" noChangeAspect="1" noMove="1" noResize="1" noEditPoints="1" noAdjustHandles="1" noChangeArrowheads="1" noChangeShapeType="1" noTextEdit="1"/>
+                </p:cNvSpPr>
+                <p:nvPr/>
+              </p:nvSpPr>
+              <p:spPr bwMode="auto">
+                <a:xfrm>
+                  <a:off x="4568" y="3024"/>
+                  <a:ext cx="981" cy="388"/>
+                </a:xfrm>
+                <a:prstGeom prst="rect">
+                  <a:avLst/>
+                </a:prstGeom>
+                <a:blipFill>
+                  <a:blip r:embed="rId7"/>
+                  <a:stretch>
+                    <a:fillRect r="-781" b="-17105"/>
+                  </a:stretch>
+                </a:blipFill>
+                <a:ln w="9525">
+                  <a:noFill/>
+                  <a:miter lim="800000"/>
+                  <a:headEnd/>
+                  <a:tailEnd/>
+                </a:ln>
+                <a:effectLst/>
+              </p:spPr>
+              <p:txBody>
+                <a:bodyPr/>
+                <a:lstStyle/>
+                <a:p>
+                  <a:r>
+                    <a:rPr lang="ru-RU">
+                      <a:noFill/>
+                    </a:rPr>
+                    <a:t> </a:t>
+                  </a:r>
+                </a:p>
+              </p:txBody>
+            </p:sp>
+          </mc:Fallback>
+        </mc:AlternateContent>
+      </p:grpSp>
+      <p:sp>
+        <p:nvSpPr>
+          <p:cNvPr id="16" name="Rectangle 18"/>
+          <p:cNvSpPr>
+            <a:spLocks noChangeArrowheads="1"/>
+          </p:cNvSpPr>
+          <p:nvPr/>
+        </p:nvSpPr>
+        <p:spPr bwMode="auto">
+          <a:xfrm>
+            <a:off x="1209441" y="1911609"/>
+            <a:ext cx="7924800" cy="2007395"/>
+          </a:xfrm>
+          <a:prstGeom prst="rect">
+            <a:avLst/>
+          </a:prstGeom>
+          <a:noFill/>
+          <a:ln w="38100">
+            <a:solidFill>
+              <a:schemeClr val="folHlink"/>
+            </a:solidFill>
+            <a:miter lim="800000"/>
+            <a:headEnd/>
+            <a:tailEnd/>
+          </a:ln>
+          <a:effectLst/>
+        </p:spPr>
+        <p:txBody>
+          <a:bodyPr wrap="none" anchor="ctr"/>
+          <a:lstStyle/>
+          <a:p>
+            <a:endParaRPr lang="en-US"/>
+          </a:p>
+        </p:txBody>
+      </p:sp>
+      <p:sp>
+        <p:nvSpPr>
+          <p:cNvPr id="17" name="Text Box 13"/>
+          <p:cNvSpPr txBox="1">
+            <a:spLocks noChangeArrowheads="1"/>
+          </p:cNvSpPr>
+          <p:nvPr/>
+        </p:nvSpPr>
+        <p:spPr bwMode="auto">
+          <a:xfrm>
+            <a:off x="1309180" y="2503543"/>
+            <a:ext cx="2991440" cy="933589"/>
+          </a:xfrm>
+          <a:prstGeom prst="rect">
+            <a:avLst/>
+          </a:prstGeom>
+          <a:noFill/>
+          <a:ln w="9525">
+            <a:noFill/>
+            <a:miter lim="800000"/>
+            <a:headEnd/>
+            <a:tailEnd/>
+          </a:ln>
+          <a:effectLst/>
+        </p:spPr>
+        <p:txBody>
+          <a:bodyPr wrap="square">
+            <a:spAutoFit/>
+          </a:bodyPr>
+          <a:lstStyle/>
+          <a:p>
+            <a:pPr algn="ctr"/>
+            <a:r>
+              <a:rPr lang="en-US" sz="3200" b="0" dirty="0" smtClean="0"/>
+              <a:t>1-???</a:t>
+            </a:r>
+            <a:endParaRPr lang="en-US" sz="3200" dirty="0"/>
+          </a:p>
+          <a:p>
+            <a:endParaRPr lang="en-US" b="1" baseline="-25000" dirty="0">
+              <a:cs typeface="Arial" charset="0"/>
+              <a:sym typeface="Symbol" pitchFamily="18" charset="2"/>
+            </a:endParaRPr>
+          </a:p>
+          <a:p>
+            <a:endParaRPr lang="en-US" sz="1600" b="1" baseline="-25000" dirty="0">
+              <a:cs typeface="Arial" charset="0"/>
+              <a:sym typeface="Symbol" pitchFamily="18" charset="2"/>
+            </a:endParaRPr>
+          </a:p>
+        </p:txBody>
+      </p:sp>
+      <mc:AlternateContent xmlns:mc="http://schemas.openxmlformats.org/markup-compatibility/2006">
+        <mc:Choice xmlns:a14="http://schemas.microsoft.com/office/drawing/2010/main" Requires="a14">
+          <p:sp>
+            <p:nvSpPr>
+              <p:cNvPr id="18" name="Text Box 6"/>
+              <p:cNvSpPr txBox="1">
+                <a:spLocks noChangeArrowheads="1"/>
+              </p:cNvSpPr>
+              <p:nvPr/>
+            </p:nvSpPr>
+            <p:spPr bwMode="auto">
+              <a:xfrm>
+                <a:off x="2458801" y="1456238"/>
+                <a:ext cx="427040" cy="461665"/>
+              </a:xfrm>
+              <a:prstGeom prst="rect">
+                <a:avLst/>
+              </a:prstGeom>
+              <a:noFill/>
+              <a:ln w="9525">
+                <a:noFill/>
+                <a:miter lim="800000"/>
+                <a:headEnd/>
+                <a:tailEnd/>
+              </a:ln>
+              <a:effectLst/>
+            </p:spPr>
+            <p:txBody>
+              <a:bodyPr wrap="none">
+                <a:spAutoFit/>
+              </a:bodyPr>
+              <a:lstStyle/>
+              <a:p>
+                <a:pPr/>
+                <a14:m>
+                  <m:oMathPara xmlns:m="http://schemas.openxmlformats.org/officeDocument/2006/math">
+                    <m:oMathParaPr>
+                      <m:jc m:val="centerGroup"/>
+                    </m:oMathParaPr>
+                    <m:oMath xmlns:m="http://schemas.openxmlformats.org/officeDocument/2006/math">
+                      <m:r>
+                        <a:rPr lang="en-US" sz="2400" i="1" dirty="0" smtClean="0">
+                          <a:latin typeface="Cambria Math" panose="02040503050406030204" pitchFamily="18" charset="0"/>
+                        </a:rPr>
+                        <m:t>𝑏</m:t>
+                      </m:r>
+                    </m:oMath>
+                  </m:oMathPara>
+                </a14:m>
+                <a:endParaRPr lang="en-US" sz="2400" dirty="0"/>
+              </a:p>
+            </p:txBody>
+          </p:sp>
+        </mc:Choice>
+        <mc:Fallback>
+          <p:sp>
+            <p:nvSpPr>
+              <p:cNvPr id="18" name="Text Box 6"/>
+              <p:cNvSpPr txBox="1">
+                <a:spLocks noRot="1" noChangeAspect="1" noMove="1" noResize="1" noEditPoints="1" noAdjustHandles="1" noChangeArrowheads="1" noChangeShapeType="1" noTextEdit="1"/>
+              </p:cNvSpPr>
+              <p:nvPr/>
+            </p:nvSpPr>
+            <p:spPr bwMode="auto">
+              <a:xfrm>
+                <a:off x="2458801" y="1456238"/>
+                <a:ext cx="427040" cy="461665"/>
+              </a:xfrm>
+              <a:prstGeom prst="rect">
+                <a:avLst/>
+              </a:prstGeom>
+              <a:blipFill rotWithShape="0">
+                <a:blip r:embed="rId8"/>
+                <a:stretch>
+                  <a:fillRect/>
+                </a:stretch>
+              </a:blipFill>
+              <a:ln w="9525">
+                <a:noFill/>
+                <a:miter lim="800000"/>
+                <a:headEnd/>
+                <a:tailEnd/>
+              </a:ln>
+              <a:effectLst/>
+            </p:spPr>
+            <p:txBody>
+              <a:bodyPr/>
+              <a:lstStyle/>
+              <a:p>
+                <a:r>
+                  <a:rPr lang="ru-RU">
+                    <a:noFill/>
+                  </a:rPr>
+                  <a:t> </a:t>
+                </a:r>
+              </a:p>
+            </p:txBody>
+          </p:sp>
+        </mc:Fallback>
+      </mc:AlternateContent>
+      <p:sp>
+        <p:nvSpPr>
+          <p:cNvPr id="31" name="TextBox 30"/>
+          <p:cNvSpPr txBox="1"/>
+          <p:nvPr/>
+        </p:nvSpPr>
+        <p:spPr>
+          <a:xfrm>
+            <a:off x="5656446" y="2550641"/>
+            <a:ext cx="978153" cy="523220"/>
+          </a:xfrm>
+          <a:prstGeom prst="rect">
+            <a:avLst/>
+          </a:prstGeom>
+          <a:noFill/>
+        </p:spPr>
+        <p:txBody>
+          <a:bodyPr wrap="none" rtlCol="0">
+            <a:spAutoFit/>
+          </a:bodyPr>
+          <a:lstStyle/>
+          <a:p>
+            <a:pPr/>
+            <a:r>
+              <a:rPr lang="en-US" sz="2800" dirty="0" smtClean="0"/>
+              <a:t>2-???</a:t>
+            </a:r>
+            <a:endParaRPr lang="ru-RU" sz="2800" dirty="0"/>
+          </a:p>
+        </p:txBody>
+      </p:sp>
+      <mc:AlternateContent xmlns:mc="http://schemas.openxmlformats.org/markup-compatibility/2006">
+        <mc:Choice xmlns:a14="http://schemas.microsoft.com/office/drawing/2010/main" Requires="a14">
+          <p:sp>
+            <p:nvSpPr>
+              <p:cNvPr id="32" name="Прямоугольник 31"/>
+              <p:cNvSpPr/>
+              <p:nvPr/>
+            </p:nvSpPr>
+            <p:spPr>
+              <a:xfrm>
+                <a:off x="1209441" y="4015911"/>
+                <a:ext cx="3223639" cy="461665"/>
+              </a:xfrm>
+              <a:prstGeom prst="rect">
+                <a:avLst/>
+              </a:prstGeom>
+            </p:spPr>
+            <p:txBody>
+              <a:bodyPr wrap="none">
+                <a:spAutoFit/>
+              </a:bodyPr>
+              <a:lstStyle/>
+              <a:p>
+                <a:pPr/>
+                <a14:m>
+                  <m:oMathPara xmlns:m="http://schemas.openxmlformats.org/officeDocument/2006/math">
+                    <m:oMathParaPr>
+                      <m:jc m:val="centerGroup"/>
+                    </m:oMathParaPr>
+                    <m:oMath xmlns:m="http://schemas.openxmlformats.org/officeDocument/2006/math">
+                      <m:sSub>
+                        <m:sSubPr>
+                          <m:ctrlPr>
+                            <a:rPr lang="en-US" sz="2400" i="1" smtClean="0">
+                              <a:latin typeface="Cambria Math" panose="02040503050406030204" pitchFamily="18" charset="0"/>
+                            </a:rPr>
+                          </m:ctrlPr>
+                        </m:sSubPr>
+                        <m:e>
+                          <m:r>
+                            <a:rPr lang="en-US" sz="2400" b="0" i="1" smtClean="0">
+                              <a:latin typeface="Cambria Math" panose="02040503050406030204" pitchFamily="18" charset="0"/>
+                            </a:rPr>
+                            <m:t>𝑃𝑅𝑃</m:t>
+                          </m:r>
+                        </m:e>
+                        <m:sub>
+                          <m:r>
+                            <a:rPr lang="en-US" sz="2400" i="1">
+                              <a:latin typeface="Cambria Math" panose="02040503050406030204" pitchFamily="18" charset="0"/>
+                            </a:rPr>
+                            <m:t>𝑎𝑑𝑣</m:t>
+                          </m:r>
+                        </m:sub>
+                      </m:sSub>
+                      <m:d>
+                        <m:dPr>
+                          <m:begChr m:val="["/>
+                          <m:endChr m:val="]"/>
+                          <m:ctrlPr>
+                            <a:rPr lang="en-US" sz="2400" i="1">
+                              <a:latin typeface="Cambria Math" panose="02040503050406030204" pitchFamily="18" charset="0"/>
+                            </a:rPr>
+                          </m:ctrlPr>
+                        </m:dPr>
+                        <m:e>
+                          <m:r>
+                            <a:rPr lang="en-US" sz="2400" i="1">
+                              <a:latin typeface="Cambria Math" panose="02040503050406030204" pitchFamily="18" charset="0"/>
+                            </a:rPr>
+                            <m:t>𝐴</m:t>
+                          </m:r>
+                          <m:r>
+                            <a:rPr lang="en-US" sz="2400" i="1">
+                              <a:latin typeface="Cambria Math" panose="02040503050406030204" pitchFamily="18" charset="0"/>
+                            </a:rPr>
+                            <m:t>,</m:t>
+                          </m:r>
+                          <m:r>
+                            <m:rPr>
+                              <m:sty m:val="p"/>
+                            </m:rPr>
+                            <a:rPr lang="en-US" sz="2400">
+                              <a:latin typeface="Cambria Math" panose="02040503050406030204" pitchFamily="18" charset="0"/>
+                            </a:rPr>
+                            <m:t>Ε</m:t>
+                          </m:r>
+                        </m:e>
+                      </m:d>
+                      <m:r>
+                        <a:rPr lang="en-US" sz="2400" i="1">
+                          <a:latin typeface="Cambria Math" panose="02040503050406030204" pitchFamily="18" charset="0"/>
+                        </a:rPr>
+                        <m:t>=</m:t>
+                      </m:r>
+                      <m:r>
+                        <a:rPr lang="en-US" sz="2400" b="0" i="1" smtClean="0">
+                          <a:latin typeface="Cambria Math" panose="02040503050406030204" pitchFamily="18" charset="0"/>
+                        </a:rPr>
+                        <m:t>3−???</m:t>
+                      </m:r>
+                    </m:oMath>
+                  </m:oMathPara>
+                </a14:m>
+                <a:endParaRPr lang="ru-RU" sz="2400" dirty="0"/>
+              </a:p>
+            </p:txBody>
+          </p:sp>
+        </mc:Choice>
+        <mc:Fallback>
+          <p:sp>
+            <p:nvSpPr>
+              <p:cNvPr id="32" name="Прямоугольник 31"/>
+              <p:cNvSpPr>
+                <a:spLocks noRot="1" noChangeAspect="1" noMove="1" noResize="1" noEditPoints="1" noAdjustHandles="1" noChangeArrowheads="1" noChangeShapeType="1" noTextEdit="1"/>
+              </p:cNvSpPr>
+              <p:nvPr/>
+            </p:nvSpPr>
+            <p:spPr>
+              <a:xfrm>
+                <a:off x="1209441" y="4015911"/>
+                <a:ext cx="3223639" cy="461665"/>
+              </a:xfrm>
+              <a:prstGeom prst="rect">
+                <a:avLst/>
+              </a:prstGeom>
+              <a:blipFill rotWithShape="0">
+                <a:blip r:embed="rId9"/>
+                <a:stretch>
+                  <a:fillRect b="-1316"/>
+                </a:stretch>
+              </a:blipFill>
+            </p:spPr>
+            <p:txBody>
+              <a:bodyPr/>
+              <a:lstStyle/>
+              <a:p>
+                <a:r>
+                  <a:rPr lang="ru-RU">
+                    <a:noFill/>
+                  </a:rPr>
+                  <a:t> </a:t>
+                </a:r>
+              </a:p>
+            </p:txBody>
+          </p:sp>
+        </mc:Fallback>
+      </mc:AlternateContent>
+      <p:sp>
+        <p:nvSpPr>
+          <p:cNvPr id="3" name="TextBox 2"/>
+          <p:cNvSpPr txBox="1"/>
+          <p:nvPr/>
+        </p:nvSpPr>
+        <p:spPr>
+          <a:xfrm>
+            <a:off x="1209441" y="4643753"/>
+            <a:ext cx="9480159" cy="461665"/>
+          </a:xfrm>
+          <a:prstGeom prst="rect">
+            <a:avLst/>
+          </a:prstGeom>
+          <a:noFill/>
+        </p:spPr>
+        <p:txBody>
+          <a:bodyPr wrap="none" rtlCol="0">
+            <a:spAutoFit/>
+          </a:bodyPr>
+          <a:lstStyle/>
+          <a:p>
+            <a:r>
+              <a:rPr lang="en-US" sz="2400" dirty="0" smtClean="0"/>
+              <a:t>4 - </a:t>
+            </a:r>
+            <a:r>
+              <a:rPr lang="ru-RU" sz="2400" dirty="0" smtClean="0"/>
+              <a:t>Отличия адаптивной от неадаптивной версии игры на стойкость </a:t>
+            </a:r>
+            <a:r>
+              <a:rPr lang="en-US" sz="2400" dirty="0" smtClean="0"/>
+              <a:t>PRP</a:t>
+            </a:r>
+            <a:endParaRPr lang="ru-RU" sz="2400" dirty="0"/>
+          </a:p>
+        </p:txBody>
+      </p:sp>
+    </p:spTree>
+    <p:extLst>
+      <p:ext uri="{BB962C8B-B14F-4D97-AF65-F5344CB8AC3E}">
+        <p14:creationId xmlns:p14="http://schemas.microsoft.com/office/powerpoint/2010/main" val="541666705"/>
+      </p:ext>
+    </p:extLst>
+  </p:cSld>
+  <p:clrMapOvr>
+    <a:masterClrMapping/>
+  </p:clrMapOvr>
+  <p:timing>
+    <p:tnLst>
+      <p:par>
+        <p:cTn id="1" dur="indefinite" restart="never" nodeType="tmRoot">
+          <p:childTnLst>
+            <p:seq concurrent="1" nextAc="seek">
+              <p:cTn id="2" dur="indefinite" nodeType="mainSeq">
+                <p:childTnLst>
+                  <p:par>
+                    <p:cTn id="3" fill="hold">
+                      <p:stCondLst>
+                        <p:cond delay="indefinite"/>
+                        <p:cond evt="onBegin" delay="0">
+                          <p:tn val="2"/>
+                        </p:cond>
+                      </p:stCondLst>
+                      <p:childTnLst>
+                        <p:par>
+                          <p:cTn id="4" fill="hold">
+                            <p:stCondLst>
+                              <p:cond delay="0"/>
+                            </p:stCondLst>
+                            <p:childTnLst>
+                              <p:par>
+                                <p:cTn id="5" presetID="22" presetClass="exit" presetSubtype="2" fill="hold" grpId="0" nodeType="withEffect">
+                                  <p:stCondLst>
+                                    <p:cond delay="0"/>
+                                  </p:stCondLst>
+                                  <p:childTnLst>
+                                    <p:animEffect transition="out" filter="wipe(right)">
+                                      <p:cBhvr>
+                                        <p:cTn id="6" dur="59000"/>
+                                        <p:tgtEl>
+                                          <p:spTgt spid="5"/>
+                                        </p:tgtEl>
+                                      </p:cBhvr>
+                                    </p:animEffect>
+                                    <p:set>
+                                      <p:cBhvr>
+                                        <p:cTn id="7" dur="1" fill="hold">
+                                          <p:stCondLst>
+                                            <p:cond delay="58999"/>
+                                          </p:stCondLst>
+                                        </p:cTn>
+                                        <p:tgtEl>
+                                          <p:spTgt spid="5"/>
+                                        </p:tgtEl>
+                                        <p:attrNameLst>
+                                          <p:attrName>style.visibility</p:attrName>
+                                        </p:attrNameLst>
+                                      </p:cBhvr>
+                                      <p:to>
+                                        <p:strVal val="hidden"/>
+                                      </p:to>
+                                    </p:set>
+                                  </p:childTnLst>
+                                </p:cTn>
+                              </p:par>
+                            </p:childTnLst>
+                          </p:cTn>
+                        </p:par>
+                        <p:par>
+                          <p:cTn id="8" fill="hold">
+                            <p:stCondLst>
+                              <p:cond delay="59000"/>
+                            </p:stCondLst>
+                            <p:childTnLst>
+                              <p:par>
+                                <p:cTn id="9" presetID="22" presetClass="exit" presetSubtype="2" fill="hold" grpId="0" nodeType="afterEffect">
+                                  <p:stCondLst>
+                                    <p:cond delay="0"/>
+                                  </p:stCondLst>
+                                  <p:childTnLst>
+                                    <p:animEffect transition="out" filter="wipe(right)">
+                                      <p:cBhvr>
+                                        <p:cTn id="10" dur="59000"/>
+                                        <p:tgtEl>
+                                          <p:spTgt spid="6"/>
+                                        </p:tgtEl>
+                                      </p:cBhvr>
+                                    </p:animEffect>
+                                    <p:set>
+                                      <p:cBhvr>
+                                        <p:cTn id="11" dur="1" fill="hold">
+                                          <p:stCondLst>
+                                            <p:cond delay="58999"/>
+                                          </p:stCondLst>
+                                        </p:cTn>
+                                        <p:tgtEl>
+                                          <p:spTgt spid="6"/>
+                                        </p:tgtEl>
+                                        <p:attrNameLst>
+                                          <p:attrName>style.visibility</p:attrName>
+                                        </p:attrNameLst>
+                                      </p:cBhvr>
+                                      <p:to>
+                                        <p:strVal val="hidden"/>
+                                      </p:to>
+                                    </p:set>
+                                  </p:childTnLst>
+                                </p:cTn>
+                              </p:par>
+                            </p:childTnLst>
+                          </p:cTn>
+                        </p:par>
+                        <p:par>
+                          <p:cTn id="12" fill="hold">
+                            <p:stCondLst>
+                              <p:cond delay="118000"/>
+                            </p:stCondLst>
+                            <p:childTnLst>
+                              <p:par>
+                                <p:cTn id="13" presetID="22" presetClass="exit" presetSubtype="2" fill="hold" grpId="0" nodeType="afterEffect">
+                                  <p:stCondLst>
+                                    <p:cond delay="0"/>
+                                  </p:stCondLst>
+                                  <p:childTnLst>
+                                    <p:animEffect transition="out" filter="wipe(right)">
+                                      <p:cBhvr>
+                                        <p:cTn id="14" dur="59000"/>
+                                        <p:tgtEl>
+                                          <p:spTgt spid="7"/>
+                                        </p:tgtEl>
+                                      </p:cBhvr>
+                                    </p:animEffect>
+                                    <p:set>
+                                      <p:cBhvr>
+                                        <p:cTn id="15" dur="1" fill="hold">
+                                          <p:stCondLst>
+                                            <p:cond delay="58999"/>
+                                          </p:stCondLst>
+                                        </p:cTn>
+                                        <p:tgtEl>
+                                          <p:spTgt spid="7"/>
+                                        </p:tgtEl>
+                                        <p:attrNameLst>
+                                          <p:attrName>style.visibility</p:attrName>
+                                        </p:attrNameLst>
+                                      </p:cBhvr>
+                                      <p:to>
+                                        <p:strVal val="hidden"/>
+                                      </p:to>
+                                    </p:set>
+                                  </p:childTnLst>
+                                </p:cTn>
+                              </p:par>
+                            </p:childTnLst>
+                          </p:cTn>
+                        </p:par>
+                      </p:childTnLst>
+                    </p:cTn>
+                  </p:par>
+                </p:childTnLst>
+              </p:cTn>
+              <p:prevCondLst>
+                <p:cond evt="onPrev" delay="0">
+                  <p:tgtEl>
+                    <p:sldTgt/>
+                  </p:tgtEl>
+                </p:cond>
+              </p:prevCondLst>
+              <p:nextCondLst>
+                <p:cond evt="onNext" delay="0">
+                  <p:tgtEl>
+                    <p:sldTgt/>
+                  </p:tgtEl>
+                </p:cond>
+              </p:nextCondLst>
+            </p:seq>
+          </p:childTnLst>
+        </p:cTn>
+      </p:par>
+    </p:tnLst>
+    <p:bldLst>
+      <p:bldP spid="5" grpId="0" animBg="1"/>
+      <p:bldP spid="6" grpId="0" animBg="1"/>
+      <p:bldP spid="7" grpId="0" animBg="1"/>
+    </p:bldLst>
+  </p:timing>
+</p:sld>
+</file>
+
+<file path=ppt/slides/slide30.xml><?xml version="1.0" encoding="utf-8"?>
+<p:sld xmlns:a="http://schemas.openxmlformats.org/drawingml/2006/main" xmlns:r="http://schemas.openxmlformats.org/officeDocument/2006/relationships" xmlns:p="http://schemas.openxmlformats.org/presentationml/2006/main">
+  <p:cSld>
+    <p:spTree>
+      <p:nvGrpSpPr>
+        <p:cNvPr id="1" name=""/>
+        <p:cNvGrpSpPr/>
+        <p:nvPr/>
+      </p:nvGrpSpPr>
+      <p:grpSpPr>
+        <a:xfrm>
+          <a:off x="0" y="0"/>
+          <a:ext cx="0" cy="0"/>
+          <a:chOff x="0" y="0"/>
+          <a:chExt cx="0" cy="0"/>
+        </a:xfrm>
+      </p:grpSpPr>
+      <p:sp>
+        <p:nvSpPr>
+          <p:cNvPr id="2" name="Заголовок 1"/>
+          <p:cNvSpPr>
+            <a:spLocks noGrp="1"/>
+          </p:cNvSpPr>
+          <p:nvPr>
+            <p:ph type="title"/>
+          </p:nvPr>
+        </p:nvSpPr>
+        <p:spPr/>
+        <p:txBody>
+          <a:bodyPr/>
+          <a:lstStyle/>
+          <a:p>
+            <a:r>
+              <a:rPr lang="ru-RU" dirty="0"/>
+              <a:t>ГОСТ 34.12-2015 «Кузнечик»</a:t>
+            </a:r>
+          </a:p>
+        </p:txBody>
+      </p:sp>
+      <p:sp>
+        <p:nvSpPr>
+          <p:cNvPr id="3" name="Объект 2"/>
+          <p:cNvSpPr>
+            <a:spLocks noGrp="1"/>
+          </p:cNvSpPr>
+          <p:nvPr>
+            <p:ph idx="1"/>
+          </p:nvPr>
+        </p:nvSpPr>
+        <p:spPr/>
+        <p:txBody>
+          <a:bodyPr/>
+          <a:lstStyle/>
+          <a:p>
+            <a:r>
+              <a:rPr lang="en-US" dirty="0" smtClean="0"/>
+              <a:t>MUL: </a:t>
+            </a:r>
+            <a:r>
+              <a:rPr lang="ru-RU" dirty="0" smtClean="0"/>
+              <a:t>линейное преобразование, умножение в конечном поле над полиномом</a:t>
+            </a:r>
+          </a:p>
+          <a:p>
+            <a:r>
+              <a:rPr lang="en-US" dirty="0" smtClean="0"/>
+              <a:t>R:</a:t>
+            </a:r>
+            <a:r>
+              <a:rPr lang="ru-RU" dirty="0" smtClean="0"/>
+              <a:t> линейный регистр сдвига с функцией обратной связи, в виде умножения (</a:t>
+            </a:r>
+            <a:r>
+              <a:rPr lang="en-US" dirty="0" smtClean="0"/>
+              <a:t>MUL)</a:t>
+            </a:r>
+            <a:r>
+              <a:rPr lang="ru-RU" dirty="0" smtClean="0"/>
+              <a:t> байтов на коэффициенты </a:t>
+            </a:r>
+            <a:r>
+              <a:rPr lang="ru-RU" dirty="0"/>
+              <a:t>(148, 32, 133, 16, 194, 192, 1, 251, 1, 192, 194, 16, 133, 32, 148, 1</a:t>
+            </a:r>
+            <a:r>
+              <a:rPr lang="ru-RU" dirty="0" smtClean="0"/>
+              <a:t>), и сложение по модулю 2.</a:t>
+            </a:r>
+          </a:p>
+        </p:txBody>
+      </p:sp>
+      <p:sp>
+        <p:nvSpPr>
+          <p:cNvPr id="4" name="Номер слайда 3"/>
+          <p:cNvSpPr>
+            <a:spLocks noGrp="1"/>
+          </p:cNvSpPr>
+          <p:nvPr>
+            <p:ph type="sldNum" sz="quarter" idx="12"/>
+          </p:nvPr>
+        </p:nvSpPr>
+        <p:spPr/>
+        <p:txBody>
+          <a:bodyPr/>
+          <a:lstStyle/>
+          <a:p>
+            <a:fld id="{8253DDDB-F8F7-4D64-A7FD-3F3D61C1949F}" type="slidenum">
+              <a:rPr lang="ru-RU" smtClean="0"/>
+              <a:t>30</a:t>
+            </a:fld>
+            <a:endParaRPr lang="ru-RU"/>
+          </a:p>
+        </p:txBody>
+      </p:sp>
+      <p:pic>
+        <p:nvPicPr>
+          <p:cNvPr id="5" name="Рисунок 4"/>
+          <p:cNvPicPr>
+            <a:picLocks noChangeAspect="1"/>
+          </p:cNvPicPr>
+          <p:nvPr/>
+        </p:nvPicPr>
+        <p:blipFill>
+          <a:blip r:embed="rId2"/>
+          <a:stretch>
+            <a:fillRect/>
+          </a:stretch>
+        </p:blipFill>
+        <p:spPr>
+          <a:xfrm>
+            <a:off x="266133" y="3859481"/>
+            <a:ext cx="10473983" cy="2317482"/>
+          </a:xfrm>
+          <a:prstGeom prst="rect">
+            <a:avLst/>
+          </a:prstGeom>
+        </p:spPr>
+      </p:pic>
+    </p:spTree>
+    <p:extLst>
+      <p:ext uri="{BB962C8B-B14F-4D97-AF65-F5344CB8AC3E}">
+        <p14:creationId xmlns:p14="http://schemas.microsoft.com/office/powerpoint/2010/main" val="2779069301"/>
+      </p:ext>
+    </p:extLst>
+  </p:cSld>
+  <p:clrMapOvr>
+    <a:masterClrMapping/>
+  </p:clrMapOvr>
+  <p:timing>
+    <p:tnLst>
+      <p:par>
+        <p:cTn id="1" dur="indefinite" restart="never" nodeType="tmRoot"/>
+      </p:par>
+    </p:tnLst>
+  </p:timing>
+</p:sld>
+</file>
+
+<file path=ppt/slides/slide31.xml><?xml version="1.0" encoding="utf-8"?>
+<p:sld xmlns:a="http://schemas.openxmlformats.org/drawingml/2006/main" xmlns:r="http://schemas.openxmlformats.org/officeDocument/2006/relationships" xmlns:p="http://schemas.openxmlformats.org/presentationml/2006/main">
+  <p:cSld>
+    <p:spTree>
+      <p:nvGrpSpPr>
+        <p:cNvPr id="1" name=""/>
+        <p:cNvGrpSpPr/>
+        <p:nvPr/>
+      </p:nvGrpSpPr>
+      <p:grpSpPr>
+        <a:xfrm>
+          <a:off x="0" y="0"/>
+          <a:ext cx="0" cy="0"/>
+          <a:chOff x="0" y="0"/>
+          <a:chExt cx="0" cy="0"/>
+        </a:xfrm>
+      </p:grpSpPr>
+      <p:sp>
+        <p:nvSpPr>
+          <p:cNvPr id="2" name="Заголовок 1"/>
+          <p:cNvSpPr>
+            <a:spLocks noGrp="1"/>
+          </p:cNvSpPr>
+          <p:nvPr>
+            <p:ph type="title"/>
+          </p:nvPr>
+        </p:nvSpPr>
+        <p:spPr/>
+        <p:txBody>
+          <a:bodyPr/>
+          <a:lstStyle/>
+          <a:p>
+            <a:r>
+              <a:rPr lang="ru-RU" dirty="0"/>
+              <a:t>ГОСТ 34.12-2015 «Кузнечик»</a:t>
+            </a:r>
+          </a:p>
+        </p:txBody>
+      </p:sp>
+      <mc:AlternateContent xmlns:mc="http://schemas.openxmlformats.org/markup-compatibility/2006" xmlns:a14="http://schemas.microsoft.com/office/drawing/2010/main">
+        <mc:Choice Requires="a14">
+          <p:sp>
+            <p:nvSpPr>
+              <p:cNvPr id="3" name="Объект 2"/>
+              <p:cNvSpPr>
+                <a:spLocks noGrp="1"/>
+              </p:cNvSpPr>
+              <p:nvPr>
+                <p:ph idx="1"/>
+              </p:nvPr>
+            </p:nvSpPr>
+            <p:spPr>
+              <a:xfrm>
+                <a:off x="838200" y="1825625"/>
+                <a:ext cx="4921332" cy="4351338"/>
+              </a:xfrm>
+            </p:spPr>
+            <p:txBody>
+              <a:bodyPr>
+                <a:normAutofit lnSpcReduction="10000"/>
+              </a:bodyPr>
+              <a:lstStyle/>
+              <a:p>
+                <a:r>
+                  <a:rPr lang="ru-RU" dirty="0" smtClean="0"/>
+                  <a:t>Линейное преобразование </a:t>
+                </a:r>
+                <a:r>
+                  <a:rPr lang="en-US" dirty="0" smtClean="0"/>
+                  <a:t>L: 16 </a:t>
+                </a:r>
+                <a:r>
+                  <a:rPr lang="ru-RU" dirty="0" smtClean="0"/>
+                  <a:t>кратное повторение </a:t>
+                </a:r>
+                <a:r>
+                  <a:rPr lang="en-US" dirty="0" smtClean="0"/>
+                  <a:t>R</a:t>
+                </a:r>
+                <a:endParaRPr lang="ru-RU" dirty="0" smtClean="0"/>
+              </a:p>
+              <a:p>
+                <a:r>
+                  <a:rPr lang="ru-RU" dirty="0" smtClean="0"/>
+                  <a:t>Генерация раундовых ключей</a:t>
+                </a:r>
+                <a:r>
+                  <a:rPr lang="en-US" dirty="0" smtClean="0"/>
+                  <a:t> </a:t>
+                </a:r>
+                <a14:m>
+                  <m:oMath xmlns:m="http://schemas.openxmlformats.org/officeDocument/2006/math">
+                    <m:r>
+                      <a:rPr lang="en-US" b="0" i="1" smtClean="0">
+                        <a:latin typeface="Cambria Math" panose="02040503050406030204" pitchFamily="18" charset="0"/>
+                      </a:rPr>
+                      <m:t>𝐺</m:t>
+                    </m:r>
+                    <m:r>
+                      <a:rPr lang="en-US" b="0" i="1" smtClean="0">
+                        <a:latin typeface="Cambria Math" panose="02040503050406030204" pitchFamily="18" charset="0"/>
+                      </a:rPr>
+                      <m:t>:</m:t>
+                    </m:r>
+                    <m:sSup>
+                      <m:sSupPr>
+                        <m:ctrlPr>
+                          <a:rPr lang="en-US" b="0" i="1" smtClean="0">
+                            <a:latin typeface="Cambria Math" panose="02040503050406030204" pitchFamily="18" charset="0"/>
+                          </a:rPr>
+                        </m:ctrlPr>
+                      </m:sSupPr>
+                      <m:e>
+                        <m:d>
+                          <m:dPr>
+                            <m:begChr m:val="{"/>
+                            <m:endChr m:val="}"/>
+                            <m:ctrlPr>
+                              <a:rPr lang="en-US" b="0" i="1" smtClean="0">
+                                <a:latin typeface="Cambria Math" panose="02040503050406030204" pitchFamily="18" charset="0"/>
+                              </a:rPr>
+                            </m:ctrlPr>
+                          </m:dPr>
+                          <m:e>
+                            <m:r>
+                              <a:rPr lang="en-US" b="0" i="1" smtClean="0">
+                                <a:latin typeface="Cambria Math" panose="02040503050406030204" pitchFamily="18" charset="0"/>
+                              </a:rPr>
+                              <m:t>0,1</m:t>
+                            </m:r>
+                          </m:e>
+                        </m:d>
+                      </m:e>
+                      <m:sup>
+                        <m:r>
+                          <a:rPr lang="en-US" b="0" i="1" smtClean="0">
+                            <a:latin typeface="Cambria Math" panose="02040503050406030204" pitchFamily="18" charset="0"/>
+                          </a:rPr>
+                          <m:t>256</m:t>
+                        </m:r>
+                      </m:sup>
+                    </m:sSup>
+                    <m:r>
+                      <a:rPr lang="en-US" b="0" i="1" smtClean="0">
+                        <a:latin typeface="Cambria Math" panose="02040503050406030204" pitchFamily="18" charset="0"/>
+                      </a:rPr>
+                      <m:t>→</m:t>
+                    </m:r>
+                    <m:sSup>
+                      <m:sSupPr>
+                        <m:ctrlPr>
+                          <a:rPr lang="en-US" i="1">
+                            <a:latin typeface="Cambria Math" panose="02040503050406030204" pitchFamily="18" charset="0"/>
+                          </a:rPr>
+                        </m:ctrlPr>
+                      </m:sSupPr>
+                      <m:e>
+                        <m:sSup>
+                          <m:sSupPr>
+                            <m:ctrlPr>
+                              <a:rPr lang="en-US" i="1">
+                                <a:latin typeface="Cambria Math" panose="02040503050406030204" pitchFamily="18" charset="0"/>
+                              </a:rPr>
+                            </m:ctrlPr>
+                          </m:sSupPr>
+                          <m:e>
+                            <m:r>
+                              <a:rPr lang="en-US" i="1">
+                                <a:latin typeface="Cambria Math" panose="02040503050406030204" pitchFamily="18" charset="0"/>
+                              </a:rPr>
+                              <m:t>(</m:t>
+                            </m:r>
+                            <m:d>
+                              <m:dPr>
+                                <m:begChr m:val="{"/>
+                                <m:endChr m:val="}"/>
+                                <m:ctrlPr>
+                                  <a:rPr lang="en-US" i="1">
+                                    <a:latin typeface="Cambria Math" panose="02040503050406030204" pitchFamily="18" charset="0"/>
+                                  </a:rPr>
+                                </m:ctrlPr>
+                              </m:dPr>
+                              <m:e>
+                                <m:r>
+                                  <a:rPr lang="en-US" i="1">
+                                    <a:latin typeface="Cambria Math" panose="02040503050406030204" pitchFamily="18" charset="0"/>
+                                  </a:rPr>
+                                  <m:t>0,1</m:t>
+                                </m:r>
+                              </m:e>
+                            </m:d>
+                          </m:e>
+                          <m:sup>
+                            <m:r>
+                              <a:rPr lang="ru-RU" i="1">
+                                <a:latin typeface="Cambria Math" panose="02040503050406030204" pitchFamily="18" charset="0"/>
+                              </a:rPr>
+                              <m:t>128</m:t>
+                            </m:r>
+                          </m:sup>
+                        </m:sSup>
+                        <m:r>
+                          <a:rPr lang="en-US" i="1">
+                            <a:latin typeface="Cambria Math" panose="02040503050406030204" pitchFamily="18" charset="0"/>
+                          </a:rPr>
+                          <m:t>)</m:t>
+                        </m:r>
+                      </m:e>
+                      <m:sup>
+                        <m:r>
+                          <a:rPr lang="ru-RU" i="1">
+                            <a:latin typeface="Cambria Math" panose="02040503050406030204" pitchFamily="18" charset="0"/>
+                          </a:rPr>
+                          <m:t>1</m:t>
+                        </m:r>
+                        <m:r>
+                          <a:rPr lang="en-US" b="0" i="1" smtClean="0">
+                            <a:latin typeface="Cambria Math" panose="02040503050406030204" pitchFamily="18" charset="0"/>
+                          </a:rPr>
+                          <m:t>0</m:t>
+                        </m:r>
+                      </m:sup>
+                    </m:sSup>
+                  </m:oMath>
+                </a14:m>
+                <a:r>
+                  <a:rPr lang="ru-RU" dirty="0" smtClean="0"/>
+                  <a:t>– сеть </a:t>
+                </a:r>
+                <a:r>
+                  <a:rPr lang="ru-RU" dirty="0" err="1" smtClean="0"/>
+                  <a:t>Фейстеля</a:t>
+                </a:r>
+                <a:r>
+                  <a:rPr lang="ru-RU" dirty="0" smtClean="0"/>
+                  <a:t> с использованием функции </a:t>
+                </a:r>
+                <a:r>
+                  <a:rPr lang="en-US" dirty="0" smtClean="0"/>
+                  <a:t>F</a:t>
+                </a:r>
+                <a:r>
+                  <a:rPr lang="ru-RU" dirty="0" smtClean="0"/>
+                  <a:t>, в виде итерации </a:t>
+                </a:r>
+                <a:r>
+                  <a:rPr lang="en-US" dirty="0" smtClean="0"/>
+                  <a:t>SP </a:t>
+                </a:r>
+                <a:r>
+                  <a:rPr lang="ru-RU" dirty="0" smtClean="0"/>
+                  <a:t>сети.</a:t>
+                </a:r>
+              </a:p>
+              <a:p>
+                <a:r>
+                  <a:rPr lang="ru-RU" dirty="0"/>
+                  <a:t>Ключ разбивается </a:t>
+                </a:r>
+                <a:r>
+                  <a:rPr lang="ru-RU" dirty="0" smtClean="0"/>
+                  <a:t>на 2 части </a:t>
+                </a:r>
+                <a14:m>
+                  <m:oMath xmlns:m="http://schemas.openxmlformats.org/officeDocument/2006/math">
+                    <m:sSub>
+                      <m:sSubPr>
+                        <m:ctrlPr>
+                          <a:rPr lang="en-US" b="0" i="1" smtClean="0">
+                            <a:latin typeface="Cambria Math" panose="02040503050406030204" pitchFamily="18" charset="0"/>
+                          </a:rPr>
+                        </m:ctrlPr>
+                      </m:sSubPr>
+                      <m:e>
+                        <m:r>
+                          <a:rPr lang="en-US" b="0" i="1" smtClean="0">
+                            <a:latin typeface="Cambria Math" panose="02040503050406030204" pitchFamily="18" charset="0"/>
+                          </a:rPr>
+                          <m:t>𝐾</m:t>
+                        </m:r>
+                      </m:e>
+                      <m:sub>
+                        <m:r>
+                          <a:rPr lang="en-US" b="0" i="1" smtClean="0">
+                            <a:latin typeface="Cambria Math" panose="02040503050406030204" pitchFamily="18" charset="0"/>
+                          </a:rPr>
+                          <m:t>1</m:t>
+                        </m:r>
+                      </m:sub>
+                    </m:sSub>
+                    <m:r>
+                      <a:rPr lang="en-US" b="0" i="1" smtClean="0">
+                        <a:latin typeface="Cambria Math" panose="02040503050406030204" pitchFamily="18" charset="0"/>
+                      </a:rPr>
+                      <m:t>,</m:t>
+                    </m:r>
+                    <m:sSub>
+                      <m:sSubPr>
+                        <m:ctrlPr>
+                          <a:rPr lang="en-US" b="0" i="1" smtClean="0">
+                            <a:latin typeface="Cambria Math" panose="02040503050406030204" pitchFamily="18" charset="0"/>
+                          </a:rPr>
+                        </m:ctrlPr>
+                      </m:sSubPr>
+                      <m:e>
+                        <m:r>
+                          <a:rPr lang="en-US" b="0" i="1" smtClean="0">
+                            <a:latin typeface="Cambria Math" panose="02040503050406030204" pitchFamily="18" charset="0"/>
+                          </a:rPr>
+                          <m:t>𝐾</m:t>
+                        </m:r>
+                      </m:e>
+                      <m:sub>
+                        <m:r>
+                          <a:rPr lang="en-US" b="0" i="1" smtClean="0">
+                            <a:latin typeface="Cambria Math" panose="02040503050406030204" pitchFamily="18" charset="0"/>
+                          </a:rPr>
+                          <m:t>2</m:t>
+                        </m:r>
+                      </m:sub>
+                    </m:sSub>
+                  </m:oMath>
+                </a14:m>
+                <a:r>
+                  <a:rPr lang="ru-RU" dirty="0" smtClean="0"/>
+                  <a:t>, </a:t>
+                </a:r>
+                <a:r>
+                  <a:rPr lang="ru-RU" dirty="0"/>
+                  <a:t>затем для получения следующего раундового ключа выполняется </a:t>
+                </a:r>
+                <a:r>
+                  <a:rPr lang="ru-RU" dirty="0" smtClean="0"/>
+                  <a:t>8 итераций </a:t>
+                </a:r>
+                <a:r>
+                  <a:rPr lang="ru-RU" dirty="0"/>
+                  <a:t>сети </a:t>
+                </a:r>
+                <a:r>
+                  <a:rPr lang="ru-RU" dirty="0" err="1" smtClean="0"/>
+                  <a:t>Фейстеля</a:t>
+                </a:r>
+                <a:r>
+                  <a:rPr lang="ru-RU" dirty="0" smtClean="0"/>
+                  <a:t>, </a:t>
+                </a:r>
+                <a14:m>
+                  <m:oMath xmlns:m="http://schemas.openxmlformats.org/officeDocument/2006/math">
+                    <m:sSub>
+                      <m:sSubPr>
+                        <m:ctrlPr>
+                          <a:rPr lang="en-US" b="0" i="1" smtClean="0">
+                            <a:latin typeface="Cambria Math" panose="02040503050406030204" pitchFamily="18" charset="0"/>
+                          </a:rPr>
+                        </m:ctrlPr>
+                      </m:sSubPr>
+                      <m:e>
+                        <m:r>
+                          <a:rPr lang="en-US" b="0" i="1" smtClean="0">
+                            <a:latin typeface="Cambria Math" panose="02040503050406030204" pitchFamily="18" charset="0"/>
+                          </a:rPr>
+                          <m:t>𝐶</m:t>
+                        </m:r>
+                      </m:e>
+                      <m:sub>
+                        <m:r>
+                          <a:rPr lang="en-US" b="0" i="1" smtClean="0">
+                            <a:latin typeface="Cambria Math" panose="02040503050406030204" pitchFamily="18" charset="0"/>
+                          </a:rPr>
+                          <m:t>𝑖</m:t>
+                        </m:r>
+                      </m:sub>
+                    </m:sSub>
+                  </m:oMath>
+                </a14:m>
+                <a:r>
+                  <a:rPr lang="ru-RU" dirty="0" smtClean="0"/>
+                  <a:t> </a:t>
+                </a:r>
+                <a:r>
+                  <a:rPr lang="ru-RU" smtClean="0"/>
+                  <a:t>- константы</a:t>
+                </a:r>
+                <a:endParaRPr lang="ru-RU" dirty="0"/>
+              </a:p>
+              <a:p>
+                <a:endParaRPr lang="ru-RU" dirty="0" smtClean="0"/>
+              </a:p>
+            </p:txBody>
+          </p:sp>
+        </mc:Choice>
+        <mc:Fallback xmlns="">
+          <p:sp>
+            <p:nvSpPr>
+              <p:cNvPr id="3" name="Объект 2"/>
+              <p:cNvSpPr>
+                <a:spLocks noGrp="1" noRot="1" noChangeAspect="1" noMove="1" noResize="1" noEditPoints="1" noAdjustHandles="1" noChangeArrowheads="1" noChangeShapeType="1" noTextEdit="1"/>
+              </p:cNvSpPr>
+              <p:nvPr>
+                <p:ph idx="1"/>
+              </p:nvPr>
+            </p:nvSpPr>
+            <p:spPr>
+              <a:xfrm>
+                <a:off x="838200" y="1825625"/>
+                <a:ext cx="4921332" cy="4351338"/>
+              </a:xfrm>
+              <a:blipFill>
+                <a:blip r:embed="rId2"/>
+                <a:stretch>
+                  <a:fillRect l="-1983" t="-2801" r="-2478"/>
+                </a:stretch>
+              </a:blipFill>
+            </p:spPr>
+            <p:txBody>
+              <a:bodyPr/>
+              <a:lstStyle/>
+              <a:p>
+                <a:r>
+                  <a:rPr lang="ru-RU">
+                    <a:noFill/>
+                  </a:rPr>
+                  <a:t> </a:t>
+                </a:r>
+              </a:p>
+            </p:txBody>
+          </p:sp>
+        </mc:Fallback>
+      </mc:AlternateContent>
+      <p:sp>
+        <p:nvSpPr>
+          <p:cNvPr id="4" name="Номер слайда 3"/>
+          <p:cNvSpPr>
+            <a:spLocks noGrp="1"/>
+          </p:cNvSpPr>
+          <p:nvPr>
+            <p:ph type="sldNum" sz="quarter" idx="12"/>
+          </p:nvPr>
+        </p:nvSpPr>
+        <p:spPr/>
+        <p:txBody>
+          <a:bodyPr/>
+          <a:lstStyle/>
+          <a:p>
+            <a:fld id="{8253DDDB-F8F7-4D64-A7FD-3F3D61C1949F}" type="slidenum">
+              <a:rPr lang="ru-RU" smtClean="0"/>
+              <a:t>31</a:t>
+            </a:fld>
+            <a:endParaRPr lang="ru-RU"/>
+          </a:p>
+        </p:txBody>
+      </p:sp>
+      <p:pic>
+        <p:nvPicPr>
+          <p:cNvPr id="5" name="Рисунок 4"/>
+          <p:cNvPicPr>
+            <a:picLocks noChangeAspect="1"/>
+          </p:cNvPicPr>
+          <p:nvPr/>
+        </p:nvPicPr>
+        <p:blipFill>
+          <a:blip r:embed="rId3"/>
+          <a:stretch>
+            <a:fillRect/>
+          </a:stretch>
+        </p:blipFill>
+        <p:spPr>
+          <a:xfrm>
+            <a:off x="8716489" y="2351314"/>
+            <a:ext cx="2856324" cy="3563335"/>
+          </a:xfrm>
+          <a:prstGeom prst="rect">
+            <a:avLst/>
+          </a:prstGeom>
+        </p:spPr>
+      </p:pic>
+      <p:pic>
+        <p:nvPicPr>
+          <p:cNvPr id="6" name="Рисунок 5"/>
+          <p:cNvPicPr>
+            <a:picLocks noChangeAspect="1"/>
+          </p:cNvPicPr>
+          <p:nvPr/>
+        </p:nvPicPr>
+        <p:blipFill>
+          <a:blip r:embed="rId4"/>
+          <a:stretch>
+            <a:fillRect/>
+          </a:stretch>
+        </p:blipFill>
+        <p:spPr>
+          <a:xfrm>
+            <a:off x="5924238" y="1593491"/>
+            <a:ext cx="2627544" cy="5078980"/>
+          </a:xfrm>
+          <a:prstGeom prst="rect">
+            <a:avLst/>
+          </a:prstGeom>
+        </p:spPr>
+      </p:pic>
+    </p:spTree>
+    <p:extLst>
+      <p:ext uri="{BB962C8B-B14F-4D97-AF65-F5344CB8AC3E}">
+        <p14:creationId xmlns:p14="http://schemas.microsoft.com/office/powerpoint/2010/main" val="2645701971"/>
+      </p:ext>
+    </p:extLst>
+  </p:cSld>
+  <p:clrMapOvr>
+    <a:masterClrMapping/>
+  </p:clrMapOvr>
+  <p:timing>
+    <p:tnLst>
+      <p:par>
+        <p:cTn id="1" dur="indefinite" restart="never" nodeType="tmRoot"/>
+      </p:par>
+    </p:tnLst>
+  </p:timing>
+</p:sld>
+</file>
+
+<file path=ppt/slides/slide32.xml><?xml version="1.0" encoding="utf-8"?>
+<p:sld xmlns:a="http://schemas.openxmlformats.org/drawingml/2006/main" xmlns:r="http://schemas.openxmlformats.org/officeDocument/2006/relationships" xmlns:p="http://schemas.openxmlformats.org/presentationml/2006/main">
+  <p:cSld>
+    <p:spTree>
+      <p:nvGrpSpPr>
+        <p:cNvPr id="1" name=""/>
+        <p:cNvGrpSpPr/>
+        <p:nvPr/>
+      </p:nvGrpSpPr>
+      <p:grpSpPr>
+        <a:xfrm>
+          <a:off x="0" y="0"/>
+          <a:ext cx="0" cy="0"/>
+          <a:chOff x="0" y="0"/>
+          <a:chExt cx="0" cy="0"/>
+        </a:xfrm>
+      </p:grpSpPr>
+      <p:sp>
+        <p:nvSpPr>
+          <p:cNvPr id="2" name="Заголовок 1"/>
+          <p:cNvSpPr>
+            <a:spLocks noGrp="1"/>
+          </p:cNvSpPr>
+          <p:nvPr>
+            <p:ph type="title"/>
+          </p:nvPr>
+        </p:nvSpPr>
+        <p:spPr/>
+        <p:txBody>
+          <a:bodyPr/>
+          <a:lstStyle/>
+          <a:p>
+            <a:r>
+              <a:rPr lang="ru-RU" dirty="0"/>
+              <a:t>ГОСТ 34.12-2015 «Кузнечик»</a:t>
+            </a:r>
+          </a:p>
+        </p:txBody>
+      </p:sp>
+      <p:sp>
+        <p:nvSpPr>
+          <p:cNvPr id="3" name="Объект 2"/>
+          <p:cNvSpPr>
+            <a:spLocks noGrp="1"/>
+          </p:cNvSpPr>
+          <p:nvPr>
+            <p:ph idx="1"/>
+          </p:nvPr>
+        </p:nvSpPr>
+        <p:spPr>
+          <a:xfrm>
+            <a:off x="838200" y="1825625"/>
+            <a:ext cx="5823857" cy="4351338"/>
+          </a:xfrm>
+        </p:spPr>
+        <p:txBody>
+          <a:bodyPr/>
+          <a:lstStyle/>
+          <a:p>
+            <a:r>
+              <a:rPr lang="ru-RU" dirty="0" err="1" smtClean="0"/>
+              <a:t>Зашифрование</a:t>
+            </a:r>
+            <a:r>
+              <a:rPr lang="ru-RU" dirty="0" smtClean="0"/>
+              <a:t> – 10 итераций </a:t>
+            </a:r>
+            <a:r>
+              <a:rPr lang="en-US" dirty="0" smtClean="0"/>
+              <a:t>SP </a:t>
+            </a:r>
+            <a:r>
+              <a:rPr lang="ru-RU" dirty="0" smtClean="0"/>
+              <a:t>сети (функций </a:t>
+            </a:r>
+            <a:r>
+              <a:rPr lang="en-US" dirty="0" smtClean="0"/>
+              <a:t>S, L) </a:t>
+            </a:r>
+            <a:r>
+              <a:rPr lang="ru-RU" dirty="0" smtClean="0"/>
+              <a:t>и сложения с раундовым ключом.</a:t>
+            </a:r>
+          </a:p>
+          <a:p>
+            <a:r>
+              <a:rPr lang="ru-RU" dirty="0" err="1" smtClean="0"/>
+              <a:t>Расшифрование</a:t>
+            </a:r>
+            <a:r>
+              <a:rPr lang="ru-RU" dirty="0" smtClean="0"/>
+              <a:t> – обратный порядок ключей и преобразований.</a:t>
+            </a:r>
+            <a:endParaRPr lang="ru-RU" dirty="0"/>
+          </a:p>
+        </p:txBody>
+      </p:sp>
+      <p:sp>
+        <p:nvSpPr>
+          <p:cNvPr id="4" name="Номер слайда 3"/>
+          <p:cNvSpPr>
+            <a:spLocks noGrp="1"/>
+          </p:cNvSpPr>
+          <p:nvPr>
+            <p:ph type="sldNum" sz="quarter" idx="12"/>
+          </p:nvPr>
+        </p:nvSpPr>
+        <p:spPr/>
+        <p:txBody>
+          <a:bodyPr/>
+          <a:lstStyle/>
+          <a:p>
+            <a:fld id="{8253DDDB-F8F7-4D64-A7FD-3F3D61C1949F}" type="slidenum">
+              <a:rPr lang="ru-RU" smtClean="0"/>
+              <a:t>32</a:t>
+            </a:fld>
+            <a:endParaRPr lang="ru-RU"/>
+          </a:p>
+        </p:txBody>
+      </p:sp>
+      <p:pic>
+        <p:nvPicPr>
+          <p:cNvPr id="5" name="Рисунок 4"/>
+          <p:cNvPicPr>
+            <a:picLocks noChangeAspect="1"/>
+          </p:cNvPicPr>
+          <p:nvPr/>
+        </p:nvPicPr>
+        <p:blipFill>
+          <a:blip r:embed="rId2"/>
+          <a:stretch>
+            <a:fillRect/>
+          </a:stretch>
+        </p:blipFill>
+        <p:spPr>
+          <a:xfrm>
+            <a:off x="6662057" y="1293807"/>
+            <a:ext cx="5213268" cy="4972850"/>
+          </a:xfrm>
+          <a:prstGeom prst="rect">
+            <a:avLst/>
+          </a:prstGeom>
+        </p:spPr>
+      </p:pic>
+    </p:spTree>
+    <p:extLst>
+      <p:ext uri="{BB962C8B-B14F-4D97-AF65-F5344CB8AC3E}">
+        <p14:creationId xmlns:p14="http://schemas.microsoft.com/office/powerpoint/2010/main" val="2079202864"/>
+      </p:ext>
+    </p:extLst>
+  </p:cSld>
+  <p:clrMapOvr>
+    <a:masterClrMapping/>
+  </p:clrMapOvr>
+  <p:timing>
+    <p:tnLst>
+      <p:par>
+        <p:cTn id="1" dur="indefinite" restart="never" nodeType="tmRoot"/>
+      </p:par>
+    </p:tnLst>
+  </p:timing>
+</p:sld>
+</file>
+
+<file path=ppt/slides/slide4.xml><?xml version="1.0" encoding="utf-8"?>
+<p:sld xmlns:a="http://schemas.openxmlformats.org/drawingml/2006/main" xmlns:r="http://schemas.openxmlformats.org/officeDocument/2006/relationships" xmlns:p="http://schemas.openxmlformats.org/presentationml/2006/main">
+  <p:cSld>
+    <p:spTree>
+      <p:nvGrpSpPr>
+        <p:cNvPr id="1" name=""/>
+        <p:cNvGrpSpPr/>
+        <p:nvPr/>
+      </p:nvGrpSpPr>
+      <p:grpSpPr>
+        <a:xfrm>
+          <a:off x="0" y="0"/>
+          <a:ext cx="0" cy="0"/>
+          <a:chOff x="0" y="0"/>
+          <a:chExt cx="0" cy="0"/>
+        </a:xfrm>
+      </p:grpSpPr>
+      <p:sp>
+        <p:nvSpPr>
+          <p:cNvPr id="5" name="Прямоугольник 4"/>
+          <p:cNvSpPr/>
+          <p:nvPr/>
+        </p:nvSpPr>
+        <p:spPr>
+          <a:xfrm>
+            <a:off x="0" y="0"/>
+            <a:ext cx="12192000" cy="6858000"/>
+          </a:xfrm>
+          <a:prstGeom prst="rect">
+            <a:avLst/>
+          </a:prstGeom>
+        </p:spPr>
+        <p:style>
+          <a:lnRef idx="2">
+            <a:schemeClr val="dk1">
+              <a:shade val="50000"/>
+            </a:schemeClr>
+          </a:lnRef>
+          <a:fillRef idx="1">
+            <a:schemeClr val="dk1"/>
+          </a:fillRef>
+          <a:effectRef idx="0">
+            <a:schemeClr val="dk1"/>
+          </a:effectRef>
+          <a:fontRef idx="minor">
+            <a:schemeClr val="lt1"/>
+          </a:fontRef>
+        </p:style>
+        <p:txBody>
+          <a:bodyPr rtlCol="0" anchor="ctr"/>
+          <a:lstStyle/>
+          <a:p>
+            <a:pPr algn="ctr"/>
+            <a:endParaRPr lang="ru-RU"/>
+          </a:p>
+        </p:txBody>
+      </p:sp>
+      <p:sp>
+        <p:nvSpPr>
+          <p:cNvPr id="2" name="Заголовок 1"/>
+          <p:cNvSpPr>
+            <a:spLocks noGrp="1"/>
+          </p:cNvSpPr>
+          <p:nvPr>
+            <p:ph type="title"/>
+          </p:nvPr>
+        </p:nvSpPr>
+        <p:spPr>
+          <a:xfrm>
+            <a:off x="1179633" y="375503"/>
+            <a:ext cx="5811715" cy="2847914"/>
+          </a:xfrm>
+        </p:spPr>
+        <p:txBody>
+          <a:bodyPr>
+            <a:noAutofit/>
+          </a:bodyPr>
+          <a:lstStyle/>
+          <a:p>
+            <a:r>
+              <a:rPr lang="en-US" sz="20000" dirty="0" smtClean="0">
+                <a:solidFill>
+                  <a:schemeClr val="bg1"/>
+                </a:solidFill>
+                <a:latin typeface="Consolas" panose="020B0609020204030204" pitchFamily="49" charset="0"/>
+              </a:rPr>
+              <a:t>TIME</a:t>
+            </a:r>
+            <a:r>
+              <a:rPr lang="en-US" sz="15000" dirty="0" smtClean="0">
+                <a:solidFill>
+                  <a:schemeClr val="bg1"/>
+                </a:solidFill>
+              </a:rPr>
+              <a:t> </a:t>
+            </a:r>
+            <a:endParaRPr lang="ru-RU" sz="15000" dirty="0">
+              <a:solidFill>
+                <a:schemeClr val="bg1"/>
+              </a:solidFill>
+            </a:endParaRPr>
+          </a:p>
+        </p:txBody>
+      </p:sp>
+      <p:sp>
+        <p:nvSpPr>
+          <p:cNvPr id="3" name="Объект 2"/>
+          <p:cNvSpPr>
+            <a:spLocks noGrp="1"/>
+          </p:cNvSpPr>
+          <p:nvPr>
+            <p:ph idx="1"/>
+          </p:nvPr>
+        </p:nvSpPr>
+        <p:spPr>
+          <a:xfrm>
+            <a:off x="4617512" y="3223417"/>
+            <a:ext cx="3145924" cy="2704376"/>
+          </a:xfrm>
+        </p:spPr>
+        <p:txBody>
+          <a:bodyPr>
+            <a:noAutofit/>
+          </a:bodyPr>
+          <a:lstStyle/>
+          <a:p>
+            <a:pPr marL="0" indent="0">
+              <a:buNone/>
+            </a:pPr>
+            <a:r>
+              <a:rPr lang="en-US" sz="20000" dirty="0" smtClean="0">
+                <a:solidFill>
+                  <a:schemeClr val="bg1"/>
+                </a:solidFill>
+                <a:latin typeface="Consolas" panose="020B0609020204030204" pitchFamily="49" charset="0"/>
+              </a:rPr>
+              <a:t>UP</a:t>
+            </a:r>
+            <a:endParaRPr lang="ru-RU" sz="20000" dirty="0">
+              <a:solidFill>
+                <a:schemeClr val="bg1"/>
+              </a:solidFill>
+              <a:latin typeface="Consolas" panose="020B0609020204030204" pitchFamily="49" charset="0"/>
+            </a:endParaRPr>
+          </a:p>
+        </p:txBody>
+      </p:sp>
+      <p:sp>
+        <p:nvSpPr>
+          <p:cNvPr id="4" name="Номер слайда 3"/>
+          <p:cNvSpPr>
+            <a:spLocks noGrp="1"/>
+          </p:cNvSpPr>
+          <p:nvPr>
+            <p:ph type="sldNum" sz="quarter" idx="12"/>
+          </p:nvPr>
+        </p:nvSpPr>
+        <p:spPr/>
+        <p:txBody>
+          <a:bodyPr/>
+          <a:lstStyle/>
+          <a:p>
+            <a:fld id="{8253DDDB-F8F7-4D64-A7FD-3F3D61C1949F}" type="slidenum">
+              <a:rPr lang="ru-RU" smtClean="0"/>
+              <a:t>4</a:t>
+            </a:fld>
+            <a:endParaRPr lang="ru-RU"/>
+          </a:p>
+        </p:txBody>
+      </p:sp>
+      <p:sp>
+        <p:nvSpPr>
+          <p:cNvPr id="6" name="Заголовок 1"/>
+          <p:cNvSpPr txBox="1">
+            <a:spLocks/>
+          </p:cNvSpPr>
+          <p:nvPr/>
+        </p:nvSpPr>
+        <p:spPr>
+          <a:xfrm>
+            <a:off x="8005482" y="1189831"/>
+            <a:ext cx="3074895" cy="1325563"/>
+          </a:xfrm>
+          <a:prstGeom prst="rect">
+            <a:avLst/>
+          </a:prstGeom>
+        </p:spPr>
+        <p:txBody>
+          <a:bodyPr vert="horz" lIns="91440" tIns="45720" rIns="91440" bIns="45720" rtlCol="0" anchor="ctr">
+            <a:noAutofit/>
+          </a:bodyPr>
+          <a:lstStyle>
+            <a:lvl1pPr algn="l" defTabSz="914400" rtl="0" eaLnBrk="1" latinLnBrk="0" hangingPunct="1">
+              <a:lnSpc>
+                <a:spcPct val="90000"/>
+              </a:lnSpc>
+              <a:spcBef>
+                <a:spcPct val="0"/>
+              </a:spcBef>
+              <a:buNone/>
+              <a:defRPr sz="4400" kern="1200">
+                <a:solidFill>
+                  <a:schemeClr val="tx1"/>
+                </a:solidFill>
+                <a:latin typeface="+mj-lt"/>
+                <a:ea typeface="+mj-ea"/>
+                <a:cs typeface="+mj-cs"/>
+              </a:defRPr>
+            </a:lvl1pPr>
+          </a:lstStyle>
+          <a:p>
+            <a:r>
+              <a:rPr lang="en-US" sz="20000" dirty="0" smtClean="0">
+                <a:solidFill>
+                  <a:schemeClr val="bg1"/>
+                </a:solidFill>
+                <a:latin typeface="Consolas" panose="020B0609020204030204" pitchFamily="49" charset="0"/>
+              </a:rPr>
+              <a:t>IS</a:t>
+            </a:r>
+            <a:r>
+              <a:rPr lang="en-US" sz="20000" dirty="0" smtClean="0">
+                <a:solidFill>
+                  <a:schemeClr val="bg1"/>
+                </a:solidFill>
+              </a:rPr>
+              <a:t> </a:t>
+            </a:r>
+            <a:endParaRPr lang="ru-RU" sz="20000" dirty="0">
+              <a:solidFill>
+                <a:schemeClr val="bg1"/>
+              </a:solidFill>
+            </a:endParaRPr>
+          </a:p>
+        </p:txBody>
+      </p:sp>
+    </p:spTree>
+    <p:extLst>
+      <p:ext uri="{BB962C8B-B14F-4D97-AF65-F5344CB8AC3E}">
+        <p14:creationId xmlns:p14="http://schemas.microsoft.com/office/powerpoint/2010/main" val="2984010707"/>
+      </p:ext>
+    </p:extLst>
+  </p:cSld>
+  <p:clrMapOvr>
+    <a:masterClrMapping/>
+  </p:clrMapOvr>
+  <p:timing>
+    <p:tnLst>
+      <p:par>
+        <p:cTn id="1" dur="indefinite" restart="never" nodeType="tmRoot">
+          <p:childTnLst>
+            <p:seq concurrent="1" nextAc="seek">
+              <p:cTn id="2" dur="indefinite" nodeType="mainSeq">
+                <p:childTnLst>
+                  <p:par>
+                    <p:cTn id="3" fill="hold">
+                      <p:stCondLst>
+                        <p:cond delay="indefinite"/>
+                        <p:cond evt="onBegin" delay="0">
+                          <p:tn val="2"/>
+                        </p:cond>
+                      </p:stCondLst>
+                      <p:childTnLst>
+                        <p:par>
+                          <p:cTn id="4" fill="hold">
+                            <p:stCondLst>
+                              <p:cond delay="0"/>
+                            </p:stCondLst>
+                            <p:childTnLst>
+                              <p:par>
+                                <p:cTn id="5" presetID="1" presetClass="entr" presetSubtype="0" fill="hold" grpId="0" nodeType="withEffect">
+                                  <p:stCondLst>
+                                    <p:cond delay="0"/>
+                                  </p:stCondLst>
+                                  <p:childTnLst>
+                                    <p:set>
+                                      <p:cBhvr>
+                                        <p:cTn id="6" dur="1" fill="hold">
+                                          <p:stCondLst>
+                                            <p:cond delay="0"/>
+                                          </p:stCondLst>
+                                        </p:cTn>
+                                        <p:tgtEl>
+                                          <p:spTgt spid="2"/>
+                                        </p:tgtEl>
+                                        <p:attrNameLst>
+                                          <p:attrName>style.visibility</p:attrName>
+                                        </p:attrNameLst>
+                                      </p:cBhvr>
+                                      <p:to>
+                                        <p:strVal val="visible"/>
+                                      </p:to>
+                                    </p:set>
+                                  </p:childTnLst>
+                                </p:cTn>
+                              </p:par>
+                            </p:childTnLst>
+                          </p:cTn>
+                        </p:par>
+                        <p:par>
+                          <p:cTn id="7" fill="hold">
+                            <p:stCondLst>
+                              <p:cond delay="0"/>
+                            </p:stCondLst>
+                            <p:childTnLst>
+                              <p:par>
+                                <p:cTn id="8" presetID="1" presetClass="entr" presetSubtype="0" fill="hold" grpId="0" nodeType="afterEffect">
+                                  <p:stCondLst>
+                                    <p:cond delay="500"/>
+                                  </p:stCondLst>
+                                  <p:childTnLst>
+                                    <p:set>
+                                      <p:cBhvr>
+                                        <p:cTn id="9" dur="1" fill="hold">
+                                          <p:stCondLst>
+                                            <p:cond delay="0"/>
+                                          </p:stCondLst>
+                                        </p:cTn>
+                                        <p:tgtEl>
+                                          <p:spTgt spid="6"/>
+                                        </p:tgtEl>
+                                        <p:attrNameLst>
+                                          <p:attrName>style.visibility</p:attrName>
+                                        </p:attrNameLst>
+                                      </p:cBhvr>
+                                      <p:to>
+                                        <p:strVal val="visible"/>
+                                      </p:to>
+                                    </p:set>
+                                  </p:childTnLst>
+                                </p:cTn>
+                              </p:par>
+                            </p:childTnLst>
+                          </p:cTn>
+                        </p:par>
+                        <p:par>
+                          <p:cTn id="10" fill="hold">
+                            <p:stCondLst>
+                              <p:cond delay="500"/>
+                            </p:stCondLst>
+                            <p:childTnLst>
+                              <p:par>
+                                <p:cTn id="11" presetID="1" presetClass="entr" presetSubtype="0" fill="hold" grpId="0" nodeType="afterEffect">
+                                  <p:stCondLst>
+                                    <p:cond delay="500"/>
+                                  </p:stCondLst>
+                                  <p:childTnLst>
+                                    <p:set>
+                                      <p:cBhvr>
+                                        <p:cTn id="12" dur="1" fill="hold">
+                                          <p:stCondLst>
+                                            <p:cond delay="0"/>
+                                          </p:stCondLst>
+                                        </p:cTn>
+                                        <p:tgtEl>
+                                          <p:spTgt spid="3">
+                                            <p:txEl>
+                                              <p:pRg st="0" end="0"/>
+                                            </p:txEl>
+                                          </p:spTgt>
+                                        </p:tgtEl>
+                                        <p:attrNameLst>
+                                          <p:attrName>style.visibility</p:attrName>
+                                        </p:attrNameLst>
+                                      </p:cBhvr>
+                                      <p:to>
+                                        <p:strVal val="visible"/>
+                                      </p:to>
+                                    </p:set>
+                                  </p:childTnLst>
+                                </p:cTn>
+                              </p:par>
+                            </p:childTnLst>
+                          </p:cTn>
+                        </p:par>
+                      </p:childTnLst>
+                    </p:cTn>
+                  </p:par>
+                </p:childTnLst>
+              </p:cTn>
+              <p:prevCondLst>
+                <p:cond evt="onPrev" delay="0">
+                  <p:tgtEl>
+                    <p:sldTgt/>
+                  </p:tgtEl>
+                </p:cond>
+              </p:prevCondLst>
+              <p:nextCondLst>
+                <p:cond evt="onNext" delay="0">
+                  <p:tgtEl>
+                    <p:sldTgt/>
+                  </p:tgtEl>
+                </p:cond>
+              </p:nextCondLst>
+            </p:seq>
+          </p:childTnLst>
+        </p:cTn>
+      </p:par>
+    </p:tnLst>
+    <p:bldLst>
+      <p:bldP spid="2" grpId="0"/>
+      <p:bldP spid="3" grpId="0" build="p"/>
+      <p:bldP spid="6" grpId="0"/>
+    </p:bldLst>
+  </p:timing>
+</p:sld>
+</file>
+
+<file path=ppt/slides/slide5.xml><?xml version="1.0" encoding="utf-8"?>
+<p:sld xmlns:a="http://schemas.openxmlformats.org/drawingml/2006/main" xmlns:r="http://schemas.openxmlformats.org/officeDocument/2006/relationships" xmlns:p="http://schemas.openxmlformats.org/presentationml/2006/main">
+  <p:cSld>
+    <p:spTree>
+      <p:nvGrpSpPr>
+        <p:cNvPr id="1" name=""/>
+        <p:cNvGrpSpPr/>
+        <p:nvPr/>
+      </p:nvGrpSpPr>
+      <p:grpSpPr>
+        <a:xfrm>
+          <a:off x="0" y="0"/>
+          <a:ext cx="0" cy="0"/>
+          <a:chOff x="0" y="0"/>
+          <a:chExt cx="0" cy="0"/>
+        </a:xfrm>
+      </p:grpSpPr>
+      <p:sp>
+        <p:nvSpPr>
+          <p:cNvPr id="2" name="Заголовок 1"/>
+          <p:cNvSpPr>
+            <a:spLocks noGrp="1"/>
+          </p:cNvSpPr>
+          <p:nvPr>
+            <p:ph type="title"/>
+          </p:nvPr>
+        </p:nvSpPr>
+        <p:spPr/>
+        <p:txBody>
+          <a:bodyPr/>
+          <a:lstStyle/>
+          <a:p>
+            <a:r>
+              <a:rPr lang="ru-RU" dirty="0"/>
+              <a:t>Построение блочных шифров</a:t>
+            </a:r>
+          </a:p>
+        </p:txBody>
+      </p:sp>
+      <p:sp>
+        <p:nvSpPr>
+          <p:cNvPr id="3" name="Объект 2"/>
+          <p:cNvSpPr>
+            <a:spLocks noGrp="1"/>
+          </p:cNvSpPr>
+          <p:nvPr>
+            <p:ph idx="1"/>
+          </p:nvPr>
+        </p:nvSpPr>
+        <p:spPr>
+          <a:xfrm>
+            <a:off x="838200" y="1362074"/>
+            <a:ext cx="10515600" cy="4351338"/>
+          </a:xfrm>
+        </p:spPr>
+        <p:txBody>
+          <a:bodyPr/>
+          <a:lstStyle/>
+          <a:p>
+            <a:r>
+              <a:rPr lang="ru-RU" dirty="0" smtClean="0"/>
+              <a:t>Блочные шифры часто строятся с использованием итеративных (раундовых) функций и функции расширения ключей (см. прошлую лекцию)</a:t>
+            </a:r>
+          </a:p>
+          <a:p>
+            <a:r>
+              <a:rPr lang="ru-RU" dirty="0" smtClean="0"/>
+              <a:t>Сами по себе итеративные функции и функции расширения ключей могут быть не стойкими</a:t>
+            </a:r>
+          </a:p>
+        </p:txBody>
+      </p:sp>
+      <p:sp>
+        <p:nvSpPr>
+          <p:cNvPr id="4" name="Номер слайда 3"/>
+          <p:cNvSpPr>
+            <a:spLocks noGrp="1"/>
+          </p:cNvSpPr>
+          <p:nvPr>
+            <p:ph type="sldNum" sz="quarter" idx="12"/>
+          </p:nvPr>
+        </p:nvSpPr>
+        <p:spPr/>
+        <p:txBody>
+          <a:bodyPr/>
+          <a:lstStyle/>
+          <a:p>
+            <a:fld id="{8253DDDB-F8F7-4D64-A7FD-3F3D61C1949F}" type="slidenum">
+              <a:rPr lang="ru-RU" smtClean="0"/>
+              <a:t>5</a:t>
             </a:fld>
             <a:endParaRPr lang="ru-RU"/>
           </a:p>
@@ -9025,1637 +14382,7 @@
 </p:sld>
 </file>
 
-<file path=ppt/slides/slide20.xml><?xml version="1.0" encoding="utf-8"?>
-<p:sld xmlns:a="http://schemas.openxmlformats.org/drawingml/2006/main" xmlns:r="http://schemas.openxmlformats.org/officeDocument/2006/relationships" xmlns:p="http://schemas.openxmlformats.org/presentationml/2006/main">
-  <p:cSld>
-    <p:spTree>
-      <p:nvGrpSpPr>
-        <p:cNvPr id="1" name=""/>
-        <p:cNvGrpSpPr/>
-        <p:nvPr/>
-      </p:nvGrpSpPr>
-      <p:grpSpPr>
-        <a:xfrm>
-          <a:off x="0" y="0"/>
-          <a:ext cx="0" cy="0"/>
-          <a:chOff x="0" y="0"/>
-          <a:chExt cx="0" cy="0"/>
-        </a:xfrm>
-      </p:grpSpPr>
-      <p:sp>
-        <p:nvSpPr>
-          <p:cNvPr id="2" name="Заголовок 1"/>
-          <p:cNvSpPr>
-            <a:spLocks noGrp="1"/>
-          </p:cNvSpPr>
-          <p:nvPr>
-            <p:ph type="title"/>
-          </p:nvPr>
-        </p:nvSpPr>
-        <p:spPr/>
-        <p:txBody>
-          <a:bodyPr/>
-          <a:lstStyle/>
-          <a:p>
-            <a:r>
-              <a:rPr lang="en-US" dirty="0" err="1" smtClean="0"/>
-              <a:t>SubBytes</a:t>
-            </a:r>
-            <a:endParaRPr lang="ru-RU" dirty="0"/>
-          </a:p>
-        </p:txBody>
-      </p:sp>
-      <p:pic>
-        <p:nvPicPr>
-          <p:cNvPr id="5" name="Объект 4"/>
-          <p:cNvPicPr>
-            <a:picLocks noGrp="1" noChangeAspect="1"/>
-          </p:cNvPicPr>
-          <p:nvPr>
-            <p:ph idx="1"/>
-          </p:nvPr>
-        </p:nvPicPr>
-        <p:blipFill>
-          <a:blip r:embed="rId2">
-            <a:extLst>
-              <a:ext uri="{28A0092B-C50C-407E-A947-70E740481C1C}">
-                <a14:useLocalDpi xmlns:a14="http://schemas.microsoft.com/office/drawing/2010/main" val="0"/>
-              </a:ext>
-            </a:extLst>
-          </a:blip>
-          <a:stretch>
-            <a:fillRect/>
-          </a:stretch>
-        </p:blipFill>
-        <p:spPr>
-          <a:xfrm>
-            <a:off x="2238375" y="2001044"/>
-            <a:ext cx="7715250" cy="4000500"/>
-          </a:xfrm>
-        </p:spPr>
-      </p:pic>
-      <p:sp>
-        <p:nvSpPr>
-          <p:cNvPr id="4" name="Номер слайда 3"/>
-          <p:cNvSpPr>
-            <a:spLocks noGrp="1"/>
-          </p:cNvSpPr>
-          <p:nvPr>
-            <p:ph type="sldNum" sz="quarter" idx="12"/>
-          </p:nvPr>
-        </p:nvSpPr>
-        <p:spPr/>
-        <p:txBody>
-          <a:bodyPr/>
-          <a:lstStyle/>
-          <a:p>
-            <a:fld id="{8253DDDB-F8F7-4D64-A7FD-3F3D61C1949F}" type="slidenum">
-              <a:rPr lang="ru-RU" smtClean="0"/>
-              <a:t>20</a:t>
-            </a:fld>
-            <a:endParaRPr lang="ru-RU"/>
-          </a:p>
-        </p:txBody>
-      </p:sp>
-    </p:spTree>
-    <p:extLst>
-      <p:ext uri="{BB962C8B-B14F-4D97-AF65-F5344CB8AC3E}">
-        <p14:creationId xmlns:p14="http://schemas.microsoft.com/office/powerpoint/2010/main" val="3048411930"/>
-      </p:ext>
-    </p:extLst>
-  </p:cSld>
-  <p:clrMapOvr>
-    <a:masterClrMapping/>
-  </p:clrMapOvr>
-  <p:timing>
-    <p:tnLst>
-      <p:par>
-        <p:cTn id="1" dur="indefinite" restart="never" nodeType="tmRoot"/>
-      </p:par>
-    </p:tnLst>
-  </p:timing>
-</p:sld>
-</file>
-
-<file path=ppt/slides/slide21.xml><?xml version="1.0" encoding="utf-8"?>
-<p:sld xmlns:a="http://schemas.openxmlformats.org/drawingml/2006/main" xmlns:r="http://schemas.openxmlformats.org/officeDocument/2006/relationships" xmlns:p="http://schemas.openxmlformats.org/presentationml/2006/main">
-  <p:cSld>
-    <p:spTree>
-      <p:nvGrpSpPr>
-        <p:cNvPr id="1" name=""/>
-        <p:cNvGrpSpPr/>
-        <p:nvPr/>
-      </p:nvGrpSpPr>
-      <p:grpSpPr>
-        <a:xfrm>
-          <a:off x="0" y="0"/>
-          <a:ext cx="0" cy="0"/>
-          <a:chOff x="0" y="0"/>
-          <a:chExt cx="0" cy="0"/>
-        </a:xfrm>
-      </p:grpSpPr>
-      <p:sp>
-        <p:nvSpPr>
-          <p:cNvPr id="2" name="Заголовок 1"/>
-          <p:cNvSpPr>
-            <a:spLocks noGrp="1"/>
-          </p:cNvSpPr>
-          <p:nvPr>
-            <p:ph type="title"/>
-          </p:nvPr>
-        </p:nvSpPr>
-        <p:spPr/>
-        <p:txBody>
-          <a:bodyPr/>
-          <a:lstStyle/>
-          <a:p>
-            <a:r>
-              <a:rPr lang="en-US" dirty="0" err="1" smtClean="0"/>
-              <a:t>ShiftRows</a:t>
-            </a:r>
-            <a:endParaRPr lang="ru-RU" dirty="0"/>
-          </a:p>
-        </p:txBody>
-      </p:sp>
-      <p:pic>
-        <p:nvPicPr>
-          <p:cNvPr id="5" name="Объект 4"/>
-          <p:cNvPicPr>
-            <a:picLocks noGrp="1" noChangeAspect="1"/>
-          </p:cNvPicPr>
-          <p:nvPr>
-            <p:ph idx="1"/>
-          </p:nvPr>
-        </p:nvPicPr>
-        <p:blipFill>
-          <a:blip r:embed="rId2">
-            <a:extLst>
-              <a:ext uri="{28A0092B-C50C-407E-A947-70E740481C1C}">
-                <a14:useLocalDpi xmlns:a14="http://schemas.microsoft.com/office/drawing/2010/main" val="0"/>
-              </a:ext>
-            </a:extLst>
-          </a:blip>
-          <a:stretch>
-            <a:fillRect/>
-          </a:stretch>
-        </p:blipFill>
-        <p:spPr>
-          <a:xfrm>
-            <a:off x="2238375" y="2594769"/>
-            <a:ext cx="7715250" cy="2857500"/>
-          </a:xfrm>
-        </p:spPr>
-      </p:pic>
-      <p:sp>
-        <p:nvSpPr>
-          <p:cNvPr id="4" name="Номер слайда 3"/>
-          <p:cNvSpPr>
-            <a:spLocks noGrp="1"/>
-          </p:cNvSpPr>
-          <p:nvPr>
-            <p:ph type="sldNum" sz="quarter" idx="12"/>
-          </p:nvPr>
-        </p:nvSpPr>
-        <p:spPr/>
-        <p:txBody>
-          <a:bodyPr/>
-          <a:lstStyle/>
-          <a:p>
-            <a:fld id="{8253DDDB-F8F7-4D64-A7FD-3F3D61C1949F}" type="slidenum">
-              <a:rPr lang="ru-RU" smtClean="0"/>
-              <a:t>21</a:t>
-            </a:fld>
-            <a:endParaRPr lang="ru-RU"/>
-          </a:p>
-        </p:txBody>
-      </p:sp>
-    </p:spTree>
-    <p:extLst>
-      <p:ext uri="{BB962C8B-B14F-4D97-AF65-F5344CB8AC3E}">
-        <p14:creationId xmlns:p14="http://schemas.microsoft.com/office/powerpoint/2010/main" val="518200792"/>
-      </p:ext>
-    </p:extLst>
-  </p:cSld>
-  <p:clrMapOvr>
-    <a:masterClrMapping/>
-  </p:clrMapOvr>
-  <p:timing>
-    <p:tnLst>
-      <p:par>
-        <p:cTn id="1" dur="indefinite" restart="never" nodeType="tmRoot"/>
-      </p:par>
-    </p:tnLst>
-  </p:timing>
-</p:sld>
-</file>
-
-<file path=ppt/slides/slide22.xml><?xml version="1.0" encoding="utf-8"?>
-<p:sld xmlns:a="http://schemas.openxmlformats.org/drawingml/2006/main" xmlns:r="http://schemas.openxmlformats.org/officeDocument/2006/relationships" xmlns:p="http://schemas.openxmlformats.org/presentationml/2006/main">
-  <p:cSld>
-    <p:spTree>
-      <p:nvGrpSpPr>
-        <p:cNvPr id="1" name=""/>
-        <p:cNvGrpSpPr/>
-        <p:nvPr/>
-      </p:nvGrpSpPr>
-      <p:grpSpPr>
-        <a:xfrm>
-          <a:off x="0" y="0"/>
-          <a:ext cx="0" cy="0"/>
-          <a:chOff x="0" y="0"/>
-          <a:chExt cx="0" cy="0"/>
-        </a:xfrm>
-      </p:grpSpPr>
-      <p:sp>
-        <p:nvSpPr>
-          <p:cNvPr id="2" name="Заголовок 1"/>
-          <p:cNvSpPr>
-            <a:spLocks noGrp="1"/>
-          </p:cNvSpPr>
-          <p:nvPr>
-            <p:ph type="title"/>
-          </p:nvPr>
-        </p:nvSpPr>
-        <p:spPr/>
-        <p:txBody>
-          <a:bodyPr/>
-          <a:lstStyle/>
-          <a:p>
-            <a:r>
-              <a:rPr lang="en-US" dirty="0" err="1" smtClean="0"/>
-              <a:t>AddRoundKey</a:t>
-            </a:r>
-            <a:endParaRPr lang="ru-RU" dirty="0"/>
-          </a:p>
-        </p:txBody>
-      </p:sp>
-      <p:pic>
-        <p:nvPicPr>
-          <p:cNvPr id="5" name="Объект 4"/>
-          <p:cNvPicPr>
-            <a:picLocks noGrp="1" noChangeAspect="1"/>
-          </p:cNvPicPr>
-          <p:nvPr>
-            <p:ph idx="1"/>
-          </p:nvPr>
-        </p:nvPicPr>
-        <p:blipFill>
-          <a:blip r:embed="rId2">
-            <a:extLst>
-              <a:ext uri="{28A0092B-C50C-407E-A947-70E740481C1C}">
-                <a14:useLocalDpi xmlns:a14="http://schemas.microsoft.com/office/drawing/2010/main" val="0"/>
-              </a:ext>
-            </a:extLst>
-          </a:blip>
-          <a:stretch>
-            <a:fillRect/>
-          </a:stretch>
-        </p:blipFill>
-        <p:spPr>
-          <a:xfrm>
-            <a:off x="3298711" y="1825625"/>
-            <a:ext cx="5594577" cy="4351338"/>
-          </a:xfrm>
-        </p:spPr>
-      </p:pic>
-      <p:sp>
-        <p:nvSpPr>
-          <p:cNvPr id="4" name="Номер слайда 3"/>
-          <p:cNvSpPr>
-            <a:spLocks noGrp="1"/>
-          </p:cNvSpPr>
-          <p:nvPr>
-            <p:ph type="sldNum" sz="quarter" idx="12"/>
-          </p:nvPr>
-        </p:nvSpPr>
-        <p:spPr/>
-        <p:txBody>
-          <a:bodyPr/>
-          <a:lstStyle/>
-          <a:p>
-            <a:fld id="{8253DDDB-F8F7-4D64-A7FD-3F3D61C1949F}" type="slidenum">
-              <a:rPr lang="ru-RU" smtClean="0"/>
-              <a:t>22</a:t>
-            </a:fld>
-            <a:endParaRPr lang="ru-RU"/>
-          </a:p>
-        </p:txBody>
-      </p:sp>
-    </p:spTree>
-    <p:extLst>
-      <p:ext uri="{BB962C8B-B14F-4D97-AF65-F5344CB8AC3E}">
-        <p14:creationId xmlns:p14="http://schemas.microsoft.com/office/powerpoint/2010/main" val="970473008"/>
-      </p:ext>
-    </p:extLst>
-  </p:cSld>
-  <p:clrMapOvr>
-    <a:masterClrMapping/>
-  </p:clrMapOvr>
-  <p:timing>
-    <p:tnLst>
-      <p:par>
-        <p:cTn id="1" dur="indefinite" restart="never" nodeType="tmRoot"/>
-      </p:par>
-    </p:tnLst>
-  </p:timing>
-</p:sld>
-</file>
-
-<file path=ppt/slides/slide23.xml><?xml version="1.0" encoding="utf-8"?>
-<p:sld xmlns:a="http://schemas.openxmlformats.org/drawingml/2006/main" xmlns:r="http://schemas.openxmlformats.org/officeDocument/2006/relationships" xmlns:p="http://schemas.openxmlformats.org/presentationml/2006/main">
-  <p:cSld>
-    <p:spTree>
-      <p:nvGrpSpPr>
-        <p:cNvPr id="1" name=""/>
-        <p:cNvGrpSpPr/>
-        <p:nvPr/>
-      </p:nvGrpSpPr>
-      <p:grpSpPr>
-        <a:xfrm>
-          <a:off x="0" y="0"/>
-          <a:ext cx="0" cy="0"/>
-          <a:chOff x="0" y="0"/>
-          <a:chExt cx="0" cy="0"/>
-        </a:xfrm>
-      </p:grpSpPr>
-      <p:sp>
-        <p:nvSpPr>
-          <p:cNvPr id="2" name="Заголовок 1"/>
-          <p:cNvSpPr>
-            <a:spLocks noGrp="1"/>
-          </p:cNvSpPr>
-          <p:nvPr>
-            <p:ph type="title"/>
-          </p:nvPr>
-        </p:nvSpPr>
-        <p:spPr/>
-        <p:txBody>
-          <a:bodyPr/>
-          <a:lstStyle/>
-          <a:p>
-            <a:r>
-              <a:rPr lang="en-US" dirty="0" err="1" smtClean="0"/>
-              <a:t>MixColumns</a:t>
-            </a:r>
-            <a:endParaRPr lang="ru-RU" dirty="0"/>
-          </a:p>
-        </p:txBody>
-      </p:sp>
-      <p:pic>
-        <p:nvPicPr>
-          <p:cNvPr id="5" name="Объект 4"/>
-          <p:cNvPicPr>
-            <a:picLocks noGrp="1" noChangeAspect="1"/>
-          </p:cNvPicPr>
-          <p:nvPr>
-            <p:ph idx="1"/>
-          </p:nvPr>
-        </p:nvPicPr>
-        <p:blipFill>
-          <a:blip r:embed="rId2">
-            <a:extLst>
-              <a:ext uri="{28A0092B-C50C-407E-A947-70E740481C1C}">
-                <a14:useLocalDpi xmlns:a14="http://schemas.microsoft.com/office/drawing/2010/main" val="0"/>
-              </a:ext>
-            </a:extLst>
-          </a:blip>
-          <a:stretch>
-            <a:fillRect/>
-          </a:stretch>
-        </p:blipFill>
-        <p:spPr>
-          <a:xfrm>
-            <a:off x="2238375" y="1953419"/>
-            <a:ext cx="7715250" cy="4095750"/>
-          </a:xfrm>
-        </p:spPr>
-      </p:pic>
-      <p:sp>
-        <p:nvSpPr>
-          <p:cNvPr id="4" name="Номер слайда 3"/>
-          <p:cNvSpPr>
-            <a:spLocks noGrp="1"/>
-          </p:cNvSpPr>
-          <p:nvPr>
-            <p:ph type="sldNum" sz="quarter" idx="12"/>
-          </p:nvPr>
-        </p:nvSpPr>
-        <p:spPr/>
-        <p:txBody>
-          <a:bodyPr/>
-          <a:lstStyle/>
-          <a:p>
-            <a:fld id="{8253DDDB-F8F7-4D64-A7FD-3F3D61C1949F}" type="slidenum">
-              <a:rPr lang="ru-RU" smtClean="0"/>
-              <a:t>23</a:t>
-            </a:fld>
-            <a:endParaRPr lang="ru-RU"/>
-          </a:p>
-        </p:txBody>
-      </p:sp>
-    </p:spTree>
-    <p:extLst>
-      <p:ext uri="{BB962C8B-B14F-4D97-AF65-F5344CB8AC3E}">
-        <p14:creationId xmlns:p14="http://schemas.microsoft.com/office/powerpoint/2010/main" val="3365081511"/>
-      </p:ext>
-    </p:extLst>
-  </p:cSld>
-  <p:clrMapOvr>
-    <a:masterClrMapping/>
-  </p:clrMapOvr>
-  <p:timing>
-    <p:tnLst>
-      <p:par>
-        <p:cTn id="1" dur="indefinite" restart="never" nodeType="tmRoot"/>
-      </p:par>
-    </p:tnLst>
-  </p:timing>
-</p:sld>
-</file>
-
-<file path=ppt/slides/slide24.xml><?xml version="1.0" encoding="utf-8"?>
-<p:sld xmlns:a="http://schemas.openxmlformats.org/drawingml/2006/main" xmlns:r="http://schemas.openxmlformats.org/officeDocument/2006/relationships" xmlns:p="http://schemas.openxmlformats.org/presentationml/2006/main">
-  <p:cSld>
-    <p:spTree>
-      <p:nvGrpSpPr>
-        <p:cNvPr id="1" name=""/>
-        <p:cNvGrpSpPr/>
-        <p:nvPr/>
-      </p:nvGrpSpPr>
-      <p:grpSpPr>
-        <a:xfrm>
-          <a:off x="0" y="0"/>
-          <a:ext cx="0" cy="0"/>
-          <a:chOff x="0" y="0"/>
-          <a:chExt cx="0" cy="0"/>
-        </a:xfrm>
-      </p:grpSpPr>
-      <p:sp>
-        <p:nvSpPr>
-          <p:cNvPr id="2" name="Заголовок 1"/>
-          <p:cNvSpPr>
-            <a:spLocks noGrp="1"/>
-          </p:cNvSpPr>
-          <p:nvPr>
-            <p:ph type="title"/>
-          </p:nvPr>
-        </p:nvSpPr>
-        <p:spPr/>
-        <p:txBody>
-          <a:bodyPr/>
-          <a:lstStyle/>
-          <a:p>
-            <a:r>
-              <a:rPr lang="ru-RU" dirty="0" smtClean="0"/>
-              <a:t>ГОСТ 34.12-2015 «Кузнечик»</a:t>
-            </a:r>
-            <a:endParaRPr lang="ru-RU" dirty="0"/>
-          </a:p>
-        </p:txBody>
-      </p:sp>
-      <p:sp>
-        <p:nvSpPr>
-          <p:cNvPr id="3" name="Объект 2"/>
-          <p:cNvSpPr>
-            <a:spLocks noGrp="1"/>
-          </p:cNvSpPr>
-          <p:nvPr>
-            <p:ph idx="1"/>
-          </p:nvPr>
-        </p:nvSpPr>
-        <p:spPr/>
-        <p:txBody>
-          <a:bodyPr/>
-          <a:lstStyle/>
-          <a:p>
-            <a:r>
-              <a:rPr lang="ru-RU" dirty="0" smtClean="0"/>
-              <a:t>Новый алгоритм в замену 28147-89</a:t>
-            </a:r>
-          </a:p>
-          <a:p>
-            <a:r>
-              <a:rPr lang="en-US" dirty="0" smtClean="0"/>
-              <a:t>SP </a:t>
-            </a:r>
-            <a:r>
-              <a:rPr lang="ru-RU" dirty="0" smtClean="0"/>
-              <a:t>сеть</a:t>
-            </a:r>
-            <a:r>
-              <a:rPr lang="en-US" dirty="0" smtClean="0"/>
-              <a:t> (</a:t>
-            </a:r>
-            <a:r>
-              <a:rPr lang="ru-RU" dirty="0" smtClean="0"/>
-              <a:t>с регистром сдвига), сеть </a:t>
-            </a:r>
-            <a:r>
-              <a:rPr lang="ru-RU" dirty="0" err="1" smtClean="0"/>
-              <a:t>Фейстеля</a:t>
-            </a:r>
-            <a:r>
-              <a:rPr lang="ru-RU" dirty="0" smtClean="0"/>
-              <a:t> для генерации раундовых ключей</a:t>
-            </a:r>
-          </a:p>
-          <a:p>
-            <a:r>
-              <a:rPr lang="ru-RU" dirty="0" smtClean="0"/>
-              <a:t>Размер блока 128 бит</a:t>
-            </a:r>
-          </a:p>
-          <a:p>
-            <a:r>
-              <a:rPr lang="ru-RU" dirty="0" smtClean="0"/>
-              <a:t>Длина ключа 256 бит</a:t>
-            </a:r>
-          </a:p>
-          <a:p>
-            <a:r>
-              <a:rPr lang="ru-RU" dirty="0" smtClean="0"/>
-              <a:t>10 раундов</a:t>
-            </a:r>
-            <a:endParaRPr lang="ru-RU" dirty="0"/>
-          </a:p>
-        </p:txBody>
-      </p:sp>
-      <p:sp>
-        <p:nvSpPr>
-          <p:cNvPr id="4" name="Номер слайда 3"/>
-          <p:cNvSpPr>
-            <a:spLocks noGrp="1"/>
-          </p:cNvSpPr>
-          <p:nvPr>
-            <p:ph type="sldNum" sz="quarter" idx="12"/>
-          </p:nvPr>
-        </p:nvSpPr>
-        <p:spPr/>
-        <p:txBody>
-          <a:bodyPr/>
-          <a:lstStyle/>
-          <a:p>
-            <a:fld id="{8253DDDB-F8F7-4D64-A7FD-3F3D61C1949F}" type="slidenum">
-              <a:rPr lang="ru-RU" smtClean="0"/>
-              <a:t>24</a:t>
-            </a:fld>
-            <a:endParaRPr lang="ru-RU"/>
-          </a:p>
-        </p:txBody>
-      </p:sp>
-    </p:spTree>
-    <p:extLst>
-      <p:ext uri="{BB962C8B-B14F-4D97-AF65-F5344CB8AC3E}">
-        <p14:creationId xmlns:p14="http://schemas.microsoft.com/office/powerpoint/2010/main" val="590581634"/>
-      </p:ext>
-    </p:extLst>
-  </p:cSld>
-  <p:clrMapOvr>
-    <a:masterClrMapping/>
-  </p:clrMapOvr>
-  <p:timing>
-    <p:tnLst>
-      <p:par>
-        <p:cTn id="1" dur="indefinite" restart="never" nodeType="tmRoot"/>
-      </p:par>
-    </p:tnLst>
-  </p:timing>
-</p:sld>
-</file>
-
-<file path=ppt/slides/slide25.xml><?xml version="1.0" encoding="utf-8"?>
-<p:sld xmlns:a="http://schemas.openxmlformats.org/drawingml/2006/main" xmlns:r="http://schemas.openxmlformats.org/officeDocument/2006/relationships" xmlns:p="http://schemas.openxmlformats.org/presentationml/2006/main">
-  <p:cSld>
-    <p:spTree>
-      <p:nvGrpSpPr>
-        <p:cNvPr id="1" name=""/>
-        <p:cNvGrpSpPr/>
-        <p:nvPr/>
-      </p:nvGrpSpPr>
-      <p:grpSpPr>
-        <a:xfrm>
-          <a:off x="0" y="0"/>
-          <a:ext cx="0" cy="0"/>
-          <a:chOff x="0" y="0"/>
-          <a:chExt cx="0" cy="0"/>
-        </a:xfrm>
-      </p:grpSpPr>
-      <p:sp>
-        <p:nvSpPr>
-          <p:cNvPr id="2" name="Заголовок 1"/>
-          <p:cNvSpPr>
-            <a:spLocks noGrp="1"/>
-          </p:cNvSpPr>
-          <p:nvPr>
-            <p:ph type="title"/>
-          </p:nvPr>
-        </p:nvSpPr>
-        <p:spPr/>
-        <p:txBody>
-          <a:bodyPr/>
-          <a:lstStyle/>
-          <a:p>
-            <a:r>
-              <a:rPr lang="ru-RU" dirty="0"/>
-              <a:t>ГОСТ 34.12-2015 «Кузнечик»</a:t>
-            </a:r>
-          </a:p>
-        </p:txBody>
-      </p:sp>
-      <p:sp>
-        <p:nvSpPr>
-          <p:cNvPr id="3" name="Объект 2"/>
-          <p:cNvSpPr>
-            <a:spLocks noGrp="1"/>
-          </p:cNvSpPr>
-          <p:nvPr>
-            <p:ph idx="1"/>
-          </p:nvPr>
-        </p:nvSpPr>
-        <p:spPr>
-          <a:xfrm>
-            <a:off x="838200" y="1825625"/>
-            <a:ext cx="6952013" cy="4351338"/>
-          </a:xfrm>
-        </p:spPr>
-        <p:txBody>
-          <a:bodyPr/>
-          <a:lstStyle/>
-          <a:p>
-            <a:r>
-              <a:rPr lang="ru-RU" dirty="0" smtClean="0"/>
-              <a:t>Раундовая функция – итерация </a:t>
-            </a:r>
-            <a:r>
-              <a:rPr lang="en-US" dirty="0" smtClean="0"/>
-              <a:t>SP </a:t>
-            </a:r>
-            <a:r>
-              <a:rPr lang="ru-RU" dirty="0" smtClean="0"/>
-              <a:t>сети</a:t>
-            </a:r>
-          </a:p>
-          <a:p>
-            <a:r>
-              <a:rPr lang="ru-RU" dirty="0" smtClean="0"/>
-              <a:t>Раундовая функция – последовательное применение 2х функций и сложение с ключом</a:t>
-            </a:r>
-            <a:r>
-              <a:rPr lang="en-US" dirty="0" smtClean="0"/>
-              <a:t> (</a:t>
-            </a:r>
-            <a:r>
-              <a:rPr lang="ru-RU" dirty="0" err="1" smtClean="0"/>
-              <a:t>побитово</a:t>
-            </a:r>
-            <a:r>
-              <a:rPr lang="ru-RU" dirty="0" smtClean="0"/>
-              <a:t>)</a:t>
-            </a:r>
-          </a:p>
-          <a:p>
-            <a:r>
-              <a:rPr lang="en-US" dirty="0"/>
-              <a:t>S</a:t>
-            </a:r>
-            <a:r>
-              <a:rPr lang="en-US" dirty="0" smtClean="0"/>
-              <a:t>: </a:t>
-            </a:r>
-            <a:r>
-              <a:rPr lang="ru-RU" dirty="0" smtClean="0"/>
-              <a:t>нелинейное </a:t>
-            </a:r>
-            <a:r>
-              <a:rPr lang="ru-RU" dirty="0" err="1" smtClean="0"/>
-              <a:t>биективное</a:t>
-            </a:r>
-            <a:r>
-              <a:rPr lang="ru-RU" dirty="0" smtClean="0"/>
-              <a:t> преобразование, реализуется с помощью </a:t>
-            </a:r>
-            <a:r>
-              <a:rPr lang="en-US" dirty="0" smtClean="0"/>
-              <a:t>S-box</a:t>
-            </a:r>
-            <a:endParaRPr lang="ru-RU" dirty="0" smtClean="0"/>
-          </a:p>
-          <a:p>
-            <a:endParaRPr lang="ru-RU" dirty="0" smtClean="0"/>
-          </a:p>
-        </p:txBody>
-      </p:sp>
-      <p:sp>
-        <p:nvSpPr>
-          <p:cNvPr id="4" name="Номер слайда 3"/>
-          <p:cNvSpPr>
-            <a:spLocks noGrp="1"/>
-          </p:cNvSpPr>
-          <p:nvPr>
-            <p:ph type="sldNum" sz="quarter" idx="12"/>
-          </p:nvPr>
-        </p:nvSpPr>
-        <p:spPr/>
-        <p:txBody>
-          <a:bodyPr/>
-          <a:lstStyle/>
-          <a:p>
-            <a:fld id="{8253DDDB-F8F7-4D64-A7FD-3F3D61C1949F}" type="slidenum">
-              <a:rPr lang="ru-RU" smtClean="0"/>
-              <a:t>25</a:t>
-            </a:fld>
-            <a:endParaRPr lang="ru-RU"/>
-          </a:p>
-        </p:txBody>
-      </p:sp>
-      <p:pic>
-        <p:nvPicPr>
-          <p:cNvPr id="6" name="Рисунок 5"/>
-          <p:cNvPicPr>
-            <a:picLocks noChangeAspect="1"/>
-          </p:cNvPicPr>
-          <p:nvPr/>
-        </p:nvPicPr>
-        <p:blipFill>
-          <a:blip r:embed="rId2"/>
-          <a:stretch>
-            <a:fillRect/>
-          </a:stretch>
-        </p:blipFill>
-        <p:spPr>
-          <a:xfrm>
-            <a:off x="1493692" y="4286992"/>
-            <a:ext cx="9282715" cy="1889971"/>
-          </a:xfrm>
-          <a:prstGeom prst="rect">
-            <a:avLst/>
-          </a:prstGeom>
-        </p:spPr>
-      </p:pic>
-    </p:spTree>
-    <p:extLst>
-      <p:ext uri="{BB962C8B-B14F-4D97-AF65-F5344CB8AC3E}">
-        <p14:creationId xmlns:p14="http://schemas.microsoft.com/office/powerpoint/2010/main" val="505347575"/>
-      </p:ext>
-    </p:extLst>
-  </p:cSld>
-  <p:clrMapOvr>
-    <a:masterClrMapping/>
-  </p:clrMapOvr>
-  <p:timing>
-    <p:tnLst>
-      <p:par>
-        <p:cTn id="1" dur="indefinite" restart="never" nodeType="tmRoot"/>
-      </p:par>
-    </p:tnLst>
-  </p:timing>
-</p:sld>
-</file>
-
-<file path=ppt/slides/slide26.xml><?xml version="1.0" encoding="utf-8"?>
-<p:sld xmlns:a="http://schemas.openxmlformats.org/drawingml/2006/main" xmlns:r="http://schemas.openxmlformats.org/officeDocument/2006/relationships" xmlns:p="http://schemas.openxmlformats.org/presentationml/2006/main">
-  <p:cSld>
-    <p:spTree>
-      <p:nvGrpSpPr>
-        <p:cNvPr id="1" name=""/>
-        <p:cNvGrpSpPr/>
-        <p:nvPr/>
-      </p:nvGrpSpPr>
-      <p:grpSpPr>
-        <a:xfrm>
-          <a:off x="0" y="0"/>
-          <a:ext cx="0" cy="0"/>
-          <a:chOff x="0" y="0"/>
-          <a:chExt cx="0" cy="0"/>
-        </a:xfrm>
-      </p:grpSpPr>
-      <p:sp>
-        <p:nvSpPr>
-          <p:cNvPr id="2" name="Заголовок 1"/>
-          <p:cNvSpPr>
-            <a:spLocks noGrp="1"/>
-          </p:cNvSpPr>
-          <p:nvPr>
-            <p:ph type="title"/>
-          </p:nvPr>
-        </p:nvSpPr>
-        <p:spPr/>
-        <p:txBody>
-          <a:bodyPr/>
-          <a:lstStyle/>
-          <a:p>
-            <a:r>
-              <a:rPr lang="ru-RU" dirty="0"/>
-              <a:t>ГОСТ 34.12-2015 «Кузнечик»</a:t>
-            </a:r>
-          </a:p>
-        </p:txBody>
-      </p:sp>
-      <p:sp>
-        <p:nvSpPr>
-          <p:cNvPr id="3" name="Объект 2"/>
-          <p:cNvSpPr>
-            <a:spLocks noGrp="1"/>
-          </p:cNvSpPr>
-          <p:nvPr>
-            <p:ph idx="1"/>
-          </p:nvPr>
-        </p:nvSpPr>
-        <p:spPr/>
-        <p:txBody>
-          <a:bodyPr/>
-          <a:lstStyle/>
-          <a:p>
-            <a:r>
-              <a:rPr lang="en-US" dirty="0" smtClean="0"/>
-              <a:t>MUL: </a:t>
-            </a:r>
-            <a:r>
-              <a:rPr lang="ru-RU" dirty="0" smtClean="0"/>
-              <a:t>линейное преобразование, умножение в конечном поле над полиномом</a:t>
-            </a:r>
-          </a:p>
-          <a:p>
-            <a:r>
-              <a:rPr lang="en-US" dirty="0" smtClean="0"/>
-              <a:t>R:</a:t>
-            </a:r>
-            <a:r>
-              <a:rPr lang="ru-RU" dirty="0" smtClean="0"/>
-              <a:t> линейный регистр сдвига с функцией обратной связи, в виде умножения (</a:t>
-            </a:r>
-            <a:r>
-              <a:rPr lang="en-US" dirty="0" smtClean="0"/>
-              <a:t>MUL)</a:t>
-            </a:r>
-            <a:r>
-              <a:rPr lang="ru-RU" dirty="0" smtClean="0"/>
-              <a:t> байтов на коэффициенты </a:t>
-            </a:r>
-            <a:r>
-              <a:rPr lang="ru-RU" dirty="0"/>
-              <a:t>(148, 32, 133, 16, 194, 192, 1, 251, 1, 192, 194, 16, 133, 32, 148, 1</a:t>
-            </a:r>
-            <a:r>
-              <a:rPr lang="ru-RU" dirty="0" smtClean="0"/>
-              <a:t>), и сложение по модулю 2.</a:t>
-            </a:r>
-          </a:p>
-        </p:txBody>
-      </p:sp>
-      <p:sp>
-        <p:nvSpPr>
-          <p:cNvPr id="4" name="Номер слайда 3"/>
-          <p:cNvSpPr>
-            <a:spLocks noGrp="1"/>
-          </p:cNvSpPr>
-          <p:nvPr>
-            <p:ph type="sldNum" sz="quarter" idx="12"/>
-          </p:nvPr>
-        </p:nvSpPr>
-        <p:spPr/>
-        <p:txBody>
-          <a:bodyPr/>
-          <a:lstStyle/>
-          <a:p>
-            <a:fld id="{8253DDDB-F8F7-4D64-A7FD-3F3D61C1949F}" type="slidenum">
-              <a:rPr lang="ru-RU" smtClean="0"/>
-              <a:t>26</a:t>
-            </a:fld>
-            <a:endParaRPr lang="ru-RU"/>
-          </a:p>
-        </p:txBody>
-      </p:sp>
-      <p:pic>
-        <p:nvPicPr>
-          <p:cNvPr id="5" name="Рисунок 4"/>
-          <p:cNvPicPr>
-            <a:picLocks noChangeAspect="1"/>
-          </p:cNvPicPr>
-          <p:nvPr/>
-        </p:nvPicPr>
-        <p:blipFill>
-          <a:blip r:embed="rId2"/>
-          <a:stretch>
-            <a:fillRect/>
-          </a:stretch>
-        </p:blipFill>
-        <p:spPr>
-          <a:xfrm>
-            <a:off x="266133" y="3859481"/>
-            <a:ext cx="10473983" cy="2317482"/>
-          </a:xfrm>
-          <a:prstGeom prst="rect">
-            <a:avLst/>
-          </a:prstGeom>
-        </p:spPr>
-      </p:pic>
-    </p:spTree>
-    <p:extLst>
-      <p:ext uri="{BB962C8B-B14F-4D97-AF65-F5344CB8AC3E}">
-        <p14:creationId xmlns:p14="http://schemas.microsoft.com/office/powerpoint/2010/main" val="2779069301"/>
-      </p:ext>
-    </p:extLst>
-  </p:cSld>
-  <p:clrMapOvr>
-    <a:masterClrMapping/>
-  </p:clrMapOvr>
-  <p:timing>
-    <p:tnLst>
-      <p:par>
-        <p:cTn id="1" dur="indefinite" restart="never" nodeType="tmRoot"/>
-      </p:par>
-    </p:tnLst>
-  </p:timing>
-</p:sld>
-</file>
-
-<file path=ppt/slides/slide27.xml><?xml version="1.0" encoding="utf-8"?>
-<p:sld xmlns:a="http://schemas.openxmlformats.org/drawingml/2006/main" xmlns:r="http://schemas.openxmlformats.org/officeDocument/2006/relationships" xmlns:p="http://schemas.openxmlformats.org/presentationml/2006/main">
-  <p:cSld>
-    <p:spTree>
-      <p:nvGrpSpPr>
-        <p:cNvPr id="1" name=""/>
-        <p:cNvGrpSpPr/>
-        <p:nvPr/>
-      </p:nvGrpSpPr>
-      <p:grpSpPr>
-        <a:xfrm>
-          <a:off x="0" y="0"/>
-          <a:ext cx="0" cy="0"/>
-          <a:chOff x="0" y="0"/>
-          <a:chExt cx="0" cy="0"/>
-        </a:xfrm>
-      </p:grpSpPr>
-      <p:sp>
-        <p:nvSpPr>
-          <p:cNvPr id="2" name="Заголовок 1"/>
-          <p:cNvSpPr>
-            <a:spLocks noGrp="1"/>
-          </p:cNvSpPr>
-          <p:nvPr>
-            <p:ph type="title"/>
-          </p:nvPr>
-        </p:nvSpPr>
-        <p:spPr/>
-        <p:txBody>
-          <a:bodyPr/>
-          <a:lstStyle/>
-          <a:p>
-            <a:r>
-              <a:rPr lang="ru-RU" dirty="0"/>
-              <a:t>ГОСТ 34.12-2015 «Кузнечик»</a:t>
-            </a:r>
-          </a:p>
-        </p:txBody>
-      </p:sp>
-      <mc:AlternateContent xmlns:mc="http://schemas.openxmlformats.org/markup-compatibility/2006" xmlns:a14="http://schemas.microsoft.com/office/drawing/2010/main">
-        <mc:Choice Requires="a14">
-          <p:sp>
-            <p:nvSpPr>
-              <p:cNvPr id="3" name="Объект 2"/>
-              <p:cNvSpPr>
-                <a:spLocks noGrp="1"/>
-              </p:cNvSpPr>
-              <p:nvPr>
-                <p:ph idx="1"/>
-              </p:nvPr>
-            </p:nvSpPr>
-            <p:spPr>
-              <a:xfrm>
-                <a:off x="838200" y="1825625"/>
-                <a:ext cx="4921332" cy="4351338"/>
-              </a:xfrm>
-            </p:spPr>
-            <p:txBody>
-              <a:bodyPr>
-                <a:normAutofit lnSpcReduction="10000"/>
-              </a:bodyPr>
-              <a:lstStyle/>
-              <a:p>
-                <a:r>
-                  <a:rPr lang="ru-RU" dirty="0" smtClean="0"/>
-                  <a:t>Линейное преобразование </a:t>
-                </a:r>
-                <a:r>
-                  <a:rPr lang="en-US" dirty="0" smtClean="0"/>
-                  <a:t>L: 16 </a:t>
-                </a:r>
-                <a:r>
-                  <a:rPr lang="ru-RU" dirty="0" smtClean="0"/>
-                  <a:t>кратное повторение </a:t>
-                </a:r>
-                <a:r>
-                  <a:rPr lang="en-US" dirty="0" smtClean="0"/>
-                  <a:t>R</a:t>
-                </a:r>
-                <a:endParaRPr lang="ru-RU" dirty="0" smtClean="0"/>
-              </a:p>
-              <a:p>
-                <a:r>
-                  <a:rPr lang="ru-RU" dirty="0" smtClean="0"/>
-                  <a:t>Генерация раундовых ключей</a:t>
-                </a:r>
-                <a:r>
-                  <a:rPr lang="en-US" dirty="0" smtClean="0"/>
-                  <a:t> </a:t>
-                </a:r>
-                <a14:m>
-                  <m:oMath xmlns:m="http://schemas.openxmlformats.org/officeDocument/2006/math">
-                    <m:r>
-                      <a:rPr lang="en-US" b="0" i="1" smtClean="0">
-                        <a:latin typeface="Cambria Math" panose="02040503050406030204" pitchFamily="18" charset="0"/>
-                      </a:rPr>
-                      <m:t>𝐺</m:t>
-                    </m:r>
-                    <m:r>
-                      <a:rPr lang="en-US" b="0" i="1" smtClean="0">
-                        <a:latin typeface="Cambria Math" panose="02040503050406030204" pitchFamily="18" charset="0"/>
-                      </a:rPr>
-                      <m:t>:</m:t>
-                    </m:r>
-                    <m:sSup>
-                      <m:sSupPr>
-                        <m:ctrlPr>
-                          <a:rPr lang="en-US" b="0" i="1" smtClean="0">
-                            <a:latin typeface="Cambria Math" panose="02040503050406030204" pitchFamily="18" charset="0"/>
-                          </a:rPr>
-                        </m:ctrlPr>
-                      </m:sSupPr>
-                      <m:e>
-                        <m:d>
-                          <m:dPr>
-                            <m:begChr m:val="{"/>
-                            <m:endChr m:val="}"/>
-                            <m:ctrlPr>
-                              <a:rPr lang="en-US" b="0" i="1" smtClean="0">
-                                <a:latin typeface="Cambria Math" panose="02040503050406030204" pitchFamily="18" charset="0"/>
-                              </a:rPr>
-                            </m:ctrlPr>
-                          </m:dPr>
-                          <m:e>
-                            <m:r>
-                              <a:rPr lang="en-US" b="0" i="1" smtClean="0">
-                                <a:latin typeface="Cambria Math" panose="02040503050406030204" pitchFamily="18" charset="0"/>
-                              </a:rPr>
-                              <m:t>0,1</m:t>
-                            </m:r>
-                          </m:e>
-                        </m:d>
-                      </m:e>
-                      <m:sup>
-                        <m:r>
-                          <a:rPr lang="en-US" b="0" i="1" smtClean="0">
-                            <a:latin typeface="Cambria Math" panose="02040503050406030204" pitchFamily="18" charset="0"/>
-                          </a:rPr>
-                          <m:t>256</m:t>
-                        </m:r>
-                      </m:sup>
-                    </m:sSup>
-                    <m:r>
-                      <a:rPr lang="en-US" b="0" i="1" smtClean="0">
-                        <a:latin typeface="Cambria Math" panose="02040503050406030204" pitchFamily="18" charset="0"/>
-                      </a:rPr>
-                      <m:t>→</m:t>
-                    </m:r>
-                    <m:sSup>
-                      <m:sSupPr>
-                        <m:ctrlPr>
-                          <a:rPr lang="en-US" i="1">
-                            <a:latin typeface="Cambria Math" panose="02040503050406030204" pitchFamily="18" charset="0"/>
-                          </a:rPr>
-                        </m:ctrlPr>
-                      </m:sSupPr>
-                      <m:e>
-                        <m:sSup>
-                          <m:sSupPr>
-                            <m:ctrlPr>
-                              <a:rPr lang="en-US" i="1">
-                                <a:latin typeface="Cambria Math" panose="02040503050406030204" pitchFamily="18" charset="0"/>
-                              </a:rPr>
-                            </m:ctrlPr>
-                          </m:sSupPr>
-                          <m:e>
-                            <m:r>
-                              <a:rPr lang="en-US" i="1">
-                                <a:latin typeface="Cambria Math" panose="02040503050406030204" pitchFamily="18" charset="0"/>
-                              </a:rPr>
-                              <m:t>(</m:t>
-                            </m:r>
-                            <m:d>
-                              <m:dPr>
-                                <m:begChr m:val="{"/>
-                                <m:endChr m:val="}"/>
-                                <m:ctrlPr>
-                                  <a:rPr lang="en-US" i="1">
-                                    <a:latin typeface="Cambria Math" panose="02040503050406030204" pitchFamily="18" charset="0"/>
-                                  </a:rPr>
-                                </m:ctrlPr>
-                              </m:dPr>
-                              <m:e>
-                                <m:r>
-                                  <a:rPr lang="en-US" i="1">
-                                    <a:latin typeface="Cambria Math" panose="02040503050406030204" pitchFamily="18" charset="0"/>
-                                  </a:rPr>
-                                  <m:t>0,1</m:t>
-                                </m:r>
-                              </m:e>
-                            </m:d>
-                          </m:e>
-                          <m:sup>
-                            <m:r>
-                              <a:rPr lang="ru-RU" i="1">
-                                <a:latin typeface="Cambria Math" panose="02040503050406030204" pitchFamily="18" charset="0"/>
-                              </a:rPr>
-                              <m:t>128</m:t>
-                            </m:r>
-                          </m:sup>
-                        </m:sSup>
-                        <m:r>
-                          <a:rPr lang="en-US" i="1">
-                            <a:latin typeface="Cambria Math" panose="02040503050406030204" pitchFamily="18" charset="0"/>
-                          </a:rPr>
-                          <m:t>)</m:t>
-                        </m:r>
-                      </m:e>
-                      <m:sup>
-                        <m:r>
-                          <a:rPr lang="ru-RU" i="1">
-                            <a:latin typeface="Cambria Math" panose="02040503050406030204" pitchFamily="18" charset="0"/>
-                          </a:rPr>
-                          <m:t>1</m:t>
-                        </m:r>
-                        <m:r>
-                          <a:rPr lang="en-US" b="0" i="1" smtClean="0">
-                            <a:latin typeface="Cambria Math" panose="02040503050406030204" pitchFamily="18" charset="0"/>
-                          </a:rPr>
-                          <m:t>0</m:t>
-                        </m:r>
-                      </m:sup>
-                    </m:sSup>
-                  </m:oMath>
-                </a14:m>
-                <a:r>
-                  <a:rPr lang="ru-RU" dirty="0" smtClean="0"/>
-                  <a:t>– сеть </a:t>
-                </a:r>
-                <a:r>
-                  <a:rPr lang="ru-RU" dirty="0" err="1" smtClean="0"/>
-                  <a:t>Фейстеля</a:t>
-                </a:r>
-                <a:r>
-                  <a:rPr lang="ru-RU" dirty="0" smtClean="0"/>
-                  <a:t> с использованием функции </a:t>
-                </a:r>
-                <a:r>
-                  <a:rPr lang="en-US" dirty="0" smtClean="0"/>
-                  <a:t>F</a:t>
-                </a:r>
-                <a:r>
-                  <a:rPr lang="ru-RU" dirty="0" smtClean="0"/>
-                  <a:t>, в виде итерации </a:t>
-                </a:r>
-                <a:r>
-                  <a:rPr lang="en-US" dirty="0" smtClean="0"/>
-                  <a:t>SP </a:t>
-                </a:r>
-                <a:r>
-                  <a:rPr lang="ru-RU" dirty="0" smtClean="0"/>
-                  <a:t>сети.</a:t>
-                </a:r>
-              </a:p>
-              <a:p>
-                <a:r>
-                  <a:rPr lang="ru-RU" dirty="0"/>
-                  <a:t>Ключ разбивается </a:t>
-                </a:r>
-                <a:r>
-                  <a:rPr lang="ru-RU" dirty="0" smtClean="0"/>
-                  <a:t>на 2 части </a:t>
-                </a:r>
-                <a14:m>
-                  <m:oMath xmlns:m="http://schemas.openxmlformats.org/officeDocument/2006/math">
-                    <m:sSub>
-                      <m:sSubPr>
-                        <m:ctrlPr>
-                          <a:rPr lang="en-US" b="0" i="1" smtClean="0">
-                            <a:latin typeface="Cambria Math" panose="02040503050406030204" pitchFamily="18" charset="0"/>
-                          </a:rPr>
-                        </m:ctrlPr>
-                      </m:sSubPr>
-                      <m:e>
-                        <m:r>
-                          <a:rPr lang="en-US" b="0" i="1" smtClean="0">
-                            <a:latin typeface="Cambria Math" panose="02040503050406030204" pitchFamily="18" charset="0"/>
-                          </a:rPr>
-                          <m:t>𝐾</m:t>
-                        </m:r>
-                      </m:e>
-                      <m:sub>
-                        <m:r>
-                          <a:rPr lang="en-US" b="0" i="1" smtClean="0">
-                            <a:latin typeface="Cambria Math" panose="02040503050406030204" pitchFamily="18" charset="0"/>
-                          </a:rPr>
-                          <m:t>1</m:t>
-                        </m:r>
-                      </m:sub>
-                    </m:sSub>
-                    <m:r>
-                      <a:rPr lang="en-US" b="0" i="1" smtClean="0">
-                        <a:latin typeface="Cambria Math" panose="02040503050406030204" pitchFamily="18" charset="0"/>
-                      </a:rPr>
-                      <m:t>,</m:t>
-                    </m:r>
-                    <m:sSub>
-                      <m:sSubPr>
-                        <m:ctrlPr>
-                          <a:rPr lang="en-US" b="0" i="1" smtClean="0">
-                            <a:latin typeface="Cambria Math" panose="02040503050406030204" pitchFamily="18" charset="0"/>
-                          </a:rPr>
-                        </m:ctrlPr>
-                      </m:sSubPr>
-                      <m:e>
-                        <m:r>
-                          <a:rPr lang="en-US" b="0" i="1" smtClean="0">
-                            <a:latin typeface="Cambria Math" panose="02040503050406030204" pitchFamily="18" charset="0"/>
-                          </a:rPr>
-                          <m:t>𝐾</m:t>
-                        </m:r>
-                      </m:e>
-                      <m:sub>
-                        <m:r>
-                          <a:rPr lang="en-US" b="0" i="1" smtClean="0">
-                            <a:latin typeface="Cambria Math" panose="02040503050406030204" pitchFamily="18" charset="0"/>
-                          </a:rPr>
-                          <m:t>2</m:t>
-                        </m:r>
-                      </m:sub>
-                    </m:sSub>
-                  </m:oMath>
-                </a14:m>
-                <a:r>
-                  <a:rPr lang="ru-RU" dirty="0" smtClean="0"/>
-                  <a:t>, </a:t>
-                </a:r>
-                <a:r>
-                  <a:rPr lang="ru-RU" dirty="0"/>
-                  <a:t>затем для получения следующего раундового ключа выполняется </a:t>
-                </a:r>
-                <a:r>
-                  <a:rPr lang="ru-RU" dirty="0" smtClean="0"/>
-                  <a:t>8 итераций </a:t>
-                </a:r>
-                <a:r>
-                  <a:rPr lang="ru-RU" dirty="0"/>
-                  <a:t>сети </a:t>
-                </a:r>
-                <a:r>
-                  <a:rPr lang="ru-RU" dirty="0" err="1" smtClean="0"/>
-                  <a:t>Фейстеля</a:t>
-                </a:r>
-                <a:r>
-                  <a:rPr lang="ru-RU" dirty="0" smtClean="0"/>
-                  <a:t>, </a:t>
-                </a:r>
-                <a14:m>
-                  <m:oMath xmlns:m="http://schemas.openxmlformats.org/officeDocument/2006/math">
-                    <m:sSub>
-                      <m:sSubPr>
-                        <m:ctrlPr>
-                          <a:rPr lang="en-US" b="0" i="1" smtClean="0">
-                            <a:latin typeface="Cambria Math" panose="02040503050406030204" pitchFamily="18" charset="0"/>
-                          </a:rPr>
-                        </m:ctrlPr>
-                      </m:sSubPr>
-                      <m:e>
-                        <m:r>
-                          <a:rPr lang="en-US" b="0" i="1" smtClean="0">
-                            <a:latin typeface="Cambria Math" panose="02040503050406030204" pitchFamily="18" charset="0"/>
-                          </a:rPr>
-                          <m:t>𝐶</m:t>
-                        </m:r>
-                      </m:e>
-                      <m:sub>
-                        <m:r>
-                          <a:rPr lang="en-US" b="0" i="1" smtClean="0">
-                            <a:latin typeface="Cambria Math" panose="02040503050406030204" pitchFamily="18" charset="0"/>
-                          </a:rPr>
-                          <m:t>𝑖</m:t>
-                        </m:r>
-                      </m:sub>
-                    </m:sSub>
-                  </m:oMath>
-                </a14:m>
-                <a:r>
-                  <a:rPr lang="ru-RU" dirty="0" smtClean="0"/>
-                  <a:t> </a:t>
-                </a:r>
-                <a:r>
-                  <a:rPr lang="ru-RU" smtClean="0"/>
-                  <a:t>- константы</a:t>
-                </a:r>
-                <a:endParaRPr lang="ru-RU" dirty="0"/>
-              </a:p>
-              <a:p>
-                <a:endParaRPr lang="ru-RU" dirty="0" smtClean="0"/>
-              </a:p>
-            </p:txBody>
-          </p:sp>
-        </mc:Choice>
-        <mc:Fallback xmlns="">
-          <p:sp>
-            <p:nvSpPr>
-              <p:cNvPr id="3" name="Объект 2"/>
-              <p:cNvSpPr>
-                <a:spLocks noGrp="1" noRot="1" noChangeAspect="1" noMove="1" noResize="1" noEditPoints="1" noAdjustHandles="1" noChangeArrowheads="1" noChangeShapeType="1" noTextEdit="1"/>
-              </p:cNvSpPr>
-              <p:nvPr>
-                <p:ph idx="1"/>
-              </p:nvPr>
-            </p:nvSpPr>
-            <p:spPr>
-              <a:xfrm>
-                <a:off x="838200" y="1825625"/>
-                <a:ext cx="4921332" cy="4351338"/>
-              </a:xfrm>
-              <a:blipFill>
-                <a:blip r:embed="rId2"/>
-                <a:stretch>
-                  <a:fillRect l="-1983" t="-2801" r="-2478"/>
-                </a:stretch>
-              </a:blipFill>
-            </p:spPr>
-            <p:txBody>
-              <a:bodyPr/>
-              <a:lstStyle/>
-              <a:p>
-                <a:r>
-                  <a:rPr lang="ru-RU">
-                    <a:noFill/>
-                  </a:rPr>
-                  <a:t> </a:t>
-                </a:r>
-              </a:p>
-            </p:txBody>
-          </p:sp>
-        </mc:Fallback>
-      </mc:AlternateContent>
-      <p:sp>
-        <p:nvSpPr>
-          <p:cNvPr id="4" name="Номер слайда 3"/>
-          <p:cNvSpPr>
-            <a:spLocks noGrp="1"/>
-          </p:cNvSpPr>
-          <p:nvPr>
-            <p:ph type="sldNum" sz="quarter" idx="12"/>
-          </p:nvPr>
-        </p:nvSpPr>
-        <p:spPr/>
-        <p:txBody>
-          <a:bodyPr/>
-          <a:lstStyle/>
-          <a:p>
-            <a:fld id="{8253DDDB-F8F7-4D64-A7FD-3F3D61C1949F}" type="slidenum">
-              <a:rPr lang="ru-RU" smtClean="0"/>
-              <a:t>27</a:t>
-            </a:fld>
-            <a:endParaRPr lang="ru-RU"/>
-          </a:p>
-        </p:txBody>
-      </p:sp>
-      <p:pic>
-        <p:nvPicPr>
-          <p:cNvPr id="5" name="Рисунок 4"/>
-          <p:cNvPicPr>
-            <a:picLocks noChangeAspect="1"/>
-          </p:cNvPicPr>
-          <p:nvPr/>
-        </p:nvPicPr>
-        <p:blipFill>
-          <a:blip r:embed="rId3"/>
-          <a:stretch>
-            <a:fillRect/>
-          </a:stretch>
-        </p:blipFill>
-        <p:spPr>
-          <a:xfrm>
-            <a:off x="8716489" y="2351314"/>
-            <a:ext cx="2856324" cy="3563335"/>
-          </a:xfrm>
-          <a:prstGeom prst="rect">
-            <a:avLst/>
-          </a:prstGeom>
-        </p:spPr>
-      </p:pic>
-      <p:pic>
-        <p:nvPicPr>
-          <p:cNvPr id="6" name="Рисунок 5"/>
-          <p:cNvPicPr>
-            <a:picLocks noChangeAspect="1"/>
-          </p:cNvPicPr>
-          <p:nvPr/>
-        </p:nvPicPr>
-        <p:blipFill>
-          <a:blip r:embed="rId4"/>
-          <a:stretch>
-            <a:fillRect/>
-          </a:stretch>
-        </p:blipFill>
-        <p:spPr>
-          <a:xfrm>
-            <a:off x="5924238" y="1593491"/>
-            <a:ext cx="2627544" cy="5078980"/>
-          </a:xfrm>
-          <a:prstGeom prst="rect">
-            <a:avLst/>
-          </a:prstGeom>
-        </p:spPr>
-      </p:pic>
-    </p:spTree>
-    <p:extLst>
-      <p:ext uri="{BB962C8B-B14F-4D97-AF65-F5344CB8AC3E}">
-        <p14:creationId xmlns:p14="http://schemas.microsoft.com/office/powerpoint/2010/main" val="2645701971"/>
-      </p:ext>
-    </p:extLst>
-  </p:cSld>
-  <p:clrMapOvr>
-    <a:masterClrMapping/>
-  </p:clrMapOvr>
-  <p:timing>
-    <p:tnLst>
-      <p:par>
-        <p:cTn id="1" dur="indefinite" restart="never" nodeType="tmRoot"/>
-      </p:par>
-    </p:tnLst>
-  </p:timing>
-</p:sld>
-</file>
-
-<file path=ppt/slides/slide28.xml><?xml version="1.0" encoding="utf-8"?>
-<p:sld xmlns:a="http://schemas.openxmlformats.org/drawingml/2006/main" xmlns:r="http://schemas.openxmlformats.org/officeDocument/2006/relationships" xmlns:p="http://schemas.openxmlformats.org/presentationml/2006/main">
-  <p:cSld>
-    <p:spTree>
-      <p:nvGrpSpPr>
-        <p:cNvPr id="1" name=""/>
-        <p:cNvGrpSpPr/>
-        <p:nvPr/>
-      </p:nvGrpSpPr>
-      <p:grpSpPr>
-        <a:xfrm>
-          <a:off x="0" y="0"/>
-          <a:ext cx="0" cy="0"/>
-          <a:chOff x="0" y="0"/>
-          <a:chExt cx="0" cy="0"/>
-        </a:xfrm>
-      </p:grpSpPr>
-      <p:sp>
-        <p:nvSpPr>
-          <p:cNvPr id="2" name="Заголовок 1"/>
-          <p:cNvSpPr>
-            <a:spLocks noGrp="1"/>
-          </p:cNvSpPr>
-          <p:nvPr>
-            <p:ph type="title"/>
-          </p:nvPr>
-        </p:nvSpPr>
-        <p:spPr/>
-        <p:txBody>
-          <a:bodyPr/>
-          <a:lstStyle/>
-          <a:p>
-            <a:r>
-              <a:rPr lang="ru-RU" dirty="0"/>
-              <a:t>ГОСТ 34.12-2015 «Кузнечик»</a:t>
-            </a:r>
-          </a:p>
-        </p:txBody>
-      </p:sp>
-      <p:sp>
-        <p:nvSpPr>
-          <p:cNvPr id="3" name="Объект 2"/>
-          <p:cNvSpPr>
-            <a:spLocks noGrp="1"/>
-          </p:cNvSpPr>
-          <p:nvPr>
-            <p:ph idx="1"/>
-          </p:nvPr>
-        </p:nvSpPr>
-        <p:spPr>
-          <a:xfrm>
-            <a:off x="838200" y="1825625"/>
-            <a:ext cx="5823857" cy="4351338"/>
-          </a:xfrm>
-        </p:spPr>
-        <p:txBody>
-          <a:bodyPr/>
-          <a:lstStyle/>
-          <a:p>
-            <a:r>
-              <a:rPr lang="ru-RU" dirty="0" err="1" smtClean="0"/>
-              <a:t>Зашифрование</a:t>
-            </a:r>
-            <a:r>
-              <a:rPr lang="ru-RU" dirty="0" smtClean="0"/>
-              <a:t> – 10 итераций </a:t>
-            </a:r>
-            <a:r>
-              <a:rPr lang="en-US" dirty="0" smtClean="0"/>
-              <a:t>SP </a:t>
-            </a:r>
-            <a:r>
-              <a:rPr lang="ru-RU" dirty="0" smtClean="0"/>
-              <a:t>сети (функций </a:t>
-            </a:r>
-            <a:r>
-              <a:rPr lang="en-US" dirty="0" smtClean="0"/>
-              <a:t>S, L) </a:t>
-            </a:r>
-            <a:r>
-              <a:rPr lang="ru-RU" dirty="0" smtClean="0"/>
-              <a:t>и сложения с раундовым ключом.</a:t>
-            </a:r>
-          </a:p>
-          <a:p>
-            <a:r>
-              <a:rPr lang="ru-RU" dirty="0" err="1" smtClean="0"/>
-              <a:t>Расшифрование</a:t>
-            </a:r>
-            <a:r>
-              <a:rPr lang="ru-RU" dirty="0" smtClean="0"/>
-              <a:t> – обратный порядок ключей и преобразований.</a:t>
-            </a:r>
-            <a:endParaRPr lang="ru-RU" dirty="0"/>
-          </a:p>
-        </p:txBody>
-      </p:sp>
-      <p:sp>
-        <p:nvSpPr>
-          <p:cNvPr id="4" name="Номер слайда 3"/>
-          <p:cNvSpPr>
-            <a:spLocks noGrp="1"/>
-          </p:cNvSpPr>
-          <p:nvPr>
-            <p:ph type="sldNum" sz="quarter" idx="12"/>
-          </p:nvPr>
-        </p:nvSpPr>
-        <p:spPr/>
-        <p:txBody>
-          <a:bodyPr/>
-          <a:lstStyle/>
-          <a:p>
-            <a:fld id="{8253DDDB-F8F7-4D64-A7FD-3F3D61C1949F}" type="slidenum">
-              <a:rPr lang="ru-RU" smtClean="0"/>
-              <a:t>28</a:t>
-            </a:fld>
-            <a:endParaRPr lang="ru-RU"/>
-          </a:p>
-        </p:txBody>
-      </p:sp>
-      <p:pic>
-        <p:nvPicPr>
-          <p:cNvPr id="5" name="Рисунок 4"/>
-          <p:cNvPicPr>
-            <a:picLocks noChangeAspect="1"/>
-          </p:cNvPicPr>
-          <p:nvPr/>
-        </p:nvPicPr>
-        <p:blipFill>
-          <a:blip r:embed="rId2"/>
-          <a:stretch>
-            <a:fillRect/>
-          </a:stretch>
-        </p:blipFill>
-        <p:spPr>
-          <a:xfrm>
-            <a:off x="6662057" y="1293807"/>
-            <a:ext cx="5213268" cy="4972850"/>
-          </a:xfrm>
-          <a:prstGeom prst="rect">
-            <a:avLst/>
-          </a:prstGeom>
-        </p:spPr>
-      </p:pic>
-    </p:spTree>
-    <p:extLst>
-      <p:ext uri="{BB962C8B-B14F-4D97-AF65-F5344CB8AC3E}">
-        <p14:creationId xmlns:p14="http://schemas.microsoft.com/office/powerpoint/2010/main" val="2079202864"/>
-      </p:ext>
-    </p:extLst>
-  </p:cSld>
-  <p:clrMapOvr>
-    <a:masterClrMapping/>
-  </p:clrMapOvr>
-  <p:timing>
-    <p:tnLst>
-      <p:par>
-        <p:cTn id="1" dur="indefinite" restart="never" nodeType="tmRoot"/>
-      </p:par>
-    </p:tnLst>
-  </p:timing>
-</p:sld>
-</file>
-
-<file path=ppt/slides/slide3.xml><?xml version="1.0" encoding="utf-8"?>
+<file path=ppt/slides/slide6.xml><?xml version="1.0" encoding="utf-8"?>
 <p:sld xmlns:a="http://schemas.openxmlformats.org/drawingml/2006/main" xmlns:r="http://schemas.openxmlformats.org/officeDocument/2006/relationships" xmlns:p="http://schemas.openxmlformats.org/presentationml/2006/main">
   <p:cSld>
     <p:spTree>
@@ -11377,7 +15104,7 @@
           <a:p>
             <a:fld id="{8253DDDB-F8F7-4D64-A7FD-3F3D61C1949F}" type="slidenum">
               <a:rPr lang="ru-RU" smtClean="0"/>
-              <a:t>3</a:t>
+              <a:t>6</a:t>
             </a:fld>
             <a:endParaRPr lang="ru-RU"/>
           </a:p>
@@ -11427,7 +15154,7 @@
 </p:sld>
 </file>
 
-<file path=ppt/slides/slide4.xml><?xml version="1.0" encoding="utf-8"?>
+<file path=ppt/slides/slide7.xml><?xml version="1.0" encoding="utf-8"?>
 <p:sld xmlns:a="http://schemas.openxmlformats.org/drawingml/2006/main" xmlns:r="http://schemas.openxmlformats.org/officeDocument/2006/relationships" xmlns:p="http://schemas.openxmlformats.org/presentationml/2006/main">
   <p:cSld>
     <p:spTree>
@@ -11527,7 +15254,7 @@
           <a:p>
             <a:fld id="{8253DDDB-F8F7-4D64-A7FD-3F3D61C1949F}" type="slidenum">
               <a:rPr lang="ru-RU" smtClean="0"/>
-              <a:t>4</a:t>
+              <a:t>7</a:t>
             </a:fld>
             <a:endParaRPr lang="ru-RU"/>
           </a:p>
@@ -12207,7 +15934,7 @@
 </p:sld>
 </file>
 
-<file path=ppt/slides/slide5.xml><?xml version="1.0" encoding="utf-8"?>
+<file path=ppt/slides/slide8.xml><?xml version="1.0" encoding="utf-8"?>
 <p:sld xmlns:a="http://schemas.openxmlformats.org/drawingml/2006/main" xmlns:r="http://schemas.openxmlformats.org/officeDocument/2006/relationships" xmlns:p="http://schemas.openxmlformats.org/presentationml/2006/main">
   <p:cSld>
     <p:spTree>
@@ -12761,7 +16488,7 @@
           <a:p>
             <a:fld id="{8253DDDB-F8F7-4D64-A7FD-3F3D61C1949F}" type="slidenum">
               <a:rPr lang="ru-RU" smtClean="0"/>
-              <a:t>5</a:t>
+              <a:t>8</a:t>
             </a:fld>
             <a:endParaRPr lang="ru-RU"/>
           </a:p>
@@ -12835,7 +16562,7 @@
 </p:sld>
 </file>
 
-<file path=ppt/slides/slide6.xml><?xml version="1.0" encoding="utf-8"?>
+<file path=ppt/slides/slide9.xml><?xml version="1.0" encoding="utf-8"?>
 <p:sld xmlns:a="http://schemas.openxmlformats.org/drawingml/2006/main" xmlns:r="http://schemas.openxmlformats.org/officeDocument/2006/relationships" xmlns:p="http://schemas.openxmlformats.org/presentationml/2006/main">
   <p:cSld>
     <p:spTree>
@@ -13036,7 +16763,7 @@
           <a:p>
             <a:fld id="{8253DDDB-F8F7-4D64-A7FD-3F3D61C1949F}" type="slidenum">
               <a:rPr lang="ru-RU" smtClean="0"/>
-              <a:t>6</a:t>
+              <a:t>9</a:t>
             </a:fld>
             <a:endParaRPr lang="ru-RU"/>
           </a:p>
@@ -13070,1652 +16797,6 @@
     <p:extLst>
       <p:ext uri="{BB962C8B-B14F-4D97-AF65-F5344CB8AC3E}">
         <p14:creationId xmlns:p14="http://schemas.microsoft.com/office/powerpoint/2010/main" val="911693086"/>
-      </p:ext>
-    </p:extLst>
-  </p:cSld>
-  <p:clrMapOvr>
-    <a:masterClrMapping/>
-  </p:clrMapOvr>
-  <p:timing>
-    <p:tnLst>
-      <p:par>
-        <p:cTn id="1" dur="indefinite" restart="never" nodeType="tmRoot"/>
-      </p:par>
-    </p:tnLst>
-  </p:timing>
-</p:sld>
-</file>
-
-<file path=ppt/slides/slide7.xml><?xml version="1.0" encoding="utf-8"?>
-<p:sld xmlns:a="http://schemas.openxmlformats.org/drawingml/2006/main" xmlns:r="http://schemas.openxmlformats.org/officeDocument/2006/relationships" xmlns:p="http://schemas.openxmlformats.org/presentationml/2006/main">
-  <p:cSld>
-    <p:spTree>
-      <p:nvGrpSpPr>
-        <p:cNvPr id="1" name=""/>
-        <p:cNvGrpSpPr/>
-        <p:nvPr/>
-      </p:nvGrpSpPr>
-      <p:grpSpPr>
-        <a:xfrm>
-          <a:off x="0" y="0"/>
-          <a:ext cx="0" cy="0"/>
-          <a:chOff x="0" y="0"/>
-          <a:chExt cx="0" cy="0"/>
-        </a:xfrm>
-      </p:grpSpPr>
-      <p:sp>
-        <p:nvSpPr>
-          <p:cNvPr id="6" name="Скругленный прямоугольник 5"/>
-          <p:cNvSpPr/>
-          <p:nvPr/>
-        </p:nvSpPr>
-        <p:spPr>
-          <a:xfrm>
-            <a:off x="838200" y="1770289"/>
-            <a:ext cx="10542006" cy="1839810"/>
-          </a:xfrm>
-          <a:prstGeom prst="roundRect">
-            <a:avLst/>
-          </a:prstGeom>
-        </p:spPr>
-        <p:style>
-          <a:lnRef idx="1">
-            <a:schemeClr val="accent3"/>
-          </a:lnRef>
-          <a:fillRef idx="2">
-            <a:schemeClr val="accent3"/>
-          </a:fillRef>
-          <a:effectRef idx="1">
-            <a:schemeClr val="accent3"/>
-          </a:effectRef>
-          <a:fontRef idx="minor">
-            <a:schemeClr val="dk1"/>
-          </a:fontRef>
-        </p:style>
-        <p:txBody>
-          <a:bodyPr rtlCol="0" anchor="ctr"/>
-          <a:lstStyle/>
-          <a:p>
-            <a:pPr algn="ctr"/>
-            <a:endParaRPr lang="ru-RU"/>
-          </a:p>
-        </p:txBody>
-      </p:sp>
-      <p:sp>
-        <p:nvSpPr>
-          <p:cNvPr id="2" name="Заголовок 1"/>
-          <p:cNvSpPr>
-            <a:spLocks noGrp="1"/>
-          </p:cNvSpPr>
-          <p:nvPr>
-            <p:ph type="title"/>
-          </p:nvPr>
-        </p:nvSpPr>
-        <p:spPr/>
-        <p:txBody>
-          <a:bodyPr/>
-          <a:lstStyle/>
-          <a:p>
-            <a:r>
-              <a:rPr lang="ru-RU" dirty="0" smtClean="0"/>
-              <a:t>Сеть </a:t>
-            </a:r>
-            <a:r>
-              <a:rPr lang="ru-RU" dirty="0" err="1"/>
-              <a:t>Ф</a:t>
-            </a:r>
-            <a:r>
-              <a:rPr lang="ru-RU" dirty="0" err="1" smtClean="0"/>
-              <a:t>ейстеля</a:t>
-            </a:r>
-            <a:endParaRPr lang="ru-RU" dirty="0"/>
-          </a:p>
-        </p:txBody>
-      </p:sp>
-      <mc:AlternateContent xmlns:mc="http://schemas.openxmlformats.org/markup-compatibility/2006" xmlns:a14="http://schemas.microsoft.com/office/drawing/2010/main">
-        <mc:Choice Requires="a14">
-          <p:sp>
-            <p:nvSpPr>
-              <p:cNvPr id="3" name="Объект 2"/>
-              <p:cNvSpPr>
-                <a:spLocks noGrp="1"/>
-              </p:cNvSpPr>
-              <p:nvPr>
-                <p:ph idx="1"/>
-              </p:nvPr>
-            </p:nvSpPr>
-            <p:spPr/>
-            <p:txBody>
-              <a:bodyPr/>
-              <a:lstStyle/>
-              <a:p>
-                <a:pPr marL="0" indent="0">
-                  <a:buNone/>
-                </a:pPr>
-                <a:r>
-                  <a:rPr lang="ru-RU" b="1" smtClean="0"/>
-                  <a:t>Теорема 5.2. </a:t>
-                </a:r>
-                <a:r>
-                  <a:rPr lang="ru-RU" dirty="0" smtClean="0"/>
-                  <a:t>(</a:t>
-                </a:r>
-                <a:r>
-                  <a:rPr lang="en-US" dirty="0" err="1" smtClean="0"/>
-                  <a:t>Luby-Rackoff</a:t>
-                </a:r>
-                <a:r>
-                  <a:rPr lang="en-US" dirty="0" smtClean="0"/>
-                  <a:t>)</a:t>
-                </a:r>
-                <a:endParaRPr lang="ru-RU" dirty="0" smtClean="0"/>
-              </a:p>
-              <a:p>
-                <a:pPr marL="0" indent="0">
-                  <a:buNone/>
-                </a:pPr>
-                <a:r>
-                  <a:rPr lang="ru-RU" dirty="0" smtClean="0"/>
-                  <a:t>Пусть </a:t>
-                </a:r>
-                <a14:m>
-                  <m:oMath xmlns:m="http://schemas.openxmlformats.org/officeDocument/2006/math">
-                    <m:r>
-                      <a:rPr lang="en-US" b="0" i="1" smtClean="0">
-                        <a:latin typeface="Cambria Math" panose="02040503050406030204" pitchFamily="18" charset="0"/>
-                      </a:rPr>
-                      <m:t>𝑓</m:t>
-                    </m:r>
-                    <m:r>
-                      <a:rPr lang="en-US" b="0" i="1" smtClean="0">
-                        <a:latin typeface="Cambria Math" panose="02040503050406030204" pitchFamily="18" charset="0"/>
-                      </a:rPr>
-                      <m:t>:</m:t>
-                    </m:r>
-                    <m:sSup>
-                      <m:sSupPr>
-                        <m:ctrlPr>
-                          <a:rPr lang="en-US" b="0" i="1" smtClean="0">
-                            <a:latin typeface="Cambria Math" panose="02040503050406030204" pitchFamily="18" charset="0"/>
-                          </a:rPr>
-                        </m:ctrlPr>
-                      </m:sSupPr>
-                      <m:e>
-                        <m:d>
-                          <m:dPr>
-                            <m:begChr m:val="{"/>
-                            <m:endChr m:val="}"/>
-                            <m:ctrlPr>
-                              <a:rPr lang="en-US" b="0" i="1" smtClean="0">
-                                <a:latin typeface="Cambria Math" panose="02040503050406030204" pitchFamily="18" charset="0"/>
-                              </a:rPr>
-                            </m:ctrlPr>
-                          </m:dPr>
-                          <m:e>
-                            <m:r>
-                              <a:rPr lang="en-US" b="0" i="1" smtClean="0">
-                                <a:latin typeface="Cambria Math" panose="02040503050406030204" pitchFamily="18" charset="0"/>
-                              </a:rPr>
-                              <m:t>0,1</m:t>
-                            </m:r>
-                          </m:e>
-                        </m:d>
-                      </m:e>
-                      <m:sup>
-                        <m:r>
-                          <a:rPr lang="en-US" b="0" i="1" smtClean="0">
-                            <a:latin typeface="Cambria Math" panose="02040503050406030204" pitchFamily="18" charset="0"/>
-                          </a:rPr>
-                          <m:t>𝑛</m:t>
-                        </m:r>
-                      </m:sup>
-                    </m:sSup>
-                    <m:r>
-                      <a:rPr lang="en-US" b="0" i="1" smtClean="0">
-                        <a:latin typeface="Cambria Math" panose="02040503050406030204" pitchFamily="18" charset="0"/>
-                      </a:rPr>
-                      <m:t>→</m:t>
-                    </m:r>
-                    <m:sSup>
-                      <m:sSupPr>
-                        <m:ctrlPr>
-                          <a:rPr lang="en-US" b="0" i="1" smtClean="0">
-                            <a:latin typeface="Cambria Math" panose="02040503050406030204" pitchFamily="18" charset="0"/>
-                          </a:rPr>
-                        </m:ctrlPr>
-                      </m:sSupPr>
-                      <m:e>
-                        <m:d>
-                          <m:dPr>
-                            <m:begChr m:val="{"/>
-                            <m:endChr m:val="}"/>
-                            <m:ctrlPr>
-                              <a:rPr lang="en-US" b="0" i="1" smtClean="0">
-                                <a:latin typeface="Cambria Math" panose="02040503050406030204" pitchFamily="18" charset="0"/>
-                              </a:rPr>
-                            </m:ctrlPr>
-                          </m:dPr>
-                          <m:e>
-                            <m:r>
-                              <a:rPr lang="en-US" b="0" i="1" smtClean="0">
-                                <a:latin typeface="Cambria Math" panose="02040503050406030204" pitchFamily="18" charset="0"/>
-                              </a:rPr>
-                              <m:t>0,1</m:t>
-                            </m:r>
-                          </m:e>
-                        </m:d>
-                      </m:e>
-                      <m:sup>
-                        <m:r>
-                          <a:rPr lang="en-US" b="0" i="1" smtClean="0">
-                            <a:latin typeface="Cambria Math" panose="02040503050406030204" pitchFamily="18" charset="0"/>
-                          </a:rPr>
-                          <m:t>𝑛</m:t>
-                        </m:r>
-                      </m:sup>
-                    </m:sSup>
-                  </m:oMath>
-                </a14:m>
-                <a:r>
-                  <a:rPr lang="en-US" dirty="0" smtClean="0"/>
-                  <a:t> </a:t>
-                </a:r>
-                <a:r>
-                  <a:rPr lang="ru-RU" dirty="0" smtClean="0"/>
-                  <a:t>стойкая </a:t>
-                </a:r>
-                <a:r>
-                  <a:rPr lang="en-US" dirty="0" smtClean="0"/>
-                  <a:t>PRF</a:t>
-                </a:r>
-                <a:r>
-                  <a:rPr lang="ru-RU" dirty="0" smtClean="0"/>
-                  <a:t>.</a:t>
-                </a:r>
-              </a:p>
-              <a:p>
-                <a:pPr marL="0" indent="0">
-                  <a:buNone/>
-                </a:pPr>
-                <a:r>
-                  <a:rPr lang="ru-RU" dirty="0" smtClean="0"/>
-                  <a:t>Тогда </a:t>
-                </a:r>
-                <a:r>
-                  <a:rPr lang="ru-RU" dirty="0" err="1" smtClean="0"/>
-                  <a:t>трехраундовая</a:t>
-                </a:r>
-                <a:r>
-                  <a:rPr lang="ru-RU" dirty="0" smtClean="0"/>
-                  <a:t> сеть </a:t>
-                </a:r>
-                <a:r>
-                  <a:rPr lang="ru-RU" dirty="0" err="1" smtClean="0"/>
-                  <a:t>Фейстеля</a:t>
-                </a:r>
-                <a:r>
-                  <a:rPr lang="ru-RU" dirty="0" smtClean="0"/>
-                  <a:t> (</a:t>
-                </a:r>
-                <a14:m>
-                  <m:oMath xmlns:m="http://schemas.openxmlformats.org/officeDocument/2006/math">
-                    <m:r>
-                      <a:rPr lang="en-US" b="0" i="1" smtClean="0">
-                        <a:latin typeface="Cambria Math" panose="02040503050406030204" pitchFamily="18" charset="0"/>
-                      </a:rPr>
-                      <m:t>𝑑</m:t>
-                    </m:r>
-                    <m:r>
-                      <a:rPr lang="en-US" b="0" i="1" smtClean="0">
-                        <a:latin typeface="Cambria Math" panose="02040503050406030204" pitchFamily="18" charset="0"/>
-                      </a:rPr>
-                      <m:t>=3)</m:t>
-                    </m:r>
-                  </m:oMath>
-                </a14:m>
-                <a:r>
-                  <a:rPr lang="ru-RU" dirty="0" smtClean="0"/>
-                  <a:t> </a:t>
-                </a:r>
-                <a14:m>
-                  <m:oMath xmlns:m="http://schemas.openxmlformats.org/officeDocument/2006/math">
-                    <m:r>
-                      <a:rPr lang="en-US" b="0" i="1" dirty="0" smtClean="0">
-                        <a:latin typeface="Cambria Math" panose="02040503050406030204" pitchFamily="18" charset="0"/>
-                      </a:rPr>
-                      <m:t>𝐹</m:t>
-                    </m:r>
-                    <m:r>
-                      <a:rPr lang="en-US" b="0" i="1" dirty="0" smtClean="0">
-                        <a:latin typeface="Cambria Math" panose="02040503050406030204" pitchFamily="18" charset="0"/>
-                      </a:rPr>
-                      <m:t>=</m:t>
-                    </m:r>
-                    <m:sSup>
-                      <m:sSupPr>
-                        <m:ctrlPr>
-                          <a:rPr lang="en-US" b="0" i="1" dirty="0" smtClean="0">
-                            <a:latin typeface="Cambria Math" panose="02040503050406030204" pitchFamily="18" charset="0"/>
-                          </a:rPr>
-                        </m:ctrlPr>
-                      </m:sSupPr>
-                      <m:e>
-                        <m:r>
-                          <a:rPr lang="en-US" b="0" i="1" dirty="0" smtClean="0">
-                            <a:latin typeface="Cambria Math" panose="02040503050406030204" pitchFamily="18" charset="0"/>
-                          </a:rPr>
-                          <m:t>𝐾</m:t>
-                        </m:r>
-                      </m:e>
-                      <m:sup>
-                        <m:r>
-                          <a:rPr lang="en-US" b="0" i="1" dirty="0" smtClean="0">
-                            <a:latin typeface="Cambria Math" panose="02040503050406030204" pitchFamily="18" charset="0"/>
-                          </a:rPr>
-                          <m:t>3</m:t>
-                        </m:r>
-                      </m:sup>
-                    </m:sSup>
-                    <m:r>
-                      <a:rPr lang="en-US" b="0" i="1" dirty="0" smtClean="0">
-                        <a:latin typeface="Cambria Math" panose="02040503050406030204" pitchFamily="18" charset="0"/>
-                      </a:rPr>
-                      <m:t>×</m:t>
-                    </m:r>
-                    <m:sSup>
-                      <m:sSupPr>
-                        <m:ctrlPr>
-                          <a:rPr lang="en-US" b="0" i="1" dirty="0" smtClean="0">
-                            <a:latin typeface="Cambria Math" panose="02040503050406030204" pitchFamily="18" charset="0"/>
-                          </a:rPr>
-                        </m:ctrlPr>
-                      </m:sSupPr>
-                      <m:e>
-                        <m:d>
-                          <m:dPr>
-                            <m:begChr m:val="{"/>
-                            <m:endChr m:val="}"/>
-                            <m:ctrlPr>
-                              <a:rPr lang="en-US" b="0" i="1" dirty="0" smtClean="0">
-                                <a:latin typeface="Cambria Math" panose="02040503050406030204" pitchFamily="18" charset="0"/>
-                              </a:rPr>
-                            </m:ctrlPr>
-                          </m:dPr>
-                          <m:e>
-                            <m:r>
-                              <a:rPr lang="en-US" b="0" i="1" dirty="0" smtClean="0">
-                                <a:latin typeface="Cambria Math" panose="02040503050406030204" pitchFamily="18" charset="0"/>
-                              </a:rPr>
-                              <m:t>0,1</m:t>
-                            </m:r>
-                          </m:e>
-                        </m:d>
-                      </m:e>
-                      <m:sup>
-                        <m:r>
-                          <a:rPr lang="en-US" b="0" i="1" dirty="0" smtClean="0">
-                            <a:latin typeface="Cambria Math" panose="02040503050406030204" pitchFamily="18" charset="0"/>
-                          </a:rPr>
-                          <m:t>2</m:t>
-                        </m:r>
-                        <m:r>
-                          <a:rPr lang="en-US" b="0" i="1" dirty="0" smtClean="0">
-                            <a:latin typeface="Cambria Math" panose="02040503050406030204" pitchFamily="18" charset="0"/>
-                          </a:rPr>
-                          <m:t>𝑛</m:t>
-                        </m:r>
-                      </m:sup>
-                    </m:sSup>
-                    <m:r>
-                      <a:rPr lang="en-US" b="0" i="1" dirty="0" smtClean="0">
-                        <a:latin typeface="Cambria Math" panose="02040503050406030204" pitchFamily="18" charset="0"/>
-                      </a:rPr>
-                      <m:t>→</m:t>
-                    </m:r>
-                    <m:sSup>
-                      <m:sSupPr>
-                        <m:ctrlPr>
-                          <a:rPr lang="en-US" b="0" i="1" dirty="0" smtClean="0">
-                            <a:latin typeface="Cambria Math" panose="02040503050406030204" pitchFamily="18" charset="0"/>
-                          </a:rPr>
-                        </m:ctrlPr>
-                      </m:sSupPr>
-                      <m:e>
-                        <m:d>
-                          <m:dPr>
-                            <m:begChr m:val="{"/>
-                            <m:endChr m:val="}"/>
-                            <m:ctrlPr>
-                              <a:rPr lang="en-US" b="0" i="1" dirty="0" smtClean="0">
-                                <a:latin typeface="Cambria Math" panose="02040503050406030204" pitchFamily="18" charset="0"/>
-                              </a:rPr>
-                            </m:ctrlPr>
-                          </m:dPr>
-                          <m:e>
-                            <m:r>
-                              <a:rPr lang="en-US" b="0" i="1" dirty="0" smtClean="0">
-                                <a:latin typeface="Cambria Math" panose="02040503050406030204" pitchFamily="18" charset="0"/>
-                              </a:rPr>
-                              <m:t>0,1</m:t>
-                            </m:r>
-                          </m:e>
-                        </m:d>
-                      </m:e>
-                      <m:sup>
-                        <m:r>
-                          <a:rPr lang="en-US" b="0" i="1" dirty="0" smtClean="0">
-                            <a:latin typeface="Cambria Math" panose="02040503050406030204" pitchFamily="18" charset="0"/>
-                          </a:rPr>
-                          <m:t>2</m:t>
-                        </m:r>
-                        <m:r>
-                          <a:rPr lang="en-US" b="0" i="1" dirty="0" smtClean="0">
-                            <a:latin typeface="Cambria Math" panose="02040503050406030204" pitchFamily="18" charset="0"/>
-                          </a:rPr>
-                          <m:t>𝑛</m:t>
-                        </m:r>
-                      </m:sup>
-                    </m:sSup>
-                  </m:oMath>
-                </a14:m>
-                <a:r>
-                  <a:rPr lang="en-US" dirty="0" smtClean="0"/>
-                  <a:t> - </a:t>
-                </a:r>
-                <a:r>
-                  <a:rPr lang="ru-RU" dirty="0" smtClean="0"/>
-                  <a:t>стойкая </a:t>
-                </a:r>
-                <a:r>
-                  <a:rPr lang="en-US" dirty="0" smtClean="0"/>
-                  <a:t>PRP</a:t>
-                </a:r>
-                <a:r>
-                  <a:rPr lang="ru-RU" dirty="0" smtClean="0"/>
-                  <a:t>.</a:t>
-                </a:r>
-              </a:p>
-              <a:p>
-                <a:pPr marL="0" indent="0">
-                  <a:buNone/>
-                </a:pPr>
-                <a:r>
-                  <a:rPr lang="ru-RU" b="1" dirty="0" smtClean="0"/>
-                  <a:t>! Используются 3 независимых, случайный ключа!</a:t>
-                </a:r>
-                <a:endParaRPr lang="ru-RU" b="1" dirty="0"/>
-              </a:p>
-            </p:txBody>
-          </p:sp>
-        </mc:Choice>
-        <mc:Fallback xmlns="">
-          <p:sp>
-            <p:nvSpPr>
-              <p:cNvPr id="3" name="Объект 2"/>
-              <p:cNvSpPr>
-                <a:spLocks noGrp="1" noRot="1" noChangeAspect="1" noMove="1" noResize="1" noEditPoints="1" noAdjustHandles="1" noChangeArrowheads="1" noChangeShapeType="1" noTextEdit="1"/>
-              </p:cNvSpPr>
-              <p:nvPr>
-                <p:ph idx="1"/>
-              </p:nvPr>
-            </p:nvSpPr>
-            <p:spPr>
-              <a:blipFill>
-                <a:blip r:embed="rId2"/>
-                <a:stretch>
-                  <a:fillRect l="-1043" t="-2101" r="-116"/>
-                </a:stretch>
-              </a:blipFill>
-            </p:spPr>
-            <p:txBody>
-              <a:bodyPr/>
-              <a:lstStyle/>
-              <a:p>
-                <a:r>
-                  <a:rPr lang="ru-RU">
-                    <a:noFill/>
-                  </a:rPr>
-                  <a:t> </a:t>
-                </a:r>
-              </a:p>
-            </p:txBody>
-          </p:sp>
-        </mc:Fallback>
-      </mc:AlternateContent>
-      <p:sp>
-        <p:nvSpPr>
-          <p:cNvPr id="4" name="Номер слайда 3"/>
-          <p:cNvSpPr>
-            <a:spLocks noGrp="1"/>
-          </p:cNvSpPr>
-          <p:nvPr>
-            <p:ph type="sldNum" sz="quarter" idx="12"/>
-          </p:nvPr>
-        </p:nvSpPr>
-        <p:spPr/>
-        <p:txBody>
-          <a:bodyPr/>
-          <a:lstStyle/>
-          <a:p>
-            <a:fld id="{8253DDDB-F8F7-4D64-A7FD-3F3D61C1949F}" type="slidenum">
-              <a:rPr lang="ru-RU" smtClean="0"/>
-              <a:t>7</a:t>
-            </a:fld>
-            <a:endParaRPr lang="ru-RU"/>
-          </a:p>
-        </p:txBody>
-      </p:sp>
-      <p:pic>
-        <p:nvPicPr>
-          <p:cNvPr id="5" name="Рисунок 4"/>
-          <p:cNvPicPr>
-            <a:picLocks noChangeAspect="1"/>
-          </p:cNvPicPr>
-          <p:nvPr/>
-        </p:nvPicPr>
-        <p:blipFill>
-          <a:blip r:embed="rId3"/>
-          <a:stretch>
-            <a:fillRect/>
-          </a:stretch>
-        </p:blipFill>
-        <p:spPr>
-          <a:xfrm>
-            <a:off x="1152525" y="4129087"/>
-            <a:ext cx="9886950" cy="2409825"/>
-          </a:xfrm>
-          <a:prstGeom prst="rect">
-            <a:avLst/>
-          </a:prstGeom>
-        </p:spPr>
-      </p:pic>
-    </p:spTree>
-    <p:extLst>
-      <p:ext uri="{BB962C8B-B14F-4D97-AF65-F5344CB8AC3E}">
-        <p14:creationId xmlns:p14="http://schemas.microsoft.com/office/powerpoint/2010/main" val="1830545734"/>
-      </p:ext>
-    </p:extLst>
-  </p:cSld>
-  <p:clrMapOvr>
-    <a:masterClrMapping/>
-  </p:clrMapOvr>
-  <p:timing>
-    <p:tnLst>
-      <p:par>
-        <p:cTn id="1" dur="indefinite" restart="never" nodeType="tmRoot"/>
-      </p:par>
-    </p:tnLst>
-  </p:timing>
-</p:sld>
-</file>
-
-<file path=ppt/slides/slide8.xml><?xml version="1.0" encoding="utf-8"?>
-<p:sld xmlns:a="http://schemas.openxmlformats.org/drawingml/2006/main" xmlns:r="http://schemas.openxmlformats.org/officeDocument/2006/relationships" xmlns:p="http://schemas.openxmlformats.org/presentationml/2006/main">
-  <p:cSld>
-    <p:spTree>
-      <p:nvGrpSpPr>
-        <p:cNvPr id="1" name=""/>
-        <p:cNvGrpSpPr/>
-        <p:nvPr/>
-      </p:nvGrpSpPr>
-      <p:grpSpPr>
-        <a:xfrm>
-          <a:off x="0" y="0"/>
-          <a:ext cx="0" cy="0"/>
-          <a:chOff x="0" y="0"/>
-          <a:chExt cx="0" cy="0"/>
-        </a:xfrm>
-      </p:grpSpPr>
-      <p:sp>
-        <p:nvSpPr>
-          <p:cNvPr id="2" name="Заголовок 1"/>
-          <p:cNvSpPr>
-            <a:spLocks noGrp="1"/>
-          </p:cNvSpPr>
-          <p:nvPr>
-            <p:ph type="title"/>
-          </p:nvPr>
-        </p:nvSpPr>
-        <p:spPr/>
-        <p:txBody>
-          <a:bodyPr/>
-          <a:lstStyle/>
-          <a:p>
-            <a:r>
-              <a:rPr lang="en-US" dirty="0" smtClean="0"/>
-              <a:t>DES</a:t>
-            </a:r>
-            <a:endParaRPr lang="ru-RU" dirty="0"/>
-          </a:p>
-        </p:txBody>
-      </p:sp>
-      <mc:AlternateContent xmlns:mc="http://schemas.openxmlformats.org/markup-compatibility/2006" xmlns:a14="http://schemas.microsoft.com/office/drawing/2010/main">
-        <mc:Choice Requires="a14">
-          <p:sp>
-            <p:nvSpPr>
-              <p:cNvPr id="3" name="Объект 2"/>
-              <p:cNvSpPr>
-                <a:spLocks noGrp="1"/>
-              </p:cNvSpPr>
-              <p:nvPr>
-                <p:ph idx="1"/>
-              </p:nvPr>
-            </p:nvSpPr>
-            <p:spPr/>
-            <p:txBody>
-              <a:bodyPr/>
-              <a:lstStyle/>
-              <a:p>
-                <a:r>
-                  <a:rPr lang="en-US" dirty="0" smtClean="0"/>
-                  <a:t>16 </a:t>
-                </a:r>
-                <a:r>
-                  <a:rPr lang="ru-RU" dirty="0" smtClean="0"/>
-                  <a:t>раундовая сеть </a:t>
-                </a:r>
-                <a:r>
-                  <a:rPr lang="ru-RU" dirty="0" err="1" smtClean="0"/>
-                  <a:t>Фейстеля</a:t>
-                </a:r>
-                <a:endParaRPr lang="ru-RU" dirty="0" smtClean="0"/>
-              </a:p>
-              <a:p>
-                <a:r>
-                  <a:rPr lang="ru-RU" dirty="0" smtClean="0"/>
-                  <a:t>Размер ключей</a:t>
-                </a:r>
-                <a:r>
-                  <a:rPr lang="en-US" dirty="0" smtClean="0"/>
-                  <a:t> – 56 </a:t>
-                </a:r>
-                <a:r>
-                  <a:rPr lang="ru-RU" dirty="0" smtClean="0"/>
-                  <a:t>бит</a:t>
-                </a:r>
-              </a:p>
-              <a:p>
-                <a:r>
-                  <a:rPr lang="ru-RU" dirty="0" smtClean="0"/>
-                  <a:t>Размер блока – 64 бита</a:t>
-                </a:r>
-                <a:endParaRPr lang="en-US" dirty="0" smtClean="0"/>
-              </a:p>
-              <a:p>
-                <a:r>
-                  <a:rPr lang="ru-RU" dirty="0" smtClean="0"/>
-                  <a:t>Производительность 80 </a:t>
-                </a:r>
-                <a:r>
-                  <a:rPr lang="en-US" dirty="0" smtClean="0"/>
-                  <a:t>MB/sec (</a:t>
-                </a:r>
-                <a:r>
-                  <a:rPr lang="pt-BR" dirty="0"/>
-                  <a:t>OpenSSL 1.0.1e on Intel(R) Xeon(R) CPU E5-2698 v3 @ 2.30GHz (Haswell</a:t>
-                </a:r>
-                <a:r>
-                  <a:rPr lang="pt-BR" dirty="0" smtClean="0"/>
-                  <a:t>))</a:t>
-                </a:r>
-                <a:endParaRPr lang="ru-RU" dirty="0" smtClean="0"/>
-              </a:p>
-              <a:p>
-                <a:r>
-                  <a:rPr lang="ru-RU" dirty="0" smtClean="0"/>
-                  <a:t>Сломан</a:t>
-                </a:r>
-                <a:r>
-                  <a:rPr lang="en-US" dirty="0"/>
-                  <a:t>.</a:t>
-                </a:r>
-                <a:r>
-                  <a:rPr lang="ru-RU" dirty="0" smtClean="0"/>
-                  <a:t> </a:t>
-                </a:r>
-                <a:r>
-                  <a:rPr lang="ru-RU" dirty="0"/>
-                  <a:t>Н</a:t>
-                </a:r>
-                <a:r>
-                  <a:rPr lang="ru-RU" dirty="0" smtClean="0"/>
-                  <a:t>е использовать на практике, включая вариации (например </a:t>
-                </a:r>
-                <a:r>
-                  <a:rPr lang="en-US" dirty="0" smtClean="0"/>
-                  <a:t>3DES)</a:t>
-                </a:r>
-                <a:endParaRPr lang="ru-RU" dirty="0" smtClean="0"/>
-              </a:p>
-              <a:p>
-                <a:r>
-                  <a:rPr lang="ru-RU" dirty="0" smtClean="0"/>
-                  <a:t>Практическая атака - </a:t>
-                </a:r>
-                <a14:m>
-                  <m:oMath xmlns:m="http://schemas.openxmlformats.org/officeDocument/2006/math">
-                    <m:sSup>
-                      <m:sSupPr>
-                        <m:ctrlPr>
-                          <a:rPr lang="en-US" b="0" i="1" smtClean="0">
-                            <a:latin typeface="Cambria Math" panose="02040503050406030204" pitchFamily="18" charset="0"/>
-                          </a:rPr>
-                        </m:ctrlPr>
-                      </m:sSupPr>
-                      <m:e>
-                        <m:r>
-                          <a:rPr lang="en-US" b="0" i="1" smtClean="0">
-                            <a:latin typeface="Cambria Math" panose="02040503050406030204" pitchFamily="18" charset="0"/>
-                          </a:rPr>
-                          <m:t>2</m:t>
-                        </m:r>
-                      </m:e>
-                      <m:sup>
-                        <m:r>
-                          <a:rPr lang="en-US" b="0" i="1" smtClean="0">
-                            <a:latin typeface="Cambria Math" panose="02040503050406030204" pitchFamily="18" charset="0"/>
-                          </a:rPr>
-                          <m:t>43</m:t>
-                        </m:r>
-                      </m:sup>
-                    </m:sSup>
-                    <m:r>
-                      <a:rPr lang="ru-RU" b="0" i="0" smtClean="0">
-                        <a:latin typeface="Cambria Math" panose="02040503050406030204" pitchFamily="18" charset="0"/>
-                      </a:rPr>
-                      <m:t>,</m:t>
-                    </m:r>
-                  </m:oMath>
-                </a14:m>
-                <a:r>
-                  <a:rPr lang="ru-RU" dirty="0" smtClean="0"/>
-                  <a:t> </a:t>
-                </a:r>
-                <a:r>
-                  <a:rPr lang="en-US" dirty="0" smtClean="0"/>
-                  <a:t>3DES - </a:t>
-                </a:r>
-                <a14:m>
-                  <m:oMath xmlns:m="http://schemas.openxmlformats.org/officeDocument/2006/math">
-                    <m:sSup>
-                      <m:sSupPr>
-                        <m:ctrlPr>
-                          <a:rPr lang="en-US" b="0" i="1" smtClean="0">
-                            <a:latin typeface="Cambria Math" panose="02040503050406030204" pitchFamily="18" charset="0"/>
-                          </a:rPr>
-                        </m:ctrlPr>
-                      </m:sSupPr>
-                      <m:e>
-                        <m:r>
-                          <a:rPr lang="en-US" b="0" i="1" smtClean="0">
-                            <a:latin typeface="Cambria Math" panose="02040503050406030204" pitchFamily="18" charset="0"/>
-                          </a:rPr>
-                          <m:t>2</m:t>
-                        </m:r>
-                      </m:e>
-                      <m:sup>
-                        <m:r>
-                          <a:rPr lang="en-US" b="0" i="1" smtClean="0">
-                            <a:latin typeface="Cambria Math" panose="02040503050406030204" pitchFamily="18" charset="0"/>
-                          </a:rPr>
-                          <m:t>113</m:t>
-                        </m:r>
-                      </m:sup>
-                    </m:sSup>
-                    <m:r>
-                      <a:rPr lang="en-US" b="0" i="0" smtClean="0">
-                        <a:latin typeface="Cambria Math" panose="02040503050406030204" pitchFamily="18" charset="0"/>
-                      </a:rPr>
-                      <m:t>.</m:t>
-                    </m:r>
-                  </m:oMath>
-                </a14:m>
-                <a:endParaRPr lang="ru-RU" dirty="0"/>
-              </a:p>
-            </p:txBody>
-          </p:sp>
-        </mc:Choice>
-        <mc:Fallback xmlns="">
-          <p:sp>
-            <p:nvSpPr>
-              <p:cNvPr id="3" name="Объект 2"/>
-              <p:cNvSpPr>
-                <a:spLocks noGrp="1" noRot="1" noChangeAspect="1" noMove="1" noResize="1" noEditPoints="1" noAdjustHandles="1" noChangeArrowheads="1" noChangeShapeType="1" noTextEdit="1"/>
-              </p:cNvSpPr>
-              <p:nvPr>
-                <p:ph idx="1"/>
-              </p:nvPr>
-            </p:nvSpPr>
-            <p:spPr>
-              <a:blipFill rotWithShape="0">
-                <a:blip r:embed="rId2"/>
-                <a:stretch>
-                  <a:fillRect l="-928" t="-2101" r="-58"/>
-                </a:stretch>
-              </a:blipFill>
-            </p:spPr>
-            <p:txBody>
-              <a:bodyPr/>
-              <a:lstStyle/>
-              <a:p>
-                <a:r>
-                  <a:rPr lang="ru-RU">
-                    <a:noFill/>
-                  </a:rPr>
-                  <a:t> </a:t>
-                </a:r>
-              </a:p>
-            </p:txBody>
-          </p:sp>
-        </mc:Fallback>
-      </mc:AlternateContent>
-      <p:sp>
-        <p:nvSpPr>
-          <p:cNvPr id="4" name="Номер слайда 3"/>
-          <p:cNvSpPr>
-            <a:spLocks noGrp="1"/>
-          </p:cNvSpPr>
-          <p:nvPr>
-            <p:ph type="sldNum" sz="quarter" idx="12"/>
-          </p:nvPr>
-        </p:nvSpPr>
-        <p:spPr/>
-        <p:txBody>
-          <a:bodyPr/>
-          <a:lstStyle/>
-          <a:p>
-            <a:fld id="{8253DDDB-F8F7-4D64-A7FD-3F3D61C1949F}" type="slidenum">
-              <a:rPr lang="ru-RU" smtClean="0"/>
-              <a:t>8</a:t>
-            </a:fld>
-            <a:endParaRPr lang="ru-RU"/>
-          </a:p>
-        </p:txBody>
-      </p:sp>
-    </p:spTree>
-    <p:extLst>
-      <p:ext uri="{BB962C8B-B14F-4D97-AF65-F5344CB8AC3E}">
-        <p14:creationId xmlns:p14="http://schemas.microsoft.com/office/powerpoint/2010/main" val="3288896553"/>
-      </p:ext>
-    </p:extLst>
-  </p:cSld>
-  <p:clrMapOvr>
-    <a:masterClrMapping/>
-  </p:clrMapOvr>
-  <p:timing>
-    <p:tnLst>
-      <p:par>
-        <p:cTn id="1" dur="indefinite" restart="never" nodeType="tmRoot"/>
-      </p:par>
-    </p:tnLst>
-  </p:timing>
-</p:sld>
-</file>
-
-<file path=ppt/slides/slide9.xml><?xml version="1.0" encoding="utf-8"?>
-<p:sld xmlns:a="http://schemas.openxmlformats.org/drawingml/2006/main" xmlns:r="http://schemas.openxmlformats.org/officeDocument/2006/relationships" xmlns:p="http://schemas.openxmlformats.org/presentationml/2006/main">
-  <p:cSld>
-    <p:spTree>
-      <p:nvGrpSpPr>
-        <p:cNvPr id="1" name=""/>
-        <p:cNvGrpSpPr/>
-        <p:nvPr/>
-      </p:nvGrpSpPr>
-      <p:grpSpPr>
-        <a:xfrm>
-          <a:off x="0" y="0"/>
-          <a:ext cx="0" cy="0"/>
-          <a:chOff x="0" y="0"/>
-          <a:chExt cx="0" cy="0"/>
-        </a:xfrm>
-      </p:grpSpPr>
-      <p:sp>
-        <p:nvSpPr>
-          <p:cNvPr id="2" name="Заголовок 1"/>
-          <p:cNvSpPr>
-            <a:spLocks noGrp="1"/>
-          </p:cNvSpPr>
-          <p:nvPr>
-            <p:ph type="title"/>
-          </p:nvPr>
-        </p:nvSpPr>
-        <p:spPr/>
-        <p:txBody>
-          <a:bodyPr/>
-          <a:lstStyle/>
-          <a:p>
-            <a:r>
-              <a:rPr lang="en-US" dirty="0" smtClean="0"/>
-              <a:t>DES</a:t>
-            </a:r>
-            <a:endParaRPr lang="ru-RU" dirty="0"/>
-          </a:p>
-        </p:txBody>
-      </p:sp>
-      <mc:AlternateContent xmlns:mc="http://schemas.openxmlformats.org/markup-compatibility/2006" xmlns:a14="http://schemas.microsoft.com/office/drawing/2010/main">
-        <mc:Choice Requires="a14">
-          <p:sp>
-            <p:nvSpPr>
-              <p:cNvPr id="3" name="Объект 2"/>
-              <p:cNvSpPr>
-                <a:spLocks noGrp="1"/>
-              </p:cNvSpPr>
-              <p:nvPr>
-                <p:ph idx="1"/>
-              </p:nvPr>
-            </p:nvSpPr>
-            <p:spPr/>
-            <p:txBody>
-              <a:bodyPr/>
-              <a:lstStyle/>
-              <a:p>
-                <a14:m>
-                  <m:oMath xmlns:m="http://schemas.openxmlformats.org/officeDocument/2006/math">
-                    <m:sSub>
-                      <m:sSubPr>
-                        <m:ctrlPr>
-                          <a:rPr lang="en-US" b="0" i="1" smtClean="0">
-                            <a:latin typeface="Cambria Math" panose="02040503050406030204" pitchFamily="18" charset="0"/>
-                          </a:rPr>
-                        </m:ctrlPr>
-                      </m:sSubPr>
-                      <m:e>
-                        <m:r>
-                          <a:rPr lang="en-US" b="0" i="1" smtClean="0">
-                            <a:latin typeface="Cambria Math" panose="02040503050406030204" pitchFamily="18" charset="0"/>
-                          </a:rPr>
-                          <m:t>𝑓</m:t>
-                        </m:r>
-                      </m:e>
-                      <m:sub>
-                        <m:r>
-                          <a:rPr lang="en-US" b="0" i="1" smtClean="0">
-                            <a:latin typeface="Cambria Math" panose="02040503050406030204" pitchFamily="18" charset="0"/>
-                          </a:rPr>
-                          <m:t>𝑖</m:t>
-                        </m:r>
-                      </m:sub>
-                    </m:sSub>
-                    <m:d>
-                      <m:dPr>
-                        <m:ctrlPr>
-                          <a:rPr lang="en-US" b="0" i="1" smtClean="0">
-                            <a:latin typeface="Cambria Math" panose="02040503050406030204" pitchFamily="18" charset="0"/>
-                          </a:rPr>
-                        </m:ctrlPr>
-                      </m:dPr>
-                      <m:e>
-                        <m:r>
-                          <a:rPr lang="en-US" b="0" i="1" smtClean="0">
-                            <a:latin typeface="Cambria Math" panose="02040503050406030204" pitchFamily="18" charset="0"/>
-                          </a:rPr>
-                          <m:t>𝑥</m:t>
-                        </m:r>
-                      </m:e>
-                    </m:d>
-                    <m:r>
-                      <a:rPr lang="en-US" b="0" i="1" smtClean="0">
-                        <a:latin typeface="Cambria Math" panose="02040503050406030204" pitchFamily="18" charset="0"/>
-                      </a:rPr>
-                      <m:t>=</m:t>
-                    </m:r>
-                    <m:r>
-                      <a:rPr lang="en-US" b="0" i="1" smtClean="0">
-                        <a:latin typeface="Cambria Math" panose="02040503050406030204" pitchFamily="18" charset="0"/>
-                      </a:rPr>
-                      <m:t>𝐹</m:t>
-                    </m:r>
-                    <m:d>
-                      <m:dPr>
-                        <m:ctrlPr>
-                          <a:rPr lang="en-US" b="0" i="1" smtClean="0">
-                            <a:latin typeface="Cambria Math" panose="02040503050406030204" pitchFamily="18" charset="0"/>
-                          </a:rPr>
-                        </m:ctrlPr>
-                      </m:dPr>
-                      <m:e>
-                        <m:sSub>
-                          <m:sSubPr>
-                            <m:ctrlPr>
-                              <a:rPr lang="en-US" b="0" i="1" smtClean="0">
-                                <a:latin typeface="Cambria Math" panose="02040503050406030204" pitchFamily="18" charset="0"/>
-                              </a:rPr>
-                            </m:ctrlPr>
-                          </m:sSubPr>
-                          <m:e>
-                            <m:r>
-                              <a:rPr lang="en-US" b="0" i="1" smtClean="0">
-                                <a:latin typeface="Cambria Math" panose="02040503050406030204" pitchFamily="18" charset="0"/>
-                              </a:rPr>
-                              <m:t>𝑘</m:t>
-                            </m:r>
-                          </m:e>
-                          <m:sub>
-                            <m:r>
-                              <a:rPr lang="en-US" b="0" i="1" smtClean="0">
-                                <a:latin typeface="Cambria Math" panose="02040503050406030204" pitchFamily="18" charset="0"/>
-                              </a:rPr>
-                              <m:t>𝑖</m:t>
-                            </m:r>
-                          </m:sub>
-                        </m:sSub>
-                        <m:r>
-                          <a:rPr lang="en-US" b="0" i="1" smtClean="0">
-                            <a:latin typeface="Cambria Math" panose="02040503050406030204" pitchFamily="18" charset="0"/>
-                          </a:rPr>
-                          <m:t>,</m:t>
-                        </m:r>
-                        <m:r>
-                          <a:rPr lang="en-US" b="0" i="1" smtClean="0">
-                            <a:latin typeface="Cambria Math" panose="02040503050406030204" pitchFamily="18" charset="0"/>
-                          </a:rPr>
-                          <m:t>𝑥</m:t>
-                        </m:r>
-                      </m:e>
-                    </m:d>
-                    <m:r>
-                      <a:rPr lang="en-US" b="0" i="1" smtClean="0">
-                        <a:latin typeface="Cambria Math" panose="02040503050406030204" pitchFamily="18" charset="0"/>
-                      </a:rPr>
-                      <m:t>, </m:t>
-                    </m:r>
-                    <m:sSub>
-                      <m:sSubPr>
-                        <m:ctrlPr>
-                          <a:rPr lang="en-US" b="0" i="1" smtClean="0">
-                            <a:latin typeface="Cambria Math" panose="02040503050406030204" pitchFamily="18" charset="0"/>
-                          </a:rPr>
-                        </m:ctrlPr>
-                      </m:sSubPr>
-                      <m:e>
-                        <m:r>
-                          <a:rPr lang="en-US" b="0" i="1" smtClean="0">
-                            <a:latin typeface="Cambria Math" panose="02040503050406030204" pitchFamily="18" charset="0"/>
-                          </a:rPr>
-                          <m:t>𝑘</m:t>
-                        </m:r>
-                      </m:e>
-                      <m:sub>
-                        <m:r>
-                          <a:rPr lang="en-US" b="0" i="1" smtClean="0">
-                            <a:latin typeface="Cambria Math" panose="02040503050406030204" pitchFamily="18" charset="0"/>
-                          </a:rPr>
-                          <m:t>𝑖</m:t>
-                        </m:r>
-                      </m:sub>
-                    </m:sSub>
-                    <m:r>
-                      <a:rPr lang="en-US" b="0" i="1" smtClean="0">
-                        <a:latin typeface="Cambria Math" panose="02040503050406030204" pitchFamily="18" charset="0"/>
-                      </a:rPr>
-                      <m:t>∈</m:t>
-                    </m:r>
-                    <m:sSup>
-                      <m:sSupPr>
-                        <m:ctrlPr>
-                          <a:rPr lang="en-US" b="0" i="1" smtClean="0">
-                            <a:latin typeface="Cambria Math" panose="02040503050406030204" pitchFamily="18" charset="0"/>
-                          </a:rPr>
-                        </m:ctrlPr>
-                      </m:sSupPr>
-                      <m:e>
-                        <m:d>
-                          <m:dPr>
-                            <m:begChr m:val="{"/>
-                            <m:endChr m:val="}"/>
-                            <m:ctrlPr>
-                              <a:rPr lang="en-US" b="0" i="1" smtClean="0">
-                                <a:latin typeface="Cambria Math" panose="02040503050406030204" pitchFamily="18" charset="0"/>
-                              </a:rPr>
-                            </m:ctrlPr>
-                          </m:dPr>
-                          <m:e>
-                            <m:r>
-                              <a:rPr lang="en-US" b="0" i="1" smtClean="0">
-                                <a:latin typeface="Cambria Math" panose="02040503050406030204" pitchFamily="18" charset="0"/>
-                              </a:rPr>
-                              <m:t>0,1</m:t>
-                            </m:r>
-                          </m:e>
-                        </m:d>
-                      </m:e>
-                      <m:sup>
-                        <m:r>
-                          <a:rPr lang="en-US" b="0" i="1" smtClean="0">
-                            <a:latin typeface="Cambria Math" panose="02040503050406030204" pitchFamily="18" charset="0"/>
-                          </a:rPr>
-                          <m:t>48</m:t>
-                        </m:r>
-                      </m:sup>
-                    </m:sSup>
-                    <m:r>
-                      <a:rPr lang="en-US" b="0" i="1" smtClean="0">
-                        <a:latin typeface="Cambria Math" panose="02040503050406030204" pitchFamily="18" charset="0"/>
-                      </a:rPr>
-                      <m:t>,</m:t>
-                    </m:r>
-                    <m:r>
-                      <a:rPr lang="en-US" b="0" i="1" smtClean="0">
-                        <a:latin typeface="Cambria Math" panose="02040503050406030204" pitchFamily="18" charset="0"/>
-                      </a:rPr>
-                      <m:t>𝑥</m:t>
-                    </m:r>
-                    <m:r>
-                      <a:rPr lang="en-US" b="0" i="1" smtClean="0">
-                        <a:latin typeface="Cambria Math" panose="02040503050406030204" pitchFamily="18" charset="0"/>
-                      </a:rPr>
-                      <m:t>∈</m:t>
-                    </m:r>
-                    <m:sSup>
-                      <m:sSupPr>
-                        <m:ctrlPr>
-                          <a:rPr lang="en-US" b="0" i="1" smtClean="0">
-                            <a:latin typeface="Cambria Math" panose="02040503050406030204" pitchFamily="18" charset="0"/>
-                          </a:rPr>
-                        </m:ctrlPr>
-                      </m:sSupPr>
-                      <m:e>
-                        <m:d>
-                          <m:dPr>
-                            <m:begChr m:val="{"/>
-                            <m:endChr m:val="}"/>
-                            <m:ctrlPr>
-                              <a:rPr lang="en-US" b="0" i="1" smtClean="0">
-                                <a:latin typeface="Cambria Math" panose="02040503050406030204" pitchFamily="18" charset="0"/>
-                              </a:rPr>
-                            </m:ctrlPr>
-                          </m:dPr>
-                          <m:e>
-                            <m:r>
-                              <a:rPr lang="en-US" b="0" i="1" smtClean="0">
-                                <a:latin typeface="Cambria Math" panose="02040503050406030204" pitchFamily="18" charset="0"/>
-                              </a:rPr>
-                              <m:t>0,1</m:t>
-                            </m:r>
-                          </m:e>
-                        </m:d>
-                      </m:e>
-                      <m:sup>
-                        <m:r>
-                          <a:rPr lang="en-US" b="0" i="1" smtClean="0">
-                            <a:latin typeface="Cambria Math" panose="02040503050406030204" pitchFamily="18" charset="0"/>
-                          </a:rPr>
-                          <m:t>32</m:t>
-                        </m:r>
-                      </m:sup>
-                    </m:sSup>
-                  </m:oMath>
-                </a14:m>
-                <a:r>
-                  <a:rPr lang="en-US" dirty="0" smtClean="0"/>
-                  <a:t> - </a:t>
-                </a:r>
-                <a:r>
-                  <a:rPr lang="ru-RU" dirty="0" smtClean="0"/>
-                  <a:t>раундовая функция в сети </a:t>
-                </a:r>
-                <a:r>
-                  <a:rPr lang="ru-RU" dirty="0" err="1"/>
-                  <a:t>Ф</a:t>
-                </a:r>
-                <a:r>
-                  <a:rPr lang="ru-RU" dirty="0" err="1" smtClean="0"/>
-                  <a:t>ейстеля</a:t>
-                </a:r>
-                <a:r>
-                  <a:rPr lang="ru-RU" dirty="0" smtClean="0"/>
-                  <a:t>.</a:t>
-                </a:r>
-              </a:p>
-              <a:p>
-                <a14:m>
-                  <m:oMath xmlns:m="http://schemas.openxmlformats.org/officeDocument/2006/math">
-                    <m:r>
-                      <a:rPr lang="en-US" b="0" i="1" smtClean="0">
-                        <a:latin typeface="Cambria Math" panose="02040503050406030204" pitchFamily="18" charset="0"/>
-                      </a:rPr>
-                      <m:t>𝐸</m:t>
-                    </m:r>
-                    <m:r>
-                      <a:rPr lang="en-US" b="0" i="1" smtClean="0">
-                        <a:latin typeface="Cambria Math" panose="02040503050406030204" pitchFamily="18" charset="0"/>
-                      </a:rPr>
-                      <m:t>:</m:t>
-                    </m:r>
-                    <m:sSup>
-                      <m:sSupPr>
-                        <m:ctrlPr>
-                          <a:rPr lang="en-US" b="0" i="1" smtClean="0">
-                            <a:latin typeface="Cambria Math" panose="02040503050406030204" pitchFamily="18" charset="0"/>
-                          </a:rPr>
-                        </m:ctrlPr>
-                      </m:sSupPr>
-                      <m:e>
-                        <m:d>
-                          <m:dPr>
-                            <m:begChr m:val="{"/>
-                            <m:endChr m:val="}"/>
-                            <m:ctrlPr>
-                              <a:rPr lang="en-US" b="0" i="1" smtClean="0">
-                                <a:latin typeface="Cambria Math" panose="02040503050406030204" pitchFamily="18" charset="0"/>
-                              </a:rPr>
-                            </m:ctrlPr>
-                          </m:dPr>
-                          <m:e>
-                            <m:r>
-                              <a:rPr lang="en-US" b="0" i="1" smtClean="0">
-                                <a:latin typeface="Cambria Math" panose="02040503050406030204" pitchFamily="18" charset="0"/>
-                              </a:rPr>
-                              <m:t>0,1</m:t>
-                            </m:r>
-                          </m:e>
-                        </m:d>
-                      </m:e>
-                      <m:sup>
-                        <m:r>
-                          <a:rPr lang="en-US" b="0" i="1" smtClean="0">
-                            <a:latin typeface="Cambria Math" panose="02040503050406030204" pitchFamily="18" charset="0"/>
-                          </a:rPr>
-                          <m:t>32</m:t>
-                        </m:r>
-                      </m:sup>
-                    </m:sSup>
-                    <m:r>
-                      <a:rPr lang="en-US" b="0" i="1" smtClean="0">
-                        <a:latin typeface="Cambria Math" panose="02040503050406030204" pitchFamily="18" charset="0"/>
-                      </a:rPr>
-                      <m:t>→</m:t>
-                    </m:r>
-                    <m:sSup>
-                      <m:sSupPr>
-                        <m:ctrlPr>
-                          <a:rPr lang="en-US" b="0" i="1" smtClean="0">
-                            <a:latin typeface="Cambria Math" panose="02040503050406030204" pitchFamily="18" charset="0"/>
-                          </a:rPr>
-                        </m:ctrlPr>
-                      </m:sSupPr>
-                      <m:e>
-                        <m:d>
-                          <m:dPr>
-                            <m:begChr m:val="{"/>
-                            <m:endChr m:val="}"/>
-                            <m:ctrlPr>
-                              <a:rPr lang="en-US" b="0" i="1" smtClean="0">
-                                <a:latin typeface="Cambria Math" panose="02040503050406030204" pitchFamily="18" charset="0"/>
-                              </a:rPr>
-                            </m:ctrlPr>
-                          </m:dPr>
-                          <m:e>
-                            <m:r>
-                              <a:rPr lang="en-US" b="0" i="1" smtClean="0">
-                                <a:latin typeface="Cambria Math" panose="02040503050406030204" pitchFamily="18" charset="0"/>
-                              </a:rPr>
-                              <m:t>0,1</m:t>
-                            </m:r>
-                          </m:e>
-                        </m:d>
-                      </m:e>
-                      <m:sup>
-                        <m:r>
-                          <a:rPr lang="en-US" b="0" i="1" smtClean="0">
-                            <a:latin typeface="Cambria Math" panose="02040503050406030204" pitchFamily="18" charset="0"/>
-                          </a:rPr>
-                          <m:t>48</m:t>
-                        </m:r>
-                      </m:sup>
-                    </m:sSup>
-                  </m:oMath>
-                </a14:m>
-                <a:r>
-                  <a:rPr lang="en-US" dirty="0" smtClean="0"/>
-                  <a:t> -</a:t>
-                </a:r>
-                <a:r>
-                  <a:rPr lang="ru-RU" dirty="0" smtClean="0"/>
-                  <a:t> функция расширения</a:t>
-                </a:r>
-              </a:p>
-              <a:p>
-                <a14:m>
-                  <m:oMath xmlns:m="http://schemas.openxmlformats.org/officeDocument/2006/math">
-                    <m:r>
-                      <a:rPr lang="en-US" b="0" i="1" smtClean="0">
-                        <a:latin typeface="Cambria Math" panose="02040503050406030204" pitchFamily="18" charset="0"/>
-                      </a:rPr>
-                      <m:t>𝑃</m:t>
-                    </m:r>
-                    <m:r>
-                      <a:rPr lang="en-US" b="0" i="1" smtClean="0">
-                        <a:latin typeface="Cambria Math" panose="02040503050406030204" pitchFamily="18" charset="0"/>
-                      </a:rPr>
-                      <m:t>:</m:t>
-                    </m:r>
-                    <m:sSup>
-                      <m:sSupPr>
-                        <m:ctrlPr>
-                          <a:rPr lang="en-US" b="0" i="1" smtClean="0">
-                            <a:latin typeface="Cambria Math" panose="02040503050406030204" pitchFamily="18" charset="0"/>
-                          </a:rPr>
-                        </m:ctrlPr>
-                      </m:sSupPr>
-                      <m:e>
-                        <m:d>
-                          <m:dPr>
-                            <m:begChr m:val="{"/>
-                            <m:endChr m:val="}"/>
-                            <m:ctrlPr>
-                              <a:rPr lang="en-US" b="0" i="1" smtClean="0">
-                                <a:latin typeface="Cambria Math" panose="02040503050406030204" pitchFamily="18" charset="0"/>
-                              </a:rPr>
-                            </m:ctrlPr>
-                          </m:dPr>
-                          <m:e>
-                            <m:r>
-                              <a:rPr lang="en-US" b="0" i="1" smtClean="0">
-                                <a:latin typeface="Cambria Math" panose="02040503050406030204" pitchFamily="18" charset="0"/>
-                              </a:rPr>
-                              <m:t>0,1</m:t>
-                            </m:r>
-                          </m:e>
-                        </m:d>
-                      </m:e>
-                      <m:sup>
-                        <m:r>
-                          <a:rPr lang="en-US" b="0" i="1" smtClean="0">
-                            <a:latin typeface="Cambria Math" panose="02040503050406030204" pitchFamily="18" charset="0"/>
-                          </a:rPr>
-                          <m:t>32</m:t>
-                        </m:r>
-                      </m:sup>
-                    </m:sSup>
-                    <m:r>
-                      <a:rPr lang="en-US" b="0" i="1" smtClean="0">
-                        <a:latin typeface="Cambria Math" panose="02040503050406030204" pitchFamily="18" charset="0"/>
-                      </a:rPr>
-                      <m:t>→</m:t>
-                    </m:r>
-                    <m:sSup>
-                      <m:sSupPr>
-                        <m:ctrlPr>
-                          <a:rPr lang="en-US" b="0" i="1" smtClean="0">
-                            <a:latin typeface="Cambria Math" panose="02040503050406030204" pitchFamily="18" charset="0"/>
-                          </a:rPr>
-                        </m:ctrlPr>
-                      </m:sSupPr>
-                      <m:e>
-                        <m:d>
-                          <m:dPr>
-                            <m:begChr m:val="{"/>
-                            <m:endChr m:val="}"/>
-                            <m:ctrlPr>
-                              <a:rPr lang="en-US" b="0" i="1" smtClean="0">
-                                <a:latin typeface="Cambria Math" panose="02040503050406030204" pitchFamily="18" charset="0"/>
-                              </a:rPr>
-                            </m:ctrlPr>
-                          </m:dPr>
-                          <m:e>
-                            <m:r>
-                              <a:rPr lang="en-US" b="0" i="1" smtClean="0">
-                                <a:latin typeface="Cambria Math" panose="02040503050406030204" pitchFamily="18" charset="0"/>
-                              </a:rPr>
-                              <m:t>0,1</m:t>
-                            </m:r>
-                          </m:e>
-                        </m:d>
-                      </m:e>
-                      <m:sup>
-                        <m:r>
-                          <a:rPr lang="en-US" b="0" i="1" smtClean="0">
-                            <a:latin typeface="Cambria Math" panose="02040503050406030204" pitchFamily="18" charset="0"/>
-                          </a:rPr>
-                          <m:t>32</m:t>
-                        </m:r>
-                      </m:sup>
-                    </m:sSup>
-                  </m:oMath>
-                </a14:m>
-                <a:r>
-                  <a:rPr lang="en-US" dirty="0" smtClean="0"/>
-                  <a:t> - </a:t>
-                </a:r>
-                <a:r>
-                  <a:rPr lang="ru-RU" dirty="0" smtClean="0"/>
-                  <a:t>перемешивающая перестановка</a:t>
-                </a:r>
-              </a:p>
-              <a:p>
-                <a:r>
-                  <a:rPr lang="ru-RU" dirty="0" smtClean="0"/>
-                  <a:t>Функции </a:t>
-                </a:r>
-                <a14:m>
-                  <m:oMath xmlns:m="http://schemas.openxmlformats.org/officeDocument/2006/math">
-                    <m:sSub>
-                      <m:sSubPr>
-                        <m:ctrlPr>
-                          <a:rPr lang="en-US" b="0" i="1" smtClean="0">
-                            <a:latin typeface="Cambria Math" panose="02040503050406030204" pitchFamily="18" charset="0"/>
-                          </a:rPr>
-                        </m:ctrlPr>
-                      </m:sSubPr>
-                      <m:e>
-                        <m:r>
-                          <a:rPr lang="en-US" b="0" i="1" smtClean="0">
-                            <a:latin typeface="Cambria Math" panose="02040503050406030204" pitchFamily="18" charset="0"/>
-                          </a:rPr>
-                          <m:t>𝑆</m:t>
-                        </m:r>
-                      </m:e>
-                      <m:sub>
-                        <m:r>
-                          <a:rPr lang="en-US" b="0" i="1" smtClean="0">
-                            <a:latin typeface="Cambria Math" panose="02040503050406030204" pitchFamily="18" charset="0"/>
-                          </a:rPr>
-                          <m:t>1</m:t>
-                        </m:r>
-                      </m:sub>
-                    </m:sSub>
-                    <m:r>
-                      <a:rPr lang="en-US" b="0" i="1" smtClean="0">
-                        <a:latin typeface="Cambria Math" panose="02040503050406030204" pitchFamily="18" charset="0"/>
-                      </a:rPr>
-                      <m:t>,…,</m:t>
-                    </m:r>
-                    <m:sSub>
-                      <m:sSubPr>
-                        <m:ctrlPr>
-                          <a:rPr lang="en-US" b="0" i="1" smtClean="0">
-                            <a:latin typeface="Cambria Math" panose="02040503050406030204" pitchFamily="18" charset="0"/>
-                          </a:rPr>
-                        </m:ctrlPr>
-                      </m:sSubPr>
-                      <m:e>
-                        <m:r>
-                          <a:rPr lang="en-US" b="0" i="1" smtClean="0">
-                            <a:latin typeface="Cambria Math" panose="02040503050406030204" pitchFamily="18" charset="0"/>
-                          </a:rPr>
-                          <m:t>𝑆</m:t>
-                        </m:r>
-                      </m:e>
-                      <m:sub>
-                        <m:r>
-                          <a:rPr lang="en-US" b="0" i="1" smtClean="0">
-                            <a:latin typeface="Cambria Math" panose="02040503050406030204" pitchFamily="18" charset="0"/>
-                          </a:rPr>
-                          <m:t>8</m:t>
-                        </m:r>
-                      </m:sub>
-                    </m:sSub>
-                    <m:r>
-                      <a:rPr lang="en-US" b="0" i="1" smtClean="0">
-                        <a:latin typeface="Cambria Math" panose="02040503050406030204" pitchFamily="18" charset="0"/>
-                      </a:rPr>
-                      <m:t>:</m:t>
-                    </m:r>
-                    <m:sSup>
-                      <m:sSupPr>
-                        <m:ctrlPr>
-                          <a:rPr lang="en-US" b="0" i="1" smtClean="0">
-                            <a:latin typeface="Cambria Math" panose="02040503050406030204" pitchFamily="18" charset="0"/>
-                          </a:rPr>
-                        </m:ctrlPr>
-                      </m:sSupPr>
-                      <m:e>
-                        <m:d>
-                          <m:dPr>
-                            <m:begChr m:val="{"/>
-                            <m:endChr m:val="}"/>
-                            <m:ctrlPr>
-                              <a:rPr lang="en-US" b="0" i="1" smtClean="0">
-                                <a:latin typeface="Cambria Math" panose="02040503050406030204" pitchFamily="18" charset="0"/>
-                              </a:rPr>
-                            </m:ctrlPr>
-                          </m:dPr>
-                          <m:e>
-                            <m:r>
-                              <a:rPr lang="ru-RU" b="0" i="1" smtClean="0">
-                                <a:latin typeface="Cambria Math" panose="02040503050406030204" pitchFamily="18" charset="0"/>
-                              </a:rPr>
-                              <m:t>0</m:t>
-                            </m:r>
-                            <m:r>
-                              <a:rPr lang="en-US" b="0" i="1" smtClean="0">
-                                <a:latin typeface="Cambria Math" panose="02040503050406030204" pitchFamily="18" charset="0"/>
-                              </a:rPr>
-                              <m:t>,1</m:t>
-                            </m:r>
-                          </m:e>
-                        </m:d>
-                      </m:e>
-                      <m:sup>
-                        <m:r>
-                          <a:rPr lang="en-US" b="0" i="1" smtClean="0">
-                            <a:latin typeface="Cambria Math" panose="02040503050406030204" pitchFamily="18" charset="0"/>
-                          </a:rPr>
-                          <m:t>6</m:t>
-                        </m:r>
-                      </m:sup>
-                    </m:sSup>
-                    <m:r>
-                      <a:rPr lang="en-US" b="0" i="1" smtClean="0">
-                        <a:latin typeface="Cambria Math" panose="02040503050406030204" pitchFamily="18" charset="0"/>
-                      </a:rPr>
-                      <m:t>→</m:t>
-                    </m:r>
-                    <m:sSup>
-                      <m:sSupPr>
-                        <m:ctrlPr>
-                          <a:rPr lang="en-US" b="0" i="1" smtClean="0">
-                            <a:latin typeface="Cambria Math" panose="02040503050406030204" pitchFamily="18" charset="0"/>
-                          </a:rPr>
-                        </m:ctrlPr>
-                      </m:sSupPr>
-                      <m:e>
-                        <m:d>
-                          <m:dPr>
-                            <m:begChr m:val="{"/>
-                            <m:endChr m:val="}"/>
-                            <m:ctrlPr>
-                              <a:rPr lang="en-US" b="0" i="1" smtClean="0">
-                                <a:latin typeface="Cambria Math" panose="02040503050406030204" pitchFamily="18" charset="0"/>
-                              </a:rPr>
-                            </m:ctrlPr>
-                          </m:dPr>
-                          <m:e>
-                            <m:r>
-                              <a:rPr lang="en-US" b="0" i="1" smtClean="0">
-                                <a:latin typeface="Cambria Math" panose="02040503050406030204" pitchFamily="18" charset="0"/>
-                              </a:rPr>
-                              <m:t>0,1</m:t>
-                            </m:r>
-                          </m:e>
-                        </m:d>
-                      </m:e>
-                      <m:sup>
-                        <m:r>
-                          <a:rPr lang="en-US" b="0" i="1" smtClean="0">
-                            <a:latin typeface="Cambria Math" panose="02040503050406030204" pitchFamily="18" charset="0"/>
-                          </a:rPr>
-                          <m:t>4</m:t>
-                        </m:r>
-                      </m:sup>
-                    </m:sSup>
-                  </m:oMath>
-                </a14:m>
-                <a:r>
-                  <a:rPr lang="en-US" dirty="0" smtClean="0"/>
-                  <a:t> - S </a:t>
-                </a:r>
-                <a:r>
-                  <a:rPr lang="ru-RU" dirty="0" smtClean="0"/>
-                  <a:t>боксы, фиксировано заданные таблично.</a:t>
-                </a:r>
-                <a:endParaRPr lang="ru-RU" dirty="0"/>
-              </a:p>
-            </p:txBody>
-          </p:sp>
-        </mc:Choice>
-        <mc:Fallback xmlns="">
-          <p:sp>
-            <p:nvSpPr>
-              <p:cNvPr id="3" name="Объект 2"/>
-              <p:cNvSpPr>
-                <a:spLocks noGrp="1" noRot="1" noChangeAspect="1" noMove="1" noResize="1" noEditPoints="1" noAdjustHandles="1" noChangeArrowheads="1" noChangeShapeType="1" noTextEdit="1"/>
-              </p:cNvSpPr>
-              <p:nvPr>
-                <p:ph idx="1"/>
-              </p:nvPr>
-            </p:nvSpPr>
-            <p:spPr>
-              <a:blipFill rotWithShape="0">
-                <a:blip r:embed="rId2"/>
-                <a:stretch>
-                  <a:fillRect l="-928" t="-1961"/>
-                </a:stretch>
-              </a:blipFill>
-            </p:spPr>
-            <p:txBody>
-              <a:bodyPr/>
-              <a:lstStyle/>
-              <a:p>
-                <a:r>
-                  <a:rPr lang="ru-RU">
-                    <a:noFill/>
-                  </a:rPr>
-                  <a:t> </a:t>
-                </a:r>
-              </a:p>
-            </p:txBody>
-          </p:sp>
-        </mc:Fallback>
-      </mc:AlternateContent>
-      <p:sp>
-        <p:nvSpPr>
-          <p:cNvPr id="4" name="Номер слайда 3"/>
-          <p:cNvSpPr>
-            <a:spLocks noGrp="1"/>
-          </p:cNvSpPr>
-          <p:nvPr>
-            <p:ph type="sldNum" sz="quarter" idx="12"/>
-          </p:nvPr>
-        </p:nvSpPr>
-        <p:spPr/>
-        <p:txBody>
-          <a:bodyPr/>
-          <a:lstStyle/>
-          <a:p>
-            <a:fld id="{8253DDDB-F8F7-4D64-A7FD-3F3D61C1949F}" type="slidenum">
-              <a:rPr lang="ru-RU" smtClean="0"/>
-              <a:t>9</a:t>
-            </a:fld>
-            <a:endParaRPr lang="ru-RU"/>
-          </a:p>
-        </p:txBody>
-      </p:sp>
-    </p:spTree>
-    <p:extLst>
-      <p:ext uri="{BB962C8B-B14F-4D97-AF65-F5344CB8AC3E}">
-        <p14:creationId xmlns:p14="http://schemas.microsoft.com/office/powerpoint/2010/main" val="3596834204"/>
       </p:ext>
     </p:extLst>
   </p:cSld>

--- a/Lectures/Lecture5.pptx
+++ b/Lectures/Lecture5.pptx
@@ -5,7 +5,7 @@
     <p:sldMasterId id="2147483648" r:id="rId1"/>
   </p:sldMasterIdLst>
   <p:notesMasterIdLst>
-    <p:notesMasterId r:id="rId34"/>
+    <p:notesMasterId r:id="rId36"/>
   </p:notesMasterIdLst>
   <p:sldIdLst>
     <p:sldId id="296" r:id="rId2"/>
@@ -40,6 +40,8 @@
     <p:sldId id="390" r:id="rId31"/>
     <p:sldId id="391" r:id="rId32"/>
     <p:sldId id="387" r:id="rId33"/>
+    <p:sldId id="396" r:id="rId34"/>
+    <p:sldId id="397" r:id="rId35"/>
   </p:sldIdLst>
   <p:sldSz cx="12192000" cy="6858000"/>
   <p:notesSz cx="6858000" cy="9144000"/>
@@ -195,6 +197,12 @@
             <p14:sldId id="390"/>
             <p14:sldId id="391"/>
             <p14:sldId id="387"/>
+            <p14:sldId id="396"/>
+          </p14:sldIdLst>
+        </p14:section>
+        <p14:section name="тесты" id="{F359A15B-04C6-4428-9686-7228C9403E2D}">
+          <p14:sldIdLst>
+            <p14:sldId id="397"/>
           </p14:sldIdLst>
         </p14:section>
       </p14:sectionLst>
@@ -291,7 +299,7 @@
           <a:p>
             <a:fld id="{CBA08D16-15DC-4E25-BDC3-F25146157B16}" type="datetimeFigureOut">
               <a:rPr lang="ru-RU" smtClean="0"/>
-              <a:t>19.10.2023</a:t>
+              <a:t>10.10.2024</a:t>
             </a:fld>
             <a:endParaRPr lang="ru-RU"/>
           </a:p>
@@ -690,7 +698,7 @@
           <a:p>
             <a:fld id="{FCEC8293-DB51-454A-BE81-EC8FCB31EBA2}" type="datetime1">
               <a:rPr lang="ru-RU" smtClean="0"/>
-              <a:t>19.10.2023</a:t>
+              <a:t>10.10.2024</a:t>
             </a:fld>
             <a:endParaRPr lang="ru-RU"/>
           </a:p>
@@ -864,7 +872,7 @@
           <a:p>
             <a:fld id="{241C87B1-1C35-4DBD-BC18-2BC72E776603}" type="datetime1">
               <a:rPr lang="ru-RU" smtClean="0"/>
-              <a:t>19.10.2023</a:t>
+              <a:t>10.10.2024</a:t>
             </a:fld>
             <a:endParaRPr lang="ru-RU"/>
           </a:p>
@@ -1048,7 +1056,7 @@
           <a:p>
             <a:fld id="{3134C275-26C0-42CD-9111-9ADE65922AF9}" type="datetime1">
               <a:rPr lang="ru-RU" smtClean="0"/>
-              <a:t>19.10.2023</a:t>
+              <a:t>10.10.2024</a:t>
             </a:fld>
             <a:endParaRPr lang="ru-RU"/>
           </a:p>
@@ -1222,7 +1230,7 @@
           <a:p>
             <a:fld id="{C1A9A50B-C350-45F5-8AAB-ADB9E670AF2E}" type="datetime1">
               <a:rPr lang="ru-RU" smtClean="0"/>
-              <a:t>19.10.2023</a:t>
+              <a:t>10.10.2024</a:t>
             </a:fld>
             <a:endParaRPr lang="ru-RU"/>
           </a:p>
@@ -1472,7 +1480,7 @@
           <a:p>
             <a:fld id="{089688C9-348F-42F9-B6C0-5990DDE0C5B2}" type="datetime1">
               <a:rPr lang="ru-RU" smtClean="0"/>
-              <a:t>19.10.2023</a:t>
+              <a:t>10.10.2024</a:t>
             </a:fld>
             <a:endParaRPr lang="ru-RU"/>
           </a:p>
@@ -1708,7 +1716,7 @@
           <a:p>
             <a:fld id="{684AFD8F-6DD9-4AD3-A505-FDC3F5C5F3F6}" type="datetime1">
               <a:rPr lang="ru-RU" smtClean="0"/>
-              <a:t>19.10.2023</a:t>
+              <a:t>10.10.2024</a:t>
             </a:fld>
             <a:endParaRPr lang="ru-RU"/>
           </a:p>
@@ -2079,7 +2087,7 @@
           <a:p>
             <a:fld id="{63551EFE-4D02-45EB-A747-8B6F047B5AA0}" type="datetime1">
               <a:rPr lang="ru-RU" smtClean="0"/>
-              <a:t>19.10.2023</a:t>
+              <a:t>10.10.2024</a:t>
             </a:fld>
             <a:endParaRPr lang="ru-RU"/>
           </a:p>
@@ -2201,7 +2209,7 @@
           <a:p>
             <a:fld id="{813A9F34-E5CD-4B8F-AA9E-889C84372B20}" type="datetime1">
               <a:rPr lang="ru-RU" smtClean="0"/>
-              <a:t>19.10.2023</a:t>
+              <a:t>10.10.2024</a:t>
             </a:fld>
             <a:endParaRPr lang="ru-RU"/>
           </a:p>
@@ -2300,7 +2308,7 @@
           <a:p>
             <a:fld id="{51224D22-9B29-44A6-8E82-95FC492DEDC1}" type="datetime1">
               <a:rPr lang="ru-RU" smtClean="0"/>
-              <a:t>19.10.2023</a:t>
+              <a:t>10.10.2024</a:t>
             </a:fld>
             <a:endParaRPr lang="ru-RU"/>
           </a:p>
@@ -2581,7 +2589,7 @@
           <a:p>
             <a:fld id="{91D1034F-4441-48A1-BDC0-25EA1022324A}" type="datetime1">
               <a:rPr lang="ru-RU" smtClean="0"/>
-              <a:t>19.10.2023</a:t>
+              <a:t>10.10.2024</a:t>
             </a:fld>
             <a:endParaRPr lang="ru-RU"/>
           </a:p>
@@ -2838,7 +2846,7 @@
           <a:p>
             <a:fld id="{B0FFDE79-B627-473B-AE17-4C65BD2495F7}" type="datetime1">
               <a:rPr lang="ru-RU" smtClean="0"/>
-              <a:t>19.10.2023</a:t>
+              <a:t>10.10.2024</a:t>
             </a:fld>
             <a:endParaRPr lang="ru-RU"/>
           </a:p>
@@ -3055,7 +3063,7 @@
           <a:p>
             <a:fld id="{11CA537A-1B8C-47BA-9BA6-7CE3FAFDA8BE}" type="datetime1">
               <a:rPr lang="ru-RU" smtClean="0"/>
-              <a:t>19.10.2023</a:t>
+              <a:t>10.10.2024</a:t>
             </a:fld>
             <a:endParaRPr lang="ru-RU"/>
           </a:p>
@@ -3557,11 +3565,7 @@
             </a:r>
             <a:r>
               <a:rPr lang="ru-RU" dirty="0" smtClean="0"/>
-              <a:t>202</a:t>
-            </a:r>
-            <a:r>
-              <a:rPr lang="en-US" dirty="0" smtClean="0"/>
-              <a:t>3</a:t>
+              <a:t>2024</a:t>
             </a:r>
             <a:endParaRPr lang="ru-RU" dirty="0"/>
           </a:p>
@@ -8607,163 +8611,6 @@
           </a:p>
         </p:txBody>
       </p:sp>
-      <mc:AlternateContent xmlns:mc="http://schemas.openxmlformats.org/markup-compatibility/2006">
-        <mc:Choice xmlns:a14="http://schemas.microsoft.com/office/drawing/2010/main" Requires="a14">
-          <p:sp>
-            <p:nvSpPr>
-              <p:cNvPr id="8" name="Прямоугольник 7"/>
-              <p:cNvSpPr/>
-              <p:nvPr/>
-            </p:nvSpPr>
-            <p:spPr>
-              <a:xfrm>
-                <a:off x="185371" y="1408578"/>
-                <a:ext cx="5318614" cy="1692771"/>
-              </a:xfrm>
-              <a:prstGeom prst="rect">
-                <a:avLst/>
-              </a:prstGeom>
-            </p:spPr>
-            <p:txBody>
-              <a:bodyPr wrap="square">
-                <a:spAutoFit/>
-              </a:bodyPr>
-              <a:lstStyle/>
-              <a:p>
-                <a:r>
-                  <a:rPr lang="ru-RU" sz="2600" dirty="0" smtClean="0"/>
-                  <a:t>Пусть задана игра на </a:t>
-                </a:r>
-                <a:r>
-                  <a:rPr lang="ru-RU" sz="2600" dirty="0" smtClean="0"/>
-                  <a:t>стойкость </a:t>
-                </a:r>
-                <a:r>
-                  <a:rPr lang="en-US" sz="2600" dirty="0" smtClean="0"/>
-                  <a:t>PRP </a:t>
-                </a:r>
-                <a14:m>
-                  <m:oMath xmlns:m="http://schemas.openxmlformats.org/officeDocument/2006/math">
-                    <m:r>
-                      <m:rPr>
-                        <m:sty m:val="p"/>
-                      </m:rPr>
-                      <a:rPr lang="en-US" sz="2600" b="0" i="0" smtClean="0">
-                        <a:latin typeface="Cambria Math" panose="02040503050406030204" pitchFamily="18" charset="0"/>
-                      </a:rPr>
-                      <m:t>E</m:t>
-                    </m:r>
-                    <m:r>
-                      <a:rPr lang="en-US" sz="2600" b="0" i="0" smtClean="0">
-                        <a:latin typeface="Cambria Math" panose="02040503050406030204" pitchFamily="18" charset="0"/>
-                      </a:rPr>
-                      <m:t>=(</m:t>
-                    </m:r>
-                    <m:r>
-                      <a:rPr lang="en-US" sz="2600" b="0" i="1" smtClean="0">
-                        <a:latin typeface="Cambria Math" panose="02040503050406030204" pitchFamily="18" charset="0"/>
-                      </a:rPr>
-                      <m:t>𝐸</m:t>
-                    </m:r>
-                    <m:r>
-                      <a:rPr lang="en-US" sz="2600" b="0" i="1" smtClean="0">
-                        <a:latin typeface="Cambria Math" panose="02040503050406030204" pitchFamily="18" charset="0"/>
-                      </a:rPr>
-                      <m:t>,</m:t>
-                    </m:r>
-                    <m:r>
-                      <a:rPr lang="en-US" sz="2600" b="0" i="1" smtClean="0">
-                        <a:latin typeface="Cambria Math" panose="02040503050406030204" pitchFamily="18" charset="0"/>
-                      </a:rPr>
-                      <m:t>𝐷</m:t>
-                    </m:r>
-                    <m:r>
-                      <a:rPr lang="en-US" sz="2600" b="0" i="0" smtClean="0">
-                        <a:latin typeface="Cambria Math" panose="02040503050406030204" pitchFamily="18" charset="0"/>
-                      </a:rPr>
-                      <m:t>)</m:t>
-                    </m:r>
-                  </m:oMath>
-                </a14:m>
-                <a:r>
-                  <a:rPr lang="ru-RU" sz="2600" dirty="0" smtClean="0"/>
-                  <a:t> для противника</a:t>
-                </a:r>
-                <a:r>
-                  <a:rPr lang="en-US" sz="2600" dirty="0" smtClean="0"/>
-                  <a:t> </a:t>
-                </a:r>
-                <a14:m>
-                  <m:oMath xmlns:m="http://schemas.openxmlformats.org/officeDocument/2006/math">
-                    <m:r>
-                      <a:rPr lang="en-US" sz="2600" i="1" dirty="0" smtClean="0">
-                        <a:latin typeface="Cambria Math" panose="02040503050406030204" pitchFamily="18" charset="0"/>
-                      </a:rPr>
-                      <m:t>𝐴</m:t>
-                    </m:r>
-                  </m:oMath>
-                </a14:m>
-                <a:r>
-                  <a:rPr lang="en-US" sz="2600" dirty="0" smtClean="0"/>
-                  <a:t>.</a:t>
-                </a:r>
-              </a:p>
-              <a:p>
-                <a:endParaRPr lang="en-US" sz="2600" dirty="0"/>
-              </a:p>
-              <a:p>
-                <a:r>
-                  <a:rPr lang="en-US" sz="2600" dirty="0" smtClean="0"/>
-                  <a:t>4 </a:t>
-                </a:r>
-                <a:r>
-                  <a:rPr lang="ru-RU" sz="2600" dirty="0" smtClean="0"/>
-                  <a:t>вопроса. </a:t>
-                </a:r>
-                <a:endParaRPr lang="ru-RU" sz="2600" dirty="0"/>
-              </a:p>
-            </p:txBody>
-          </p:sp>
-        </mc:Choice>
-        <mc:Fallback>
-          <p:sp>
-            <p:nvSpPr>
-              <p:cNvPr id="8" name="Прямоугольник 7"/>
-              <p:cNvSpPr>
-                <a:spLocks noRot="1" noChangeAspect="1" noMove="1" noResize="1" noEditPoints="1" noAdjustHandles="1" noChangeArrowheads="1" noChangeShapeType="1" noTextEdit="1"/>
-              </p:cNvSpPr>
-              <p:nvPr/>
-            </p:nvSpPr>
-            <p:spPr>
-              <a:xfrm>
-                <a:off x="185371" y="1408578"/>
-                <a:ext cx="5318614" cy="1692771"/>
-              </a:xfrm>
-              <a:prstGeom prst="rect">
-                <a:avLst/>
-              </a:prstGeom>
-              <a:blipFill rotWithShape="0">
-                <a:blip r:embed="rId2"/>
-                <a:stretch>
-                  <a:fillRect l="-2062" t="-2878" r="-229" b="-8633"/>
-                </a:stretch>
-              </a:blipFill>
-            </p:spPr>
-            <p:txBody>
-              <a:bodyPr/>
-              <a:lstStyle/>
-              <a:p>
-                <a:r>
-                  <a:rPr lang="ru-RU">
-                    <a:noFill/>
-                  </a:rPr>
-                  <a:t> </a:t>
-                </a:r>
-              </a:p>
-            </p:txBody>
-          </p:sp>
-        </mc:Fallback>
-      </mc:AlternateContent>
     </p:spTree>
     <p:extLst>
       <p:ext uri="{BB962C8B-B14F-4D97-AF65-F5344CB8AC3E}">
@@ -10983,400 +10830,18 @@
       </p:sp>
       <p:sp>
         <p:nvSpPr>
-          <p:cNvPr id="9" name="Rectangle 4"/>
-          <p:cNvSpPr>
-            <a:spLocks noChangeArrowheads="1"/>
-          </p:cNvSpPr>
+          <p:cNvPr id="19" name="Прямоугольник 18"/>
+          <p:cNvSpPr/>
           <p:nvPr/>
         </p:nvSpPr>
-        <p:spPr bwMode="auto">
+        <p:spPr>
           <a:xfrm>
-            <a:off x="1309180" y="2051254"/>
-            <a:ext cx="2879002" cy="1696301"/>
+            <a:off x="185371" y="1408578"/>
+            <a:ext cx="5318614" cy="892552"/>
           </a:xfrm>
           <a:prstGeom prst="rect">
             <a:avLst/>
           </a:prstGeom>
-          <a:solidFill>
-            <a:schemeClr val="accent1"/>
-          </a:solidFill>
-          <a:ln w="9525">
-            <a:solidFill>
-              <a:schemeClr val="tx1"/>
-            </a:solidFill>
-            <a:miter lim="800000"/>
-            <a:headEnd/>
-            <a:tailEnd/>
-          </a:ln>
-          <a:effectLst/>
-        </p:spPr>
-        <p:txBody>
-          <a:bodyPr wrap="none"/>
-          <a:lstStyle/>
-          <a:p>
-            <a:pPr algn="ctr"/>
-            <a:r>
-              <a:rPr lang="en-US"/>
-              <a:t>Chal.</a:t>
-            </a:r>
-          </a:p>
-        </p:txBody>
-      </p:sp>
-      <p:sp>
-        <p:nvSpPr>
-          <p:cNvPr id="11" name="Line 5"/>
-          <p:cNvSpPr>
-            <a:spLocks noChangeShapeType="1"/>
-          </p:cNvSpPr>
-          <p:nvPr/>
-        </p:nvSpPr>
-        <p:spPr bwMode="auto">
-          <a:xfrm>
-            <a:off x="2458801" y="1687070"/>
-            <a:ext cx="0" cy="403838"/>
-          </a:xfrm>
-          <a:prstGeom prst="line">
-            <a:avLst/>
-          </a:prstGeom>
-          <a:noFill/>
-          <a:ln w="9525">
-            <a:solidFill>
-              <a:schemeClr val="tx1"/>
-            </a:solidFill>
-            <a:round/>
-            <a:headEnd/>
-            <a:tailEnd type="triangle" w="med" len="med"/>
-          </a:ln>
-          <a:effectLst/>
-        </p:spPr>
-        <p:txBody>
-          <a:bodyPr/>
-          <a:lstStyle/>
-          <a:p>
-            <a:endParaRPr lang="en-US"/>
-          </a:p>
-        </p:txBody>
-      </p:sp>
-      <mc:AlternateContent xmlns:mc="http://schemas.openxmlformats.org/markup-compatibility/2006">
-        <mc:Choice xmlns:a14="http://schemas.microsoft.com/office/drawing/2010/main" Requires="a14">
-          <p:sp>
-            <p:nvSpPr>
-              <p:cNvPr id="12" name="Rectangle 7"/>
-              <p:cNvSpPr>
-                <a:spLocks noChangeArrowheads="1"/>
-              </p:cNvSpPr>
-              <p:nvPr/>
-            </p:nvSpPr>
-            <p:spPr bwMode="auto">
-              <a:xfrm>
-                <a:off x="7720318" y="2090908"/>
-                <a:ext cx="1295400" cy="1628071"/>
-              </a:xfrm>
-              <a:prstGeom prst="rect">
-                <a:avLst/>
-              </a:prstGeom>
-              <a:solidFill>
-                <a:schemeClr val="accent1"/>
-              </a:solidFill>
-              <a:ln w="9525">
-                <a:solidFill>
-                  <a:schemeClr val="tx1"/>
-                </a:solidFill>
-                <a:miter lim="800000"/>
-                <a:headEnd/>
-                <a:tailEnd/>
-              </a:ln>
-              <a:effectLst/>
-            </p:spPr>
-            <p:txBody>
-              <a:bodyPr wrap="none"/>
-              <a:lstStyle/>
-              <a:p>
-                <a:pPr algn="ctr"/>
-                <a:r>
-                  <a:rPr lang="en-US" dirty="0"/>
-                  <a:t>Adv. </a:t>
-                </a:r>
-                <a14:m>
-                  <m:oMath xmlns:m="http://schemas.openxmlformats.org/officeDocument/2006/math">
-                    <m:r>
-                      <a:rPr lang="en-US" i="1" dirty="0" smtClean="0">
-                        <a:latin typeface="Cambria Math" panose="02040503050406030204" pitchFamily="18" charset="0"/>
-                      </a:rPr>
-                      <m:t>𝐴</m:t>
-                    </m:r>
-                  </m:oMath>
-                </a14:m>
-                <a:endParaRPr lang="en-US" dirty="0"/>
-              </a:p>
-            </p:txBody>
-          </p:sp>
-        </mc:Choice>
-        <mc:Fallback>
-          <p:sp>
-            <p:nvSpPr>
-              <p:cNvPr id="12" name="Rectangle 7"/>
-              <p:cNvSpPr>
-                <a:spLocks noRot="1" noChangeAspect="1" noMove="1" noResize="1" noEditPoints="1" noAdjustHandles="1" noChangeArrowheads="1" noChangeShapeType="1" noTextEdit="1"/>
-              </p:cNvSpPr>
-              <p:nvPr/>
-            </p:nvSpPr>
-            <p:spPr bwMode="auto">
-              <a:xfrm>
-                <a:off x="7720318" y="2090908"/>
-                <a:ext cx="1295400" cy="1628071"/>
-              </a:xfrm>
-              <a:prstGeom prst="rect">
-                <a:avLst/>
-              </a:prstGeom>
-              <a:blipFill rotWithShape="0">
-                <a:blip r:embed="rId2"/>
-                <a:stretch>
-                  <a:fillRect t="-1859"/>
-                </a:stretch>
-              </a:blipFill>
-              <a:ln w="9525">
-                <a:solidFill>
-                  <a:schemeClr val="tx1"/>
-                </a:solidFill>
-                <a:miter lim="800000"/>
-                <a:headEnd/>
-                <a:tailEnd/>
-              </a:ln>
-              <a:effectLst/>
-            </p:spPr>
-            <p:txBody>
-              <a:bodyPr/>
-              <a:lstStyle/>
-              <a:p>
-                <a:r>
-                  <a:rPr lang="ru-RU">
-                    <a:noFill/>
-                  </a:rPr>
-                  <a:t> </a:t>
-                </a:r>
-              </a:p>
-            </p:txBody>
-          </p:sp>
-        </mc:Fallback>
-      </mc:AlternateContent>
-      <p:grpSp>
-        <p:nvGrpSpPr>
-          <p:cNvPr id="13" name="Group 22"/>
-          <p:cNvGrpSpPr>
-            <a:grpSpLocks/>
-          </p:cNvGrpSpPr>
-          <p:nvPr/>
-        </p:nvGrpSpPr>
-        <p:grpSpPr bwMode="auto">
-          <a:xfrm>
-            <a:off x="8368018" y="3758975"/>
-            <a:ext cx="1570040" cy="678656"/>
-            <a:chOff x="4560" y="2842"/>
-            <a:chExt cx="989" cy="570"/>
-          </a:xfrm>
-        </p:grpSpPr>
-        <p:sp>
-          <p:nvSpPr>
-            <p:cNvPr id="14" name="Line 16"/>
-            <p:cNvSpPr>
-              <a:spLocks noChangeShapeType="1"/>
-            </p:cNvSpPr>
-            <p:nvPr/>
-          </p:nvSpPr>
-          <p:spPr bwMode="auto">
-            <a:xfrm>
-              <a:off x="4560" y="2842"/>
-              <a:ext cx="0" cy="480"/>
-            </a:xfrm>
-            <a:prstGeom prst="line">
-              <a:avLst/>
-            </a:prstGeom>
-            <a:noFill/>
-            <a:ln w="9525">
-              <a:solidFill>
-                <a:schemeClr val="tx1"/>
-              </a:solidFill>
-              <a:round/>
-              <a:headEnd/>
-              <a:tailEnd type="triangle" w="med" len="med"/>
-            </a:ln>
-            <a:effectLst/>
-          </p:spPr>
-          <p:txBody>
-            <a:bodyPr/>
-            <a:lstStyle/>
-            <a:p>
-              <a:endParaRPr lang="en-US"/>
-            </a:p>
-          </p:txBody>
-        </p:sp>
-        <mc:AlternateContent xmlns:mc="http://schemas.openxmlformats.org/markup-compatibility/2006" xmlns:a14="http://schemas.microsoft.com/office/drawing/2010/main">
-          <mc:Choice Requires="a14">
-            <p:sp>
-              <p:nvSpPr>
-                <p:cNvPr id="15" name="Text Box 17"/>
-                <p:cNvSpPr txBox="1">
-                  <a:spLocks noChangeArrowheads="1"/>
-                </p:cNvSpPr>
-                <p:nvPr/>
-              </p:nvSpPr>
-              <p:spPr bwMode="auto">
-                <a:xfrm>
-                  <a:off x="4568" y="3024"/>
-                  <a:ext cx="981" cy="388"/>
-                </a:xfrm>
-                <a:prstGeom prst="rect">
-                  <a:avLst/>
-                </a:prstGeom>
-                <a:noFill/>
-                <a:ln w="9525">
-                  <a:noFill/>
-                  <a:miter lim="800000"/>
-                  <a:headEnd/>
-                  <a:tailEnd/>
-                </a:ln>
-                <a:effectLst/>
-              </p:spPr>
-              <p:txBody>
-                <a:bodyPr wrap="none">
-                  <a:spAutoFit/>
-                </a:bodyPr>
-                <a:lstStyle/>
-                <a:p>
-                  <a:pPr/>
-                  <a14:m>
-                    <m:oMathPara xmlns:m="http://schemas.openxmlformats.org/officeDocument/2006/math">
-                      <m:oMathParaPr>
-                        <m:jc m:val="centerGroup"/>
-                      </m:oMathParaPr>
-                      <m:oMath xmlns:m="http://schemas.openxmlformats.org/officeDocument/2006/math">
-                        <m:r>
-                          <a:rPr lang="en-US" sz="2400" i="1" dirty="0" smtClean="0">
-                            <a:latin typeface="Cambria Math" panose="02040503050406030204" pitchFamily="18" charset="0"/>
-                          </a:rPr>
-                          <m:t>𝑏</m:t>
-                        </m:r>
-                        <m:r>
-                          <a:rPr lang="en-US" sz="2400" i="1" dirty="0" smtClean="0">
-                            <a:latin typeface="Cambria Math" panose="02040503050406030204" pitchFamily="18" charset="0"/>
-                          </a:rPr>
-                          <m:t>’∈ {0,1}</m:t>
-                        </m:r>
-                      </m:oMath>
-                    </m:oMathPara>
-                  </a14:m>
-                  <a:endParaRPr lang="en-US" sz="2400" dirty="0"/>
-                </a:p>
-              </p:txBody>
-            </p:sp>
-          </mc:Choice>
-          <mc:Fallback xmlns="">
-            <p:sp>
-              <p:nvSpPr>
-                <p:cNvPr id="53" name="Text Box 17"/>
-                <p:cNvSpPr txBox="1">
-                  <a:spLocks noRot="1" noChangeAspect="1" noMove="1" noResize="1" noEditPoints="1" noAdjustHandles="1" noChangeArrowheads="1" noChangeShapeType="1" noTextEdit="1"/>
-                </p:cNvSpPr>
-                <p:nvPr/>
-              </p:nvSpPr>
-              <p:spPr bwMode="auto">
-                <a:xfrm>
-                  <a:off x="4568" y="3024"/>
-                  <a:ext cx="981" cy="388"/>
-                </a:xfrm>
-                <a:prstGeom prst="rect">
-                  <a:avLst/>
-                </a:prstGeom>
-                <a:blipFill>
-                  <a:blip r:embed="rId7"/>
-                  <a:stretch>
-                    <a:fillRect r="-781" b="-17105"/>
-                  </a:stretch>
-                </a:blipFill>
-                <a:ln w="9525">
-                  <a:noFill/>
-                  <a:miter lim="800000"/>
-                  <a:headEnd/>
-                  <a:tailEnd/>
-                </a:ln>
-                <a:effectLst/>
-              </p:spPr>
-              <p:txBody>
-                <a:bodyPr/>
-                <a:lstStyle/>
-                <a:p>
-                  <a:r>
-                    <a:rPr lang="ru-RU">
-                      <a:noFill/>
-                    </a:rPr>
-                    <a:t> </a:t>
-                  </a:r>
-                </a:p>
-              </p:txBody>
-            </p:sp>
-          </mc:Fallback>
-        </mc:AlternateContent>
-      </p:grpSp>
-      <p:sp>
-        <p:nvSpPr>
-          <p:cNvPr id="16" name="Rectangle 18"/>
-          <p:cNvSpPr>
-            <a:spLocks noChangeArrowheads="1"/>
-          </p:cNvSpPr>
-          <p:nvPr/>
-        </p:nvSpPr>
-        <p:spPr bwMode="auto">
-          <a:xfrm>
-            <a:off x="1209441" y="1911609"/>
-            <a:ext cx="7924800" cy="2007395"/>
-          </a:xfrm>
-          <a:prstGeom prst="rect">
-            <a:avLst/>
-          </a:prstGeom>
-          <a:noFill/>
-          <a:ln w="38100">
-            <a:solidFill>
-              <a:schemeClr val="folHlink"/>
-            </a:solidFill>
-            <a:miter lim="800000"/>
-            <a:headEnd/>
-            <a:tailEnd/>
-          </a:ln>
-          <a:effectLst/>
-        </p:spPr>
-        <p:txBody>
-          <a:bodyPr wrap="none" anchor="ctr"/>
-          <a:lstStyle/>
-          <a:p>
-            <a:endParaRPr lang="en-US"/>
-          </a:p>
-        </p:txBody>
-      </p:sp>
-      <p:sp>
-        <p:nvSpPr>
-          <p:cNvPr id="17" name="Text Box 13"/>
-          <p:cNvSpPr txBox="1">
-            <a:spLocks noChangeArrowheads="1"/>
-          </p:cNvSpPr>
-          <p:nvPr/>
-        </p:nvSpPr>
-        <p:spPr bwMode="auto">
-          <a:xfrm>
-            <a:off x="1309180" y="2503543"/>
-            <a:ext cx="2991440" cy="933589"/>
-          </a:xfrm>
-          <a:prstGeom prst="rect">
-            <a:avLst/>
-          </a:prstGeom>
-          <a:noFill/>
-          <a:ln w="9525">
-            <a:noFill/>
-            <a:miter lim="800000"/>
-            <a:headEnd/>
-            <a:tailEnd/>
-          </a:ln>
-          <a:effectLst/>
         </p:spPr>
         <p:txBody>
           <a:bodyPr wrap="square">
@@ -11384,341 +10849,82 @@
           </a:bodyPr>
           <a:lstStyle/>
           <a:p>
-            <a:pPr algn="ctr"/>
-            <a:r>
-              <a:rPr lang="en-US" sz="3200" b="0" dirty="0" smtClean="0"/>
-              <a:t>1-???</a:t>
-            </a:r>
-            <a:endParaRPr lang="en-US" sz="3200" dirty="0"/>
-          </a:p>
-          <a:p>
-            <a:endParaRPr lang="en-US" b="1" baseline="-25000" dirty="0">
-              <a:cs typeface="Arial" charset="0"/>
-              <a:sym typeface="Symbol" pitchFamily="18" charset="2"/>
-            </a:endParaRPr>
-          </a:p>
-          <a:p>
-            <a:endParaRPr lang="en-US" sz="1600" b="1" baseline="-25000" dirty="0">
-              <a:cs typeface="Arial" charset="0"/>
-              <a:sym typeface="Symbol" pitchFamily="18" charset="2"/>
-            </a:endParaRPr>
-          </a:p>
-        </p:txBody>
-      </p:sp>
-      <mc:AlternateContent xmlns:mc="http://schemas.openxmlformats.org/markup-compatibility/2006">
-        <mc:Choice xmlns:a14="http://schemas.microsoft.com/office/drawing/2010/main" Requires="a14">
-          <p:sp>
-            <p:nvSpPr>
-              <p:cNvPr id="18" name="Text Box 6"/>
-              <p:cNvSpPr txBox="1">
-                <a:spLocks noChangeArrowheads="1"/>
-              </p:cNvSpPr>
-              <p:nvPr/>
-            </p:nvSpPr>
-            <p:spPr bwMode="auto">
-              <a:xfrm>
-                <a:off x="2458801" y="1456238"/>
-                <a:ext cx="427040" cy="461665"/>
-              </a:xfrm>
-              <a:prstGeom prst="rect">
-                <a:avLst/>
-              </a:prstGeom>
-              <a:noFill/>
-              <a:ln w="9525">
-                <a:noFill/>
-                <a:miter lim="800000"/>
-                <a:headEnd/>
-                <a:tailEnd/>
-              </a:ln>
-              <a:effectLst/>
-            </p:spPr>
-            <p:txBody>
-              <a:bodyPr wrap="none">
-                <a:spAutoFit/>
-              </a:bodyPr>
-              <a:lstStyle/>
-              <a:p>
-                <a:pPr/>
-                <a14:m>
-                  <m:oMathPara xmlns:m="http://schemas.openxmlformats.org/officeDocument/2006/math">
-                    <m:oMathParaPr>
-                      <m:jc m:val="centerGroup"/>
-                    </m:oMathParaPr>
-                    <m:oMath xmlns:m="http://schemas.openxmlformats.org/officeDocument/2006/math">
-                      <m:r>
-                        <a:rPr lang="en-US" sz="2400" i="1" dirty="0" smtClean="0">
-                          <a:latin typeface="Cambria Math" panose="02040503050406030204" pitchFamily="18" charset="0"/>
-                        </a:rPr>
-                        <m:t>𝑏</m:t>
-                      </m:r>
-                    </m:oMath>
-                  </m:oMathPara>
-                </a14:m>
-                <a:endParaRPr lang="en-US" sz="2400" dirty="0"/>
-              </a:p>
-            </p:txBody>
-          </p:sp>
-        </mc:Choice>
-        <mc:Fallback>
-          <p:sp>
-            <p:nvSpPr>
-              <p:cNvPr id="18" name="Text Box 6"/>
-              <p:cNvSpPr txBox="1">
-                <a:spLocks noRot="1" noChangeAspect="1" noMove="1" noResize="1" noEditPoints="1" noAdjustHandles="1" noChangeArrowheads="1" noChangeShapeType="1" noTextEdit="1"/>
-              </p:cNvSpPr>
-              <p:nvPr/>
-            </p:nvSpPr>
-            <p:spPr bwMode="auto">
-              <a:xfrm>
-                <a:off x="2458801" y="1456238"/>
-                <a:ext cx="427040" cy="461665"/>
-              </a:xfrm>
-              <a:prstGeom prst="rect">
-                <a:avLst/>
-              </a:prstGeom>
-              <a:blipFill rotWithShape="0">
-                <a:blip r:embed="rId8"/>
-                <a:stretch>
-                  <a:fillRect/>
-                </a:stretch>
-              </a:blipFill>
-              <a:ln w="9525">
-                <a:noFill/>
-                <a:miter lim="800000"/>
-                <a:headEnd/>
-                <a:tailEnd/>
-              </a:ln>
-              <a:effectLst/>
-            </p:spPr>
-            <p:txBody>
-              <a:bodyPr/>
-              <a:lstStyle/>
-              <a:p>
-                <a:r>
-                  <a:rPr lang="ru-RU">
-                    <a:noFill/>
-                  </a:rPr>
-                  <a:t> </a:t>
-                </a:r>
-              </a:p>
-            </p:txBody>
-          </p:sp>
-        </mc:Fallback>
-      </mc:AlternateContent>
-      <p:sp>
-        <p:nvSpPr>
-          <p:cNvPr id="31" name="TextBox 30"/>
-          <p:cNvSpPr txBox="1"/>
-          <p:nvPr/>
+            <a:r>
+              <a:rPr lang="ru-RU" sz="2600" dirty="0" smtClean="0"/>
+              <a:t>Схема </a:t>
+            </a:r>
+            <a:r>
+              <a:rPr lang="en-US" sz="2600" dirty="0" smtClean="0"/>
+              <a:t>OFB </a:t>
+            </a:r>
+            <a:r>
+              <a:rPr lang="ru-RU" sz="2600" dirty="0" smtClean="0"/>
+              <a:t>блочного шифрования, </a:t>
+            </a:r>
+            <a:r>
+              <a:rPr lang="ru-RU" sz="2600" smtClean="0"/>
+              <a:t>нарисовать картинку.</a:t>
+            </a:r>
+            <a:endParaRPr lang="ru-RU" sz="2600" dirty="0"/>
+          </a:p>
+        </p:txBody>
+      </p:sp>
+      <p:sp>
+        <p:nvSpPr>
+          <p:cNvPr id="20" name="Объект 2"/>
+          <p:cNvSpPr>
+            <a:spLocks noGrp="1"/>
+          </p:cNvSpPr>
+          <p:nvPr>
+            <p:ph idx="1"/>
+          </p:nvPr>
         </p:nvSpPr>
         <p:spPr>
           <a:xfrm>
-            <a:off x="5656446" y="2550641"/>
-            <a:ext cx="978153" cy="523220"/>
+            <a:off x="5628541" y="1408579"/>
+            <a:ext cx="6148754" cy="4351338"/>
           </a:xfrm>
-          <a:prstGeom prst="rect">
-            <a:avLst/>
-          </a:prstGeom>
-          <a:noFill/>
         </p:spPr>
         <p:txBody>
-          <a:bodyPr wrap="none" rtlCol="0">
-            <a:spAutoFit/>
-          </a:bodyPr>
+          <a:bodyPr/>
           <a:lstStyle/>
           <a:p>
-            <a:pPr/>
-            <a:r>
-              <a:rPr lang="en-US" sz="2800" dirty="0" smtClean="0"/>
-              <a:t>2-???</a:t>
-            </a:r>
-            <a:endParaRPr lang="ru-RU" sz="2800" dirty="0"/>
-          </a:p>
-        </p:txBody>
-      </p:sp>
-      <mc:AlternateContent xmlns:mc="http://schemas.openxmlformats.org/markup-compatibility/2006">
-        <mc:Choice xmlns:a14="http://schemas.microsoft.com/office/drawing/2010/main" Requires="a14">
-          <p:sp>
-            <p:nvSpPr>
-              <p:cNvPr id="32" name="Прямоугольник 31"/>
-              <p:cNvSpPr/>
-              <p:nvPr/>
-            </p:nvSpPr>
-            <p:spPr>
-              <a:xfrm>
-                <a:off x="1209441" y="4015911"/>
-                <a:ext cx="3223639" cy="461665"/>
-              </a:xfrm>
-              <a:prstGeom prst="rect">
-                <a:avLst/>
-              </a:prstGeom>
-            </p:spPr>
-            <p:txBody>
-              <a:bodyPr wrap="none">
-                <a:spAutoFit/>
-              </a:bodyPr>
-              <a:lstStyle/>
-              <a:p>
-                <a:pPr/>
-                <a14:m>
-                  <m:oMathPara xmlns:m="http://schemas.openxmlformats.org/officeDocument/2006/math">
-                    <m:oMathParaPr>
-                      <m:jc m:val="centerGroup"/>
-                    </m:oMathParaPr>
-                    <m:oMath xmlns:m="http://schemas.openxmlformats.org/officeDocument/2006/math">
-                      <m:sSub>
-                        <m:sSubPr>
-                          <m:ctrlPr>
-                            <a:rPr lang="en-US" sz="2400" i="1" smtClean="0">
-                              <a:latin typeface="Cambria Math" panose="02040503050406030204" pitchFamily="18" charset="0"/>
-                            </a:rPr>
-                          </m:ctrlPr>
-                        </m:sSubPr>
-                        <m:e>
-                          <m:r>
-                            <a:rPr lang="en-US" sz="2400" b="0" i="1" smtClean="0">
-                              <a:latin typeface="Cambria Math" panose="02040503050406030204" pitchFamily="18" charset="0"/>
-                            </a:rPr>
-                            <m:t>𝑃𝑅𝑃</m:t>
-                          </m:r>
-                        </m:e>
-                        <m:sub>
-                          <m:r>
-                            <a:rPr lang="en-US" sz="2400" i="1">
-                              <a:latin typeface="Cambria Math" panose="02040503050406030204" pitchFamily="18" charset="0"/>
-                            </a:rPr>
-                            <m:t>𝑎𝑑𝑣</m:t>
-                          </m:r>
-                        </m:sub>
-                      </m:sSub>
-                      <m:d>
-                        <m:dPr>
-                          <m:begChr m:val="["/>
-                          <m:endChr m:val="]"/>
-                          <m:ctrlPr>
-                            <a:rPr lang="en-US" sz="2400" i="1">
-                              <a:latin typeface="Cambria Math" panose="02040503050406030204" pitchFamily="18" charset="0"/>
-                            </a:rPr>
-                          </m:ctrlPr>
-                        </m:dPr>
-                        <m:e>
-                          <m:r>
-                            <a:rPr lang="en-US" sz="2400" i="1">
-                              <a:latin typeface="Cambria Math" panose="02040503050406030204" pitchFamily="18" charset="0"/>
-                            </a:rPr>
-                            <m:t>𝐴</m:t>
-                          </m:r>
-                          <m:r>
-                            <a:rPr lang="en-US" sz="2400" i="1">
-                              <a:latin typeface="Cambria Math" panose="02040503050406030204" pitchFamily="18" charset="0"/>
-                            </a:rPr>
-                            <m:t>,</m:t>
-                          </m:r>
-                          <m:r>
-                            <m:rPr>
-                              <m:sty m:val="p"/>
-                            </m:rPr>
-                            <a:rPr lang="en-US" sz="2400">
-                              <a:latin typeface="Cambria Math" panose="02040503050406030204" pitchFamily="18" charset="0"/>
-                            </a:rPr>
-                            <m:t>Ε</m:t>
-                          </m:r>
-                        </m:e>
-                      </m:d>
-                      <m:r>
-                        <a:rPr lang="en-US" sz="2400" i="1">
-                          <a:latin typeface="Cambria Math" panose="02040503050406030204" pitchFamily="18" charset="0"/>
-                        </a:rPr>
-                        <m:t>=</m:t>
-                      </m:r>
-                      <m:r>
-                        <a:rPr lang="en-US" sz="2400" b="0" i="1" smtClean="0">
-                          <a:latin typeface="Cambria Math" panose="02040503050406030204" pitchFamily="18" charset="0"/>
-                        </a:rPr>
-                        <m:t>3−???</m:t>
-                      </m:r>
-                    </m:oMath>
-                  </m:oMathPara>
-                </a14:m>
-                <a:endParaRPr lang="ru-RU" sz="2400" dirty="0"/>
-              </a:p>
-            </p:txBody>
-          </p:sp>
-        </mc:Choice>
-        <mc:Fallback>
-          <p:sp>
-            <p:nvSpPr>
-              <p:cNvPr id="32" name="Прямоугольник 31"/>
-              <p:cNvSpPr>
-                <a:spLocks noRot="1" noChangeAspect="1" noMove="1" noResize="1" noEditPoints="1" noAdjustHandles="1" noChangeArrowheads="1" noChangeShapeType="1" noTextEdit="1"/>
-              </p:cNvSpPr>
-              <p:nvPr/>
-            </p:nvSpPr>
-            <p:spPr>
-              <a:xfrm>
-                <a:off x="1209441" y="4015911"/>
-                <a:ext cx="3223639" cy="461665"/>
-              </a:xfrm>
-              <a:prstGeom prst="rect">
-                <a:avLst/>
-              </a:prstGeom>
-              <a:blipFill rotWithShape="0">
-                <a:blip r:embed="rId9"/>
-                <a:stretch>
-                  <a:fillRect b="-1316"/>
-                </a:stretch>
-              </a:blipFill>
-            </p:spPr>
-            <p:txBody>
-              <a:bodyPr/>
-              <a:lstStyle/>
-              <a:p>
-                <a:r>
-                  <a:rPr lang="ru-RU">
-                    <a:noFill/>
-                  </a:rPr>
-                  <a:t> </a:t>
-                </a:r>
-              </a:p>
-            </p:txBody>
-          </p:sp>
-        </mc:Fallback>
-      </mc:AlternateContent>
-      <p:sp>
-        <p:nvSpPr>
-          <p:cNvPr id="3" name="TextBox 2"/>
-          <p:cNvSpPr txBox="1"/>
-          <p:nvPr/>
-        </p:nvSpPr>
-        <p:spPr>
-          <a:xfrm>
-            <a:off x="1209441" y="4643753"/>
-            <a:ext cx="9480159" cy="461665"/>
-          </a:xfrm>
-          <a:prstGeom prst="rect">
-            <a:avLst/>
-          </a:prstGeom>
-          <a:noFill/>
-        </p:spPr>
-        <p:txBody>
-          <a:bodyPr wrap="none" rtlCol="0">
-            <a:spAutoFit/>
-          </a:bodyPr>
-          <a:lstStyle/>
-          <a:p>
-            <a:r>
-              <a:rPr lang="en-US" sz="2400" dirty="0" smtClean="0"/>
-              <a:t>4 - </a:t>
-            </a:r>
-            <a:r>
-              <a:rPr lang="ru-RU" sz="2400" dirty="0" smtClean="0"/>
-              <a:t>Отличия адаптивной от неадаптивной версии игры на стойкость </a:t>
-            </a:r>
-            <a:r>
-              <a:rPr lang="en-US" sz="2400" dirty="0" smtClean="0"/>
-              <a:t>PRP</a:t>
-            </a:r>
-            <a:endParaRPr lang="ru-RU" sz="2400" dirty="0"/>
+            <a:r>
+              <a:rPr lang="ru-RU" dirty="0" smtClean="0"/>
+              <a:t>Положить телефон экраном вниз справа от себя</a:t>
+            </a:r>
+          </a:p>
+          <a:p>
+            <a:r>
+              <a:rPr lang="ru-RU" dirty="0" smtClean="0"/>
+              <a:t>Не разговаривать с соседями</a:t>
+            </a:r>
+          </a:p>
+          <a:p>
+            <a:r>
+              <a:rPr lang="ru-RU" dirty="0" smtClean="0"/>
+              <a:t>Не пользоваться конспектами и электронными устройствами</a:t>
+            </a:r>
+          </a:p>
+          <a:p>
+            <a:r>
+              <a:rPr lang="ru-RU" dirty="0" smtClean="0"/>
+              <a:t>Написать номер (по таблице) и ФИО на листочке</a:t>
+            </a:r>
+          </a:p>
+          <a:p>
+            <a:r>
+              <a:rPr lang="ru-RU" dirty="0" smtClean="0"/>
+              <a:t>Написать краткий ответ на вопрос</a:t>
+            </a:r>
+            <a:endParaRPr lang="en-US" dirty="0" smtClean="0"/>
+          </a:p>
+          <a:p>
+            <a:r>
+              <a:rPr lang="ru-RU" dirty="0" smtClean="0"/>
+              <a:t>Дождаться окончания теста</a:t>
+            </a:r>
+            <a:endParaRPr lang="ru-RU" dirty="0"/>
           </a:p>
         </p:txBody>
       </p:sp>
@@ -12753,6 +11959,1230 @@
         <p:cTn id="1" dur="indefinite" restart="never" nodeType="tmRoot"/>
       </p:par>
     </p:tnLst>
+  </p:timing>
+</p:sld>
+</file>
+
+<file path=ppt/slides/slide33.xml><?xml version="1.0" encoding="utf-8"?>
+<p:sld xmlns:a="http://schemas.openxmlformats.org/drawingml/2006/main" xmlns:r="http://schemas.openxmlformats.org/officeDocument/2006/relationships" xmlns:p="http://schemas.openxmlformats.org/presentationml/2006/main">
+  <p:cSld>
+    <p:spTree>
+      <p:nvGrpSpPr>
+        <p:cNvPr id="1" name=""/>
+        <p:cNvGrpSpPr/>
+        <p:nvPr/>
+      </p:nvGrpSpPr>
+      <p:grpSpPr>
+        <a:xfrm>
+          <a:off x="0" y="0"/>
+          <a:ext cx="0" cy="0"/>
+          <a:chOff x="0" y="0"/>
+          <a:chExt cx="0" cy="0"/>
+        </a:xfrm>
+      </p:grpSpPr>
+      <p:sp>
+        <p:nvSpPr>
+          <p:cNvPr id="2" name="Заголовок 1"/>
+          <p:cNvSpPr>
+            <a:spLocks noGrp="1"/>
+          </p:cNvSpPr>
+          <p:nvPr>
+            <p:ph type="title"/>
+          </p:nvPr>
+        </p:nvSpPr>
+        <p:spPr/>
+        <p:txBody>
+          <a:bodyPr/>
+          <a:lstStyle/>
+          <a:p>
+            <a:endParaRPr lang="ru-RU"/>
+          </a:p>
+        </p:txBody>
+      </p:sp>
+      <p:sp>
+        <p:nvSpPr>
+          <p:cNvPr id="3" name="Объект 2"/>
+          <p:cNvSpPr>
+            <a:spLocks noGrp="1"/>
+          </p:cNvSpPr>
+          <p:nvPr>
+            <p:ph idx="1"/>
+          </p:nvPr>
+        </p:nvSpPr>
+        <p:spPr/>
+        <p:txBody>
+          <a:bodyPr/>
+          <a:lstStyle/>
+          <a:p>
+            <a:endParaRPr lang="ru-RU"/>
+          </a:p>
+        </p:txBody>
+      </p:sp>
+      <p:sp>
+        <p:nvSpPr>
+          <p:cNvPr id="4" name="Номер слайда 3"/>
+          <p:cNvSpPr>
+            <a:spLocks noGrp="1"/>
+          </p:cNvSpPr>
+          <p:nvPr>
+            <p:ph type="sldNum" sz="quarter" idx="12"/>
+          </p:nvPr>
+        </p:nvSpPr>
+        <p:spPr/>
+        <p:txBody>
+          <a:bodyPr/>
+          <a:lstStyle/>
+          <a:p>
+            <a:fld id="{8253DDDB-F8F7-4D64-A7FD-3F3D61C1949F}" type="slidenum">
+              <a:rPr lang="ru-RU" smtClean="0"/>
+              <a:t>33</a:t>
+            </a:fld>
+            <a:endParaRPr lang="ru-RU"/>
+          </a:p>
+        </p:txBody>
+      </p:sp>
+    </p:spTree>
+    <p:extLst>
+      <p:ext uri="{BB962C8B-B14F-4D97-AF65-F5344CB8AC3E}">
+        <p14:creationId xmlns:p14="http://schemas.microsoft.com/office/powerpoint/2010/main" val="293401826"/>
+      </p:ext>
+    </p:extLst>
+  </p:cSld>
+  <p:clrMapOvr>
+    <a:masterClrMapping/>
+  </p:clrMapOvr>
+</p:sld>
+</file>
+
+<file path=ppt/slides/slide34.xml><?xml version="1.0" encoding="utf-8"?>
+<p:sld xmlns:a="http://schemas.openxmlformats.org/drawingml/2006/main" xmlns:r="http://schemas.openxmlformats.org/officeDocument/2006/relationships" xmlns:p="http://schemas.openxmlformats.org/presentationml/2006/main">
+  <p:cSld>
+    <p:spTree>
+      <p:nvGrpSpPr>
+        <p:cNvPr id="1" name=""/>
+        <p:cNvGrpSpPr/>
+        <p:nvPr/>
+      </p:nvGrpSpPr>
+      <p:grpSpPr>
+        <a:xfrm>
+          <a:off x="0" y="0"/>
+          <a:ext cx="0" cy="0"/>
+          <a:chOff x="0" y="0"/>
+          <a:chExt cx="0" cy="0"/>
+        </a:xfrm>
+      </p:grpSpPr>
+      <p:sp>
+        <p:nvSpPr>
+          <p:cNvPr id="2" name="Заголовок 1"/>
+          <p:cNvSpPr>
+            <a:spLocks noGrp="1"/>
+          </p:cNvSpPr>
+          <p:nvPr>
+            <p:ph type="title"/>
+          </p:nvPr>
+        </p:nvSpPr>
+        <p:spPr/>
+        <p:txBody>
+          <a:bodyPr/>
+          <a:lstStyle/>
+          <a:p>
+            <a:r>
+              <a:rPr lang="ru-RU" dirty="0" smtClean="0"/>
+              <a:t>Тест.</a:t>
+            </a:r>
+            <a:endParaRPr lang="ru-RU" dirty="0"/>
+          </a:p>
+        </p:txBody>
+      </p:sp>
+      <p:sp>
+        <p:nvSpPr>
+          <p:cNvPr id="4" name="Номер слайда 3"/>
+          <p:cNvSpPr>
+            <a:spLocks noGrp="1"/>
+          </p:cNvSpPr>
+          <p:nvPr>
+            <p:ph type="sldNum" sz="quarter" idx="12"/>
+          </p:nvPr>
+        </p:nvSpPr>
+        <p:spPr/>
+        <p:txBody>
+          <a:bodyPr/>
+          <a:lstStyle/>
+          <a:p>
+            <a:fld id="{8253DDDB-F8F7-4D64-A7FD-3F3D61C1949F}" type="slidenum">
+              <a:rPr lang="ru-RU" smtClean="0"/>
+              <a:t>34</a:t>
+            </a:fld>
+            <a:endParaRPr lang="ru-RU"/>
+          </a:p>
+        </p:txBody>
+      </p:sp>
+      <p:sp>
+        <p:nvSpPr>
+          <p:cNvPr id="5" name="Прямоугольник 4"/>
+          <p:cNvSpPr/>
+          <p:nvPr/>
+        </p:nvSpPr>
+        <p:spPr>
+          <a:xfrm>
+            <a:off x="284285" y="5433158"/>
+            <a:ext cx="10688515" cy="317012"/>
+          </a:xfrm>
+          <a:prstGeom prst="rect">
+            <a:avLst/>
+          </a:prstGeom>
+          <a:solidFill>
+            <a:schemeClr val="accent6">
+              <a:alpha val="50000"/>
+            </a:schemeClr>
+          </a:solidFill>
+          <a:ln>
+            <a:noFill/>
+          </a:ln>
+        </p:spPr>
+        <p:style>
+          <a:lnRef idx="0">
+            <a:scrgbClr r="0" g="0" b="0"/>
+          </a:lnRef>
+          <a:fillRef idx="0">
+            <a:scrgbClr r="0" g="0" b="0"/>
+          </a:fillRef>
+          <a:effectRef idx="0">
+            <a:scrgbClr r="0" g="0" b="0"/>
+          </a:effectRef>
+          <a:fontRef idx="minor">
+            <a:schemeClr val="lt1"/>
+          </a:fontRef>
+        </p:style>
+        <p:txBody>
+          <a:bodyPr rtlCol="0" anchor="ctr"/>
+          <a:lstStyle/>
+          <a:p>
+            <a:pPr algn="ctr"/>
+            <a:endParaRPr lang="ru-RU"/>
+          </a:p>
+        </p:txBody>
+      </p:sp>
+      <p:sp>
+        <p:nvSpPr>
+          <p:cNvPr id="6" name="Прямоугольник 5"/>
+          <p:cNvSpPr/>
+          <p:nvPr/>
+        </p:nvSpPr>
+        <p:spPr>
+          <a:xfrm>
+            <a:off x="284285" y="5819530"/>
+            <a:ext cx="10688515" cy="317012"/>
+          </a:xfrm>
+          <a:prstGeom prst="rect">
+            <a:avLst/>
+          </a:prstGeom>
+          <a:solidFill>
+            <a:schemeClr val="accent6">
+              <a:alpha val="50000"/>
+            </a:schemeClr>
+          </a:solidFill>
+          <a:ln>
+            <a:noFill/>
+          </a:ln>
+        </p:spPr>
+        <p:style>
+          <a:lnRef idx="0">
+            <a:scrgbClr r="0" g="0" b="0"/>
+          </a:lnRef>
+          <a:fillRef idx="0">
+            <a:scrgbClr r="0" g="0" b="0"/>
+          </a:fillRef>
+          <a:effectRef idx="0">
+            <a:scrgbClr r="0" g="0" b="0"/>
+          </a:effectRef>
+          <a:fontRef idx="minor">
+            <a:schemeClr val="lt1"/>
+          </a:fontRef>
+        </p:style>
+        <p:txBody>
+          <a:bodyPr rtlCol="0" anchor="ctr"/>
+          <a:lstStyle/>
+          <a:p>
+            <a:pPr algn="ctr"/>
+            <a:endParaRPr lang="ru-RU"/>
+          </a:p>
+        </p:txBody>
+      </p:sp>
+      <p:sp>
+        <p:nvSpPr>
+          <p:cNvPr id="7" name="Прямоугольник 6"/>
+          <p:cNvSpPr/>
+          <p:nvPr/>
+        </p:nvSpPr>
+        <p:spPr>
+          <a:xfrm>
+            <a:off x="284284" y="6205902"/>
+            <a:ext cx="10688515" cy="317012"/>
+          </a:xfrm>
+          <a:prstGeom prst="rect">
+            <a:avLst/>
+          </a:prstGeom>
+          <a:solidFill>
+            <a:schemeClr val="accent6">
+              <a:alpha val="50000"/>
+            </a:schemeClr>
+          </a:solidFill>
+          <a:ln>
+            <a:noFill/>
+          </a:ln>
+        </p:spPr>
+        <p:style>
+          <a:lnRef idx="0">
+            <a:scrgbClr r="0" g="0" b="0"/>
+          </a:lnRef>
+          <a:fillRef idx="0">
+            <a:scrgbClr r="0" g="0" b="0"/>
+          </a:fillRef>
+          <a:effectRef idx="0">
+            <a:scrgbClr r="0" g="0" b="0"/>
+          </a:effectRef>
+          <a:fontRef idx="minor">
+            <a:schemeClr val="lt1"/>
+          </a:fontRef>
+        </p:style>
+        <p:txBody>
+          <a:bodyPr rtlCol="0" anchor="ctr"/>
+          <a:lstStyle/>
+          <a:p>
+            <a:pPr algn="ctr"/>
+            <a:endParaRPr lang="ru-RU"/>
+          </a:p>
+        </p:txBody>
+      </p:sp>
+      <p:sp>
+        <p:nvSpPr>
+          <p:cNvPr id="9" name="Rectangle 4"/>
+          <p:cNvSpPr>
+            <a:spLocks noChangeArrowheads="1"/>
+          </p:cNvSpPr>
+          <p:nvPr/>
+        </p:nvSpPr>
+        <p:spPr bwMode="auto">
+          <a:xfrm>
+            <a:off x="1309180" y="2051254"/>
+            <a:ext cx="2879002" cy="1696301"/>
+          </a:xfrm>
+          <a:prstGeom prst="rect">
+            <a:avLst/>
+          </a:prstGeom>
+          <a:solidFill>
+            <a:schemeClr val="accent1"/>
+          </a:solidFill>
+          <a:ln w="9525">
+            <a:solidFill>
+              <a:schemeClr val="tx1"/>
+            </a:solidFill>
+            <a:miter lim="800000"/>
+            <a:headEnd/>
+            <a:tailEnd/>
+          </a:ln>
+          <a:effectLst/>
+        </p:spPr>
+        <p:txBody>
+          <a:bodyPr wrap="none"/>
+          <a:lstStyle/>
+          <a:p>
+            <a:pPr algn="ctr"/>
+            <a:r>
+              <a:rPr lang="en-US"/>
+              <a:t>Chal.</a:t>
+            </a:r>
+          </a:p>
+        </p:txBody>
+      </p:sp>
+      <p:sp>
+        <p:nvSpPr>
+          <p:cNvPr id="11" name="Line 5"/>
+          <p:cNvSpPr>
+            <a:spLocks noChangeShapeType="1"/>
+          </p:cNvSpPr>
+          <p:nvPr/>
+        </p:nvSpPr>
+        <p:spPr bwMode="auto">
+          <a:xfrm>
+            <a:off x="2458801" y="1687070"/>
+            <a:ext cx="0" cy="403838"/>
+          </a:xfrm>
+          <a:prstGeom prst="line">
+            <a:avLst/>
+          </a:prstGeom>
+          <a:noFill/>
+          <a:ln w="9525">
+            <a:solidFill>
+              <a:schemeClr val="tx1"/>
+            </a:solidFill>
+            <a:round/>
+            <a:headEnd/>
+            <a:tailEnd type="triangle" w="med" len="med"/>
+          </a:ln>
+          <a:effectLst/>
+        </p:spPr>
+        <p:txBody>
+          <a:bodyPr/>
+          <a:lstStyle/>
+          <a:p>
+            <a:endParaRPr lang="en-US"/>
+          </a:p>
+        </p:txBody>
+      </p:sp>
+      <mc:AlternateContent xmlns:mc="http://schemas.openxmlformats.org/markup-compatibility/2006" xmlns:a14="http://schemas.microsoft.com/office/drawing/2010/main">
+        <mc:Choice Requires="a14">
+          <p:sp>
+            <p:nvSpPr>
+              <p:cNvPr id="12" name="Rectangle 7"/>
+              <p:cNvSpPr>
+                <a:spLocks noChangeArrowheads="1"/>
+              </p:cNvSpPr>
+              <p:nvPr/>
+            </p:nvSpPr>
+            <p:spPr bwMode="auto">
+              <a:xfrm>
+                <a:off x="7720318" y="2090908"/>
+                <a:ext cx="1295400" cy="1628071"/>
+              </a:xfrm>
+              <a:prstGeom prst="rect">
+                <a:avLst/>
+              </a:prstGeom>
+              <a:solidFill>
+                <a:schemeClr val="accent1"/>
+              </a:solidFill>
+              <a:ln w="9525">
+                <a:solidFill>
+                  <a:schemeClr val="tx1"/>
+                </a:solidFill>
+                <a:miter lim="800000"/>
+                <a:headEnd/>
+                <a:tailEnd/>
+              </a:ln>
+              <a:effectLst/>
+            </p:spPr>
+            <p:txBody>
+              <a:bodyPr wrap="none"/>
+              <a:lstStyle/>
+              <a:p>
+                <a:pPr algn="ctr"/>
+                <a:r>
+                  <a:rPr lang="en-US" dirty="0"/>
+                  <a:t>Adv. </a:t>
+                </a:r>
+                <a14:m>
+                  <m:oMath xmlns:m="http://schemas.openxmlformats.org/officeDocument/2006/math">
+                    <m:r>
+                      <a:rPr lang="en-US" i="1" dirty="0" smtClean="0">
+                        <a:latin typeface="Cambria Math" panose="02040503050406030204" pitchFamily="18" charset="0"/>
+                      </a:rPr>
+                      <m:t>𝐴</m:t>
+                    </m:r>
+                  </m:oMath>
+                </a14:m>
+                <a:endParaRPr lang="en-US" dirty="0"/>
+              </a:p>
+            </p:txBody>
+          </p:sp>
+        </mc:Choice>
+        <mc:Fallback xmlns="">
+          <p:sp>
+            <p:nvSpPr>
+              <p:cNvPr id="12" name="Rectangle 7"/>
+              <p:cNvSpPr>
+                <a:spLocks noRot="1" noChangeAspect="1" noMove="1" noResize="1" noEditPoints="1" noAdjustHandles="1" noChangeArrowheads="1" noChangeShapeType="1" noTextEdit="1"/>
+              </p:cNvSpPr>
+              <p:nvPr/>
+            </p:nvSpPr>
+            <p:spPr bwMode="auto">
+              <a:xfrm>
+                <a:off x="7720318" y="2090908"/>
+                <a:ext cx="1295400" cy="1628071"/>
+              </a:xfrm>
+              <a:prstGeom prst="rect">
+                <a:avLst/>
+              </a:prstGeom>
+              <a:blipFill rotWithShape="0">
+                <a:blip r:embed="rId2"/>
+                <a:stretch>
+                  <a:fillRect t="-1859"/>
+                </a:stretch>
+              </a:blipFill>
+              <a:ln w="9525">
+                <a:solidFill>
+                  <a:schemeClr val="tx1"/>
+                </a:solidFill>
+                <a:miter lim="800000"/>
+                <a:headEnd/>
+                <a:tailEnd/>
+              </a:ln>
+              <a:effectLst/>
+            </p:spPr>
+            <p:txBody>
+              <a:bodyPr/>
+              <a:lstStyle/>
+              <a:p>
+                <a:r>
+                  <a:rPr lang="ru-RU">
+                    <a:noFill/>
+                  </a:rPr>
+                  <a:t> </a:t>
+                </a:r>
+              </a:p>
+            </p:txBody>
+          </p:sp>
+        </mc:Fallback>
+      </mc:AlternateContent>
+      <p:grpSp>
+        <p:nvGrpSpPr>
+          <p:cNvPr id="13" name="Group 22"/>
+          <p:cNvGrpSpPr>
+            <a:grpSpLocks/>
+          </p:cNvGrpSpPr>
+          <p:nvPr/>
+        </p:nvGrpSpPr>
+        <p:grpSpPr bwMode="auto">
+          <a:xfrm>
+            <a:off x="8368018" y="3758975"/>
+            <a:ext cx="1570040" cy="678656"/>
+            <a:chOff x="4560" y="2842"/>
+            <a:chExt cx="989" cy="570"/>
+          </a:xfrm>
+        </p:grpSpPr>
+        <p:sp>
+          <p:nvSpPr>
+            <p:cNvPr id="14" name="Line 16"/>
+            <p:cNvSpPr>
+              <a:spLocks noChangeShapeType="1"/>
+            </p:cNvSpPr>
+            <p:nvPr/>
+          </p:nvSpPr>
+          <p:spPr bwMode="auto">
+            <a:xfrm>
+              <a:off x="4560" y="2842"/>
+              <a:ext cx="0" cy="480"/>
+            </a:xfrm>
+            <a:prstGeom prst="line">
+              <a:avLst/>
+            </a:prstGeom>
+            <a:noFill/>
+            <a:ln w="9525">
+              <a:solidFill>
+                <a:schemeClr val="tx1"/>
+              </a:solidFill>
+              <a:round/>
+              <a:headEnd/>
+              <a:tailEnd type="triangle" w="med" len="med"/>
+            </a:ln>
+            <a:effectLst/>
+          </p:spPr>
+          <p:txBody>
+            <a:bodyPr/>
+            <a:lstStyle/>
+            <a:p>
+              <a:endParaRPr lang="en-US"/>
+            </a:p>
+          </p:txBody>
+        </p:sp>
+        <mc:AlternateContent xmlns:mc="http://schemas.openxmlformats.org/markup-compatibility/2006" xmlns:a14="http://schemas.microsoft.com/office/drawing/2010/main">
+          <mc:Choice Requires="a14">
+            <p:sp>
+              <p:nvSpPr>
+                <p:cNvPr id="15" name="Text Box 17"/>
+                <p:cNvSpPr txBox="1">
+                  <a:spLocks noChangeArrowheads="1"/>
+                </p:cNvSpPr>
+                <p:nvPr/>
+              </p:nvSpPr>
+              <p:spPr bwMode="auto">
+                <a:xfrm>
+                  <a:off x="4568" y="3024"/>
+                  <a:ext cx="981" cy="388"/>
+                </a:xfrm>
+                <a:prstGeom prst="rect">
+                  <a:avLst/>
+                </a:prstGeom>
+                <a:noFill/>
+                <a:ln w="9525">
+                  <a:noFill/>
+                  <a:miter lim="800000"/>
+                  <a:headEnd/>
+                  <a:tailEnd/>
+                </a:ln>
+                <a:effectLst/>
+              </p:spPr>
+              <p:txBody>
+                <a:bodyPr wrap="none">
+                  <a:spAutoFit/>
+                </a:bodyPr>
+                <a:lstStyle/>
+                <a:p>
+                  <a:pPr/>
+                  <a14:m>
+                    <m:oMathPara xmlns:m="http://schemas.openxmlformats.org/officeDocument/2006/math">
+                      <m:oMathParaPr>
+                        <m:jc m:val="centerGroup"/>
+                      </m:oMathParaPr>
+                      <m:oMath xmlns:m="http://schemas.openxmlformats.org/officeDocument/2006/math">
+                        <m:r>
+                          <a:rPr lang="en-US" sz="2400" i="1" dirty="0" smtClean="0">
+                            <a:latin typeface="Cambria Math" panose="02040503050406030204" pitchFamily="18" charset="0"/>
+                          </a:rPr>
+                          <m:t>𝑏</m:t>
+                        </m:r>
+                        <m:r>
+                          <a:rPr lang="en-US" sz="2400" i="1" dirty="0" smtClean="0">
+                            <a:latin typeface="Cambria Math" panose="02040503050406030204" pitchFamily="18" charset="0"/>
+                          </a:rPr>
+                          <m:t>’∈ {0,1}</m:t>
+                        </m:r>
+                      </m:oMath>
+                    </m:oMathPara>
+                  </a14:m>
+                  <a:endParaRPr lang="en-US" sz="2400" dirty="0"/>
+                </a:p>
+              </p:txBody>
+            </p:sp>
+          </mc:Choice>
+          <mc:Fallback xmlns="">
+            <p:sp>
+              <p:nvSpPr>
+                <p:cNvPr id="53" name="Text Box 17"/>
+                <p:cNvSpPr txBox="1">
+                  <a:spLocks noRot="1" noChangeAspect="1" noMove="1" noResize="1" noEditPoints="1" noAdjustHandles="1" noChangeArrowheads="1" noChangeShapeType="1" noTextEdit="1"/>
+                </p:cNvSpPr>
+                <p:nvPr/>
+              </p:nvSpPr>
+              <p:spPr bwMode="auto">
+                <a:xfrm>
+                  <a:off x="4568" y="3024"/>
+                  <a:ext cx="981" cy="388"/>
+                </a:xfrm>
+                <a:prstGeom prst="rect">
+                  <a:avLst/>
+                </a:prstGeom>
+                <a:blipFill>
+                  <a:blip r:embed="rId7"/>
+                  <a:stretch>
+                    <a:fillRect r="-781" b="-17105"/>
+                  </a:stretch>
+                </a:blipFill>
+                <a:ln w="9525">
+                  <a:noFill/>
+                  <a:miter lim="800000"/>
+                  <a:headEnd/>
+                  <a:tailEnd/>
+                </a:ln>
+                <a:effectLst/>
+              </p:spPr>
+              <p:txBody>
+                <a:bodyPr/>
+                <a:lstStyle/>
+                <a:p>
+                  <a:r>
+                    <a:rPr lang="ru-RU">
+                      <a:noFill/>
+                    </a:rPr>
+                    <a:t> </a:t>
+                  </a:r>
+                </a:p>
+              </p:txBody>
+            </p:sp>
+          </mc:Fallback>
+        </mc:AlternateContent>
+      </p:grpSp>
+      <p:sp>
+        <p:nvSpPr>
+          <p:cNvPr id="16" name="Rectangle 18"/>
+          <p:cNvSpPr>
+            <a:spLocks noChangeArrowheads="1"/>
+          </p:cNvSpPr>
+          <p:nvPr/>
+        </p:nvSpPr>
+        <p:spPr bwMode="auto">
+          <a:xfrm>
+            <a:off x="1209441" y="1911609"/>
+            <a:ext cx="7924800" cy="2007395"/>
+          </a:xfrm>
+          <a:prstGeom prst="rect">
+            <a:avLst/>
+          </a:prstGeom>
+          <a:noFill/>
+          <a:ln w="38100">
+            <a:solidFill>
+              <a:schemeClr val="folHlink"/>
+            </a:solidFill>
+            <a:miter lim="800000"/>
+            <a:headEnd/>
+            <a:tailEnd/>
+          </a:ln>
+          <a:effectLst/>
+        </p:spPr>
+        <p:txBody>
+          <a:bodyPr wrap="none" anchor="ctr"/>
+          <a:lstStyle/>
+          <a:p>
+            <a:endParaRPr lang="en-US"/>
+          </a:p>
+        </p:txBody>
+      </p:sp>
+      <p:sp>
+        <p:nvSpPr>
+          <p:cNvPr id="17" name="Text Box 13"/>
+          <p:cNvSpPr txBox="1">
+            <a:spLocks noChangeArrowheads="1"/>
+          </p:cNvSpPr>
+          <p:nvPr/>
+        </p:nvSpPr>
+        <p:spPr bwMode="auto">
+          <a:xfrm>
+            <a:off x="1309180" y="2503543"/>
+            <a:ext cx="2991440" cy="933589"/>
+          </a:xfrm>
+          <a:prstGeom prst="rect">
+            <a:avLst/>
+          </a:prstGeom>
+          <a:noFill/>
+          <a:ln w="9525">
+            <a:noFill/>
+            <a:miter lim="800000"/>
+            <a:headEnd/>
+            <a:tailEnd/>
+          </a:ln>
+          <a:effectLst/>
+        </p:spPr>
+        <p:txBody>
+          <a:bodyPr wrap="square">
+            <a:spAutoFit/>
+          </a:bodyPr>
+          <a:lstStyle/>
+          <a:p>
+            <a:pPr algn="ctr"/>
+            <a:r>
+              <a:rPr lang="en-US" sz="3200" b="0" dirty="0" smtClean="0"/>
+              <a:t>1-???</a:t>
+            </a:r>
+            <a:endParaRPr lang="en-US" sz="3200" dirty="0"/>
+          </a:p>
+          <a:p>
+            <a:endParaRPr lang="en-US" b="1" baseline="-25000" dirty="0">
+              <a:cs typeface="Arial" charset="0"/>
+              <a:sym typeface="Symbol" pitchFamily="18" charset="2"/>
+            </a:endParaRPr>
+          </a:p>
+          <a:p>
+            <a:endParaRPr lang="en-US" sz="1600" b="1" baseline="-25000" dirty="0">
+              <a:cs typeface="Arial" charset="0"/>
+              <a:sym typeface="Symbol" pitchFamily="18" charset="2"/>
+            </a:endParaRPr>
+          </a:p>
+        </p:txBody>
+      </p:sp>
+      <mc:AlternateContent xmlns:mc="http://schemas.openxmlformats.org/markup-compatibility/2006" xmlns:a14="http://schemas.microsoft.com/office/drawing/2010/main">
+        <mc:Choice Requires="a14">
+          <p:sp>
+            <p:nvSpPr>
+              <p:cNvPr id="18" name="Text Box 6"/>
+              <p:cNvSpPr txBox="1">
+                <a:spLocks noChangeArrowheads="1"/>
+              </p:cNvSpPr>
+              <p:nvPr/>
+            </p:nvSpPr>
+            <p:spPr bwMode="auto">
+              <a:xfrm>
+                <a:off x="2458801" y="1456238"/>
+                <a:ext cx="427040" cy="461665"/>
+              </a:xfrm>
+              <a:prstGeom prst="rect">
+                <a:avLst/>
+              </a:prstGeom>
+              <a:noFill/>
+              <a:ln w="9525">
+                <a:noFill/>
+                <a:miter lim="800000"/>
+                <a:headEnd/>
+                <a:tailEnd/>
+              </a:ln>
+              <a:effectLst/>
+            </p:spPr>
+            <p:txBody>
+              <a:bodyPr wrap="none">
+                <a:spAutoFit/>
+              </a:bodyPr>
+              <a:lstStyle/>
+              <a:p>
+                <a:pPr/>
+                <a14:m>
+                  <m:oMathPara xmlns:m="http://schemas.openxmlformats.org/officeDocument/2006/math">
+                    <m:oMathParaPr>
+                      <m:jc m:val="centerGroup"/>
+                    </m:oMathParaPr>
+                    <m:oMath xmlns:m="http://schemas.openxmlformats.org/officeDocument/2006/math">
+                      <m:r>
+                        <a:rPr lang="en-US" sz="2400" i="1" dirty="0" smtClean="0">
+                          <a:latin typeface="Cambria Math" panose="02040503050406030204" pitchFamily="18" charset="0"/>
+                        </a:rPr>
+                        <m:t>𝑏</m:t>
+                      </m:r>
+                    </m:oMath>
+                  </m:oMathPara>
+                </a14:m>
+                <a:endParaRPr lang="en-US" sz="2400" dirty="0"/>
+              </a:p>
+            </p:txBody>
+          </p:sp>
+        </mc:Choice>
+        <mc:Fallback xmlns="">
+          <p:sp>
+            <p:nvSpPr>
+              <p:cNvPr id="18" name="Text Box 6"/>
+              <p:cNvSpPr txBox="1">
+                <a:spLocks noRot="1" noChangeAspect="1" noMove="1" noResize="1" noEditPoints="1" noAdjustHandles="1" noChangeArrowheads="1" noChangeShapeType="1" noTextEdit="1"/>
+              </p:cNvSpPr>
+              <p:nvPr/>
+            </p:nvSpPr>
+            <p:spPr bwMode="auto">
+              <a:xfrm>
+                <a:off x="2458801" y="1456238"/>
+                <a:ext cx="427040" cy="461665"/>
+              </a:xfrm>
+              <a:prstGeom prst="rect">
+                <a:avLst/>
+              </a:prstGeom>
+              <a:blipFill rotWithShape="0">
+                <a:blip r:embed="rId8"/>
+                <a:stretch>
+                  <a:fillRect/>
+                </a:stretch>
+              </a:blipFill>
+              <a:ln w="9525">
+                <a:noFill/>
+                <a:miter lim="800000"/>
+                <a:headEnd/>
+                <a:tailEnd/>
+              </a:ln>
+              <a:effectLst/>
+            </p:spPr>
+            <p:txBody>
+              <a:bodyPr/>
+              <a:lstStyle/>
+              <a:p>
+                <a:r>
+                  <a:rPr lang="ru-RU">
+                    <a:noFill/>
+                  </a:rPr>
+                  <a:t> </a:t>
+                </a:r>
+              </a:p>
+            </p:txBody>
+          </p:sp>
+        </mc:Fallback>
+      </mc:AlternateContent>
+      <p:sp>
+        <p:nvSpPr>
+          <p:cNvPr id="31" name="TextBox 30"/>
+          <p:cNvSpPr txBox="1"/>
+          <p:nvPr/>
+        </p:nvSpPr>
+        <p:spPr>
+          <a:xfrm>
+            <a:off x="5656446" y="2550641"/>
+            <a:ext cx="978153" cy="523220"/>
+          </a:xfrm>
+          <a:prstGeom prst="rect">
+            <a:avLst/>
+          </a:prstGeom>
+          <a:noFill/>
+        </p:spPr>
+        <p:txBody>
+          <a:bodyPr wrap="none" rtlCol="0">
+            <a:spAutoFit/>
+          </a:bodyPr>
+          <a:lstStyle/>
+          <a:p>
+            <a:r>
+              <a:rPr lang="en-US" sz="2800" dirty="0" smtClean="0"/>
+              <a:t>2-???</a:t>
+            </a:r>
+            <a:endParaRPr lang="ru-RU" sz="2800" dirty="0"/>
+          </a:p>
+        </p:txBody>
+      </p:sp>
+      <mc:AlternateContent xmlns:mc="http://schemas.openxmlformats.org/markup-compatibility/2006" xmlns:a14="http://schemas.microsoft.com/office/drawing/2010/main">
+        <mc:Choice Requires="a14">
+          <p:sp>
+            <p:nvSpPr>
+              <p:cNvPr id="32" name="Прямоугольник 31"/>
+              <p:cNvSpPr/>
+              <p:nvPr/>
+            </p:nvSpPr>
+            <p:spPr>
+              <a:xfrm>
+                <a:off x="1209441" y="4015911"/>
+                <a:ext cx="3223639" cy="461665"/>
+              </a:xfrm>
+              <a:prstGeom prst="rect">
+                <a:avLst/>
+              </a:prstGeom>
+            </p:spPr>
+            <p:txBody>
+              <a:bodyPr wrap="none">
+                <a:spAutoFit/>
+              </a:bodyPr>
+              <a:lstStyle/>
+              <a:p>
+                <a:pPr/>
+                <a14:m>
+                  <m:oMathPara xmlns:m="http://schemas.openxmlformats.org/officeDocument/2006/math">
+                    <m:oMathParaPr>
+                      <m:jc m:val="centerGroup"/>
+                    </m:oMathParaPr>
+                    <m:oMath xmlns:m="http://schemas.openxmlformats.org/officeDocument/2006/math">
+                      <m:sSub>
+                        <m:sSubPr>
+                          <m:ctrlPr>
+                            <a:rPr lang="en-US" sz="2400" i="1" smtClean="0">
+                              <a:latin typeface="Cambria Math" panose="02040503050406030204" pitchFamily="18" charset="0"/>
+                            </a:rPr>
+                          </m:ctrlPr>
+                        </m:sSubPr>
+                        <m:e>
+                          <m:r>
+                            <a:rPr lang="en-US" sz="2400" b="0" i="1" smtClean="0">
+                              <a:latin typeface="Cambria Math" panose="02040503050406030204" pitchFamily="18" charset="0"/>
+                            </a:rPr>
+                            <m:t>𝑃𝑅𝑃</m:t>
+                          </m:r>
+                        </m:e>
+                        <m:sub>
+                          <m:r>
+                            <a:rPr lang="en-US" sz="2400" i="1">
+                              <a:latin typeface="Cambria Math" panose="02040503050406030204" pitchFamily="18" charset="0"/>
+                            </a:rPr>
+                            <m:t>𝑎𝑑𝑣</m:t>
+                          </m:r>
+                        </m:sub>
+                      </m:sSub>
+                      <m:d>
+                        <m:dPr>
+                          <m:begChr m:val="["/>
+                          <m:endChr m:val="]"/>
+                          <m:ctrlPr>
+                            <a:rPr lang="en-US" sz="2400" i="1">
+                              <a:latin typeface="Cambria Math" panose="02040503050406030204" pitchFamily="18" charset="0"/>
+                            </a:rPr>
+                          </m:ctrlPr>
+                        </m:dPr>
+                        <m:e>
+                          <m:r>
+                            <a:rPr lang="en-US" sz="2400" i="1">
+                              <a:latin typeface="Cambria Math" panose="02040503050406030204" pitchFamily="18" charset="0"/>
+                            </a:rPr>
+                            <m:t>𝐴</m:t>
+                          </m:r>
+                          <m:r>
+                            <a:rPr lang="en-US" sz="2400" i="1">
+                              <a:latin typeface="Cambria Math" panose="02040503050406030204" pitchFamily="18" charset="0"/>
+                            </a:rPr>
+                            <m:t>,</m:t>
+                          </m:r>
+                          <m:r>
+                            <m:rPr>
+                              <m:sty m:val="p"/>
+                            </m:rPr>
+                            <a:rPr lang="en-US" sz="2400">
+                              <a:latin typeface="Cambria Math" panose="02040503050406030204" pitchFamily="18" charset="0"/>
+                            </a:rPr>
+                            <m:t>Ε</m:t>
+                          </m:r>
+                        </m:e>
+                      </m:d>
+                      <m:r>
+                        <a:rPr lang="en-US" sz="2400" i="1">
+                          <a:latin typeface="Cambria Math" panose="02040503050406030204" pitchFamily="18" charset="0"/>
+                        </a:rPr>
+                        <m:t>=</m:t>
+                      </m:r>
+                      <m:r>
+                        <a:rPr lang="en-US" sz="2400" b="0" i="1" smtClean="0">
+                          <a:latin typeface="Cambria Math" panose="02040503050406030204" pitchFamily="18" charset="0"/>
+                        </a:rPr>
+                        <m:t>3−???</m:t>
+                      </m:r>
+                    </m:oMath>
+                  </m:oMathPara>
+                </a14:m>
+                <a:endParaRPr lang="ru-RU" sz="2400" dirty="0"/>
+              </a:p>
+            </p:txBody>
+          </p:sp>
+        </mc:Choice>
+        <mc:Fallback xmlns="">
+          <p:sp>
+            <p:nvSpPr>
+              <p:cNvPr id="32" name="Прямоугольник 31"/>
+              <p:cNvSpPr>
+                <a:spLocks noRot="1" noChangeAspect="1" noMove="1" noResize="1" noEditPoints="1" noAdjustHandles="1" noChangeArrowheads="1" noChangeShapeType="1" noTextEdit="1"/>
+              </p:cNvSpPr>
+              <p:nvPr/>
+            </p:nvSpPr>
+            <p:spPr>
+              <a:xfrm>
+                <a:off x="1209441" y="4015911"/>
+                <a:ext cx="3223639" cy="461665"/>
+              </a:xfrm>
+              <a:prstGeom prst="rect">
+                <a:avLst/>
+              </a:prstGeom>
+              <a:blipFill rotWithShape="0">
+                <a:blip r:embed="rId9"/>
+                <a:stretch>
+                  <a:fillRect b="-1316"/>
+                </a:stretch>
+              </a:blipFill>
+            </p:spPr>
+            <p:txBody>
+              <a:bodyPr/>
+              <a:lstStyle/>
+              <a:p>
+                <a:r>
+                  <a:rPr lang="ru-RU">
+                    <a:noFill/>
+                  </a:rPr>
+                  <a:t> </a:t>
+                </a:r>
+              </a:p>
+            </p:txBody>
+          </p:sp>
+        </mc:Fallback>
+      </mc:AlternateContent>
+      <p:sp>
+        <p:nvSpPr>
+          <p:cNvPr id="3" name="TextBox 2"/>
+          <p:cNvSpPr txBox="1"/>
+          <p:nvPr/>
+        </p:nvSpPr>
+        <p:spPr>
+          <a:xfrm>
+            <a:off x="1209441" y="4643753"/>
+            <a:ext cx="9480159" cy="461665"/>
+          </a:xfrm>
+          <a:prstGeom prst="rect">
+            <a:avLst/>
+          </a:prstGeom>
+          <a:noFill/>
+        </p:spPr>
+        <p:txBody>
+          <a:bodyPr wrap="none" rtlCol="0">
+            <a:spAutoFit/>
+          </a:bodyPr>
+          <a:lstStyle/>
+          <a:p>
+            <a:r>
+              <a:rPr lang="en-US" sz="2400" dirty="0" smtClean="0"/>
+              <a:t>4 - </a:t>
+            </a:r>
+            <a:r>
+              <a:rPr lang="ru-RU" sz="2400" dirty="0" smtClean="0"/>
+              <a:t>Отличия адаптивной от неадаптивной версии игры на стойкость </a:t>
+            </a:r>
+            <a:r>
+              <a:rPr lang="en-US" sz="2400" dirty="0" smtClean="0"/>
+              <a:t>PRP</a:t>
+            </a:r>
+            <a:endParaRPr lang="ru-RU" sz="2400" dirty="0"/>
+          </a:p>
+        </p:txBody>
+      </p:sp>
+    </p:spTree>
+    <p:extLst>
+      <p:ext uri="{BB962C8B-B14F-4D97-AF65-F5344CB8AC3E}">
+        <p14:creationId xmlns:p14="http://schemas.microsoft.com/office/powerpoint/2010/main" val="3382606015"/>
+      </p:ext>
+    </p:extLst>
+  </p:cSld>
+  <p:clrMapOvr>
+    <a:masterClrMapping/>
+  </p:clrMapOvr>
+  <p:timing>
+    <p:tnLst>
+      <p:par>
+        <p:cTn id="1" dur="indefinite" restart="never" nodeType="tmRoot">
+          <p:childTnLst>
+            <p:seq concurrent="1" nextAc="seek">
+              <p:cTn id="2" dur="indefinite" nodeType="mainSeq">
+                <p:childTnLst>
+                  <p:par>
+                    <p:cTn id="3" fill="hold">
+                      <p:stCondLst>
+                        <p:cond delay="indefinite"/>
+                        <p:cond evt="onBegin" delay="0">
+                          <p:tn val="2"/>
+                        </p:cond>
+                      </p:stCondLst>
+                      <p:childTnLst>
+                        <p:par>
+                          <p:cTn id="4" fill="hold">
+                            <p:stCondLst>
+                              <p:cond delay="0"/>
+                            </p:stCondLst>
+                            <p:childTnLst>
+                              <p:par>
+                                <p:cTn id="5" presetID="22" presetClass="exit" presetSubtype="2" fill="hold" grpId="0" nodeType="withEffect">
+                                  <p:stCondLst>
+                                    <p:cond delay="0"/>
+                                  </p:stCondLst>
+                                  <p:childTnLst>
+                                    <p:animEffect transition="out" filter="wipe(right)">
+                                      <p:cBhvr>
+                                        <p:cTn id="6" dur="59000"/>
+                                        <p:tgtEl>
+                                          <p:spTgt spid="5"/>
+                                        </p:tgtEl>
+                                      </p:cBhvr>
+                                    </p:animEffect>
+                                    <p:set>
+                                      <p:cBhvr>
+                                        <p:cTn id="7" dur="1" fill="hold">
+                                          <p:stCondLst>
+                                            <p:cond delay="58999"/>
+                                          </p:stCondLst>
+                                        </p:cTn>
+                                        <p:tgtEl>
+                                          <p:spTgt spid="5"/>
+                                        </p:tgtEl>
+                                        <p:attrNameLst>
+                                          <p:attrName>style.visibility</p:attrName>
+                                        </p:attrNameLst>
+                                      </p:cBhvr>
+                                      <p:to>
+                                        <p:strVal val="hidden"/>
+                                      </p:to>
+                                    </p:set>
+                                  </p:childTnLst>
+                                </p:cTn>
+                              </p:par>
+                            </p:childTnLst>
+                          </p:cTn>
+                        </p:par>
+                        <p:par>
+                          <p:cTn id="8" fill="hold">
+                            <p:stCondLst>
+                              <p:cond delay="59000"/>
+                            </p:stCondLst>
+                            <p:childTnLst>
+                              <p:par>
+                                <p:cTn id="9" presetID="22" presetClass="exit" presetSubtype="2" fill="hold" grpId="0" nodeType="afterEffect">
+                                  <p:stCondLst>
+                                    <p:cond delay="0"/>
+                                  </p:stCondLst>
+                                  <p:childTnLst>
+                                    <p:animEffect transition="out" filter="wipe(right)">
+                                      <p:cBhvr>
+                                        <p:cTn id="10" dur="59000"/>
+                                        <p:tgtEl>
+                                          <p:spTgt spid="6"/>
+                                        </p:tgtEl>
+                                      </p:cBhvr>
+                                    </p:animEffect>
+                                    <p:set>
+                                      <p:cBhvr>
+                                        <p:cTn id="11" dur="1" fill="hold">
+                                          <p:stCondLst>
+                                            <p:cond delay="58999"/>
+                                          </p:stCondLst>
+                                        </p:cTn>
+                                        <p:tgtEl>
+                                          <p:spTgt spid="6"/>
+                                        </p:tgtEl>
+                                        <p:attrNameLst>
+                                          <p:attrName>style.visibility</p:attrName>
+                                        </p:attrNameLst>
+                                      </p:cBhvr>
+                                      <p:to>
+                                        <p:strVal val="hidden"/>
+                                      </p:to>
+                                    </p:set>
+                                  </p:childTnLst>
+                                </p:cTn>
+                              </p:par>
+                            </p:childTnLst>
+                          </p:cTn>
+                        </p:par>
+                        <p:par>
+                          <p:cTn id="12" fill="hold">
+                            <p:stCondLst>
+                              <p:cond delay="118000"/>
+                            </p:stCondLst>
+                            <p:childTnLst>
+                              <p:par>
+                                <p:cTn id="13" presetID="22" presetClass="exit" presetSubtype="2" fill="hold" grpId="0" nodeType="afterEffect">
+                                  <p:stCondLst>
+                                    <p:cond delay="0"/>
+                                  </p:stCondLst>
+                                  <p:childTnLst>
+                                    <p:animEffect transition="out" filter="wipe(right)">
+                                      <p:cBhvr>
+                                        <p:cTn id="14" dur="59000"/>
+                                        <p:tgtEl>
+                                          <p:spTgt spid="7"/>
+                                        </p:tgtEl>
+                                      </p:cBhvr>
+                                    </p:animEffect>
+                                    <p:set>
+                                      <p:cBhvr>
+                                        <p:cTn id="15" dur="1" fill="hold">
+                                          <p:stCondLst>
+                                            <p:cond delay="58999"/>
+                                          </p:stCondLst>
+                                        </p:cTn>
+                                        <p:tgtEl>
+                                          <p:spTgt spid="7"/>
+                                        </p:tgtEl>
+                                        <p:attrNameLst>
+                                          <p:attrName>style.visibility</p:attrName>
+                                        </p:attrNameLst>
+                                      </p:cBhvr>
+                                      <p:to>
+                                        <p:strVal val="hidden"/>
+                                      </p:to>
+                                    </p:set>
+                                  </p:childTnLst>
+                                </p:cTn>
+                              </p:par>
+                            </p:childTnLst>
+                          </p:cTn>
+                        </p:par>
+                      </p:childTnLst>
+                    </p:cTn>
+                  </p:par>
+                </p:childTnLst>
+              </p:cTn>
+              <p:prevCondLst>
+                <p:cond evt="onPrev" delay="0">
+                  <p:tgtEl>
+                    <p:sldTgt/>
+                  </p:tgtEl>
+                </p:cond>
+              </p:prevCondLst>
+              <p:nextCondLst>
+                <p:cond evt="onNext" delay="0">
+                  <p:tgtEl>
+                    <p:sldTgt/>
+                  </p:tgtEl>
+                </p:cond>
+              </p:nextCondLst>
+            </p:seq>
+          </p:childTnLst>
+        </p:cTn>
+      </p:par>
+    </p:tnLst>
+    <p:bldLst>
+      <p:bldP spid="5" grpId="0" animBg="1"/>
+      <p:bldP spid="6" grpId="0" animBg="1"/>
+      <p:bldP spid="7" grpId="0" animBg="1"/>
+    </p:bldLst>
   </p:timing>
 </p:sld>
 </file>

--- a/Lectures/Lecture5.pptx
+++ b/Lectures/Lecture5.pptx
@@ -5,12 +5,12 @@
     <p:sldMasterId id="2147483648" r:id="rId1"/>
   </p:sldMasterIdLst>
   <p:notesMasterIdLst>
-    <p:notesMasterId r:id="rId36"/>
+    <p:notesMasterId r:id="rId37"/>
   </p:notesMasterIdLst>
   <p:sldIdLst>
     <p:sldId id="296" r:id="rId2"/>
     <p:sldId id="392" r:id="rId3"/>
-    <p:sldId id="393" r:id="rId4"/>
+    <p:sldId id="398" r:id="rId4"/>
     <p:sldId id="394" r:id="rId5"/>
     <p:sldId id="362" r:id="rId6"/>
     <p:sldId id="366" r:id="rId7"/>
@@ -42,6 +42,7 @@
     <p:sldId id="387" r:id="rId33"/>
     <p:sldId id="396" r:id="rId34"/>
     <p:sldId id="397" r:id="rId35"/>
+    <p:sldId id="393" r:id="rId36"/>
   </p:sldIdLst>
   <p:sldSz cx="12192000" cy="6858000"/>
   <p:notesSz cx="6858000" cy="9144000"/>
@@ -147,7 +148,7 @@
           <p14:sldIdLst>
             <p14:sldId id="296"/>
             <p14:sldId id="392"/>
-            <p14:sldId id="393"/>
+            <p14:sldId id="398"/>
             <p14:sldId id="394"/>
           </p14:sldIdLst>
         </p14:section>
@@ -203,6 +204,7 @@
         <p14:section name="тесты" id="{F359A15B-04C6-4428-9686-7228C9403E2D}">
           <p14:sldIdLst>
             <p14:sldId id="397"/>
+            <p14:sldId id="393"/>
           </p14:sldIdLst>
         </p14:section>
       </p14:sectionLst>
@@ -299,7 +301,7 @@
           <a:p>
             <a:fld id="{CBA08D16-15DC-4E25-BDC3-F25146157B16}" type="datetimeFigureOut">
               <a:rPr lang="ru-RU" smtClean="0"/>
-              <a:t>10.10.2024</a:t>
+              <a:t>08.10.2025</a:t>
             </a:fld>
             <a:endParaRPr lang="ru-RU"/>
           </a:p>
@@ -363,38 +365,37 @@
           <a:p>
             <a:pPr lvl="0"/>
             <a:r>
-              <a:rPr lang="ru-RU" smtClean="0"/>
+              <a:rPr lang="ru-RU"/>
               <a:t>Образец текста</a:t>
             </a:r>
           </a:p>
           <a:p>
             <a:pPr lvl="1"/>
             <a:r>
-              <a:rPr lang="ru-RU" smtClean="0"/>
+              <a:rPr lang="ru-RU"/>
               <a:t>Второй уровень</a:t>
             </a:r>
           </a:p>
           <a:p>
             <a:pPr lvl="2"/>
             <a:r>
-              <a:rPr lang="ru-RU" smtClean="0"/>
+              <a:rPr lang="ru-RU"/>
               <a:t>Третий уровень</a:t>
             </a:r>
           </a:p>
           <a:p>
             <a:pPr lvl="3"/>
             <a:r>
-              <a:rPr lang="ru-RU" smtClean="0"/>
+              <a:rPr lang="ru-RU"/>
               <a:t>Четвертый уровень</a:t>
             </a:r>
           </a:p>
           <a:p>
             <a:pPr lvl="4"/>
             <a:r>
-              <a:rPr lang="ru-RU" smtClean="0"/>
+              <a:rPr lang="ru-RU"/>
               <a:t>Пятый уровень</a:t>
             </a:r>
-            <a:endParaRPr lang="ru-RU"/>
           </a:p>
         </p:txBody>
       </p:sp>
@@ -609,10 +610,9 @@
           </a:lstStyle>
           <a:p>
             <a:r>
-              <a:rPr lang="ru-RU" smtClean="0"/>
+              <a:rPr lang="ru-RU"/>
               <a:t>Образец заголовка</a:t>
             </a:r>
-            <a:endParaRPr lang="ru-RU"/>
           </a:p>
         </p:txBody>
       </p:sp>
@@ -674,10 +674,9 @@
           </a:lstStyle>
           <a:p>
             <a:r>
-              <a:rPr lang="ru-RU" smtClean="0"/>
+              <a:rPr lang="ru-RU"/>
               <a:t>Образец подзаголовка</a:t>
             </a:r>
-            <a:endParaRPr lang="ru-RU"/>
           </a:p>
         </p:txBody>
       </p:sp>
@@ -698,7 +697,7 @@
           <a:p>
             <a:fld id="{FCEC8293-DB51-454A-BE81-EC8FCB31EBA2}" type="datetime1">
               <a:rPr lang="ru-RU" smtClean="0"/>
-              <a:t>10.10.2024</a:t>
+              <a:t>08.10.2025</a:t>
             </a:fld>
             <a:endParaRPr lang="ru-RU"/>
           </a:p>
@@ -720,10 +719,9 @@
           <a:lstStyle/>
           <a:p>
             <a:r>
-              <a:rPr lang="ru-RU" smtClean="0"/>
+              <a:rPr lang="ru-RU"/>
               <a:t>Артём Макаров</a:t>
             </a:r>
-            <a:endParaRPr lang="ru-RU"/>
           </a:p>
         </p:txBody>
       </p:sp>
@@ -796,10 +794,9 @@
           <a:lstStyle/>
           <a:p>
             <a:r>
-              <a:rPr lang="ru-RU" smtClean="0"/>
+              <a:rPr lang="ru-RU"/>
               <a:t>Образец заголовка</a:t>
             </a:r>
-            <a:endParaRPr lang="ru-RU"/>
           </a:p>
         </p:txBody>
       </p:sp>
@@ -820,38 +817,37 @@
           <a:p>
             <a:pPr lvl="0"/>
             <a:r>
-              <a:rPr lang="ru-RU" smtClean="0"/>
+              <a:rPr lang="ru-RU"/>
               <a:t>Образец текста</a:t>
             </a:r>
           </a:p>
           <a:p>
             <a:pPr lvl="1"/>
             <a:r>
-              <a:rPr lang="ru-RU" smtClean="0"/>
+              <a:rPr lang="ru-RU"/>
               <a:t>Второй уровень</a:t>
             </a:r>
           </a:p>
           <a:p>
             <a:pPr lvl="2"/>
             <a:r>
-              <a:rPr lang="ru-RU" smtClean="0"/>
+              <a:rPr lang="ru-RU"/>
               <a:t>Третий уровень</a:t>
             </a:r>
           </a:p>
           <a:p>
             <a:pPr lvl="3"/>
             <a:r>
-              <a:rPr lang="ru-RU" smtClean="0"/>
+              <a:rPr lang="ru-RU"/>
               <a:t>Четвертый уровень</a:t>
             </a:r>
           </a:p>
           <a:p>
             <a:pPr lvl="4"/>
             <a:r>
-              <a:rPr lang="ru-RU" smtClean="0"/>
+              <a:rPr lang="ru-RU"/>
               <a:t>Пятый уровень</a:t>
             </a:r>
-            <a:endParaRPr lang="ru-RU"/>
           </a:p>
         </p:txBody>
       </p:sp>
@@ -872,7 +868,7 @@
           <a:p>
             <a:fld id="{241C87B1-1C35-4DBD-BC18-2BC72E776603}" type="datetime1">
               <a:rPr lang="ru-RU" smtClean="0"/>
-              <a:t>10.10.2024</a:t>
+              <a:t>08.10.2025</a:t>
             </a:fld>
             <a:endParaRPr lang="ru-RU"/>
           </a:p>
@@ -894,10 +890,9 @@
           <a:lstStyle/>
           <a:p>
             <a:r>
-              <a:rPr lang="ru-RU" smtClean="0"/>
+              <a:rPr lang="ru-RU"/>
               <a:t>Артём Макаров</a:t>
             </a:r>
-            <a:endParaRPr lang="ru-RU"/>
           </a:p>
         </p:txBody>
       </p:sp>
@@ -975,10 +970,9 @@
           <a:lstStyle/>
           <a:p>
             <a:r>
-              <a:rPr lang="ru-RU" smtClean="0"/>
+              <a:rPr lang="ru-RU"/>
               <a:t>Образец заголовка</a:t>
             </a:r>
-            <a:endParaRPr lang="ru-RU"/>
           </a:p>
         </p:txBody>
       </p:sp>
@@ -1004,38 +998,37 @@
           <a:p>
             <a:pPr lvl="0"/>
             <a:r>
-              <a:rPr lang="ru-RU" smtClean="0"/>
+              <a:rPr lang="ru-RU"/>
               <a:t>Образец текста</a:t>
             </a:r>
           </a:p>
           <a:p>
             <a:pPr lvl="1"/>
             <a:r>
-              <a:rPr lang="ru-RU" smtClean="0"/>
+              <a:rPr lang="ru-RU"/>
               <a:t>Второй уровень</a:t>
             </a:r>
           </a:p>
           <a:p>
             <a:pPr lvl="2"/>
             <a:r>
-              <a:rPr lang="ru-RU" smtClean="0"/>
+              <a:rPr lang="ru-RU"/>
               <a:t>Третий уровень</a:t>
             </a:r>
           </a:p>
           <a:p>
             <a:pPr lvl="3"/>
             <a:r>
-              <a:rPr lang="ru-RU" smtClean="0"/>
+              <a:rPr lang="ru-RU"/>
               <a:t>Четвертый уровень</a:t>
             </a:r>
           </a:p>
           <a:p>
             <a:pPr lvl="4"/>
             <a:r>
-              <a:rPr lang="ru-RU" smtClean="0"/>
+              <a:rPr lang="ru-RU"/>
               <a:t>Пятый уровень</a:t>
             </a:r>
-            <a:endParaRPr lang="ru-RU"/>
           </a:p>
         </p:txBody>
       </p:sp>
@@ -1056,7 +1049,7 @@
           <a:p>
             <a:fld id="{3134C275-26C0-42CD-9111-9ADE65922AF9}" type="datetime1">
               <a:rPr lang="ru-RU" smtClean="0"/>
-              <a:t>10.10.2024</a:t>
+              <a:t>08.10.2025</a:t>
             </a:fld>
             <a:endParaRPr lang="ru-RU"/>
           </a:p>
@@ -1078,10 +1071,9 @@
           <a:lstStyle/>
           <a:p>
             <a:r>
-              <a:rPr lang="ru-RU" smtClean="0"/>
+              <a:rPr lang="ru-RU"/>
               <a:t>Артём Макаров</a:t>
             </a:r>
-            <a:endParaRPr lang="ru-RU"/>
           </a:p>
         </p:txBody>
       </p:sp>
@@ -1154,10 +1146,9 @@
           <a:lstStyle/>
           <a:p>
             <a:r>
-              <a:rPr lang="ru-RU" smtClean="0"/>
+              <a:rPr lang="ru-RU"/>
               <a:t>Образец заголовка</a:t>
             </a:r>
-            <a:endParaRPr lang="ru-RU"/>
           </a:p>
         </p:txBody>
       </p:sp>
@@ -1178,38 +1169,37 @@
           <a:p>
             <a:pPr lvl="0"/>
             <a:r>
-              <a:rPr lang="ru-RU" dirty="0" smtClean="0"/>
+              <a:rPr lang="ru-RU" dirty="0"/>
               <a:t>Образец текста</a:t>
             </a:r>
           </a:p>
           <a:p>
             <a:pPr lvl="1"/>
             <a:r>
-              <a:rPr lang="ru-RU" dirty="0" smtClean="0"/>
+              <a:rPr lang="ru-RU" dirty="0"/>
               <a:t>Второй уровень</a:t>
             </a:r>
           </a:p>
           <a:p>
             <a:pPr lvl="2"/>
             <a:r>
-              <a:rPr lang="ru-RU" dirty="0" smtClean="0"/>
+              <a:rPr lang="ru-RU" dirty="0"/>
               <a:t>Третий уровень</a:t>
             </a:r>
           </a:p>
           <a:p>
             <a:pPr lvl="3"/>
             <a:r>
-              <a:rPr lang="ru-RU" dirty="0" smtClean="0"/>
+              <a:rPr lang="ru-RU" dirty="0"/>
               <a:t>Четвертый уровень</a:t>
             </a:r>
           </a:p>
           <a:p>
             <a:pPr lvl="4"/>
             <a:r>
-              <a:rPr lang="ru-RU" dirty="0" smtClean="0"/>
+              <a:rPr lang="ru-RU" dirty="0"/>
               <a:t>Пятый уровень</a:t>
             </a:r>
-            <a:endParaRPr lang="ru-RU" dirty="0"/>
           </a:p>
         </p:txBody>
       </p:sp>
@@ -1230,7 +1220,7 @@
           <a:p>
             <a:fld id="{C1A9A50B-C350-45F5-8AAB-ADB9E670AF2E}" type="datetime1">
               <a:rPr lang="ru-RU" smtClean="0"/>
-              <a:t>10.10.2024</a:t>
+              <a:t>08.10.2025</a:t>
             </a:fld>
             <a:endParaRPr lang="ru-RU"/>
           </a:p>
@@ -1252,10 +1242,9 @@
           <a:lstStyle/>
           <a:p>
             <a:r>
-              <a:rPr lang="ru-RU" smtClean="0"/>
+              <a:rPr lang="ru-RU"/>
               <a:t>Артём Макаров</a:t>
             </a:r>
-            <a:endParaRPr lang="ru-RU"/>
           </a:p>
         </p:txBody>
       </p:sp>
@@ -1337,10 +1326,9 @@
           </a:lstStyle>
           <a:p>
             <a:r>
-              <a:rPr lang="ru-RU" smtClean="0"/>
+              <a:rPr lang="ru-RU"/>
               <a:t>Образец заголовка</a:t>
             </a:r>
-            <a:endParaRPr lang="ru-RU"/>
           </a:p>
         </p:txBody>
       </p:sp>
@@ -1457,7 +1445,7 @@
           <a:p>
             <a:pPr lvl="0"/>
             <a:r>
-              <a:rPr lang="ru-RU" smtClean="0"/>
+              <a:rPr lang="ru-RU"/>
               <a:t>Образец текста</a:t>
             </a:r>
           </a:p>
@@ -1480,7 +1468,7 @@
           <a:p>
             <a:fld id="{089688C9-348F-42F9-B6C0-5990DDE0C5B2}" type="datetime1">
               <a:rPr lang="ru-RU" smtClean="0"/>
-              <a:t>10.10.2024</a:t>
+              <a:t>08.10.2025</a:t>
             </a:fld>
             <a:endParaRPr lang="ru-RU"/>
           </a:p>
@@ -1502,10 +1490,9 @@
           <a:lstStyle/>
           <a:p>
             <a:r>
-              <a:rPr lang="ru-RU" smtClean="0"/>
+              <a:rPr lang="ru-RU"/>
               <a:t>Артём Макаров</a:t>
             </a:r>
-            <a:endParaRPr lang="ru-RU"/>
           </a:p>
         </p:txBody>
       </p:sp>
@@ -1578,10 +1565,9 @@
           <a:lstStyle/>
           <a:p>
             <a:r>
-              <a:rPr lang="ru-RU" smtClean="0"/>
+              <a:rPr lang="ru-RU"/>
               <a:t>Образец заголовка</a:t>
             </a:r>
-            <a:endParaRPr lang="ru-RU"/>
           </a:p>
         </p:txBody>
       </p:sp>
@@ -1607,38 +1593,37 @@
           <a:p>
             <a:pPr lvl="0"/>
             <a:r>
-              <a:rPr lang="ru-RU" smtClean="0"/>
+              <a:rPr lang="ru-RU"/>
               <a:t>Образец текста</a:t>
             </a:r>
           </a:p>
           <a:p>
             <a:pPr lvl="1"/>
             <a:r>
-              <a:rPr lang="ru-RU" smtClean="0"/>
+              <a:rPr lang="ru-RU"/>
               <a:t>Второй уровень</a:t>
             </a:r>
           </a:p>
           <a:p>
             <a:pPr lvl="2"/>
             <a:r>
-              <a:rPr lang="ru-RU" smtClean="0"/>
+              <a:rPr lang="ru-RU"/>
               <a:t>Третий уровень</a:t>
             </a:r>
           </a:p>
           <a:p>
             <a:pPr lvl="3"/>
             <a:r>
-              <a:rPr lang="ru-RU" smtClean="0"/>
+              <a:rPr lang="ru-RU"/>
               <a:t>Четвертый уровень</a:t>
             </a:r>
           </a:p>
           <a:p>
             <a:pPr lvl="4"/>
             <a:r>
-              <a:rPr lang="ru-RU" smtClean="0"/>
+              <a:rPr lang="ru-RU"/>
               <a:t>Пятый уровень</a:t>
             </a:r>
-            <a:endParaRPr lang="ru-RU"/>
           </a:p>
         </p:txBody>
       </p:sp>
@@ -1664,38 +1649,37 @@
           <a:p>
             <a:pPr lvl="0"/>
             <a:r>
-              <a:rPr lang="ru-RU" smtClean="0"/>
+              <a:rPr lang="ru-RU"/>
               <a:t>Образец текста</a:t>
             </a:r>
           </a:p>
           <a:p>
             <a:pPr lvl="1"/>
             <a:r>
-              <a:rPr lang="ru-RU" smtClean="0"/>
+              <a:rPr lang="ru-RU"/>
               <a:t>Второй уровень</a:t>
             </a:r>
           </a:p>
           <a:p>
             <a:pPr lvl="2"/>
             <a:r>
-              <a:rPr lang="ru-RU" smtClean="0"/>
+              <a:rPr lang="ru-RU"/>
               <a:t>Третий уровень</a:t>
             </a:r>
           </a:p>
           <a:p>
             <a:pPr lvl="3"/>
             <a:r>
-              <a:rPr lang="ru-RU" smtClean="0"/>
+              <a:rPr lang="ru-RU"/>
               <a:t>Четвертый уровень</a:t>
             </a:r>
           </a:p>
           <a:p>
             <a:pPr lvl="4"/>
             <a:r>
-              <a:rPr lang="ru-RU" smtClean="0"/>
+              <a:rPr lang="ru-RU"/>
               <a:t>Пятый уровень</a:t>
             </a:r>
-            <a:endParaRPr lang="ru-RU"/>
           </a:p>
         </p:txBody>
       </p:sp>
@@ -1716,7 +1700,7 @@
           <a:p>
             <a:fld id="{684AFD8F-6DD9-4AD3-A505-FDC3F5C5F3F6}" type="datetime1">
               <a:rPr lang="ru-RU" smtClean="0"/>
-              <a:t>10.10.2024</a:t>
+              <a:t>08.10.2025</a:t>
             </a:fld>
             <a:endParaRPr lang="ru-RU"/>
           </a:p>
@@ -1738,10 +1722,9 @@
           <a:lstStyle/>
           <a:p>
             <a:r>
-              <a:rPr lang="ru-RU" smtClean="0"/>
+              <a:rPr lang="ru-RU"/>
               <a:t>Артём Макаров</a:t>
             </a:r>
-            <a:endParaRPr lang="ru-RU"/>
           </a:p>
         </p:txBody>
       </p:sp>
@@ -1819,10 +1802,9 @@
           <a:lstStyle/>
           <a:p>
             <a:r>
-              <a:rPr lang="ru-RU" smtClean="0"/>
+              <a:rPr lang="ru-RU"/>
               <a:t>Образец заголовка</a:t>
             </a:r>
-            <a:endParaRPr lang="ru-RU"/>
           </a:p>
         </p:txBody>
       </p:sp>
@@ -1885,7 +1867,7 @@
           <a:p>
             <a:pPr lvl="0"/>
             <a:r>
-              <a:rPr lang="ru-RU" dirty="0" smtClean="0"/>
+              <a:rPr lang="ru-RU" dirty="0"/>
               <a:t>Образец текста</a:t>
             </a:r>
           </a:p>
@@ -1913,38 +1895,37 @@
           <a:p>
             <a:pPr lvl="0"/>
             <a:r>
-              <a:rPr lang="ru-RU" dirty="0" smtClean="0"/>
+              <a:rPr lang="ru-RU" dirty="0"/>
               <a:t>Образец текста</a:t>
             </a:r>
           </a:p>
           <a:p>
             <a:pPr lvl="1"/>
             <a:r>
-              <a:rPr lang="ru-RU" dirty="0" smtClean="0"/>
+              <a:rPr lang="ru-RU" dirty="0"/>
               <a:t>Второй уровень</a:t>
             </a:r>
           </a:p>
           <a:p>
             <a:pPr lvl="2"/>
             <a:r>
-              <a:rPr lang="ru-RU" dirty="0" smtClean="0"/>
+              <a:rPr lang="ru-RU" dirty="0"/>
               <a:t>Третий уровень</a:t>
             </a:r>
           </a:p>
           <a:p>
             <a:pPr lvl="3"/>
             <a:r>
-              <a:rPr lang="ru-RU" dirty="0" smtClean="0"/>
+              <a:rPr lang="ru-RU" dirty="0"/>
               <a:t>Четвертый уровень</a:t>
             </a:r>
           </a:p>
           <a:p>
             <a:pPr lvl="4"/>
             <a:r>
-              <a:rPr lang="ru-RU" dirty="0" smtClean="0"/>
+              <a:rPr lang="ru-RU" dirty="0"/>
               <a:t>Пятый уровень</a:t>
             </a:r>
-            <a:endParaRPr lang="ru-RU" dirty="0"/>
           </a:p>
         </p:txBody>
       </p:sp>
@@ -2007,7 +1988,7 @@
           <a:p>
             <a:pPr lvl="0"/>
             <a:r>
-              <a:rPr lang="ru-RU" smtClean="0"/>
+              <a:rPr lang="ru-RU"/>
               <a:t>Образец текста</a:t>
             </a:r>
           </a:p>
@@ -2035,38 +2016,37 @@
           <a:p>
             <a:pPr lvl="0"/>
             <a:r>
-              <a:rPr lang="ru-RU" smtClean="0"/>
+              <a:rPr lang="ru-RU"/>
               <a:t>Образец текста</a:t>
             </a:r>
           </a:p>
           <a:p>
             <a:pPr lvl="1"/>
             <a:r>
-              <a:rPr lang="ru-RU" smtClean="0"/>
+              <a:rPr lang="ru-RU"/>
               <a:t>Второй уровень</a:t>
             </a:r>
           </a:p>
           <a:p>
             <a:pPr lvl="2"/>
             <a:r>
-              <a:rPr lang="ru-RU" smtClean="0"/>
+              <a:rPr lang="ru-RU"/>
               <a:t>Третий уровень</a:t>
             </a:r>
           </a:p>
           <a:p>
             <a:pPr lvl="3"/>
             <a:r>
-              <a:rPr lang="ru-RU" smtClean="0"/>
+              <a:rPr lang="ru-RU"/>
               <a:t>Четвертый уровень</a:t>
             </a:r>
           </a:p>
           <a:p>
             <a:pPr lvl="4"/>
             <a:r>
-              <a:rPr lang="ru-RU" smtClean="0"/>
+              <a:rPr lang="ru-RU"/>
               <a:t>Пятый уровень</a:t>
             </a:r>
-            <a:endParaRPr lang="ru-RU"/>
           </a:p>
         </p:txBody>
       </p:sp>
@@ -2087,7 +2067,7 @@
           <a:p>
             <a:fld id="{63551EFE-4D02-45EB-A747-8B6F047B5AA0}" type="datetime1">
               <a:rPr lang="ru-RU" smtClean="0"/>
-              <a:t>10.10.2024</a:t>
+              <a:t>08.10.2025</a:t>
             </a:fld>
             <a:endParaRPr lang="ru-RU"/>
           </a:p>
@@ -2109,10 +2089,9 @@
           <a:lstStyle/>
           <a:p>
             <a:r>
-              <a:rPr lang="ru-RU" smtClean="0"/>
+              <a:rPr lang="ru-RU"/>
               <a:t>Артём Макаров</a:t>
             </a:r>
-            <a:endParaRPr lang="ru-RU"/>
           </a:p>
         </p:txBody>
       </p:sp>
@@ -2185,10 +2164,9 @@
           <a:lstStyle/>
           <a:p>
             <a:r>
-              <a:rPr lang="ru-RU" smtClean="0"/>
+              <a:rPr lang="ru-RU"/>
               <a:t>Образец заголовка</a:t>
             </a:r>
-            <a:endParaRPr lang="ru-RU"/>
           </a:p>
         </p:txBody>
       </p:sp>
@@ -2209,7 +2187,7 @@
           <a:p>
             <a:fld id="{813A9F34-E5CD-4B8F-AA9E-889C84372B20}" type="datetime1">
               <a:rPr lang="ru-RU" smtClean="0"/>
-              <a:t>10.10.2024</a:t>
+              <a:t>08.10.2025</a:t>
             </a:fld>
             <a:endParaRPr lang="ru-RU"/>
           </a:p>
@@ -2231,10 +2209,9 @@
           <a:lstStyle/>
           <a:p>
             <a:r>
-              <a:rPr lang="ru-RU" smtClean="0"/>
+              <a:rPr lang="ru-RU"/>
               <a:t>Артём Макаров</a:t>
             </a:r>
-            <a:endParaRPr lang="ru-RU"/>
           </a:p>
         </p:txBody>
       </p:sp>
@@ -2308,7 +2285,7 @@
           <a:p>
             <a:fld id="{51224D22-9B29-44A6-8E82-95FC492DEDC1}" type="datetime1">
               <a:rPr lang="ru-RU" smtClean="0"/>
-              <a:t>10.10.2024</a:t>
+              <a:t>08.10.2025</a:t>
             </a:fld>
             <a:endParaRPr lang="ru-RU"/>
           </a:p>
@@ -2330,10 +2307,9 @@
           <a:lstStyle/>
           <a:p>
             <a:r>
-              <a:rPr lang="ru-RU" smtClean="0"/>
+              <a:rPr lang="ru-RU"/>
               <a:t>Артём Макаров</a:t>
             </a:r>
-            <a:endParaRPr lang="ru-RU"/>
           </a:p>
         </p:txBody>
       </p:sp>
@@ -2415,10 +2391,9 @@
           </a:lstStyle>
           <a:p>
             <a:r>
-              <a:rPr lang="ru-RU" smtClean="0"/>
+              <a:rPr lang="ru-RU"/>
               <a:t>Образец заголовка</a:t>
             </a:r>
-            <a:endParaRPr lang="ru-RU"/>
           </a:p>
         </p:txBody>
       </p:sp>
@@ -2472,38 +2447,37 @@
           <a:p>
             <a:pPr lvl="0"/>
             <a:r>
-              <a:rPr lang="ru-RU" smtClean="0"/>
+              <a:rPr lang="ru-RU"/>
               <a:t>Образец текста</a:t>
             </a:r>
           </a:p>
           <a:p>
             <a:pPr lvl="1"/>
             <a:r>
-              <a:rPr lang="ru-RU" smtClean="0"/>
+              <a:rPr lang="ru-RU"/>
               <a:t>Второй уровень</a:t>
             </a:r>
           </a:p>
           <a:p>
             <a:pPr lvl="2"/>
             <a:r>
-              <a:rPr lang="ru-RU" smtClean="0"/>
+              <a:rPr lang="ru-RU"/>
               <a:t>Третий уровень</a:t>
             </a:r>
           </a:p>
           <a:p>
             <a:pPr lvl="3"/>
             <a:r>
-              <a:rPr lang="ru-RU" smtClean="0"/>
+              <a:rPr lang="ru-RU"/>
               <a:t>Четвертый уровень</a:t>
             </a:r>
           </a:p>
           <a:p>
             <a:pPr lvl="4"/>
             <a:r>
-              <a:rPr lang="ru-RU" smtClean="0"/>
+              <a:rPr lang="ru-RU"/>
               <a:t>Пятый уровень</a:t>
             </a:r>
-            <a:endParaRPr lang="ru-RU"/>
           </a:p>
         </p:txBody>
       </p:sp>
@@ -2566,7 +2540,7 @@
           <a:p>
             <a:pPr lvl="0"/>
             <a:r>
-              <a:rPr lang="ru-RU" smtClean="0"/>
+              <a:rPr lang="ru-RU"/>
               <a:t>Образец текста</a:t>
             </a:r>
           </a:p>
@@ -2589,7 +2563,7 @@
           <a:p>
             <a:fld id="{91D1034F-4441-48A1-BDC0-25EA1022324A}" type="datetime1">
               <a:rPr lang="ru-RU" smtClean="0"/>
-              <a:t>10.10.2024</a:t>
+              <a:t>08.10.2025</a:t>
             </a:fld>
             <a:endParaRPr lang="ru-RU"/>
           </a:p>
@@ -2611,10 +2585,9 @@
           <a:lstStyle/>
           <a:p>
             <a:r>
-              <a:rPr lang="ru-RU" smtClean="0"/>
+              <a:rPr lang="ru-RU"/>
               <a:t>Артём Макаров</a:t>
             </a:r>
-            <a:endParaRPr lang="ru-RU"/>
           </a:p>
         </p:txBody>
       </p:sp>
@@ -2696,10 +2669,9 @@
           </a:lstStyle>
           <a:p>
             <a:r>
-              <a:rPr lang="ru-RU" smtClean="0"/>
+              <a:rPr lang="ru-RU"/>
               <a:t>Образец заголовка</a:t>
             </a:r>
-            <a:endParaRPr lang="ru-RU"/>
           </a:p>
         </p:txBody>
       </p:sp>
@@ -2823,7 +2795,7 @@
           <a:p>
             <a:pPr lvl="0"/>
             <a:r>
-              <a:rPr lang="ru-RU" smtClean="0"/>
+              <a:rPr lang="ru-RU"/>
               <a:t>Образец текста</a:t>
             </a:r>
           </a:p>
@@ -2846,7 +2818,7 @@
           <a:p>
             <a:fld id="{B0FFDE79-B627-473B-AE17-4C65BD2495F7}" type="datetime1">
               <a:rPr lang="ru-RU" smtClean="0"/>
-              <a:t>10.10.2024</a:t>
+              <a:t>08.10.2025</a:t>
             </a:fld>
             <a:endParaRPr lang="ru-RU"/>
           </a:p>
@@ -2868,10 +2840,9 @@
           <a:lstStyle/>
           <a:p>
             <a:r>
-              <a:rPr lang="ru-RU" smtClean="0"/>
+              <a:rPr lang="ru-RU"/>
               <a:t>Артём Макаров</a:t>
             </a:r>
-            <a:endParaRPr lang="ru-RU"/>
           </a:p>
         </p:txBody>
       </p:sp>
@@ -2959,10 +2930,9 @@
           <a:lstStyle/>
           <a:p>
             <a:r>
-              <a:rPr lang="ru-RU" dirty="0" smtClean="0"/>
+              <a:rPr lang="ru-RU" dirty="0"/>
               <a:t>Образец заголовка</a:t>
             </a:r>
-            <a:endParaRPr lang="ru-RU" dirty="0"/>
           </a:p>
         </p:txBody>
       </p:sp>
@@ -2993,38 +2963,37 @@
           <a:p>
             <a:pPr lvl="0"/>
             <a:r>
-              <a:rPr lang="ru-RU" dirty="0" smtClean="0"/>
+              <a:rPr lang="ru-RU" dirty="0"/>
               <a:t>Образец текста</a:t>
             </a:r>
           </a:p>
           <a:p>
             <a:pPr lvl="1"/>
             <a:r>
-              <a:rPr lang="ru-RU" dirty="0" smtClean="0"/>
+              <a:rPr lang="ru-RU" dirty="0"/>
               <a:t>Второй уровень</a:t>
             </a:r>
           </a:p>
           <a:p>
             <a:pPr lvl="2"/>
             <a:r>
-              <a:rPr lang="ru-RU" dirty="0" smtClean="0"/>
+              <a:rPr lang="ru-RU" dirty="0"/>
               <a:t>Третий уровень</a:t>
             </a:r>
           </a:p>
           <a:p>
             <a:pPr lvl="3"/>
             <a:r>
-              <a:rPr lang="ru-RU" dirty="0" smtClean="0"/>
+              <a:rPr lang="ru-RU" dirty="0"/>
               <a:t>Четвертый уровень</a:t>
             </a:r>
           </a:p>
           <a:p>
             <a:pPr lvl="4"/>
             <a:r>
-              <a:rPr lang="ru-RU" dirty="0" smtClean="0"/>
+              <a:rPr lang="ru-RU" dirty="0"/>
               <a:t>Пятый уровень</a:t>
             </a:r>
-            <a:endParaRPr lang="ru-RU" dirty="0"/>
           </a:p>
         </p:txBody>
       </p:sp>
@@ -3063,7 +3032,7 @@
           <a:p>
             <a:fld id="{11CA537A-1B8C-47BA-9BA6-7CE3FAFDA8BE}" type="datetime1">
               <a:rPr lang="ru-RU" smtClean="0"/>
-              <a:t>10.10.2024</a:t>
+              <a:t>08.10.2025</a:t>
             </a:fld>
             <a:endParaRPr lang="ru-RU"/>
           </a:p>
@@ -3103,10 +3072,9 @@
           </a:lstStyle>
           <a:p>
             <a:r>
-              <a:rPr lang="ru-RU" smtClean="0"/>
+              <a:rPr lang="ru-RU"/>
               <a:t>Артём Макаров</a:t>
             </a:r>
-            <a:endParaRPr lang="ru-RU"/>
           </a:p>
         </p:txBody>
       </p:sp>
@@ -3496,40 +3464,27 @@
           <a:lstStyle/>
           <a:p>
             <a:r>
-              <a:rPr lang="ru-RU" dirty="0" smtClean="0"/>
-              <a:t>Прикладная </a:t>
-            </a:r>
-            <a:r>
               <a:rPr lang="ru-RU" dirty="0"/>
-              <a:t>К</a:t>
-            </a:r>
-            <a:r>
-              <a:rPr lang="ru-RU" dirty="0" smtClean="0"/>
-              <a:t>риптография</a:t>
-            </a:r>
-            <a:r>
-              <a:rPr lang="en-US" dirty="0" smtClean="0"/>
+              <a:t>Прикладная Криптография</a:t>
+            </a:r>
+            <a:r>
+              <a:rPr lang="en-US" dirty="0"/>
               <a:t>:</a:t>
             </a:r>
             <a:br>
-              <a:rPr lang="en-US" dirty="0" smtClean="0"/>
+              <a:rPr lang="en-US" dirty="0"/>
             </a:br>
             <a:r>
-              <a:rPr lang="ru-RU" dirty="0" smtClean="0"/>
+              <a:rPr lang="ru-RU" dirty="0"/>
               <a:t>Симметричные криптосистемы</a:t>
             </a:r>
-            <a:r>
-              <a:rPr lang="en-US" dirty="0" smtClean="0"/>
-              <a:t/>
-            </a:r>
             <a:br>
-              <a:rPr lang="en-US" dirty="0" smtClean="0"/>
+              <a:rPr lang="en-US" dirty="0"/>
             </a:br>
             <a:r>
-              <a:rPr lang="ru-RU" dirty="0" smtClean="0"/>
+              <a:rPr lang="ru-RU" dirty="0"/>
               <a:t>Блочные шифры</a:t>
             </a:r>
-            <a:endParaRPr lang="ru-RU" dirty="0"/>
           </a:p>
         </p:txBody>
       </p:sp>
@@ -3554,20 +3509,15 @@
           <a:lstStyle/>
           <a:p>
             <a:r>
-              <a:rPr lang="ru-RU" dirty="0" smtClean="0"/>
+              <a:rPr lang="ru-RU" dirty="0"/>
               <a:t>Макаров Артём </a:t>
             </a:r>
           </a:p>
           <a:p>
             <a:r>
-              <a:rPr lang="ru-RU" dirty="0" smtClean="0"/>
-              <a:t>МИФИ </a:t>
-            </a:r>
-            <a:r>
-              <a:rPr lang="ru-RU" dirty="0" smtClean="0"/>
-              <a:t>2024</a:t>
-            </a:r>
-            <a:endParaRPr lang="ru-RU" dirty="0"/>
+              <a:rPr lang="ru-RU" dirty="0"/>
+              <a:t>МИФИ 2025</a:t>
+            </a:r>
           </a:p>
         </p:txBody>
       </p:sp>
@@ -3581,13 +3531,6 @@
   <p:clrMapOvr>
     <a:masterClrMapping/>
   </p:clrMapOvr>
-  <p:timing>
-    <p:tnLst>
-      <p:par>
-        <p:cTn id="1" dur="indefinite" restart="never" nodeType="tmRoot"/>
-      </p:par>
-    </p:tnLst>
-  </p:timing>
 </p:sld>
 </file>
 
@@ -3662,16 +3605,12 @@
           <a:lstStyle/>
           <a:p>
             <a:r>
-              <a:rPr lang="ru-RU" dirty="0" smtClean="0"/>
+              <a:rPr lang="ru-RU" dirty="0"/>
               <a:t>Сеть </a:t>
             </a:r>
             <a:r>
               <a:rPr lang="ru-RU" dirty="0" err="1"/>
-              <a:t>Ф</a:t>
-            </a:r>
-            <a:r>
-              <a:rPr lang="ru-RU" dirty="0" err="1" smtClean="0"/>
-              <a:t>ейстеля</a:t>
+              <a:t>Фейстеля</a:t>
             </a:r>
             <a:endParaRPr lang="ru-RU" dirty="0"/>
           </a:p>
@@ -3698,29 +3637,29 @@
                   <a:buNone/>
                 </a:pPr>
                 <a:r>
-                  <a:rPr lang="ru-RU" b="1" smtClean="0"/>
+                  <a:rPr lang="ru-RU" b="1"/>
                   <a:t>Теорема 5.2. </a:t>
                 </a:r>
                 <a:r>
-                  <a:rPr lang="ru-RU" dirty="0" smtClean="0"/>
+                  <a:rPr lang="ru-RU" dirty="0"/>
                   <a:t>(</a:t>
                 </a:r>
                 <a:r>
-                  <a:rPr lang="en-US" dirty="0" err="1" smtClean="0"/>
+                  <a:rPr lang="en-US" dirty="0" err="1"/>
                   <a:t>Luby-Rackoff</a:t>
                 </a:r>
                 <a:r>
-                  <a:rPr lang="en-US" dirty="0" smtClean="0"/>
+                  <a:rPr lang="en-US" dirty="0"/>
                   <a:t>)</a:t>
                 </a:r>
-                <a:endParaRPr lang="ru-RU" dirty="0" smtClean="0"/>
+                <a:endParaRPr lang="ru-RU" dirty="0"/>
               </a:p>
               <a:p>
                 <a:pPr marL="0" indent="0">
                   <a:buNone/>
                 </a:pPr>
                 <a:r>
-                  <a:rPr lang="ru-RU" dirty="0" smtClean="0"/>
+                  <a:rPr lang="ru-RU" dirty="0"/>
                   <a:t>Пусть </a:t>
                 </a:r>
                 <a14:m>
@@ -3822,19 +3761,19 @@
                   </m:oMath>
                 </a14:m>
                 <a:r>
-                  <a:rPr lang="en-US" dirty="0" smtClean="0"/>
+                  <a:rPr lang="en-US" dirty="0"/>
                   <a:t> </a:t>
                 </a:r>
                 <a:r>
-                  <a:rPr lang="ru-RU" dirty="0" smtClean="0"/>
+                  <a:rPr lang="ru-RU" dirty="0"/>
                   <a:t>стойкая </a:t>
                 </a:r>
                 <a:r>
-                  <a:rPr lang="en-US" dirty="0" smtClean="0"/>
+                  <a:rPr lang="en-US" dirty="0"/>
                   <a:t>PRF</a:t>
                 </a:r>
                 <a:r>
-                  <a:rPr lang="ru-RU" dirty="0" smtClean="0"/>
+                  <a:rPr lang="ru-RU" dirty="0"/>
                   <a:t>.</a:t>
                 </a:r>
               </a:p>
@@ -3843,23 +3782,23 @@
                   <a:buNone/>
                 </a:pPr>
                 <a:r>
-                  <a:rPr lang="ru-RU" dirty="0" smtClean="0"/>
+                  <a:rPr lang="ru-RU" dirty="0"/>
                   <a:t>Тогда </a:t>
                 </a:r>
                 <a:r>
-                  <a:rPr lang="ru-RU" dirty="0" err="1" smtClean="0"/>
+                  <a:rPr lang="ru-RU" dirty="0" err="1"/>
                   <a:t>трехраундовая</a:t>
                 </a:r>
                 <a:r>
-                  <a:rPr lang="ru-RU" dirty="0" smtClean="0"/>
+                  <a:rPr lang="ru-RU" dirty="0"/>
                   <a:t> сеть </a:t>
                 </a:r>
                 <a:r>
-                  <a:rPr lang="ru-RU" dirty="0" err="1" smtClean="0"/>
+                  <a:rPr lang="ru-RU" dirty="0" err="1"/>
                   <a:t>Фейстеля</a:t>
                 </a:r>
                 <a:r>
-                  <a:rPr lang="ru-RU" dirty="0" smtClean="0"/>
+                  <a:rPr lang="ru-RU" dirty="0"/>
                   <a:t> (</a:t>
                 </a:r>
                 <a14:m>
@@ -3879,7 +3818,7 @@
                   </m:oMath>
                 </a14:m>
                 <a:r>
-                  <a:rPr lang="ru-RU" dirty="0" smtClean="0"/>
+                  <a:rPr lang="ru-RU" dirty="0"/>
                   <a:t> </a:t>
                 </a:r>
                 <a14:m>
@@ -4024,19 +3963,19 @@
                   </m:oMath>
                 </a14:m>
                 <a:r>
-                  <a:rPr lang="en-US" dirty="0" smtClean="0"/>
+                  <a:rPr lang="en-US" dirty="0"/>
                   <a:t> - </a:t>
                 </a:r>
                 <a:r>
-                  <a:rPr lang="ru-RU" dirty="0" smtClean="0"/>
+                  <a:rPr lang="ru-RU" dirty="0"/>
                   <a:t>стойкая </a:t>
                 </a:r>
                 <a:r>
-                  <a:rPr lang="en-US" dirty="0" smtClean="0"/>
+                  <a:rPr lang="en-US" dirty="0"/>
                   <a:t>PRP</a:t>
                 </a:r>
                 <a:r>
-                  <a:rPr lang="ru-RU" dirty="0" smtClean="0"/>
+                  <a:rPr lang="ru-RU" dirty="0"/>
                   <a:t>.</a:t>
                 </a:r>
               </a:p>
@@ -4045,10 +3984,9 @@
                   <a:buNone/>
                 </a:pPr>
                 <a:r>
-                  <a:rPr lang="ru-RU" b="1" dirty="0" smtClean="0"/>
+                  <a:rPr lang="ru-RU" b="1" dirty="0"/>
                   <a:t>! Используются 3 независимых, случайный ключа!</a:t>
                 </a:r>
-                <a:endParaRPr lang="ru-RU" b="1" dirty="0"/>
               </a:p>
             </p:txBody>
           </p:sp>
@@ -4144,13 +4082,6 @@
   <p:clrMapOvr>
     <a:masterClrMapping/>
   </p:clrMapOvr>
-  <p:timing>
-    <p:tnLst>
-      <p:par>
-        <p:cTn id="1" dur="indefinite" restart="never" nodeType="tmRoot"/>
-      </p:par>
-    </p:tnLst>
-  </p:timing>
 </p:sld>
 </file>
 
@@ -4187,7 +4118,7 @@
           <a:lstStyle/>
           <a:p>
             <a:r>
-              <a:rPr lang="en-US" dirty="0" smtClean="0"/>
+              <a:rPr lang="en-US" dirty="0"/>
               <a:t>DES</a:t>
             </a:r>
             <a:endParaRPr lang="ru-RU" dirty="0"/>
@@ -4212,62 +4143,58 @@
               <a:lstStyle/>
               <a:p>
                 <a:r>
-                  <a:rPr lang="en-US" dirty="0" smtClean="0"/>
+                  <a:rPr lang="en-US" dirty="0"/>
                   <a:t>16 </a:t>
                 </a:r>
                 <a:r>
-                  <a:rPr lang="ru-RU" dirty="0" smtClean="0"/>
+                  <a:rPr lang="ru-RU" dirty="0"/>
                   <a:t>раундовая сеть </a:t>
                 </a:r>
                 <a:r>
-                  <a:rPr lang="ru-RU" dirty="0" err="1" smtClean="0"/>
+                  <a:rPr lang="ru-RU" dirty="0" err="1"/>
                   <a:t>Фейстеля</a:t>
                 </a:r>
-                <a:endParaRPr lang="ru-RU" dirty="0" smtClean="0"/>
+                <a:endParaRPr lang="ru-RU" dirty="0"/>
               </a:p>
               <a:p>
                 <a:r>
-                  <a:rPr lang="ru-RU" dirty="0" smtClean="0"/>
+                  <a:rPr lang="ru-RU" dirty="0"/>
                   <a:t>Размер ключей</a:t>
                 </a:r>
                 <a:r>
-                  <a:rPr lang="en-US" dirty="0" smtClean="0"/>
+                  <a:rPr lang="en-US" dirty="0"/>
                   <a:t> – 56 </a:t>
                 </a:r>
                 <a:r>
-                  <a:rPr lang="ru-RU" dirty="0" smtClean="0"/>
+                  <a:rPr lang="ru-RU" dirty="0"/>
                   <a:t>бит</a:t>
                 </a:r>
               </a:p>
               <a:p>
                 <a:r>
-                  <a:rPr lang="ru-RU" dirty="0" smtClean="0"/>
+                  <a:rPr lang="ru-RU" dirty="0"/>
                   <a:t>Размер блока – 64 бита</a:t>
                 </a:r>
-                <a:endParaRPr lang="en-US" dirty="0" smtClean="0"/>
+                <a:endParaRPr lang="en-US" dirty="0"/>
               </a:p>
               <a:p>
                 <a:r>
-                  <a:rPr lang="ru-RU" dirty="0" smtClean="0"/>
+                  <a:rPr lang="ru-RU" dirty="0"/>
                   <a:t>Производительность 80 </a:t>
                 </a:r>
                 <a:r>
-                  <a:rPr lang="en-US" dirty="0" smtClean="0"/>
+                  <a:rPr lang="en-US" dirty="0"/>
                   <a:t>MB/sec (</a:t>
                 </a:r>
                 <a:r>
                   <a:rPr lang="pt-BR" dirty="0"/>
-                  <a:t>OpenSSL 1.0.1e on Intel(R) Xeon(R) CPU E5-2698 v3 @ 2.30GHz (Haswell</a:t>
-                </a:r>
-                <a:r>
-                  <a:rPr lang="pt-BR" dirty="0" smtClean="0"/>
-                  <a:t>))</a:t>
-                </a:r>
-                <a:endParaRPr lang="ru-RU" dirty="0" smtClean="0"/>
+                  <a:t>OpenSSL 1.0.1e on Intel(R) Xeon(R) CPU E5-2698 v3 @ 2.30GHz (Haswell))</a:t>
+                </a:r>
+                <a:endParaRPr lang="ru-RU" dirty="0"/>
               </a:p>
               <a:p>
                 <a:r>
-                  <a:rPr lang="ru-RU" dirty="0" smtClean="0"/>
+                  <a:rPr lang="ru-RU" dirty="0"/>
                   <a:t>Сломан</a:t>
                 </a:r>
                 <a:r>
@@ -4275,26 +4202,18 @@
                   <a:t>.</a:t>
                 </a:r>
                 <a:r>
-                  <a:rPr lang="ru-RU" dirty="0" smtClean="0"/>
-                  <a:t> </a:t>
-                </a:r>
-                <a:r>
                   <a:rPr lang="ru-RU" dirty="0"/>
-                  <a:t>Н</a:t>
-                </a:r>
-                <a:r>
-                  <a:rPr lang="ru-RU" dirty="0" smtClean="0"/>
-                  <a:t>е использовать на практике, включая вариации (например </a:t>
-                </a:r>
-                <a:r>
-                  <a:rPr lang="en-US" dirty="0" smtClean="0"/>
+                  <a:t> Не использовать на практике, включая вариации (например </a:t>
+                </a:r>
+                <a:r>
+                  <a:rPr lang="en-US" dirty="0"/>
                   <a:t>3DES)</a:t>
                 </a:r>
-                <a:endParaRPr lang="ru-RU" dirty="0" smtClean="0"/>
+                <a:endParaRPr lang="ru-RU" dirty="0"/>
               </a:p>
               <a:p>
                 <a:r>
-                  <a:rPr lang="ru-RU" dirty="0" smtClean="0"/>
+                  <a:rPr lang="ru-RU" dirty="0"/>
                   <a:t>Практическая атака - </a:t>
                 </a:r>
                 <a14:m>
@@ -4333,11 +4252,11 @@
                   </m:oMath>
                 </a14:m>
                 <a:r>
-                  <a:rPr lang="ru-RU" dirty="0" smtClean="0"/>
+                  <a:rPr lang="ru-RU" dirty="0"/>
                   <a:t> </a:t>
                 </a:r>
                 <a:r>
-                  <a:rPr lang="en-US" dirty="0" smtClean="0"/>
+                  <a:rPr lang="en-US" dirty="0"/>
                   <a:t>3DES - </a:t>
                 </a:r>
                 <a14:m>
@@ -4447,13 +4366,6 @@
   <p:clrMapOvr>
     <a:masterClrMapping/>
   </p:clrMapOvr>
-  <p:timing>
-    <p:tnLst>
-      <p:par>
-        <p:cTn id="1" dur="indefinite" restart="never" nodeType="tmRoot"/>
-      </p:par>
-    </p:tnLst>
-  </p:timing>
 </p:sld>
 </file>
 
@@ -4490,7 +4402,7 @@
           <a:lstStyle/>
           <a:p>
             <a:r>
-              <a:rPr lang="en-US" dirty="0" smtClean="0"/>
+              <a:rPr lang="en-US" dirty="0"/>
               <a:t>DES</a:t>
             </a:r>
             <a:endParaRPr lang="ru-RU" dirty="0"/>
@@ -4752,23 +4664,19 @@
                   </m:oMath>
                 </a14:m>
                 <a:r>
-                  <a:rPr lang="en-US" dirty="0" smtClean="0"/>
+                  <a:rPr lang="en-US" dirty="0"/>
                   <a:t> - </a:t>
                 </a:r>
                 <a:r>
-                  <a:rPr lang="ru-RU" dirty="0" smtClean="0"/>
+                  <a:rPr lang="ru-RU" dirty="0"/>
                   <a:t>раундовая функция в сети </a:t>
                 </a:r>
                 <a:r>
                   <a:rPr lang="ru-RU" dirty="0" err="1"/>
-                  <a:t>Ф</a:t>
-                </a:r>
-                <a:r>
-                  <a:rPr lang="ru-RU" dirty="0" err="1" smtClean="0"/>
-                  <a:t>ейстеля</a:t>
-                </a:r>
-                <a:r>
-                  <a:rPr lang="ru-RU" dirty="0" smtClean="0"/>
+                  <a:t>Фейстеля</a:t>
+                </a:r>
+                <a:r>
+                  <a:rPr lang="ru-RU" dirty="0"/>
                   <a:t>.</a:t>
                 </a:r>
               </a:p>
@@ -4872,11 +4780,11 @@
                   </m:oMath>
                 </a14:m>
                 <a:r>
-                  <a:rPr lang="en-US" dirty="0" smtClean="0"/>
+                  <a:rPr lang="en-US" dirty="0"/>
                   <a:t> -</a:t>
                 </a:r>
                 <a:r>
-                  <a:rPr lang="ru-RU" dirty="0" smtClean="0"/>
+                  <a:rPr lang="ru-RU" dirty="0"/>
                   <a:t> функция расширения</a:t>
                 </a:r>
               </a:p>
@@ -4980,17 +4888,17 @@
                   </m:oMath>
                 </a14:m>
                 <a:r>
-                  <a:rPr lang="en-US" dirty="0" smtClean="0"/>
+                  <a:rPr lang="en-US" dirty="0"/>
                   <a:t> - </a:t>
                 </a:r>
                 <a:r>
-                  <a:rPr lang="ru-RU" dirty="0" smtClean="0"/>
+                  <a:rPr lang="ru-RU" dirty="0"/>
                   <a:t>перемешивающая перестановка</a:t>
                 </a:r>
               </a:p>
               <a:p>
                 <a:r>
-                  <a:rPr lang="ru-RU" dirty="0" smtClean="0"/>
+                  <a:rPr lang="ru-RU" dirty="0"/>
                   <a:t>Функции </a:t>
                 </a:r>
                 <a14:m>
@@ -5148,14 +5056,13 @@
                   </m:oMath>
                 </a14:m>
                 <a:r>
-                  <a:rPr lang="en-US" dirty="0" smtClean="0"/>
+                  <a:rPr lang="en-US" dirty="0"/>
                   <a:t> - S </a:t>
                 </a:r>
                 <a:r>
-                  <a:rPr lang="ru-RU" dirty="0" smtClean="0"/>
+                  <a:rPr lang="ru-RU" dirty="0"/>
                   <a:t>боксы, фиксировано заданные таблично.</a:t>
                 </a:r>
-                <a:endParaRPr lang="ru-RU" dirty="0"/>
               </a:p>
             </p:txBody>
           </p:sp>
@@ -5227,13 +5134,6 @@
   <p:clrMapOvr>
     <a:masterClrMapping/>
   </p:clrMapOvr>
-  <p:timing>
-    <p:tnLst>
-      <p:par>
-        <p:cTn id="1" dur="indefinite" restart="never" nodeType="tmRoot"/>
-      </p:par>
-    </p:tnLst>
-  </p:timing>
 </p:sld>
 </file>
 
@@ -5270,7 +5170,7 @@
           <a:lstStyle/>
           <a:p>
             <a:r>
-              <a:rPr lang="en-US" dirty="0" smtClean="0"/>
+              <a:rPr lang="en-US" dirty="0"/>
               <a:t>DES</a:t>
             </a:r>
             <a:endParaRPr lang="ru-RU" dirty="0"/>
@@ -5542,21 +5442,16 @@
                 </a:r>
                 <a:r>
                   <a:rPr lang="ru-RU" dirty="0"/>
-                  <a:t>раундовая </a:t>
-                </a:r>
-                <a:r>
-                  <a:rPr lang="ru-RU" dirty="0" smtClean="0"/>
-                  <a:t>функция сети </a:t>
-                </a:r>
-                <a:r>
-                  <a:rPr lang="ru-RU" dirty="0" err="1" smtClean="0"/>
+                  <a:t>раундовая функция сети </a:t>
+                </a:r>
+                <a:r>
+                  <a:rPr lang="ru-RU" dirty="0" err="1"/>
                   <a:t>Фейстеля</a:t>
                 </a:r>
                 <a:r>
-                  <a:rPr lang="ru-RU" dirty="0" smtClean="0"/>
+                  <a:rPr lang="ru-RU" dirty="0"/>
                   <a:t>.</a:t>
                 </a:r>
-                <a:endParaRPr lang="ru-RU" dirty="0"/>
               </a:p>
               <a:p>
                 <a14:m>
@@ -5663,13 +5558,8 @@
                 </a:r>
                 <a:r>
                   <a:rPr lang="ru-RU" dirty="0"/>
-                  <a:t> функция </a:t>
-                </a:r>
-                <a:r>
-                  <a:rPr lang="ru-RU" dirty="0" smtClean="0"/>
-                  <a:t>расширения блока</a:t>
-                </a:r>
-                <a:endParaRPr lang="ru-RU" dirty="0"/>
+                  <a:t> функция расширения блока</a:t>
+                </a:r>
               </a:p>
               <a:p>
                 <a14:m>
@@ -5775,10 +5665,9 @@
                   <a:t> - </a:t>
                 </a:r>
                 <a:r>
-                  <a:rPr lang="ru-RU" dirty="0" smtClean="0"/>
+                  <a:rPr lang="ru-RU" dirty="0"/>
                   <a:t>фиксированная перестановка</a:t>
                 </a:r>
-                <a:endParaRPr lang="ru-RU" dirty="0"/>
               </a:p>
               <a:p>
                 <a:r>
@@ -5945,15 +5834,7 @@
                 </a:r>
                 <a:r>
                   <a:rPr lang="ru-RU" dirty="0"/>
-                  <a:t>боксы, </a:t>
-                </a:r>
-                <a:r>
-                  <a:rPr lang="ru-RU" dirty="0" smtClean="0"/>
-                  <a:t>фиксировано </a:t>
-                </a:r>
-                <a:r>
-                  <a:rPr lang="ru-RU" dirty="0"/>
-                  <a:t>заданные таблично.</a:t>
+                  <a:t>боксы, фиксировано заданные таблично.</a:t>
                 </a:r>
               </a:p>
               <a:p>
@@ -6057,13 +5938,6 @@
   <p:clrMapOvr>
     <a:masterClrMapping/>
   </p:clrMapOvr>
-  <p:timing>
-    <p:tnLst>
-      <p:par>
-        <p:cTn id="1" dur="indefinite" restart="never" nodeType="tmRoot"/>
-      </p:par>
-    </p:tnLst>
-  </p:timing>
 </p:sld>
 </file>
 
@@ -6100,7 +5974,7 @@
           <a:lstStyle/>
           <a:p>
             <a:r>
-              <a:rPr lang="en-US" dirty="0" smtClean="0"/>
+              <a:rPr lang="en-US" dirty="0"/>
               <a:t>DES</a:t>
             </a:r>
             <a:endParaRPr lang="ru-RU" dirty="0"/>
@@ -6260,15 +6134,15 @@
                   </m:oMath>
                 </a14:m>
                 <a:r>
-                  <a:rPr lang="ru-RU" dirty="0" smtClean="0"/>
+                  <a:rPr lang="ru-RU" dirty="0"/>
                   <a:t>- функция расширения ключей (ключевого расписания), получает 16 раундовых (итеративных) 48 битных ключей, используя различные конкатенации </a:t>
                 </a:r>
                 <a:r>
-                  <a:rPr lang="ru-RU" dirty="0" err="1" smtClean="0"/>
+                  <a:rPr lang="ru-RU" dirty="0" err="1"/>
                   <a:t>подвекторов</a:t>
                 </a:r>
                 <a:r>
-                  <a:rPr lang="ru-RU" dirty="0" smtClean="0"/>
+                  <a:rPr lang="ru-RU" dirty="0"/>
                   <a:t> исходного ключа.</a:t>
                 </a:r>
               </a:p>
@@ -6384,14 +6258,13 @@
                   </m:oMath>
                 </a14:m>
                 <a:r>
-                  <a:rPr lang="en-US" dirty="0" smtClean="0"/>
+                  <a:rPr lang="en-US" dirty="0"/>
                   <a:t> - </a:t>
                 </a:r>
                 <a:r>
-                  <a:rPr lang="ru-RU" dirty="0" smtClean="0"/>
+                  <a:rPr lang="ru-RU" dirty="0"/>
                   <a:t>входные и выходные преобразования, неизвестного назначения (возможно для замедления программной реализации, не влияют на стойкость)</a:t>
                 </a:r>
-                <a:endParaRPr lang="ru-RU" dirty="0"/>
               </a:p>
             </p:txBody>
           </p:sp>
@@ -6487,13 +6360,6 @@
   <p:clrMapOvr>
     <a:masterClrMapping/>
   </p:clrMapOvr>
-  <p:timing>
-    <p:tnLst>
-      <p:par>
-        <p:cTn id="1" dur="indefinite" restart="never" nodeType="tmRoot"/>
-      </p:par>
-    </p:tnLst>
-  </p:timing>
 </p:sld>
 </file>
 
@@ -6530,10 +6396,9 @@
           <a:lstStyle/>
           <a:p>
             <a:r>
-              <a:rPr lang="ru-RU" dirty="0" smtClean="0"/>
+              <a:rPr lang="ru-RU" dirty="0"/>
               <a:t>ГОСТ 28147-89</a:t>
             </a:r>
-            <a:endParaRPr lang="ru-RU" dirty="0"/>
           </a:p>
         </p:txBody>
       </p:sp>
@@ -6553,54 +6418,53 @@
           <a:lstStyle/>
           <a:p>
             <a:r>
-              <a:rPr lang="en-US" dirty="0" smtClean="0"/>
+              <a:rPr lang="en-US" dirty="0"/>
               <a:t>… </a:t>
             </a:r>
             <a:r>
-              <a:rPr lang="ru-RU" dirty="0" smtClean="0"/>
+              <a:rPr lang="ru-RU" dirty="0"/>
               <a:t>он же ГОСТ Р 34</a:t>
             </a:r>
             <a:r>
-              <a:rPr lang="en-US" dirty="0" smtClean="0"/>
+              <a:rPr lang="en-US" dirty="0"/>
               <a:t>.12-2015 </a:t>
             </a:r>
             <a:r>
-              <a:rPr lang="ru-RU" dirty="0" smtClean="0"/>
+              <a:rPr lang="ru-RU" dirty="0"/>
               <a:t>«Магма»</a:t>
             </a:r>
           </a:p>
           <a:p>
             <a:r>
-              <a:rPr lang="ru-RU" dirty="0" smtClean="0"/>
+              <a:rPr lang="ru-RU" dirty="0"/>
               <a:t>32 раундовая сеть </a:t>
             </a:r>
             <a:r>
-              <a:rPr lang="ru-RU" dirty="0" err="1" smtClean="0"/>
+              <a:rPr lang="ru-RU" dirty="0" err="1"/>
               <a:t>Фейстеля</a:t>
             </a:r>
             <a:r>
-              <a:rPr lang="ru-RU" dirty="0" smtClean="0"/>
+              <a:rPr lang="ru-RU" dirty="0"/>
               <a:t> </a:t>
             </a:r>
           </a:p>
           <a:p>
             <a:r>
-              <a:rPr lang="ru-RU" dirty="0" smtClean="0"/>
+              <a:rPr lang="ru-RU" dirty="0"/>
               <a:t>Размер ключа – 256 бит</a:t>
             </a:r>
           </a:p>
           <a:p>
             <a:r>
-              <a:rPr lang="ru-RU" dirty="0" smtClean="0"/>
+              <a:rPr lang="ru-RU" dirty="0"/>
               <a:t>Размер блока – 64 бит</a:t>
             </a:r>
           </a:p>
           <a:p>
             <a:r>
-              <a:rPr lang="ru-RU" dirty="0" smtClean="0"/>
+              <a:rPr lang="ru-RU" dirty="0"/>
               <a:t>Основной алгоритм шифрования для людей обременённых приказом ФСБ</a:t>
             </a:r>
-            <a:endParaRPr lang="ru-RU" dirty="0"/>
           </a:p>
         </p:txBody>
       </p:sp>
@@ -6637,13 +6501,6 @@
   <p:clrMapOvr>
     <a:masterClrMapping/>
   </p:clrMapOvr>
-  <p:timing>
-    <p:tnLst>
-      <p:par>
-        <p:cTn id="1" dur="indefinite" restart="never" nodeType="tmRoot"/>
-      </p:par>
-    </p:tnLst>
-  </p:timing>
 </p:sld>
 </file>
 
@@ -6950,20 +6807,16 @@
                 </a:r>
                 <a:r>
                   <a:rPr lang="ru-RU" dirty="0" err="1"/>
-                  <a:t>Ф</a:t>
-                </a:r>
-                <a:r>
-                  <a:rPr lang="ru-RU" dirty="0" err="1" smtClean="0"/>
-                  <a:t>ейстеля</a:t>
-                </a:r>
-                <a:r>
-                  <a:rPr lang="ru-RU" dirty="0" smtClean="0"/>
+                  <a:t>Фейстеля</a:t>
+                </a:r>
+                <a:r>
+                  <a:rPr lang="ru-RU" dirty="0"/>
                   <a:t>.</a:t>
                 </a:r>
               </a:p>
               <a:p>
                 <a:r>
-                  <a:rPr lang="ru-RU" dirty="0" smtClean="0"/>
+                  <a:rPr lang="ru-RU" dirty="0"/>
                   <a:t>Ключ складывается по модулю </a:t>
                 </a:r>
                 <a14:m>
@@ -6995,7 +6848,7 @@
                     </m:sSup>
                   </m:oMath>
                 </a14:m>
-                <a:endParaRPr lang="en-US" dirty="0" smtClean="0"/>
+                <a:endParaRPr lang="en-US" dirty="0"/>
               </a:p>
               <a:p>
                 <a:r>
@@ -7162,20 +7015,15 @@
                 </a:r>
                 <a:r>
                   <a:rPr lang="ru-RU" dirty="0"/>
-                  <a:t>боксы, фиксировано заданные таблично</a:t>
-                </a:r>
-                <a:r>
-                  <a:rPr lang="ru-RU" dirty="0" smtClean="0"/>
-                  <a:t>.</a:t>
-                </a:r>
-                <a:endParaRPr lang="en-US" dirty="0" smtClean="0"/>
+                  <a:t>боксы, фиксировано заданные таблично.</a:t>
+                </a:r>
+                <a:endParaRPr lang="en-US" dirty="0"/>
               </a:p>
               <a:p>
                 <a:r>
-                  <a:rPr lang="ru-RU" dirty="0" smtClean="0"/>
+                  <a:rPr lang="ru-RU" dirty="0"/>
                   <a:t>Циклический сдвиг на 11</a:t>
                 </a:r>
-                <a:endParaRPr lang="ru-RU" dirty="0"/>
               </a:p>
               <a:p>
                 <a:endParaRPr lang="ru-RU" dirty="0"/>
@@ -7253,13 +7101,6 @@
   <p:clrMapOvr>
     <a:masterClrMapping/>
   </p:clrMapOvr>
-  <p:timing>
-    <p:tnLst>
-      <p:par>
-        <p:cTn id="1" dur="indefinite" restart="never" nodeType="tmRoot"/>
-      </p:par>
-    </p:tnLst>
-  </p:timing>
 </p:sld>
 </file>
 
@@ -7571,20 +7412,16 @@
                 </a:r>
                 <a:r>
                   <a:rPr lang="ru-RU" dirty="0" err="1"/>
-                  <a:t>Ф</a:t>
-                </a:r>
-                <a:r>
-                  <a:rPr lang="ru-RU" dirty="0" err="1" smtClean="0"/>
-                  <a:t>ейстеля</a:t>
-                </a:r>
-                <a:r>
-                  <a:rPr lang="ru-RU" dirty="0" smtClean="0"/>
+                  <a:t>Фейстеля</a:t>
+                </a:r>
+                <a:r>
+                  <a:rPr lang="ru-RU" dirty="0"/>
                   <a:t>.</a:t>
                 </a:r>
               </a:p>
               <a:p>
                 <a:r>
-                  <a:rPr lang="ru-RU" dirty="0" smtClean="0"/>
+                  <a:rPr lang="ru-RU" dirty="0"/>
                   <a:t>Ключ складывается по модулю </a:t>
                 </a:r>
                 <a14:m>
@@ -7616,7 +7453,7 @@
                     </m:sSup>
                   </m:oMath>
                 </a14:m>
-                <a:endParaRPr lang="en-US" dirty="0" smtClean="0"/>
+                <a:endParaRPr lang="en-US" dirty="0"/>
               </a:p>
               <a:p>
                 <a:r>
@@ -7783,20 +7620,15 @@
                 </a:r>
                 <a:r>
                   <a:rPr lang="ru-RU" dirty="0"/>
-                  <a:t>боксы, фиксировано заданные таблично</a:t>
-                </a:r>
-                <a:r>
-                  <a:rPr lang="ru-RU" dirty="0" smtClean="0"/>
-                  <a:t>.</a:t>
-                </a:r>
-                <a:endParaRPr lang="en-US" dirty="0" smtClean="0"/>
+                  <a:t>боксы, фиксировано заданные таблично.</a:t>
+                </a:r>
+                <a:endParaRPr lang="en-US" dirty="0"/>
               </a:p>
               <a:p>
                 <a:r>
-                  <a:rPr lang="ru-RU" dirty="0" smtClean="0"/>
+                  <a:rPr lang="ru-RU" dirty="0"/>
                   <a:t>Циклический сдвиг на 11</a:t>
                 </a:r>
-                <a:endParaRPr lang="ru-RU" dirty="0"/>
               </a:p>
               <a:p>
                 <a:endParaRPr lang="ru-RU" dirty="0"/>
@@ -7908,13 +7740,6 @@
   <p:clrMapOvr>
     <a:masterClrMapping/>
   </p:clrMapOvr>
-  <p:timing>
-    <p:tnLst>
-      <p:par>
-        <p:cTn id="1" dur="indefinite" restart="never" nodeType="tmRoot"/>
-      </p:par>
-    </p:tnLst>
-  </p:timing>
 </p:sld>
 </file>
 
@@ -7951,10 +7776,9 @@
           <a:lstStyle/>
           <a:p>
             <a:r>
-              <a:rPr lang="ru-RU" dirty="0" smtClean="0"/>
+              <a:rPr lang="ru-RU" dirty="0"/>
               <a:t>ГОСТ 28147-89</a:t>
             </a:r>
-            <a:endParaRPr lang="ru-RU" dirty="0"/>
           </a:p>
         </p:txBody>
       </p:sp>
@@ -8111,29 +7935,25 @@
                   </m:oMath>
                 </a14:m>
                 <a:r>
-                  <a:rPr lang="ru-RU" dirty="0" smtClean="0"/>
+                  <a:rPr lang="ru-RU" dirty="0"/>
                   <a:t>- функция расширения ключей (ключевого расписания), получает 8 раундовых (итеративных) 32 битных ключей, путём разбиения исходного ключа на блоки.</a:t>
                 </a:r>
-                <a:endParaRPr lang="en-US" dirty="0" smtClean="0"/>
+                <a:endParaRPr lang="en-US" dirty="0"/>
               </a:p>
               <a:p>
                 <a:r>
-                  <a:rPr lang="ru-RU" dirty="0" smtClean="0"/>
+                  <a:rPr lang="ru-RU" dirty="0"/>
                   <a:t>При шифровании ключи используются в порядке 0..7, 0</a:t>
                 </a:r>
                 <a:r>
-                  <a:rPr lang="en-US" dirty="0" smtClean="0"/>
+                  <a:rPr lang="en-US" dirty="0"/>
                   <a:t>..7, </a:t>
                 </a:r>
                 <a:r>
                   <a:rPr lang="ru-RU"/>
-                  <a:t>0..7, </a:t>
-                </a:r>
-                <a:r>
-                  <a:rPr lang="ru-RU" smtClean="0"/>
-                  <a:t>7..0</a:t>
-                </a:r>
-                <a:endParaRPr lang="ru-RU" dirty="0" smtClean="0"/>
+                  <a:t>0..7, 7..0</a:t>
+                </a:r>
+                <a:endParaRPr lang="ru-RU" dirty="0"/>
               </a:p>
             </p:txBody>
           </p:sp>
@@ -8205,13 +8025,6 @@
   <p:clrMapOvr>
     <a:masterClrMapping/>
   </p:clrMapOvr>
-  <p:timing>
-    <p:tnLst>
-      <p:par>
-        <p:cTn id="1" dur="indefinite" restart="never" nodeType="tmRoot"/>
-      </p:par>
-    </p:tnLst>
-  </p:timing>
 </p:sld>
 </file>
 
@@ -8248,7 +8061,7 @@
           <a:lstStyle/>
           <a:p>
             <a:r>
-              <a:rPr lang="en-US" dirty="0" smtClean="0"/>
+              <a:rPr lang="en-US" dirty="0"/>
               <a:t>AES</a:t>
             </a:r>
             <a:endParaRPr lang="ru-RU" dirty="0"/>
@@ -8271,37 +8084,37 @@
           <a:lstStyle/>
           <a:p>
             <a:r>
-              <a:rPr lang="ru-RU" dirty="0" smtClean="0"/>
+              <a:rPr lang="ru-RU" dirty="0"/>
               <a:t>Наиболее распространённый алгоритм шифрования</a:t>
             </a:r>
           </a:p>
           <a:p>
             <a:r>
-              <a:rPr lang="ru-RU" dirty="0" smtClean="0"/>
+              <a:rPr lang="ru-RU" dirty="0"/>
               <a:t>Размер ключа 128, 192, 256 бит</a:t>
             </a:r>
           </a:p>
           <a:p>
             <a:r>
-              <a:rPr lang="ru-RU" dirty="0" smtClean="0"/>
+              <a:rPr lang="ru-RU" dirty="0"/>
               <a:t>Размер блока 128 бит</a:t>
             </a:r>
           </a:p>
           <a:p>
             <a:r>
-              <a:rPr lang="ru-RU" dirty="0" smtClean="0"/>
+              <a:rPr lang="ru-RU" dirty="0"/>
               <a:t>Перестановочно-подстановочная сеть (</a:t>
             </a:r>
             <a:r>
-              <a:rPr lang="en-US" dirty="0" smtClean="0"/>
+              <a:rPr lang="en-US" dirty="0"/>
               <a:t>Substitution – Permutation</a:t>
             </a:r>
             <a:r>
-              <a:rPr lang="ru-RU" dirty="0" smtClean="0"/>
+              <a:rPr lang="ru-RU" dirty="0"/>
               <a:t> </a:t>
             </a:r>
             <a:r>
-              <a:rPr lang="en-US" dirty="0" smtClean="0"/>
+              <a:rPr lang="en-US" dirty="0"/>
               <a:t>network) </a:t>
             </a:r>
             <a:endParaRPr lang="ru-RU" dirty="0"/>
@@ -8341,13 +8154,6 @@
   <p:clrMapOvr>
     <a:masterClrMapping/>
   </p:clrMapOvr>
-  <p:timing>
-    <p:tnLst>
-      <p:par>
-        <p:cTn id="1" dur="indefinite" restart="never" nodeType="tmRoot"/>
-      </p:par>
-    </p:tnLst>
-  </p:timing>
 </p:sld>
 </file>
 
@@ -8384,10 +8190,9 @@
           <a:lstStyle/>
           <a:p>
             <a:r>
-              <a:rPr lang="ru-RU" dirty="0" smtClean="0"/>
+              <a:rPr lang="ru-RU" dirty="0"/>
               <a:t>Тест.</a:t>
             </a:r>
-            <a:endParaRPr lang="ru-RU" dirty="0"/>
           </a:p>
         </p:txBody>
       </p:sp>
@@ -8412,41 +8217,40 @@
           <a:lstStyle/>
           <a:p>
             <a:r>
-              <a:rPr lang="ru-RU" dirty="0" smtClean="0"/>
+              <a:rPr lang="ru-RU" dirty="0"/>
               <a:t>Положить телефон экраном вниз справа от себя</a:t>
             </a:r>
           </a:p>
           <a:p>
             <a:r>
-              <a:rPr lang="ru-RU" dirty="0" smtClean="0"/>
+              <a:rPr lang="ru-RU" dirty="0"/>
               <a:t>Не разговаривать с соседями</a:t>
             </a:r>
           </a:p>
           <a:p>
             <a:r>
-              <a:rPr lang="ru-RU" dirty="0" smtClean="0"/>
+              <a:rPr lang="ru-RU" dirty="0"/>
               <a:t>Не пользоваться конспектами и электронными устройствами</a:t>
             </a:r>
           </a:p>
           <a:p>
             <a:r>
-              <a:rPr lang="ru-RU" dirty="0" smtClean="0"/>
+              <a:rPr lang="ru-RU" dirty="0"/>
               <a:t>Написать номер (по таблице) и ФИО на листочке</a:t>
             </a:r>
           </a:p>
           <a:p>
             <a:r>
-              <a:rPr lang="ru-RU" dirty="0" smtClean="0"/>
+              <a:rPr lang="ru-RU" dirty="0"/>
               <a:t>Написать краткий ответ на вопрос</a:t>
             </a:r>
-            <a:endParaRPr lang="en-US" dirty="0" smtClean="0"/>
-          </a:p>
-          <a:p>
-            <a:r>
-              <a:rPr lang="ru-RU" dirty="0" smtClean="0"/>
+            <a:endParaRPr lang="en-US" dirty="0"/>
+          </a:p>
+          <a:p>
+            <a:r>
+              <a:rPr lang="ru-RU" dirty="0"/>
               <a:t>Дождаться окончания теста</a:t>
             </a:r>
-            <a:endParaRPr lang="ru-RU" dirty="0"/>
           </a:p>
         </p:txBody>
       </p:sp>
@@ -8621,13 +8425,6 @@
   <p:clrMapOvr>
     <a:masterClrMapping/>
   </p:clrMapOvr>
-  <p:timing>
-    <p:tnLst>
-      <p:par>
-        <p:cTn id="1" dur="indefinite" restart="never" nodeType="tmRoot"/>
-      </p:par>
-    </p:tnLst>
-  </p:timing>
 </p:sld>
 </file>
 
@@ -8664,14 +8461,13 @@
           <a:lstStyle/>
           <a:p>
             <a:r>
-              <a:rPr lang="en-US" dirty="0" smtClean="0"/>
+              <a:rPr lang="en-US" dirty="0"/>
               <a:t>SP </a:t>
             </a:r>
             <a:r>
-              <a:rPr lang="ru-RU" dirty="0" smtClean="0"/>
+              <a:rPr lang="ru-RU" dirty="0"/>
               <a:t>сеть</a:t>
             </a:r>
-            <a:endParaRPr lang="ru-RU" dirty="0"/>
           </a:p>
         </p:txBody>
       </p:sp>
@@ -8698,24 +8494,24 @@
               <a:lstStyle/>
               <a:p>
                 <a:r>
-                  <a:rPr lang="ru-RU" dirty="0" smtClean="0"/>
+                  <a:rPr lang="ru-RU" dirty="0"/>
                   <a:t>Предложена </a:t>
                 </a:r>
                 <a:r>
-                  <a:rPr lang="ru-RU" dirty="0" err="1" smtClean="0"/>
+                  <a:rPr lang="ru-RU" dirty="0" err="1"/>
                   <a:t>Фейстелем</a:t>
                 </a:r>
-                <a:endParaRPr lang="ru-RU" dirty="0" smtClean="0"/>
+                <a:endParaRPr lang="ru-RU" dirty="0"/>
               </a:p>
               <a:p>
                 <a:r>
-                  <a:rPr lang="ru-RU" dirty="0" smtClean="0"/>
+                  <a:rPr lang="ru-RU" dirty="0"/>
                   <a:t>Основная идея – использования «двухслойной» итеративной функции.</a:t>
                 </a:r>
               </a:p>
               <a:p>
                 <a:r>
-                  <a:rPr lang="ru-RU" dirty="0" smtClean="0"/>
+                  <a:rPr lang="ru-RU" dirty="0"/>
                   <a:t>Слой </a:t>
                 </a:r>
                 <a14:m>
@@ -8729,13 +8525,13 @@
                   </m:oMath>
                 </a14:m>
                 <a:r>
-                  <a:rPr lang="ru-RU" dirty="0" smtClean="0"/>
+                  <a:rPr lang="ru-RU" dirty="0"/>
                   <a:t> – перестановка блока</a:t>
                 </a:r>
               </a:p>
               <a:p>
                 <a:r>
-                  <a:rPr lang="ru-RU" dirty="0" smtClean="0"/>
+                  <a:rPr lang="ru-RU" dirty="0"/>
                   <a:t>Слой </a:t>
                 </a:r>
                 <a14:m>
@@ -8749,27 +8545,27 @@
                   </m:oMath>
                 </a14:m>
                 <a:r>
-                  <a:rPr lang="ru-RU" dirty="0" smtClean="0"/>
+                  <a:rPr lang="ru-RU" dirty="0"/>
                   <a:t> – фиксированная подстановка, выполняемая </a:t>
                 </a:r>
                 <a:r>
-                  <a:rPr lang="ru-RU" dirty="0" err="1" smtClean="0"/>
+                  <a:rPr lang="ru-RU" dirty="0" err="1"/>
                   <a:t>поблочно</a:t>
                 </a:r>
                 <a:r>
-                  <a:rPr lang="ru-RU" dirty="0" smtClean="0"/>
+                  <a:rPr lang="ru-RU" dirty="0"/>
                   <a:t> с использованием фиксированных подстановок (</a:t>
                 </a:r>
                 <a:r>
-                  <a:rPr lang="en-US" dirty="0" smtClean="0"/>
+                  <a:rPr lang="en-US" dirty="0"/>
                   <a:t>S-Box’</a:t>
                 </a:r>
                 <a:r>
-                  <a:rPr lang="ru-RU" dirty="0" err="1" smtClean="0"/>
+                  <a:rPr lang="ru-RU" dirty="0" err="1"/>
                   <a:t>ов</a:t>
                 </a:r>
                 <a:r>
-                  <a:rPr lang="en-US" dirty="0" smtClean="0"/>
+                  <a:rPr lang="en-US" dirty="0"/>
                   <a:t>)</a:t>
                 </a:r>
                 <a:endParaRPr lang="ru-RU" dirty="0"/>
@@ -8889,13 +8685,6 @@
   <p:clrMapOvr>
     <a:masterClrMapping/>
   </p:clrMapOvr>
-  <p:timing>
-    <p:tnLst>
-      <p:par>
-        <p:cTn id="1" dur="indefinite" restart="never" nodeType="tmRoot"/>
-      </p:par>
-    </p:tnLst>
-  </p:timing>
 </p:sld>
 </file>
 
@@ -8932,7 +8721,7 @@
           <a:lstStyle/>
           <a:p>
             <a:r>
-              <a:rPr lang="en-US" dirty="0" smtClean="0"/>
+              <a:rPr lang="en-US" dirty="0"/>
               <a:t>AES</a:t>
             </a:r>
             <a:endParaRPr lang="ru-RU" dirty="0"/>
@@ -8957,35 +8746,35 @@
               <a:lstStyle/>
               <a:p>
                 <a:r>
-                  <a:rPr lang="ru-RU" dirty="0" smtClean="0"/>
+                  <a:rPr lang="ru-RU" dirty="0"/>
                   <a:t>Раундовая функция – итерация </a:t>
                 </a:r>
                 <a:r>
-                  <a:rPr lang="en-US" dirty="0" smtClean="0"/>
+                  <a:rPr lang="en-US" dirty="0"/>
                   <a:t>SP </a:t>
                 </a:r>
                 <a:r>
-                  <a:rPr lang="ru-RU" dirty="0" smtClean="0"/>
+                  <a:rPr lang="ru-RU" dirty="0"/>
                   <a:t>сети</a:t>
                 </a:r>
               </a:p>
               <a:p>
                 <a:r>
-                  <a:rPr lang="ru-RU" dirty="0" smtClean="0"/>
+                  <a:rPr lang="ru-RU" dirty="0"/>
                   <a:t>Раундовая функция – последовательное применение 3х функций и сложение с ключом</a:t>
                 </a:r>
               </a:p>
               <a:p>
                 <a:r>
-                  <a:rPr lang="en-US" dirty="0" err="1" smtClean="0"/>
+                  <a:rPr lang="en-US" dirty="0" err="1"/>
                   <a:t>SubBytes</a:t>
                 </a:r>
                 <a:r>
-                  <a:rPr lang="en-US" dirty="0" smtClean="0"/>
+                  <a:rPr lang="en-US" dirty="0"/>
                   <a:t>: </a:t>
                 </a:r>
                 <a:r>
-                  <a:rPr lang="ru-RU" dirty="0" smtClean="0"/>
+                  <a:rPr lang="ru-RU" dirty="0"/>
                   <a:t>пусть </a:t>
                 </a:r>
                 <a14:m>
@@ -9087,33 +8876,33 @@
                   </m:oMath>
                 </a14:m>
                 <a:r>
-                  <a:rPr lang="en-US" dirty="0" smtClean="0"/>
+                  <a:rPr lang="en-US" dirty="0"/>
                   <a:t> </a:t>
                 </a:r>
                 <a:r>
-                  <a:rPr lang="ru-RU" dirty="0" smtClean="0"/>
+                  <a:rPr lang="ru-RU" dirty="0"/>
                   <a:t>фиксированная подстановка. Подстановка применяется для каждого из 16 </a:t>
                 </a:r>
                 <a:r>
-                  <a:rPr lang="ru-RU" dirty="0" err="1" smtClean="0"/>
+                  <a:rPr lang="ru-RU" dirty="0" err="1"/>
                   <a:t>подблоков</a:t>
                 </a:r>
                 <a:r>
-                  <a:rPr lang="ru-RU" dirty="0" smtClean="0"/>
+                  <a:rPr lang="ru-RU" dirty="0"/>
                   <a:t> входного блока.</a:t>
                 </a:r>
               </a:p>
               <a:p>
                 <a:r>
-                  <a:rPr lang="en-US" dirty="0" err="1" smtClean="0"/>
+                  <a:rPr lang="en-US" dirty="0" err="1"/>
                   <a:t>ShiftRows</a:t>
                 </a:r>
                 <a:r>
-                  <a:rPr lang="en-US" dirty="0" smtClean="0"/>
+                  <a:rPr lang="en-US" dirty="0"/>
                   <a:t>: </a:t>
                 </a:r>
                 <a:r>
-                  <a:rPr lang="ru-RU" dirty="0" smtClean="0"/>
+                  <a:rPr lang="ru-RU" dirty="0"/>
                   <a:t>циклический сдвиг строк </a:t>
                 </a:r>
                 <a14:m>
@@ -9127,15 +8916,15 @@
                   </m:oMath>
                 </a14:m>
                 <a:r>
-                  <a:rPr lang="en-US" dirty="0" smtClean="0"/>
+                  <a:rPr lang="en-US" dirty="0"/>
                   <a:t> </a:t>
                 </a:r>
                 <a:r>
-                  <a:rPr lang="ru-RU" dirty="0" smtClean="0"/>
+                  <a:rPr lang="ru-RU" dirty="0"/>
                   <a:t>матрицы</a:t>
                 </a:r>
                 <a:r>
-                  <a:rPr lang="en-US" dirty="0" smtClean="0"/>
+                  <a:rPr lang="en-US" dirty="0"/>
                   <a:t>: </a:t>
                 </a:r>
                 <a14:m>
@@ -9149,11 +8938,11 @@
                   </m:oMath>
                 </a14:m>
                 <a:r>
-                  <a:rPr lang="en-US" dirty="0" smtClean="0"/>
+                  <a:rPr lang="en-US" dirty="0"/>
                   <a:t>-</a:t>
                 </a:r>
                 <a:r>
-                  <a:rPr lang="ru-RU" dirty="0" smtClean="0"/>
+                  <a:rPr lang="ru-RU" dirty="0"/>
                   <a:t>я строка сдвигается на </a:t>
                 </a:r>
                 <a14:m>
@@ -9167,7 +8956,7 @@
                   </m:oMath>
                 </a14:m>
                 <a:r>
-                  <a:rPr lang="ru-RU" dirty="0" smtClean="0"/>
+                  <a:rPr lang="ru-RU" dirty="0"/>
                   <a:t> позиций, </a:t>
                 </a:r>
                 <a14:m>
@@ -9196,7 +8985,7 @@
                   </m:oMath>
                 </a14:m>
                 <a:r>
-                  <a:rPr lang="en-US" dirty="0" smtClean="0"/>
+                  <a:rPr lang="en-US" dirty="0"/>
                   <a:t>.</a:t>
                 </a:r>
                 <a:endParaRPr lang="ru-RU" dirty="0"/>
@@ -9295,13 +9084,6 @@
   <p:clrMapOvr>
     <a:masterClrMapping/>
   </p:clrMapOvr>
-  <p:timing>
-    <p:tnLst>
-      <p:par>
-        <p:cTn id="1" dur="indefinite" restart="never" nodeType="tmRoot"/>
-      </p:par>
-    </p:tnLst>
-  </p:timing>
 </p:sld>
 </file>
 
@@ -9338,7 +9120,7 @@
           <a:lstStyle/>
           <a:p>
             <a:r>
-              <a:rPr lang="en-US" dirty="0" smtClean="0"/>
+              <a:rPr lang="en-US" dirty="0"/>
               <a:t>AES</a:t>
             </a:r>
             <a:endParaRPr lang="ru-RU" dirty="0"/>
@@ -9370,11 +9152,11 @@
               <a:lstStyle/>
               <a:p>
                 <a:r>
-                  <a:rPr lang="en-US" dirty="0" smtClean="0"/>
+                  <a:rPr lang="en-US" dirty="0"/>
                   <a:t>MixColumns: </a:t>
                 </a:r>
                 <a:r>
-                  <a:rPr lang="ru-RU" dirty="0" smtClean="0"/>
+                  <a:rPr lang="ru-RU" dirty="0"/>
                   <a:t>умножение </a:t>
                 </a:r>
                 <a14:m>
@@ -9394,15 +9176,15 @@
                   </m:oMath>
                 </a14:m>
                 <a:r>
-                  <a:rPr lang="ru-RU" dirty="0" smtClean="0"/>
+                  <a:rPr lang="ru-RU" dirty="0"/>
                   <a:t> матрицы на фиксированную</a:t>
                 </a:r>
                 <a:r>
-                  <a:rPr lang="en-US" dirty="0" smtClean="0"/>
+                  <a:rPr lang="en-US" dirty="0"/>
                   <a:t> </a:t>
                 </a:r>
                 <a:r>
-                  <a:rPr lang="ru-RU" dirty="0" smtClean="0"/>
+                  <a:rPr lang="ru-RU" dirty="0"/>
                   <a:t>обратимую матрицу в </a:t>
                 </a:r>
                 <a14:m>
@@ -9457,40 +9239,40 @@
                     </m:r>
                   </m:oMath>
                 </a14:m>
-                <a:endParaRPr lang="ru-RU" dirty="0" smtClean="0"/>
+                <a:endParaRPr lang="ru-RU" dirty="0"/>
               </a:p>
               <a:p>
                 <a:r>
-                  <a:rPr lang="en-US" dirty="0" err="1" smtClean="0"/>
+                  <a:rPr lang="en-US" dirty="0" err="1"/>
                   <a:t>AddRoundKey</a:t>
                 </a:r>
                 <a:r>
-                  <a:rPr lang="en-US" dirty="0" smtClean="0"/>
+                  <a:rPr lang="en-US" dirty="0"/>
                   <a:t>: </a:t>
                 </a:r>
                 <a:r>
-                  <a:rPr lang="ru-RU" dirty="0" smtClean="0"/>
+                  <a:rPr lang="ru-RU" dirty="0"/>
                   <a:t>Сложение с ключом – побитное</a:t>
                 </a:r>
-                <a:endParaRPr lang="en-US" dirty="0" smtClean="0"/>
+                <a:endParaRPr lang="en-US" dirty="0"/>
               </a:p>
               <a:p>
                 <a:r>
-                  <a:rPr lang="ru-RU" dirty="0" smtClean="0"/>
+                  <a:rPr lang="ru-RU" dirty="0"/>
                   <a:t>Все описанные выше преобразования – обратимы.</a:t>
                 </a:r>
-                <a:endParaRPr lang="en-US" dirty="0" smtClean="0"/>
+                <a:endParaRPr lang="en-US" dirty="0"/>
               </a:p>
               <a:p>
                 <a:r>
-                  <a:rPr lang="ru-RU" dirty="0" smtClean="0"/>
+                  <a:rPr lang="ru-RU" dirty="0"/>
                   <a:t>В последнем раунде не выполняется </a:t>
                 </a:r>
                 <a:r>
-                  <a:rPr lang="en-US" dirty="0" err="1" smtClean="0"/>
+                  <a:rPr lang="en-US" dirty="0" err="1"/>
                   <a:t>MixColums</a:t>
                 </a:r>
-                <a:endParaRPr lang="en-US" dirty="0" smtClean="0"/>
+                <a:endParaRPr lang="en-US" dirty="0"/>
               </a:p>
               <a:p>
                 <a14:m>
@@ -9728,13 +9510,6 @@
   <p:clrMapOvr>
     <a:masterClrMapping/>
   </p:clrMapOvr>
-  <p:timing>
-    <p:tnLst>
-      <p:par>
-        <p:cTn id="1" dur="indefinite" restart="never" nodeType="tmRoot"/>
-      </p:par>
-    </p:tnLst>
-  </p:timing>
 </p:sld>
 </file>
 
@@ -9771,7 +9546,7 @@
           <a:lstStyle/>
           <a:p>
             <a:r>
-              <a:rPr lang="en-US" dirty="0" err="1" smtClean="0"/>
+              <a:rPr lang="en-US" dirty="0" err="1"/>
               <a:t>SubBytes</a:t>
             </a:r>
             <a:endParaRPr lang="ru-RU" dirty="0"/>
@@ -9840,13 +9615,6 @@
   <p:clrMapOvr>
     <a:masterClrMapping/>
   </p:clrMapOvr>
-  <p:timing>
-    <p:tnLst>
-      <p:par>
-        <p:cTn id="1" dur="indefinite" restart="never" nodeType="tmRoot"/>
-      </p:par>
-    </p:tnLst>
-  </p:timing>
 </p:sld>
 </file>
 
@@ -9883,7 +9651,7 @@
           <a:lstStyle/>
           <a:p>
             <a:r>
-              <a:rPr lang="en-US" dirty="0" err="1" smtClean="0"/>
+              <a:rPr lang="en-US" dirty="0" err="1"/>
               <a:t>ShiftRows</a:t>
             </a:r>
             <a:endParaRPr lang="ru-RU" dirty="0"/>
@@ -9952,13 +9720,6 @@
   <p:clrMapOvr>
     <a:masterClrMapping/>
   </p:clrMapOvr>
-  <p:timing>
-    <p:tnLst>
-      <p:par>
-        <p:cTn id="1" dur="indefinite" restart="never" nodeType="tmRoot"/>
-      </p:par>
-    </p:tnLst>
-  </p:timing>
 </p:sld>
 </file>
 
@@ -9995,7 +9756,7 @@
           <a:lstStyle/>
           <a:p>
             <a:r>
-              <a:rPr lang="en-US" dirty="0" err="1" smtClean="0"/>
+              <a:rPr lang="en-US" dirty="0" err="1"/>
               <a:t>AddRoundKey</a:t>
             </a:r>
             <a:endParaRPr lang="ru-RU" dirty="0"/>
@@ -10064,13 +9825,6 @@
   <p:clrMapOvr>
     <a:masterClrMapping/>
   </p:clrMapOvr>
-  <p:timing>
-    <p:tnLst>
-      <p:par>
-        <p:cTn id="1" dur="indefinite" restart="never" nodeType="tmRoot"/>
-      </p:par>
-    </p:tnLst>
-  </p:timing>
 </p:sld>
 </file>
 
@@ -10107,7 +9861,7 @@
           <a:lstStyle/>
           <a:p>
             <a:r>
-              <a:rPr lang="en-US" dirty="0" err="1" smtClean="0"/>
+              <a:rPr lang="en-US" dirty="0" err="1"/>
               <a:t>MixColumns</a:t>
             </a:r>
             <a:endParaRPr lang="ru-RU" dirty="0"/>
@@ -10176,13 +9930,6 @@
   <p:clrMapOvr>
     <a:masterClrMapping/>
   </p:clrMapOvr>
-  <p:timing>
-    <p:tnLst>
-      <p:par>
-        <p:cTn id="1" dur="indefinite" restart="never" nodeType="tmRoot"/>
-      </p:par>
-    </p:tnLst>
-  </p:timing>
 </p:sld>
 </file>
 
@@ -10219,7 +9966,7 @@
           <a:lstStyle/>
           <a:p>
             <a:r>
-              <a:rPr lang="en-US" dirty="0" smtClean="0"/>
+              <a:rPr lang="en-US" dirty="0"/>
               <a:t>AES</a:t>
             </a:r>
             <a:endParaRPr lang="ru-RU" dirty="0"/>
@@ -10321,10 +10068,9 @@
           <a:lstStyle/>
           <a:p>
             <a:r>
-              <a:rPr lang="ru-RU" dirty="0" smtClean="0"/>
+              <a:rPr lang="ru-RU" dirty="0"/>
               <a:t>ГОСТ 34.12-2015 «Кузнечик»</a:t>
             </a:r>
-            <a:endParaRPr lang="ru-RU" dirty="0"/>
           </a:p>
         </p:txBody>
       </p:sp>
@@ -10344,54 +10090,53 @@
           <a:lstStyle/>
           <a:p>
             <a:r>
-              <a:rPr lang="ru-RU" dirty="0" smtClean="0"/>
+              <a:rPr lang="ru-RU" dirty="0"/>
               <a:t>Новый алгоритм в замену 28147-89</a:t>
             </a:r>
           </a:p>
           <a:p>
             <a:r>
-              <a:rPr lang="en-US" dirty="0" smtClean="0"/>
+              <a:rPr lang="en-US" dirty="0"/>
               <a:t>SP </a:t>
             </a:r>
             <a:r>
-              <a:rPr lang="ru-RU" dirty="0" smtClean="0"/>
+              <a:rPr lang="ru-RU" dirty="0"/>
               <a:t>сеть</a:t>
             </a:r>
             <a:r>
-              <a:rPr lang="en-US" dirty="0" smtClean="0"/>
+              <a:rPr lang="en-US" dirty="0"/>
               <a:t> (</a:t>
             </a:r>
             <a:r>
-              <a:rPr lang="ru-RU" dirty="0" smtClean="0"/>
+              <a:rPr lang="ru-RU" dirty="0"/>
               <a:t>с регистром сдвига), сеть </a:t>
             </a:r>
             <a:r>
-              <a:rPr lang="ru-RU" dirty="0" err="1" smtClean="0"/>
+              <a:rPr lang="ru-RU" dirty="0" err="1"/>
               <a:t>Фейстеля</a:t>
             </a:r>
             <a:r>
-              <a:rPr lang="ru-RU" dirty="0" smtClean="0"/>
+              <a:rPr lang="ru-RU" dirty="0"/>
               <a:t> для генерации раундовых ключей</a:t>
             </a:r>
           </a:p>
           <a:p>
             <a:r>
-              <a:rPr lang="ru-RU" dirty="0" smtClean="0"/>
+              <a:rPr lang="ru-RU" dirty="0"/>
               <a:t>Размер блока 128 бит</a:t>
             </a:r>
           </a:p>
           <a:p>
             <a:r>
-              <a:rPr lang="ru-RU" dirty="0" smtClean="0"/>
+              <a:rPr lang="ru-RU" dirty="0"/>
               <a:t>Длина ключа 256 бит</a:t>
             </a:r>
           </a:p>
           <a:p>
             <a:r>
-              <a:rPr lang="ru-RU" dirty="0" smtClean="0"/>
+              <a:rPr lang="ru-RU" dirty="0"/>
               <a:t>10 раундов</a:t>
             </a:r>
-            <a:endParaRPr lang="ru-RU" dirty="0"/>
           </a:p>
         </p:txBody>
       </p:sp>
@@ -10428,13 +10173,6 @@
   <p:clrMapOvr>
     <a:masterClrMapping/>
   </p:clrMapOvr>
-  <p:timing>
-    <p:tnLst>
-      <p:par>
-        <p:cTn id="1" dur="indefinite" restart="never" nodeType="tmRoot"/>
-      </p:par>
-    </p:tnLst>
-  </p:timing>
 </p:sld>
 </file>
 
@@ -10498,65 +10236,61 @@
           <a:lstStyle/>
           <a:p>
             <a:r>
-              <a:rPr lang="ru-RU" dirty="0" smtClean="0"/>
+              <a:rPr lang="ru-RU" dirty="0"/>
               <a:t>Раундовая функция – итерация </a:t>
             </a:r>
             <a:r>
-              <a:rPr lang="en-US" dirty="0" smtClean="0"/>
+              <a:rPr lang="en-US" dirty="0"/>
               <a:t>SP </a:t>
             </a:r>
             <a:r>
-              <a:rPr lang="ru-RU" dirty="0" smtClean="0"/>
+              <a:rPr lang="ru-RU" dirty="0"/>
               <a:t>сети</a:t>
             </a:r>
           </a:p>
           <a:p>
             <a:r>
-              <a:rPr lang="ru-RU" dirty="0" smtClean="0"/>
+              <a:rPr lang="ru-RU" dirty="0"/>
               <a:t>Раундовая функция – последовательное применение 2х функций и сложение с ключом</a:t>
             </a:r>
             <a:r>
-              <a:rPr lang="en-US" dirty="0" smtClean="0"/>
+              <a:rPr lang="en-US" dirty="0"/>
               <a:t> (</a:t>
             </a:r>
             <a:r>
-              <a:rPr lang="ru-RU" dirty="0" err="1" smtClean="0"/>
+              <a:rPr lang="ru-RU" dirty="0" err="1"/>
               <a:t>побитово</a:t>
             </a:r>
             <a:r>
-              <a:rPr lang="ru-RU" dirty="0" smtClean="0"/>
+              <a:rPr lang="ru-RU" dirty="0"/>
               <a:t>)</a:t>
             </a:r>
           </a:p>
           <a:p>
             <a:r>
               <a:rPr lang="en-US" dirty="0"/>
-              <a:t>S</a:t>
-            </a:r>
-            <a:r>
-              <a:rPr lang="en-US" dirty="0" smtClean="0"/>
-              <a:t>: </a:t>
-            </a:r>
-            <a:r>
-              <a:rPr lang="ru-RU" dirty="0" smtClean="0"/>
+              <a:t>S: </a:t>
+            </a:r>
+            <a:r>
+              <a:rPr lang="ru-RU" dirty="0"/>
               <a:t>нелинейное </a:t>
             </a:r>
             <a:r>
-              <a:rPr lang="ru-RU" dirty="0" err="1" smtClean="0"/>
+              <a:rPr lang="ru-RU" dirty="0" err="1"/>
               <a:t>биективное</a:t>
             </a:r>
             <a:r>
-              <a:rPr lang="ru-RU" dirty="0" smtClean="0"/>
+              <a:rPr lang="ru-RU" dirty="0"/>
               <a:t> преобразование, реализуется с помощью </a:t>
             </a:r>
             <a:r>
-              <a:rPr lang="en-US" dirty="0" smtClean="0"/>
+              <a:rPr lang="en-US" dirty="0"/>
               <a:t>S-box</a:t>
             </a:r>
-            <a:endParaRPr lang="ru-RU" dirty="0" smtClean="0"/>
-          </a:p>
-          <a:p>
-            <a:endParaRPr lang="ru-RU" dirty="0" smtClean="0"/>
+            <a:endParaRPr lang="ru-RU" dirty="0"/>
+          </a:p>
+          <a:p>
+            <a:endParaRPr lang="ru-RU" dirty="0"/>
           </a:p>
         </p:txBody>
       </p:sp>
@@ -10617,13 +10351,6 @@
   <p:clrMapOvr>
     <a:masterClrMapping/>
   </p:clrMapOvr>
-  <p:timing>
-    <p:tnLst>
-      <p:par>
-        <p:cTn id="1" dur="indefinite" restart="never" nodeType="tmRoot"/>
-      </p:par>
-    </p:tnLst>
-  </p:timing>
 </p:sld>
 </file>
 
@@ -10660,10 +10387,9 @@
           <a:lstStyle/>
           <a:p>
             <a:r>
-              <a:rPr lang="ru-RU" dirty="0" smtClean="0"/>
+              <a:rPr lang="ru-RU" dirty="0"/>
               <a:t>Тест.</a:t>
             </a:r>
-            <a:endParaRPr lang="ru-RU" dirty="0"/>
           </a:p>
         </p:txBody>
       </p:sp>
@@ -10837,7 +10563,7 @@
         <p:spPr>
           <a:xfrm>
             <a:off x="185371" y="1408578"/>
-            <a:ext cx="5318614" cy="892552"/>
+            <a:ext cx="5318614" cy="3693319"/>
           </a:xfrm>
           <a:prstGeom prst="rect">
             <a:avLst/>
@@ -10850,22 +10576,50 @@
           <a:lstStyle/>
           <a:p>
             <a:r>
-              <a:rPr lang="ru-RU" sz="2600" dirty="0" smtClean="0"/>
+              <a:rPr lang="ru-RU" sz="2600" dirty="0"/>
               <a:t>Схема </a:t>
             </a:r>
             <a:r>
-              <a:rPr lang="en-US" sz="2600" dirty="0" smtClean="0"/>
-              <a:t>OFB </a:t>
-            </a:r>
-            <a:r>
-              <a:rPr lang="ru-RU" sz="2600" dirty="0" smtClean="0"/>
-              <a:t>блочного шифрования, </a:t>
-            </a:r>
-            <a:r>
-              <a:rPr lang="ru-RU" sz="2600" smtClean="0"/>
-              <a:t>нарисовать картинку.</a:t>
-            </a:r>
+              <a:rPr lang="en-US" sz="2600" dirty="0"/>
+              <a:t>ECB </a:t>
+            </a:r>
+            <a:r>
+              <a:rPr lang="ru-RU" sz="2600" dirty="0"/>
+              <a:t>блочного шифрования, нарисовать картинку</a:t>
+            </a:r>
+            <a:r>
+              <a:rPr lang="en-US" sz="2600" dirty="0"/>
+              <a:t> </a:t>
+            </a:r>
+            <a:r>
+              <a:rPr lang="ru-RU" sz="2600" dirty="0"/>
+              <a:t>или описать шифрование</a:t>
+            </a:r>
+            <a:r>
+              <a:rPr lang="en-US" sz="2600" dirty="0"/>
+              <a:t>/</a:t>
+            </a:r>
+            <a:r>
+              <a:rPr lang="ru-RU" sz="2600" dirty="0"/>
+              <a:t>расшифрование (формула).</a:t>
+            </a:r>
+          </a:p>
+          <a:p>
             <a:endParaRPr lang="ru-RU" sz="2600" dirty="0"/>
+          </a:p>
+          <a:p>
+            <a:r>
+              <a:rPr lang="ru-RU" sz="2600" dirty="0"/>
+              <a:t>Для каких сообщений </a:t>
+            </a:r>
+            <a:r>
+              <a:rPr lang="en-US" sz="2600" dirty="0"/>
+              <a:t>ECB </a:t>
+            </a:r>
+            <a:r>
+              <a:rPr lang="ru-RU" sz="2600" dirty="0"/>
+              <a:t>является семантически стойким при использовании стойкого блочного шифра?</a:t>
+            </a:r>
           </a:p>
         </p:txBody>
       </p:sp>
@@ -10890,48 +10644,47 @@
           <a:lstStyle/>
           <a:p>
             <a:r>
-              <a:rPr lang="ru-RU" dirty="0" smtClean="0"/>
+              <a:rPr lang="ru-RU" dirty="0"/>
               <a:t>Положить телефон экраном вниз справа от себя</a:t>
             </a:r>
           </a:p>
           <a:p>
             <a:r>
-              <a:rPr lang="ru-RU" dirty="0" smtClean="0"/>
+              <a:rPr lang="ru-RU" dirty="0"/>
               <a:t>Не разговаривать с соседями</a:t>
             </a:r>
           </a:p>
           <a:p>
             <a:r>
-              <a:rPr lang="ru-RU" dirty="0" smtClean="0"/>
+              <a:rPr lang="ru-RU" dirty="0"/>
               <a:t>Не пользоваться конспектами и электронными устройствами</a:t>
             </a:r>
           </a:p>
           <a:p>
             <a:r>
-              <a:rPr lang="ru-RU" dirty="0" smtClean="0"/>
+              <a:rPr lang="ru-RU" dirty="0"/>
               <a:t>Написать номер (по таблице) и ФИО на листочке</a:t>
             </a:r>
           </a:p>
           <a:p>
             <a:r>
-              <a:rPr lang="ru-RU" dirty="0" smtClean="0"/>
+              <a:rPr lang="ru-RU" dirty="0"/>
               <a:t>Написать краткий ответ на вопрос</a:t>
             </a:r>
-            <a:endParaRPr lang="en-US" dirty="0" smtClean="0"/>
-          </a:p>
-          <a:p>
-            <a:r>
-              <a:rPr lang="ru-RU" dirty="0" smtClean="0"/>
+            <a:endParaRPr lang="en-US" dirty="0"/>
+          </a:p>
+          <a:p>
+            <a:r>
+              <a:rPr lang="ru-RU" dirty="0"/>
               <a:t>Дождаться окончания теста</a:t>
             </a:r>
-            <a:endParaRPr lang="ru-RU" dirty="0"/>
           </a:p>
         </p:txBody>
       </p:sp>
     </p:spTree>
     <p:extLst>
       <p:ext uri="{BB962C8B-B14F-4D97-AF65-F5344CB8AC3E}">
-        <p14:creationId xmlns:p14="http://schemas.microsoft.com/office/powerpoint/2010/main" val="541666705"/>
+        <p14:creationId xmlns:p14="http://schemas.microsoft.com/office/powerpoint/2010/main" val="1666387627"/>
       </p:ext>
     </p:extLst>
   </p:cSld>
@@ -11175,38 +10928,30 @@
           <a:lstStyle/>
           <a:p>
             <a:r>
-              <a:rPr lang="en-US" dirty="0" smtClean="0"/>
+              <a:rPr lang="en-US" dirty="0"/>
               <a:t>MUL: </a:t>
             </a:r>
             <a:r>
-              <a:rPr lang="ru-RU" dirty="0" smtClean="0"/>
+              <a:rPr lang="ru-RU" dirty="0"/>
               <a:t>линейное преобразование, умножение в конечном поле над полиномом</a:t>
             </a:r>
           </a:p>
           <a:p>
             <a:r>
-              <a:rPr lang="en-US" dirty="0" smtClean="0"/>
+              <a:rPr lang="en-US" dirty="0"/>
               <a:t>R:</a:t>
             </a:r>
             <a:r>
-              <a:rPr lang="ru-RU" dirty="0" smtClean="0"/>
+              <a:rPr lang="ru-RU" dirty="0"/>
               <a:t> линейный регистр сдвига с функцией обратной связи, в виде умножения (</a:t>
             </a:r>
             <a:r>
-              <a:rPr lang="en-US" dirty="0" smtClean="0"/>
+              <a:rPr lang="en-US" dirty="0"/>
               <a:t>MUL)</a:t>
             </a:r>
             <a:r>
-              <a:rPr lang="ru-RU" dirty="0" smtClean="0"/>
-              <a:t> байтов на коэффициенты </a:t>
-            </a:r>
-            <a:r>
               <a:rPr lang="ru-RU" dirty="0"/>
-              <a:t>(148, 32, 133, 16, 194, 192, 1, 251, 1, 192, 194, 16, 133, 32, 148, 1</a:t>
-            </a:r>
-            <a:r>
-              <a:rPr lang="ru-RU" dirty="0" smtClean="0"/>
-              <a:t>), и сложение по модулю 2.</a:t>
+              <a:t> байтов на коэффициенты (148, 32, 133, 16, 194, 192, 1, 251, 1, 192, 194, 16, 133, 32, 148, 1), и сложение по модулю 2.</a:t>
             </a:r>
           </a:p>
         </p:txBody>
@@ -11268,13 +11013,6 @@
   <p:clrMapOvr>
     <a:masterClrMapping/>
   </p:clrMapOvr>
-  <p:timing>
-    <p:tnLst>
-      <p:par>
-        <p:cTn id="1" dur="indefinite" restart="never" nodeType="tmRoot"/>
-      </p:par>
-    </p:tnLst>
-  </p:timing>
 </p:sld>
 </file>
 
@@ -11342,30 +11080,30 @@
               <a:lstStyle/>
               <a:p>
                 <a:r>
-                  <a:rPr lang="ru-RU" dirty="0" smtClean="0"/>
+                  <a:rPr lang="ru-RU" dirty="0"/>
                   <a:t>Линейное преобразование </a:t>
                 </a:r>
                 <a:r>
-                  <a:rPr lang="en-US" dirty="0" smtClean="0"/>
+                  <a:rPr lang="en-US" dirty="0"/>
                   <a:t>L: 16 </a:t>
                 </a:r>
                 <a:r>
-                  <a:rPr lang="ru-RU" dirty="0" smtClean="0"/>
+                  <a:rPr lang="ru-RU" dirty="0"/>
                   <a:t>кратное повторение </a:t>
                 </a:r>
                 <a:r>
-                  <a:rPr lang="en-US" dirty="0" smtClean="0"/>
+                  <a:rPr lang="en-US" dirty="0"/>
                   <a:t>R</a:t>
                 </a:r>
-                <a:endParaRPr lang="ru-RU" dirty="0" smtClean="0"/>
+                <a:endParaRPr lang="ru-RU" dirty="0"/>
               </a:p>
               <a:p>
                 <a:r>
-                  <a:rPr lang="ru-RU" dirty="0" smtClean="0"/>
+                  <a:rPr lang="ru-RU" dirty="0"/>
                   <a:t>Генерация раундовых ключей</a:t>
                 </a:r>
                 <a:r>
-                  <a:rPr lang="en-US" dirty="0" smtClean="0"/>
+                  <a:rPr lang="en-US" dirty="0"/>
                   <a:t> </a:t>
                 </a:r>
                 <a14:m>
@@ -11504,42 +11242,38 @@
                   </m:oMath>
                 </a14:m>
                 <a:r>
-                  <a:rPr lang="ru-RU" dirty="0" smtClean="0"/>
+                  <a:rPr lang="ru-RU" dirty="0"/>
                   <a:t>– сеть </a:t>
                 </a:r>
                 <a:r>
-                  <a:rPr lang="ru-RU" dirty="0" err="1" smtClean="0"/>
+                  <a:rPr lang="ru-RU" dirty="0" err="1"/>
                   <a:t>Фейстеля</a:t>
                 </a:r>
                 <a:r>
-                  <a:rPr lang="ru-RU" dirty="0" smtClean="0"/>
+                  <a:rPr lang="ru-RU" dirty="0"/>
                   <a:t> с использованием функции </a:t>
                 </a:r>
                 <a:r>
-                  <a:rPr lang="en-US" dirty="0" smtClean="0"/>
+                  <a:rPr lang="en-US" dirty="0"/>
                   <a:t>F</a:t>
                 </a:r>
                 <a:r>
-                  <a:rPr lang="ru-RU" dirty="0" smtClean="0"/>
+                  <a:rPr lang="ru-RU" dirty="0"/>
                   <a:t>, в виде итерации </a:t>
                 </a:r>
                 <a:r>
-                  <a:rPr lang="en-US" dirty="0" smtClean="0"/>
+                  <a:rPr lang="en-US" dirty="0"/>
                   <a:t>SP </a:t>
                 </a:r>
                 <a:r>
-                  <a:rPr lang="ru-RU" dirty="0" smtClean="0"/>
+                  <a:rPr lang="ru-RU" dirty="0"/>
                   <a:t>сети.</a:t>
                 </a:r>
               </a:p>
               <a:p>
                 <a:r>
                   <a:rPr lang="ru-RU" dirty="0"/>
-                  <a:t>Ключ разбивается </a:t>
-                </a:r>
-                <a:r>
-                  <a:rPr lang="ru-RU" dirty="0" smtClean="0"/>
-                  <a:t>на 2 части </a:t>
+                  <a:t>Ключ разбивается на 2 части </a:t>
                 </a:r>
                 <a14:m>
                   <m:oMath xmlns:m="http://schemas.openxmlformats.org/officeDocument/2006/math">
@@ -11602,27 +11336,15 @@
                   </m:oMath>
                 </a14:m>
                 <a:r>
-                  <a:rPr lang="ru-RU" dirty="0" smtClean="0"/>
-                  <a:t>, </a:t>
-                </a:r>
-                <a:r>
                   <a:rPr lang="ru-RU" dirty="0"/>
-                  <a:t>затем для получения следующего раундового ключа выполняется </a:t>
-                </a:r>
-                <a:r>
-                  <a:rPr lang="ru-RU" dirty="0" smtClean="0"/>
-                  <a:t>8 итераций </a:t>
+                  <a:t>, затем для получения следующего раундового ключа выполняется 8 итераций сети </a:t>
+                </a:r>
+                <a:r>
+                  <a:rPr lang="ru-RU" dirty="0" err="1"/>
+                  <a:t>Фейстеля</a:t>
                 </a:r>
                 <a:r>
                   <a:rPr lang="ru-RU" dirty="0"/>
-                  <a:t>сети </a:t>
-                </a:r>
-                <a:r>
-                  <a:rPr lang="ru-RU" dirty="0" err="1" smtClean="0"/>
-                  <a:t>Фейстеля</a:t>
-                </a:r>
-                <a:r>
-                  <a:rPr lang="ru-RU" dirty="0" smtClean="0"/>
                   <a:t>, </a:t>
                 </a:r>
                 <a14:m>
@@ -11655,17 +11377,17 @@
                   </m:oMath>
                 </a14:m>
                 <a:r>
-                  <a:rPr lang="ru-RU" dirty="0" smtClean="0"/>
+                  <a:rPr lang="ru-RU" dirty="0"/>
                   <a:t> </a:t>
                 </a:r>
                 <a:r>
-                  <a:rPr lang="ru-RU" smtClean="0"/>
+                  <a:rPr lang="ru-RU"/>
                   <a:t>- константы</a:t>
                 </a:r>
                 <a:endParaRPr lang="ru-RU" dirty="0"/>
               </a:p>
               <a:p>
-                <a:endParaRPr lang="ru-RU" dirty="0" smtClean="0"/>
+                <a:endParaRPr lang="ru-RU" dirty="0"/>
               </a:p>
             </p:txBody>
           </p:sp>
@@ -11789,13 +11511,6 @@
   <p:clrMapOvr>
     <a:masterClrMapping/>
   </p:clrMapOvr>
-  <p:timing>
-    <p:tnLst>
-      <p:par>
-        <p:cTn id="1" dur="indefinite" restart="never" nodeType="tmRoot"/>
-      </p:par>
-    </p:tnLst>
-  </p:timing>
 </p:sld>
 </file>
 
@@ -11859,40 +11574,39 @@
           <a:lstStyle/>
           <a:p>
             <a:r>
-              <a:rPr lang="ru-RU" dirty="0" err="1" smtClean="0"/>
+              <a:rPr lang="ru-RU" dirty="0" err="1"/>
               <a:t>Зашифрование</a:t>
             </a:r>
             <a:r>
-              <a:rPr lang="ru-RU" dirty="0" smtClean="0"/>
+              <a:rPr lang="ru-RU" dirty="0"/>
               <a:t> – 10 итераций </a:t>
             </a:r>
             <a:r>
-              <a:rPr lang="en-US" dirty="0" smtClean="0"/>
+              <a:rPr lang="en-US" dirty="0"/>
               <a:t>SP </a:t>
             </a:r>
             <a:r>
-              <a:rPr lang="ru-RU" dirty="0" smtClean="0"/>
+              <a:rPr lang="ru-RU" dirty="0"/>
               <a:t>сети (функций </a:t>
             </a:r>
             <a:r>
-              <a:rPr lang="en-US" dirty="0" smtClean="0"/>
+              <a:rPr lang="en-US" dirty="0"/>
               <a:t>S, L) </a:t>
             </a:r>
             <a:r>
-              <a:rPr lang="ru-RU" dirty="0" smtClean="0"/>
+              <a:rPr lang="ru-RU" dirty="0"/>
               <a:t>и сложения с раундовым ключом.</a:t>
             </a:r>
           </a:p>
           <a:p>
             <a:r>
-              <a:rPr lang="ru-RU" dirty="0" err="1" smtClean="0"/>
+              <a:rPr lang="ru-RU" dirty="0" err="1"/>
               <a:t>Расшифрование</a:t>
             </a:r>
             <a:r>
-              <a:rPr lang="ru-RU" dirty="0" smtClean="0"/>
+              <a:rPr lang="ru-RU" dirty="0"/>
               <a:t> – обратный порядок ключей и преобразований.</a:t>
             </a:r>
-            <a:endParaRPr lang="ru-RU" dirty="0"/>
           </a:p>
         </p:txBody>
       </p:sp>
@@ -11953,13 +11667,6 @@
   <p:clrMapOvr>
     <a:masterClrMapping/>
   </p:clrMapOvr>
-  <p:timing>
-    <p:tnLst>
-      <p:par>
-        <p:cTn id="1" dur="indefinite" restart="never" nodeType="tmRoot"/>
-      </p:par>
-    </p:tnLst>
-  </p:timing>
 </p:sld>
 </file>
 
@@ -12087,10 +11794,9 @@
           <a:lstStyle/>
           <a:p>
             <a:r>
-              <a:rPr lang="ru-RU" dirty="0" smtClean="0"/>
+              <a:rPr lang="ru-RU" dirty="0"/>
               <a:t>Тест.</a:t>
             </a:r>
-            <a:endParaRPr lang="ru-RU" dirty="0"/>
           </a:p>
         </p:txBody>
       </p:sp>
@@ -12660,7 +12366,7 @@
           <a:p>
             <a:pPr algn="ctr"/>
             <a:r>
-              <a:rPr lang="en-US" sz="3200" b="0" dirty="0" smtClean="0"/>
+              <a:rPr lang="en-US" sz="3200" b="0" dirty="0"/>
               <a:t>1-???</a:t>
             </a:r>
             <a:endParaRPr lang="en-US" sz="3200" dirty="0"/>
@@ -12802,7 +12508,7 @@
           <a:lstStyle/>
           <a:p>
             <a:r>
-              <a:rPr lang="en-US" sz="2800" dirty="0" smtClean="0"/>
+              <a:rPr lang="en-US" sz="2800" dirty="0"/>
               <a:t>2-???</a:t>
             </a:r>
             <a:endParaRPr lang="ru-RU" sz="2800" dirty="0"/>
@@ -12980,15 +12686,15 @@
           <a:lstStyle/>
           <a:p>
             <a:r>
-              <a:rPr lang="en-US" sz="2400" dirty="0" smtClean="0"/>
+              <a:rPr lang="en-US" sz="2400" dirty="0"/>
               <a:t>4 - </a:t>
             </a:r>
             <a:r>
-              <a:rPr lang="ru-RU" sz="2400" dirty="0" smtClean="0"/>
+              <a:rPr lang="ru-RU" sz="2400" dirty="0"/>
               <a:t>Отличия адаптивной от неадаптивной версии игры на стойкость </a:t>
             </a:r>
             <a:r>
-              <a:rPr lang="en-US" sz="2400" dirty="0" smtClean="0"/>
+              <a:rPr lang="en-US" sz="2400" dirty="0"/>
               <a:t>PRP</a:t>
             </a:r>
             <a:endParaRPr lang="ru-RU" sz="2400" dirty="0"/>
@@ -12999,6 +12705,497 @@
     <p:extLst>
       <p:ext uri="{BB962C8B-B14F-4D97-AF65-F5344CB8AC3E}">
         <p14:creationId xmlns:p14="http://schemas.microsoft.com/office/powerpoint/2010/main" val="3382606015"/>
+      </p:ext>
+    </p:extLst>
+  </p:cSld>
+  <p:clrMapOvr>
+    <a:masterClrMapping/>
+  </p:clrMapOvr>
+  <p:timing>
+    <p:tnLst>
+      <p:par>
+        <p:cTn id="1" dur="indefinite" restart="never" nodeType="tmRoot">
+          <p:childTnLst>
+            <p:seq concurrent="1" nextAc="seek">
+              <p:cTn id="2" dur="indefinite" nodeType="mainSeq">
+                <p:childTnLst>
+                  <p:par>
+                    <p:cTn id="3" fill="hold">
+                      <p:stCondLst>
+                        <p:cond delay="indefinite"/>
+                        <p:cond evt="onBegin" delay="0">
+                          <p:tn val="2"/>
+                        </p:cond>
+                      </p:stCondLst>
+                      <p:childTnLst>
+                        <p:par>
+                          <p:cTn id="4" fill="hold">
+                            <p:stCondLst>
+                              <p:cond delay="0"/>
+                            </p:stCondLst>
+                            <p:childTnLst>
+                              <p:par>
+                                <p:cTn id="5" presetID="22" presetClass="exit" presetSubtype="2" fill="hold" grpId="0" nodeType="withEffect">
+                                  <p:stCondLst>
+                                    <p:cond delay="0"/>
+                                  </p:stCondLst>
+                                  <p:childTnLst>
+                                    <p:animEffect transition="out" filter="wipe(right)">
+                                      <p:cBhvr>
+                                        <p:cTn id="6" dur="59000"/>
+                                        <p:tgtEl>
+                                          <p:spTgt spid="5"/>
+                                        </p:tgtEl>
+                                      </p:cBhvr>
+                                    </p:animEffect>
+                                    <p:set>
+                                      <p:cBhvr>
+                                        <p:cTn id="7" dur="1" fill="hold">
+                                          <p:stCondLst>
+                                            <p:cond delay="58999"/>
+                                          </p:stCondLst>
+                                        </p:cTn>
+                                        <p:tgtEl>
+                                          <p:spTgt spid="5"/>
+                                        </p:tgtEl>
+                                        <p:attrNameLst>
+                                          <p:attrName>style.visibility</p:attrName>
+                                        </p:attrNameLst>
+                                      </p:cBhvr>
+                                      <p:to>
+                                        <p:strVal val="hidden"/>
+                                      </p:to>
+                                    </p:set>
+                                  </p:childTnLst>
+                                </p:cTn>
+                              </p:par>
+                            </p:childTnLst>
+                          </p:cTn>
+                        </p:par>
+                        <p:par>
+                          <p:cTn id="8" fill="hold">
+                            <p:stCondLst>
+                              <p:cond delay="59000"/>
+                            </p:stCondLst>
+                            <p:childTnLst>
+                              <p:par>
+                                <p:cTn id="9" presetID="22" presetClass="exit" presetSubtype="2" fill="hold" grpId="0" nodeType="afterEffect">
+                                  <p:stCondLst>
+                                    <p:cond delay="0"/>
+                                  </p:stCondLst>
+                                  <p:childTnLst>
+                                    <p:animEffect transition="out" filter="wipe(right)">
+                                      <p:cBhvr>
+                                        <p:cTn id="10" dur="59000"/>
+                                        <p:tgtEl>
+                                          <p:spTgt spid="6"/>
+                                        </p:tgtEl>
+                                      </p:cBhvr>
+                                    </p:animEffect>
+                                    <p:set>
+                                      <p:cBhvr>
+                                        <p:cTn id="11" dur="1" fill="hold">
+                                          <p:stCondLst>
+                                            <p:cond delay="58999"/>
+                                          </p:stCondLst>
+                                        </p:cTn>
+                                        <p:tgtEl>
+                                          <p:spTgt spid="6"/>
+                                        </p:tgtEl>
+                                        <p:attrNameLst>
+                                          <p:attrName>style.visibility</p:attrName>
+                                        </p:attrNameLst>
+                                      </p:cBhvr>
+                                      <p:to>
+                                        <p:strVal val="hidden"/>
+                                      </p:to>
+                                    </p:set>
+                                  </p:childTnLst>
+                                </p:cTn>
+                              </p:par>
+                            </p:childTnLst>
+                          </p:cTn>
+                        </p:par>
+                        <p:par>
+                          <p:cTn id="12" fill="hold">
+                            <p:stCondLst>
+                              <p:cond delay="118000"/>
+                            </p:stCondLst>
+                            <p:childTnLst>
+                              <p:par>
+                                <p:cTn id="13" presetID="22" presetClass="exit" presetSubtype="2" fill="hold" grpId="0" nodeType="afterEffect">
+                                  <p:stCondLst>
+                                    <p:cond delay="0"/>
+                                  </p:stCondLst>
+                                  <p:childTnLst>
+                                    <p:animEffect transition="out" filter="wipe(right)">
+                                      <p:cBhvr>
+                                        <p:cTn id="14" dur="59000"/>
+                                        <p:tgtEl>
+                                          <p:spTgt spid="7"/>
+                                        </p:tgtEl>
+                                      </p:cBhvr>
+                                    </p:animEffect>
+                                    <p:set>
+                                      <p:cBhvr>
+                                        <p:cTn id="15" dur="1" fill="hold">
+                                          <p:stCondLst>
+                                            <p:cond delay="58999"/>
+                                          </p:stCondLst>
+                                        </p:cTn>
+                                        <p:tgtEl>
+                                          <p:spTgt spid="7"/>
+                                        </p:tgtEl>
+                                        <p:attrNameLst>
+                                          <p:attrName>style.visibility</p:attrName>
+                                        </p:attrNameLst>
+                                      </p:cBhvr>
+                                      <p:to>
+                                        <p:strVal val="hidden"/>
+                                      </p:to>
+                                    </p:set>
+                                  </p:childTnLst>
+                                </p:cTn>
+                              </p:par>
+                            </p:childTnLst>
+                          </p:cTn>
+                        </p:par>
+                      </p:childTnLst>
+                    </p:cTn>
+                  </p:par>
+                </p:childTnLst>
+              </p:cTn>
+              <p:prevCondLst>
+                <p:cond evt="onPrev" delay="0">
+                  <p:tgtEl>
+                    <p:sldTgt/>
+                  </p:tgtEl>
+                </p:cond>
+              </p:prevCondLst>
+              <p:nextCondLst>
+                <p:cond evt="onNext" delay="0">
+                  <p:tgtEl>
+                    <p:sldTgt/>
+                  </p:tgtEl>
+                </p:cond>
+              </p:nextCondLst>
+            </p:seq>
+          </p:childTnLst>
+        </p:cTn>
+      </p:par>
+    </p:tnLst>
+    <p:bldLst>
+      <p:bldP spid="5" grpId="0" animBg="1"/>
+      <p:bldP spid="6" grpId="0" animBg="1"/>
+      <p:bldP spid="7" grpId="0" animBg="1"/>
+    </p:bldLst>
+  </p:timing>
+</p:sld>
+</file>
+
+<file path=ppt/slides/slide35.xml><?xml version="1.0" encoding="utf-8"?>
+<p:sld xmlns:a="http://schemas.openxmlformats.org/drawingml/2006/main" xmlns:r="http://schemas.openxmlformats.org/officeDocument/2006/relationships" xmlns:p="http://schemas.openxmlformats.org/presentationml/2006/main">
+  <p:cSld>
+    <p:spTree>
+      <p:nvGrpSpPr>
+        <p:cNvPr id="1" name=""/>
+        <p:cNvGrpSpPr/>
+        <p:nvPr/>
+      </p:nvGrpSpPr>
+      <p:grpSpPr>
+        <a:xfrm>
+          <a:off x="0" y="0"/>
+          <a:ext cx="0" cy="0"/>
+          <a:chOff x="0" y="0"/>
+          <a:chExt cx="0" cy="0"/>
+        </a:xfrm>
+      </p:grpSpPr>
+      <p:sp>
+        <p:nvSpPr>
+          <p:cNvPr id="2" name="Заголовок 1"/>
+          <p:cNvSpPr>
+            <a:spLocks noGrp="1"/>
+          </p:cNvSpPr>
+          <p:nvPr>
+            <p:ph type="title"/>
+          </p:nvPr>
+        </p:nvSpPr>
+        <p:spPr/>
+        <p:txBody>
+          <a:bodyPr/>
+          <a:lstStyle/>
+          <a:p>
+            <a:r>
+              <a:rPr lang="ru-RU" dirty="0"/>
+              <a:t>Тест.</a:t>
+            </a:r>
+          </a:p>
+        </p:txBody>
+      </p:sp>
+      <p:sp>
+        <p:nvSpPr>
+          <p:cNvPr id="4" name="Номер слайда 3"/>
+          <p:cNvSpPr>
+            <a:spLocks noGrp="1"/>
+          </p:cNvSpPr>
+          <p:nvPr>
+            <p:ph type="sldNum" sz="quarter" idx="12"/>
+          </p:nvPr>
+        </p:nvSpPr>
+        <p:spPr/>
+        <p:txBody>
+          <a:bodyPr/>
+          <a:lstStyle/>
+          <a:p>
+            <a:fld id="{8253DDDB-F8F7-4D64-A7FD-3F3D61C1949F}" type="slidenum">
+              <a:rPr lang="ru-RU" smtClean="0"/>
+              <a:t>35</a:t>
+            </a:fld>
+            <a:endParaRPr lang="ru-RU"/>
+          </a:p>
+        </p:txBody>
+      </p:sp>
+      <p:sp>
+        <p:nvSpPr>
+          <p:cNvPr id="5" name="Прямоугольник 4"/>
+          <p:cNvSpPr/>
+          <p:nvPr/>
+        </p:nvSpPr>
+        <p:spPr>
+          <a:xfrm>
+            <a:off x="284285" y="5433158"/>
+            <a:ext cx="10688515" cy="317012"/>
+          </a:xfrm>
+          <a:prstGeom prst="rect">
+            <a:avLst/>
+          </a:prstGeom>
+          <a:solidFill>
+            <a:schemeClr val="accent6">
+              <a:alpha val="50000"/>
+            </a:schemeClr>
+          </a:solidFill>
+          <a:ln>
+            <a:noFill/>
+          </a:ln>
+        </p:spPr>
+        <p:style>
+          <a:lnRef idx="0">
+            <a:scrgbClr r="0" g="0" b="0"/>
+          </a:lnRef>
+          <a:fillRef idx="0">
+            <a:scrgbClr r="0" g="0" b="0"/>
+          </a:fillRef>
+          <a:effectRef idx="0">
+            <a:scrgbClr r="0" g="0" b="0"/>
+          </a:effectRef>
+          <a:fontRef idx="minor">
+            <a:schemeClr val="lt1"/>
+          </a:fontRef>
+        </p:style>
+        <p:txBody>
+          <a:bodyPr rtlCol="0" anchor="ctr"/>
+          <a:lstStyle/>
+          <a:p>
+            <a:pPr algn="ctr"/>
+            <a:endParaRPr lang="ru-RU"/>
+          </a:p>
+        </p:txBody>
+      </p:sp>
+      <p:sp>
+        <p:nvSpPr>
+          <p:cNvPr id="6" name="Прямоугольник 5"/>
+          <p:cNvSpPr/>
+          <p:nvPr/>
+        </p:nvSpPr>
+        <p:spPr>
+          <a:xfrm>
+            <a:off x="284285" y="5819530"/>
+            <a:ext cx="10688515" cy="317012"/>
+          </a:xfrm>
+          <a:prstGeom prst="rect">
+            <a:avLst/>
+          </a:prstGeom>
+          <a:solidFill>
+            <a:schemeClr val="accent6">
+              <a:alpha val="50000"/>
+            </a:schemeClr>
+          </a:solidFill>
+          <a:ln>
+            <a:noFill/>
+          </a:ln>
+        </p:spPr>
+        <p:style>
+          <a:lnRef idx="0">
+            <a:scrgbClr r="0" g="0" b="0"/>
+          </a:lnRef>
+          <a:fillRef idx="0">
+            <a:scrgbClr r="0" g="0" b="0"/>
+          </a:fillRef>
+          <a:effectRef idx="0">
+            <a:scrgbClr r="0" g="0" b="0"/>
+          </a:effectRef>
+          <a:fontRef idx="minor">
+            <a:schemeClr val="lt1"/>
+          </a:fontRef>
+        </p:style>
+        <p:txBody>
+          <a:bodyPr rtlCol="0" anchor="ctr"/>
+          <a:lstStyle/>
+          <a:p>
+            <a:pPr algn="ctr"/>
+            <a:endParaRPr lang="ru-RU"/>
+          </a:p>
+        </p:txBody>
+      </p:sp>
+      <p:sp>
+        <p:nvSpPr>
+          <p:cNvPr id="7" name="Прямоугольник 6"/>
+          <p:cNvSpPr/>
+          <p:nvPr/>
+        </p:nvSpPr>
+        <p:spPr>
+          <a:xfrm>
+            <a:off x="284284" y="6205902"/>
+            <a:ext cx="10688515" cy="317012"/>
+          </a:xfrm>
+          <a:prstGeom prst="rect">
+            <a:avLst/>
+          </a:prstGeom>
+          <a:solidFill>
+            <a:schemeClr val="accent6">
+              <a:alpha val="50000"/>
+            </a:schemeClr>
+          </a:solidFill>
+          <a:ln>
+            <a:noFill/>
+          </a:ln>
+        </p:spPr>
+        <p:style>
+          <a:lnRef idx="0">
+            <a:scrgbClr r="0" g="0" b="0"/>
+          </a:lnRef>
+          <a:fillRef idx="0">
+            <a:scrgbClr r="0" g="0" b="0"/>
+          </a:fillRef>
+          <a:effectRef idx="0">
+            <a:scrgbClr r="0" g="0" b="0"/>
+          </a:effectRef>
+          <a:fontRef idx="minor">
+            <a:schemeClr val="lt1"/>
+          </a:fontRef>
+        </p:style>
+        <p:txBody>
+          <a:bodyPr rtlCol="0" anchor="ctr"/>
+          <a:lstStyle/>
+          <a:p>
+            <a:pPr algn="ctr"/>
+            <a:endParaRPr lang="ru-RU"/>
+          </a:p>
+        </p:txBody>
+      </p:sp>
+      <p:sp>
+        <p:nvSpPr>
+          <p:cNvPr id="19" name="Прямоугольник 18"/>
+          <p:cNvSpPr/>
+          <p:nvPr/>
+        </p:nvSpPr>
+        <p:spPr>
+          <a:xfrm>
+            <a:off x="185371" y="1408578"/>
+            <a:ext cx="5318614" cy="892552"/>
+          </a:xfrm>
+          <a:prstGeom prst="rect">
+            <a:avLst/>
+          </a:prstGeom>
+        </p:spPr>
+        <p:txBody>
+          <a:bodyPr wrap="square">
+            <a:spAutoFit/>
+          </a:bodyPr>
+          <a:lstStyle/>
+          <a:p>
+            <a:r>
+              <a:rPr lang="ru-RU" sz="2600" dirty="0"/>
+              <a:t>Схема </a:t>
+            </a:r>
+            <a:r>
+              <a:rPr lang="en-US" sz="2600" dirty="0"/>
+              <a:t>OFB </a:t>
+            </a:r>
+            <a:r>
+              <a:rPr lang="ru-RU" sz="2600" dirty="0"/>
+              <a:t>блочного шифрования, </a:t>
+            </a:r>
+            <a:r>
+              <a:rPr lang="ru-RU" sz="2600"/>
+              <a:t>нарисовать картинку.</a:t>
+            </a:r>
+            <a:endParaRPr lang="ru-RU" sz="2600" dirty="0"/>
+          </a:p>
+        </p:txBody>
+      </p:sp>
+      <p:sp>
+        <p:nvSpPr>
+          <p:cNvPr id="20" name="Объект 2"/>
+          <p:cNvSpPr>
+            <a:spLocks noGrp="1"/>
+          </p:cNvSpPr>
+          <p:nvPr>
+            <p:ph idx="1"/>
+          </p:nvPr>
+        </p:nvSpPr>
+        <p:spPr>
+          <a:xfrm>
+            <a:off x="5628541" y="1408579"/>
+            <a:ext cx="6148754" cy="4351338"/>
+          </a:xfrm>
+        </p:spPr>
+        <p:txBody>
+          <a:bodyPr/>
+          <a:lstStyle/>
+          <a:p>
+            <a:r>
+              <a:rPr lang="ru-RU" dirty="0"/>
+              <a:t>Положить телефон экраном вниз справа от себя</a:t>
+            </a:r>
+          </a:p>
+          <a:p>
+            <a:r>
+              <a:rPr lang="ru-RU" dirty="0"/>
+              <a:t>Не разговаривать с соседями</a:t>
+            </a:r>
+          </a:p>
+          <a:p>
+            <a:r>
+              <a:rPr lang="ru-RU" dirty="0"/>
+              <a:t>Не пользоваться конспектами и электронными устройствами</a:t>
+            </a:r>
+          </a:p>
+          <a:p>
+            <a:r>
+              <a:rPr lang="ru-RU" dirty="0"/>
+              <a:t>Написать номер (по таблице) и ФИО на листочке</a:t>
+            </a:r>
+          </a:p>
+          <a:p>
+            <a:r>
+              <a:rPr lang="ru-RU" dirty="0"/>
+              <a:t>Написать краткий ответ на вопрос</a:t>
+            </a:r>
+            <a:endParaRPr lang="en-US" dirty="0"/>
+          </a:p>
+          <a:p>
+            <a:r>
+              <a:rPr lang="ru-RU" dirty="0"/>
+              <a:t>Дождаться окончания теста</a:t>
+            </a:r>
+          </a:p>
+        </p:txBody>
+      </p:sp>
+    </p:spTree>
+    <p:extLst>
+      <p:ext uri="{BB962C8B-B14F-4D97-AF65-F5344CB8AC3E}">
+        <p14:creationId xmlns:p14="http://schemas.microsoft.com/office/powerpoint/2010/main" val="541666705"/>
       </p:ext>
     </p:extLst>
   </p:cSld>
@@ -13267,7 +13464,7 @@
           <a:lstStyle/>
           <a:p>
             <a:r>
-              <a:rPr lang="en-US" sz="20000" dirty="0" smtClean="0">
+              <a:rPr lang="en-US" sz="20000" dirty="0">
                 <a:solidFill>
                   <a:schemeClr val="bg1"/>
                 </a:solidFill>
@@ -13276,7 +13473,7 @@
               <a:t>TIME</a:t>
             </a:r>
             <a:r>
-              <a:rPr lang="en-US" sz="15000" dirty="0" smtClean="0">
+              <a:rPr lang="en-US" sz="15000" dirty="0">
                 <a:solidFill>
                   <a:schemeClr val="bg1"/>
                 </a:solidFill>
@@ -13317,7 +13514,7 @@
               <a:buNone/>
             </a:pPr>
             <a:r>
-              <a:rPr lang="en-US" sz="20000" dirty="0" smtClean="0">
+              <a:rPr lang="en-US" sz="20000" dirty="0">
                 <a:solidFill>
                   <a:schemeClr val="bg1"/>
                 </a:solidFill>
@@ -13399,7 +13596,7 @@
           </a:lstStyle>
           <a:p>
             <a:r>
-              <a:rPr lang="en-US" sz="20000" dirty="0" smtClean="0">
+              <a:rPr lang="en-US" sz="20000" dirty="0">
                 <a:solidFill>
                   <a:schemeClr val="bg1"/>
                 </a:solidFill>
@@ -13408,7 +13605,7 @@
               <a:t>IS</a:t>
             </a:r>
             <a:r>
-              <a:rPr lang="en-US" sz="20000" dirty="0" smtClean="0">
+              <a:rPr lang="en-US" sz="20000" dirty="0">
                 <a:solidFill>
                   <a:schemeClr val="bg1"/>
                 </a:solidFill>
@@ -13655,13 +13852,13 @@
           <a:lstStyle/>
           <a:p>
             <a:r>
-              <a:rPr lang="ru-RU" dirty="0" smtClean="0"/>
+              <a:rPr lang="ru-RU" dirty="0"/>
               <a:t>Блочные шифры часто строятся с использованием итеративных (раундовых) функций и функции расширения ключей (см. прошлую лекцию)</a:t>
             </a:r>
           </a:p>
           <a:p>
             <a:r>
-              <a:rPr lang="ru-RU" dirty="0" smtClean="0"/>
+              <a:rPr lang="ru-RU" dirty="0"/>
               <a:t>Сами по себе итеративные функции и функции расширения ключей могут быть не стойкими</a:t>
             </a:r>
           </a:p>
@@ -13723,14 +13920,11 @@
           <a:p>
             <a:pPr algn="ctr"/>
             <a:r>
-              <a:rPr lang="en-US" dirty="0" smtClean="0">
+              <a:rPr lang="en-US" dirty="0">
                 <a:latin typeface="+mn-lt"/>
               </a:rPr>
               <a:t>key  k</a:t>
             </a:r>
-            <a:endParaRPr lang="en-US" dirty="0">
-              <a:latin typeface="+mn-lt"/>
-            </a:endParaRPr>
           </a:p>
         </p:txBody>
       </p:sp>
@@ -13797,7 +13991,7 @@
           <a:lstStyle/>
           <a:p>
             <a:r>
-              <a:rPr lang="en-US" dirty="0" smtClean="0">
+              <a:rPr lang="en-US" dirty="0">
                 <a:latin typeface="+mn-lt"/>
               </a:rPr>
               <a:t>key expansion</a:t>
@@ -13838,13 +14032,13 @@
           <a:p>
             <a:pPr algn="ctr"/>
             <a:r>
-              <a:rPr lang="en-US" sz="2000" dirty="0" smtClean="0">
+              <a:rPr lang="en-US" sz="2000" dirty="0">
                 <a:latin typeface="+mn-lt"/>
               </a:rPr>
               <a:t>k</a:t>
             </a:r>
             <a:r>
-              <a:rPr lang="en-US" sz="2000" baseline="-25000" dirty="0" smtClean="0">
+              <a:rPr lang="en-US" sz="2000" baseline="-25000" dirty="0">
                 <a:latin typeface="+mn-lt"/>
               </a:rPr>
               <a:t>1</a:t>
@@ -13888,13 +14082,13 @@
           <a:p>
             <a:pPr algn="ctr"/>
             <a:r>
-              <a:rPr lang="en-US" sz="2000" dirty="0" smtClean="0">
+              <a:rPr lang="en-US" sz="2000" dirty="0">
                 <a:latin typeface="+mn-lt"/>
               </a:rPr>
               <a:t>k</a:t>
             </a:r>
             <a:r>
-              <a:rPr lang="en-US" sz="2000" baseline="-25000" dirty="0" smtClean="0">
+              <a:rPr lang="en-US" sz="2000" baseline="-25000" dirty="0">
                 <a:latin typeface="+mn-lt"/>
               </a:rPr>
               <a:t>2</a:t>
@@ -13938,13 +14132,13 @@
           <a:p>
             <a:pPr algn="ctr"/>
             <a:r>
-              <a:rPr lang="en-US" sz="2000" dirty="0" smtClean="0">
+              <a:rPr lang="en-US" sz="2000" dirty="0">
                 <a:latin typeface="+mn-lt"/>
               </a:rPr>
               <a:t>k</a:t>
             </a:r>
             <a:r>
-              <a:rPr lang="en-US" sz="2000" baseline="-25000" dirty="0" smtClean="0">
+              <a:rPr lang="en-US" sz="2000" baseline="-25000" dirty="0">
                 <a:latin typeface="+mn-lt"/>
               </a:rPr>
               <a:t>3</a:t>
@@ -13988,13 +14182,13 @@
           <a:p>
             <a:pPr algn="ctr"/>
             <a:r>
-              <a:rPr lang="en-US" sz="2000" dirty="0" err="1" smtClean="0">
+              <a:rPr lang="en-US" sz="2000" dirty="0" err="1">
                 <a:latin typeface="+mn-lt"/>
               </a:rPr>
               <a:t>k</a:t>
             </a:r>
             <a:r>
-              <a:rPr lang="en-US" sz="2000" baseline="-25000" dirty="0" err="1" smtClean="0">
+              <a:rPr lang="en-US" sz="2000" baseline="-25000" dirty="0" err="1">
                 <a:latin typeface="+mn-lt"/>
               </a:rPr>
               <a:t>n</a:t>
@@ -14038,25 +14232,25 @@
           <a:p>
             <a:pPr algn="ctr"/>
             <a:r>
-              <a:rPr lang="en-US" dirty="0" smtClean="0">
+              <a:rPr lang="en-US" dirty="0">
                 <a:latin typeface="+mn-lt"/>
               </a:rPr>
               <a:t>R(k</a:t>
             </a:r>
             <a:r>
-              <a:rPr lang="en-US" baseline="-25000" dirty="0" smtClean="0">
+              <a:rPr lang="en-US" baseline="-25000" dirty="0">
                 <a:latin typeface="+mn-lt"/>
               </a:rPr>
               <a:t>1</a:t>
             </a:r>
             <a:r>
-              <a:rPr lang="en-US" dirty="0" smtClean="0">
+              <a:rPr lang="en-US" dirty="0">
                 <a:latin typeface="+mn-lt"/>
               </a:rPr>
               <a:t>, </a:t>
             </a:r>
             <a:r>
-              <a:rPr lang="en-US" dirty="0" smtClean="0">
+              <a:rPr lang="en-US" dirty="0">
                 <a:latin typeface="+mn-lt"/>
                 <a:sym typeface="Symbol"/>
               </a:rPr>
@@ -14101,25 +14295,25 @@
           <a:p>
             <a:pPr algn="ctr"/>
             <a:r>
-              <a:rPr lang="en-US" dirty="0" smtClean="0">
+              <a:rPr lang="en-US" dirty="0">
                 <a:latin typeface="+mn-lt"/>
               </a:rPr>
               <a:t>R(k</a:t>
             </a:r>
             <a:r>
-              <a:rPr lang="en-US" baseline="-25000" dirty="0" smtClean="0">
+              <a:rPr lang="en-US" baseline="-25000" dirty="0">
                 <a:latin typeface="+mn-lt"/>
               </a:rPr>
               <a:t>2</a:t>
             </a:r>
             <a:r>
-              <a:rPr lang="en-US" dirty="0" smtClean="0">
+              <a:rPr lang="en-US" dirty="0">
                 <a:latin typeface="+mn-lt"/>
               </a:rPr>
               <a:t>, </a:t>
             </a:r>
             <a:r>
-              <a:rPr lang="en-US" dirty="0" smtClean="0">
+              <a:rPr lang="en-US" dirty="0">
                 <a:latin typeface="+mn-lt"/>
                 <a:sym typeface="Symbol"/>
               </a:rPr>
@@ -14164,25 +14358,25 @@
           <a:p>
             <a:pPr algn="ctr"/>
             <a:r>
-              <a:rPr lang="en-US" dirty="0" smtClean="0">
+              <a:rPr lang="en-US" dirty="0">
                 <a:latin typeface="+mn-lt"/>
               </a:rPr>
               <a:t>R(k</a:t>
             </a:r>
             <a:r>
-              <a:rPr lang="en-US" baseline="-25000" dirty="0" smtClean="0">
+              <a:rPr lang="en-US" baseline="-25000" dirty="0">
                 <a:latin typeface="+mn-lt"/>
               </a:rPr>
               <a:t>3</a:t>
             </a:r>
             <a:r>
-              <a:rPr lang="en-US" dirty="0" smtClean="0">
+              <a:rPr lang="en-US" dirty="0">
                 <a:latin typeface="+mn-lt"/>
               </a:rPr>
               <a:t>, </a:t>
             </a:r>
             <a:r>
-              <a:rPr lang="en-US" dirty="0" smtClean="0">
+              <a:rPr lang="en-US" dirty="0">
                 <a:latin typeface="+mn-lt"/>
                 <a:sym typeface="Symbol"/>
               </a:rPr>
@@ -14227,31 +14421,31 @@
           <a:p>
             <a:pPr algn="ctr"/>
             <a:r>
-              <a:rPr lang="en-US" dirty="0" smtClean="0">
+              <a:rPr lang="en-US" dirty="0">
                 <a:latin typeface="+mn-lt"/>
               </a:rPr>
               <a:t>R(</a:t>
             </a:r>
             <a:r>
-              <a:rPr lang="en-US" dirty="0" err="1" smtClean="0">
+              <a:rPr lang="en-US" dirty="0" err="1">
                 <a:latin typeface="+mn-lt"/>
               </a:rPr>
               <a:t>k</a:t>
             </a:r>
             <a:r>
-              <a:rPr lang="en-US" baseline="-25000" dirty="0" err="1" smtClean="0">
+              <a:rPr lang="en-US" baseline="-25000" dirty="0" err="1">
                 <a:latin typeface="+mn-lt"/>
               </a:rPr>
               <a:t>n</a:t>
             </a:r>
             <a:r>
-              <a:rPr lang="en-US" dirty="0" smtClean="0">
+              <a:rPr lang="en-US" dirty="0">
                 <a:latin typeface="+mn-lt"/>
               </a:rPr>
               <a:t>, </a:t>
             </a:r>
             <a:r>
-              <a:rPr lang="en-US" dirty="0" smtClean="0">
+              <a:rPr lang="en-US" dirty="0">
                 <a:latin typeface="+mn-lt"/>
                 <a:sym typeface="Symbol"/>
               </a:rPr>
@@ -14605,12 +14799,12 @@
           <a:lstStyle/>
           <a:p>
             <a:r>
-              <a:rPr lang="en-US" sz="2800" dirty="0" smtClean="0">
+              <a:rPr lang="en-US" sz="2800" dirty="0">
                 <a:latin typeface="+mn-lt"/>
               </a:rPr>
               <a:t>m</a:t>
             </a:r>
-            <a:endParaRPr lang="en-US" dirty="0" smtClean="0">
+            <a:endParaRPr lang="en-US" dirty="0">
               <a:latin typeface="+mn-lt"/>
             </a:endParaRPr>
           </a:p>
@@ -14639,12 +14833,12 @@
           <a:lstStyle/>
           <a:p>
             <a:r>
-              <a:rPr lang="en-US" sz="2800" dirty="0" smtClean="0">
+              <a:rPr lang="en-US" sz="2800" dirty="0">
                 <a:latin typeface="+mn-lt"/>
               </a:rPr>
               <a:t>c</a:t>
             </a:r>
-            <a:endParaRPr lang="en-US" dirty="0" smtClean="0">
+            <a:endParaRPr lang="en-US" dirty="0">
               <a:latin typeface="+mn-lt"/>
             </a:endParaRPr>
           </a:p>
@@ -14683,7 +14877,7 @@
           <a:p>
             <a:pPr algn="ctr"/>
             <a:r>
-              <a:rPr lang="en-US" dirty="0" smtClean="0"/>
+              <a:rPr lang="en-US" dirty="0"/>
               <a:t>Input(.)</a:t>
             </a:r>
             <a:endParaRPr lang="en-US" dirty="0">
@@ -14725,7 +14919,7 @@
           <a:p>
             <a:pPr algn="ctr"/>
             <a:r>
-              <a:rPr lang="en-US" dirty="0" smtClean="0"/>
+              <a:rPr lang="en-US" dirty="0"/>
               <a:t>Output(.)</a:t>
             </a:r>
             <a:endParaRPr lang="en-US" dirty="0">
@@ -14802,13 +14996,6 @@
   <p:clrMapOvr>
     <a:masterClrMapping/>
   </p:clrMapOvr>
-  <p:timing>
-    <p:tnLst>
-      <p:par>
-        <p:cTn id="1" dur="indefinite" restart="never" nodeType="tmRoot"/>
-      </p:par>
-    </p:tnLst>
-  </p:timing>
 </p:sld>
 </file>
 
@@ -14845,11 +15032,11 @@
           <a:lstStyle/>
           <a:p>
             <a:r>
-              <a:rPr lang="ru-RU" dirty="0" smtClean="0"/>
+              <a:rPr lang="ru-RU" dirty="0"/>
               <a:t>Сеть </a:t>
             </a:r>
             <a:r>
-              <a:rPr lang="ru-RU" dirty="0" err="1" smtClean="0"/>
+              <a:rPr lang="ru-RU" dirty="0" err="1"/>
               <a:t>Фейстеля</a:t>
             </a:r>
             <a:endParaRPr lang="ru-RU" dirty="0"/>
@@ -14874,7 +15061,7 @@
               <a:lstStyle/>
               <a:p>
                 <a:r>
-                  <a:rPr lang="ru-RU" dirty="0" smtClean="0"/>
+                  <a:rPr lang="ru-RU" dirty="0"/>
                   <a:t>Пусть </a:t>
                 </a:r>
                 <a14:m>
@@ -15025,11 +15212,11 @@
                     </m:sSup>
                   </m:oMath>
                 </a14:m>
-                <a:endParaRPr lang="en-US" dirty="0" smtClean="0"/>
+                <a:endParaRPr lang="en-US" dirty="0"/>
               </a:p>
               <a:p>
                 <a:r>
-                  <a:rPr lang="ru-RU" dirty="0" smtClean="0"/>
+                  <a:rPr lang="ru-RU" dirty="0"/>
                   <a:t>Построим функцию </a:t>
                 </a:r>
                 <a14:m>
@@ -15143,7 +15330,7 @@
                   </m:oMath>
                 </a14:m>
                 <a:r>
-                  <a:rPr lang="en-US" dirty="0" smtClean="0"/>
+                  <a:rPr lang="en-US" dirty="0"/>
                   <a:t>:</a:t>
                 </a:r>
               </a:p>
@@ -15288,7 +15475,7 @@
                     </m:sSub>
                   </m:oMath>
                 </a14:m>
-                <a:endParaRPr lang="en-US" b="0" dirty="0" smtClean="0"/>
+                <a:endParaRPr lang="en-US" b="0" dirty="0"/>
               </a:p>
               <a:p>
                 <a:pPr lvl="1"/>
@@ -15359,7 +15546,7 @@
                   </m:oMath>
                 </a14:m>
                 <a:r>
-                  <a:rPr lang="en-US" dirty="0" smtClean="0"/>
+                  <a:rPr lang="en-US" dirty="0"/>
                   <a:t>, </a:t>
                 </a:r>
                 <a14:m>
@@ -15574,13 +15761,6 @@
   <p:clrMapOvr>
     <a:masterClrMapping/>
   </p:clrMapOvr>
-  <p:timing>
-    <p:tnLst>
-      <p:par>
-        <p:cTn id="1" dur="indefinite" restart="never" nodeType="tmRoot"/>
-      </p:par>
-    </p:tnLst>
-  </p:timing>
 </p:sld>
 </file>
 
@@ -15644,23 +15824,19 @@
           <a:lstStyle/>
           <a:p>
             <a:r>
-              <a:rPr lang="ru-RU" dirty="0" smtClean="0"/>
+              <a:rPr lang="ru-RU" dirty="0"/>
               <a:t>Фактически сеть </a:t>
             </a:r>
             <a:r>
               <a:rPr lang="ru-RU" dirty="0" err="1"/>
-              <a:t>Ф</a:t>
-            </a:r>
-            <a:r>
-              <a:rPr lang="ru-RU" dirty="0" err="1" smtClean="0"/>
-              <a:t>ейстеля</a:t>
-            </a:r>
-            <a:r>
-              <a:rPr lang="ru-RU" dirty="0" smtClean="0"/>
+              <a:t>Фейстеля</a:t>
+            </a:r>
+            <a:r>
+              <a:rPr lang="ru-RU" dirty="0"/>
               <a:t> есть линейный двухблочный регистр сдвига</a:t>
             </a:r>
             <a:r>
-              <a:rPr lang="en-US" dirty="0" smtClean="0"/>
+              <a:rPr lang="en-US" dirty="0"/>
               <a:t>:</a:t>
             </a:r>
             <a:endParaRPr lang="ru-RU" dirty="0"/>
@@ -16354,13 +16530,6 @@
   <p:clrMapOvr>
     <a:masterClrMapping/>
   </p:clrMapOvr>
-  <p:timing>
-    <p:tnLst>
-      <p:par>
-        <p:cTn id="1" dur="indefinite" restart="never" nodeType="tmRoot"/>
-      </p:par>
-    </p:tnLst>
-  </p:timing>
 </p:sld>
 </file>
 
@@ -16435,16 +16604,12 @@
           <a:lstStyle/>
           <a:p>
             <a:r>
-              <a:rPr lang="ru-RU" dirty="0" smtClean="0"/>
+              <a:rPr lang="ru-RU" dirty="0"/>
               <a:t>Сеть </a:t>
             </a:r>
             <a:r>
               <a:rPr lang="ru-RU" dirty="0" err="1"/>
-              <a:t>Ф</a:t>
-            </a:r>
-            <a:r>
-              <a:rPr lang="ru-RU" dirty="0" err="1" smtClean="0"/>
-              <a:t>ейстеля</a:t>
+              <a:t>Фейстеля</a:t>
             </a:r>
             <a:endParaRPr lang="ru-RU" dirty="0"/>
           </a:p>
@@ -16476,11 +16641,11 @@
                   <a:buNone/>
                 </a:pPr>
                 <a:r>
-                  <a:rPr lang="ru-RU" b="1" dirty="0" smtClean="0"/>
+                  <a:rPr lang="ru-RU" b="1" dirty="0"/>
                   <a:t>Теорема 5.1 </a:t>
                 </a:r>
                 <a:r>
-                  <a:rPr lang="ru-RU" dirty="0" smtClean="0"/>
+                  <a:rPr lang="ru-RU" dirty="0"/>
                   <a:t>Для любых функций </a:t>
                 </a:r>
                 <a14:m>
@@ -16613,19 +16778,19 @@
                   </m:oMath>
                 </a14:m>
                 <a:r>
-                  <a:rPr lang="en-US" dirty="0" smtClean="0"/>
+                  <a:rPr lang="en-US" dirty="0"/>
                   <a:t> </a:t>
                 </a:r>
                 <a:r>
-                  <a:rPr lang="ru-RU" dirty="0" smtClean="0"/>
+                  <a:rPr lang="ru-RU" dirty="0"/>
                   <a:t>сеть </a:t>
                 </a:r>
                 <a:r>
-                  <a:rPr lang="ru-RU" dirty="0" err="1" smtClean="0"/>
+                  <a:rPr lang="ru-RU" dirty="0" err="1"/>
                   <a:t>Фейстеля</a:t>
                 </a:r>
                 <a:r>
-                  <a:rPr lang="ru-RU" dirty="0" smtClean="0"/>
+                  <a:rPr lang="ru-RU" dirty="0"/>
                   <a:t> обратима</a:t>
                 </a:r>
               </a:p>
@@ -16982,13 +17147,6 @@
   <p:clrMapOvr>
     <a:masterClrMapping/>
   </p:clrMapOvr>
-  <p:timing>
-    <p:tnLst>
-      <p:par>
-        <p:cTn id="1" dur="indefinite" restart="never" nodeType="tmRoot"/>
-      </p:par>
-    </p:tnLst>
-  </p:timing>
 </p:sld>
 </file>
 
@@ -17025,11 +17183,11 @@
           <a:lstStyle/>
           <a:p>
             <a:r>
-              <a:rPr lang="ru-RU" dirty="0" smtClean="0"/>
+              <a:rPr lang="ru-RU" dirty="0"/>
               <a:t>Сеть </a:t>
             </a:r>
             <a:r>
-              <a:rPr lang="ru-RU" dirty="0" err="1" smtClean="0"/>
+              <a:rPr lang="ru-RU" dirty="0" err="1"/>
               <a:t>Фейстеля</a:t>
             </a:r>
             <a:endParaRPr lang="ru-RU" dirty="0"/>
@@ -17054,23 +17212,23 @@
               <a:lstStyle/>
               <a:p>
                 <a:r>
-                  <a:rPr lang="ru-RU" dirty="0" smtClean="0"/>
+                  <a:rPr lang="ru-RU" dirty="0"/>
                   <a:t>Обратное преобразование сети </a:t>
                 </a:r>
                 <a:r>
-                  <a:rPr lang="ru-RU" dirty="0" err="1" smtClean="0"/>
+                  <a:rPr lang="ru-RU" dirty="0" err="1"/>
                   <a:t>Фейстеля</a:t>
                 </a:r>
                 <a:r>
-                  <a:rPr lang="ru-RU" dirty="0" smtClean="0"/>
+                  <a:rPr lang="ru-RU" dirty="0"/>
                   <a:t> – сеть </a:t>
                 </a:r>
                 <a:r>
-                  <a:rPr lang="ru-RU" dirty="0" err="1" smtClean="0"/>
+                  <a:rPr lang="ru-RU" dirty="0" err="1"/>
                   <a:t>Фейстеля</a:t>
                 </a:r>
                 <a:r>
-                  <a:rPr lang="ru-RU" dirty="0" smtClean="0"/>
+                  <a:rPr lang="ru-RU" dirty="0"/>
                   <a:t> с обратным порядком следования функций </a:t>
                 </a:r>
                 <a14:m>
@@ -17134,7 +17292,7 @@
                   </m:oMath>
                 </a14:m>
                 <a:r>
-                  <a:rPr lang="en-US" dirty="0" smtClean="0"/>
+                  <a:rPr lang="en-US" dirty="0"/>
                   <a:t>:</a:t>
                 </a:r>
                 <a:endParaRPr lang="ru-RU" dirty="0"/>
@@ -17233,13 +17391,6 @@
   <p:clrMapOvr>
     <a:masterClrMapping/>
   </p:clrMapOvr>
-  <p:timing>
-    <p:tnLst>
-      <p:par>
-        <p:cTn id="1" dur="indefinite" restart="never" nodeType="tmRoot"/>
-      </p:par>
-    </p:tnLst>
-  </p:timing>
 </p:sld>
 </file>
 
